--- a/Part6/The Adventurous Project of building a processor.pptx
+++ b/Part6/The Adventurous Project of building a processor.pptx
@@ -131,6 +131,11 @@
       </a:defRPr>
     </a:lvl9pPr>
   </p:defaultTextStyle>
+  <p:extLst>
+    <p:ext uri="{EFAFB233-063F-42B5-8137-9DF3F51BA10A}">
+      <p15:sldGuideLst xmlns:p15="http://schemas.microsoft.com/office/powerpoint/2012/main"/>
+    </p:ext>
+  </p:extLst>
 </p:presentation>
 </file>
 
@@ -4326,25 +4331,25 @@
     </dgm:pt>
   </dgm:ptLst>
   <dgm:cxnLst>
-    <dgm:cxn modelId="{9B98A9BA-53DF-4B14-8D25-E8623B3252BB}" srcId="{D8DAA8AE-7F66-4B52-8C86-FC7EED016120}" destId="{C6F04249-B6D0-416C-9F9F-4EDA67129DAD}" srcOrd="3" destOrd="0" parTransId="{D5F6F296-880B-4567-A743-FBB5C8888B5B}" sibTransId="{B40CC058-E685-4A2E-B8D5-BFB590FA6D96}"/>
+    <dgm:cxn modelId="{5AAB43D7-03F6-4D03-A408-88D0FA040E82}" type="presOf" srcId="{C6F04249-B6D0-416C-9F9F-4EDA67129DAD}" destId="{CF54B4E9-451C-4C25-98B6-F8E8C27D69A4}" srcOrd="0" destOrd="0" presId="urn:microsoft.com/office/officeart/2005/8/layout/pyramid1"/>
     <dgm:cxn modelId="{98B7545F-977C-409F-BFF2-E3381B05C705}" type="presOf" srcId="{B8F93688-C4BC-4ED1-B1DF-7F9430B5E825}" destId="{7B626763-4893-43F7-9271-4E692141004F}" srcOrd="1" destOrd="0" presId="urn:microsoft.com/office/officeart/2005/8/layout/pyramid1"/>
-    <dgm:cxn modelId="{250A6AEC-E855-4F13-BD50-D3C7A2561AF4}" srcId="{D8DAA8AE-7F66-4B52-8C86-FC7EED016120}" destId="{EB242838-CCA0-4E27-866E-6DCE89554827}" srcOrd="4" destOrd="0" parTransId="{8F7C7A51-34DF-4E13-971E-4D060697DD6E}" sibTransId="{0B70A1F7-B231-44C9-BCE6-DBCF13A128E7}"/>
-    <dgm:cxn modelId="{CE87FCFE-9D43-45E9-B2FD-F3A7DC4767D1}" type="presOf" srcId="{C6F04249-B6D0-416C-9F9F-4EDA67129DAD}" destId="{CB027AEC-295F-430A-A637-C029C5C4AA03}" srcOrd="1" destOrd="0" presId="urn:microsoft.com/office/officeart/2005/8/layout/pyramid1"/>
-    <dgm:cxn modelId="{3E1228BD-ADAD-48E7-8772-28D0BE56EDB4}" type="presOf" srcId="{5AB28A24-C675-4993-B24E-5B85F600661D}" destId="{DA124D75-49D5-4F57-A0C4-17ABBF08DF51}" srcOrd="0" destOrd="0" presId="urn:microsoft.com/office/officeart/2005/8/layout/pyramid1"/>
-    <dgm:cxn modelId="{18CAD0E3-8C9C-4972-9900-50040385E0F7}" type="presOf" srcId="{EB242838-CCA0-4E27-866E-6DCE89554827}" destId="{A5712D3E-DB1F-48E6-95D5-D3D05D9E09B8}" srcOrd="1" destOrd="0" presId="urn:microsoft.com/office/officeart/2005/8/layout/pyramid1"/>
-    <dgm:cxn modelId="{5AAB43D7-03F6-4D03-A408-88D0FA040E82}" type="presOf" srcId="{C6F04249-B6D0-416C-9F9F-4EDA67129DAD}" destId="{CF54B4E9-451C-4C25-98B6-F8E8C27D69A4}" srcOrd="0" destOrd="0" presId="urn:microsoft.com/office/officeart/2005/8/layout/pyramid1"/>
+    <dgm:cxn modelId="{8336BAB0-1D15-4A77-9859-E84BD9D13D9F}" type="presOf" srcId="{EB242838-CCA0-4E27-866E-6DCE89554827}" destId="{9D86D359-0F37-4C5C-84AD-DEA18AB68C8F}" srcOrd="0" destOrd="0" presId="urn:microsoft.com/office/officeart/2005/8/layout/pyramid1"/>
     <dgm:cxn modelId="{B780EBDF-2F03-45C5-A284-BBE6BA138999}" type="presOf" srcId="{B8F93688-C4BC-4ED1-B1DF-7F9430B5E825}" destId="{DB8DE101-C499-4DF2-B717-97E860F73664}" srcOrd="0" destOrd="0" presId="urn:microsoft.com/office/officeart/2005/8/layout/pyramid1"/>
-    <dgm:cxn modelId="{232B2B8A-3820-4B68-BAC3-710AC26FB94F}" type="presOf" srcId="{91A4CA43-CF8D-4B1D-97C1-F58E1370EC50}" destId="{DDCD0FF1-396A-4780-AE6B-715F2EF2B458}" srcOrd="1" destOrd="0" presId="urn:microsoft.com/office/officeart/2005/8/layout/pyramid1"/>
-    <dgm:cxn modelId="{8336BAB0-1D15-4A77-9859-E84BD9D13D9F}" type="presOf" srcId="{EB242838-CCA0-4E27-866E-6DCE89554827}" destId="{9D86D359-0F37-4C5C-84AD-DEA18AB68C8F}" srcOrd="0" destOrd="0" presId="urn:microsoft.com/office/officeart/2005/8/layout/pyramid1"/>
-    <dgm:cxn modelId="{B4E55C04-5FD0-4F92-A6F1-98AB0D09C1D3}" type="presOf" srcId="{095D658D-7E7F-431A-896F-C60217FFD6FA}" destId="{7AFCD94D-C4A7-4935-A7C6-4E528248EC02}" srcOrd="0" destOrd="0" presId="urn:microsoft.com/office/officeart/2005/8/layout/pyramid1"/>
-    <dgm:cxn modelId="{1F026D14-0CC2-4E11-B075-A360930C337F}" srcId="{D8DAA8AE-7F66-4B52-8C86-FC7EED016120}" destId="{095D658D-7E7F-431A-896F-C60217FFD6FA}" srcOrd="0" destOrd="0" parTransId="{9A62937F-5C8B-4180-9CD8-656624E9C411}" sibTransId="{A9F19A5A-556B-4D40-BFE0-42E78A74B4D4}"/>
-    <dgm:cxn modelId="{40579AF8-90DC-4D07-8B30-26E2726FC867}" type="presOf" srcId="{095D658D-7E7F-431A-896F-C60217FFD6FA}" destId="{386F2FCD-53AC-4147-AF94-DFE1C7F14EAC}" srcOrd="1" destOrd="0" presId="urn:microsoft.com/office/officeart/2005/8/layout/pyramid1"/>
-    <dgm:cxn modelId="{E0DA6FEB-1BFC-498E-B14B-24B83C422B55}" type="presOf" srcId="{D8DAA8AE-7F66-4B52-8C86-FC7EED016120}" destId="{AA125D76-CA4A-414E-A60C-FE7D4ABE76AE}" srcOrd="0" destOrd="0" presId="urn:microsoft.com/office/officeart/2005/8/layout/pyramid1"/>
-    <dgm:cxn modelId="{309152C8-CCC0-4210-A9A8-E9B715022CE9}" srcId="{D8DAA8AE-7F66-4B52-8C86-FC7EED016120}" destId="{5AB28A24-C675-4993-B24E-5B85F600661D}" srcOrd="2" destOrd="0" parTransId="{8C80542D-27E8-4AAF-B581-02C85AF0B56E}" sibTransId="{4158FEC6-AC51-42DB-A386-1922C6AD6BE1}"/>
     <dgm:cxn modelId="{57CD089F-6E81-453A-9466-7DD0F29E5862}" type="presOf" srcId="{5AB28A24-C675-4993-B24E-5B85F600661D}" destId="{4B128489-434B-49B9-924A-7B8243EEADBF}" srcOrd="1" destOrd="0" presId="urn:microsoft.com/office/officeart/2005/8/layout/pyramid1"/>
     <dgm:cxn modelId="{F644424A-A53F-42C9-AC46-A808DA67090E}" srcId="{D8DAA8AE-7F66-4B52-8C86-FC7EED016120}" destId="{B8F93688-C4BC-4ED1-B1DF-7F9430B5E825}" srcOrd="1" destOrd="0" parTransId="{90975883-9FD1-47C3-811B-7368BA4AB210}" sibTransId="{D4048B8E-09ED-413C-9B88-87A1ECC91F9B}"/>
+    <dgm:cxn modelId="{309152C8-CCC0-4210-A9A8-E9B715022CE9}" srcId="{D8DAA8AE-7F66-4B52-8C86-FC7EED016120}" destId="{5AB28A24-C675-4993-B24E-5B85F600661D}" srcOrd="2" destOrd="0" parTransId="{8C80542D-27E8-4AAF-B581-02C85AF0B56E}" sibTransId="{4158FEC6-AC51-42DB-A386-1922C6AD6BE1}"/>
+    <dgm:cxn modelId="{CE87FCFE-9D43-45E9-B2FD-F3A7DC4767D1}" type="presOf" srcId="{C6F04249-B6D0-416C-9F9F-4EDA67129DAD}" destId="{CB027AEC-295F-430A-A637-C029C5C4AA03}" srcOrd="1" destOrd="0" presId="urn:microsoft.com/office/officeart/2005/8/layout/pyramid1"/>
+    <dgm:cxn modelId="{1E722129-07EE-4249-9D90-2081AD4750B0}" type="presOf" srcId="{91A4CA43-CF8D-4B1D-97C1-F58E1370EC50}" destId="{E61534D9-D9D1-45A0-9984-BE28E6137D7F}" srcOrd="0" destOrd="0" presId="urn:microsoft.com/office/officeart/2005/8/layout/pyramid1"/>
     <dgm:cxn modelId="{3D69E118-D13F-4A01-B4BE-8C313C2FECA4}" srcId="{D8DAA8AE-7F66-4B52-8C86-FC7EED016120}" destId="{91A4CA43-CF8D-4B1D-97C1-F58E1370EC50}" srcOrd="5" destOrd="0" parTransId="{5BD6478F-86E9-4319-8F82-D462F21260A4}" sibTransId="{FED80D0C-3D3E-4608-A6F4-6706F8437419}"/>
-    <dgm:cxn modelId="{1E722129-07EE-4249-9D90-2081AD4750B0}" type="presOf" srcId="{91A4CA43-CF8D-4B1D-97C1-F58E1370EC50}" destId="{E61534D9-D9D1-45A0-9984-BE28E6137D7F}" srcOrd="0" destOrd="0" presId="urn:microsoft.com/office/officeart/2005/8/layout/pyramid1"/>
+    <dgm:cxn modelId="{250A6AEC-E855-4F13-BD50-D3C7A2561AF4}" srcId="{D8DAA8AE-7F66-4B52-8C86-FC7EED016120}" destId="{EB242838-CCA0-4E27-866E-6DCE89554827}" srcOrd="4" destOrd="0" parTransId="{8F7C7A51-34DF-4E13-971E-4D060697DD6E}" sibTransId="{0B70A1F7-B231-44C9-BCE6-DBCF13A128E7}"/>
+    <dgm:cxn modelId="{B4E55C04-5FD0-4F92-A6F1-98AB0D09C1D3}" type="presOf" srcId="{095D658D-7E7F-431A-896F-C60217FFD6FA}" destId="{7AFCD94D-C4A7-4935-A7C6-4E528248EC02}" srcOrd="0" destOrd="0" presId="urn:microsoft.com/office/officeart/2005/8/layout/pyramid1"/>
+    <dgm:cxn modelId="{3E1228BD-ADAD-48E7-8772-28D0BE56EDB4}" type="presOf" srcId="{5AB28A24-C675-4993-B24E-5B85F600661D}" destId="{DA124D75-49D5-4F57-A0C4-17ABBF08DF51}" srcOrd="0" destOrd="0" presId="urn:microsoft.com/office/officeart/2005/8/layout/pyramid1"/>
+    <dgm:cxn modelId="{232B2B8A-3820-4B68-BAC3-710AC26FB94F}" type="presOf" srcId="{91A4CA43-CF8D-4B1D-97C1-F58E1370EC50}" destId="{DDCD0FF1-396A-4780-AE6B-715F2EF2B458}" srcOrd="1" destOrd="0" presId="urn:microsoft.com/office/officeart/2005/8/layout/pyramid1"/>
+    <dgm:cxn modelId="{9B98A9BA-53DF-4B14-8D25-E8623B3252BB}" srcId="{D8DAA8AE-7F66-4B52-8C86-FC7EED016120}" destId="{C6F04249-B6D0-416C-9F9F-4EDA67129DAD}" srcOrd="3" destOrd="0" parTransId="{D5F6F296-880B-4567-A743-FBB5C8888B5B}" sibTransId="{B40CC058-E685-4A2E-B8D5-BFB590FA6D96}"/>
+    <dgm:cxn modelId="{40579AF8-90DC-4D07-8B30-26E2726FC867}" type="presOf" srcId="{095D658D-7E7F-431A-896F-C60217FFD6FA}" destId="{386F2FCD-53AC-4147-AF94-DFE1C7F14EAC}" srcOrd="1" destOrd="0" presId="urn:microsoft.com/office/officeart/2005/8/layout/pyramid1"/>
+    <dgm:cxn modelId="{1F026D14-0CC2-4E11-B075-A360930C337F}" srcId="{D8DAA8AE-7F66-4B52-8C86-FC7EED016120}" destId="{095D658D-7E7F-431A-896F-C60217FFD6FA}" srcOrd="0" destOrd="0" parTransId="{9A62937F-5C8B-4180-9CD8-656624E9C411}" sibTransId="{A9F19A5A-556B-4D40-BFE0-42E78A74B4D4}"/>
+    <dgm:cxn modelId="{E0DA6FEB-1BFC-498E-B14B-24B83C422B55}" type="presOf" srcId="{D8DAA8AE-7F66-4B52-8C86-FC7EED016120}" destId="{AA125D76-CA4A-414E-A60C-FE7D4ABE76AE}" srcOrd="0" destOrd="0" presId="urn:microsoft.com/office/officeart/2005/8/layout/pyramid1"/>
+    <dgm:cxn modelId="{18CAD0E3-8C9C-4972-9900-50040385E0F7}" type="presOf" srcId="{EB242838-CCA0-4E27-866E-6DCE89554827}" destId="{A5712D3E-DB1F-48E6-95D5-D3D05D9E09B8}" srcOrd="1" destOrd="0" presId="urn:microsoft.com/office/officeart/2005/8/layout/pyramid1"/>
     <dgm:cxn modelId="{4EF7362F-95FC-41B8-8E96-A234B18698EF}" type="presParOf" srcId="{AA125D76-CA4A-414E-A60C-FE7D4ABE76AE}" destId="{DEB2E9DD-A504-4CA1-9B5F-2163249AA07A}" srcOrd="0" destOrd="0" presId="urn:microsoft.com/office/officeart/2005/8/layout/pyramid1"/>
     <dgm:cxn modelId="{98B2C245-CD51-4A7C-A0BA-4B4C12AB2792}" type="presParOf" srcId="{DEB2E9DD-A504-4CA1-9B5F-2163249AA07A}" destId="{7AFCD94D-C4A7-4935-A7C6-4E528248EC02}" srcOrd="0" destOrd="0" presId="urn:microsoft.com/office/officeart/2005/8/layout/pyramid1"/>
     <dgm:cxn modelId="{522C24B9-CB80-40C1-A69A-B86AC156275F}" type="presParOf" srcId="{DEB2E9DD-A504-4CA1-9B5F-2163249AA07A}" destId="{386F2FCD-53AC-4147-AF94-DFE1C7F14EAC}" srcOrd="1" destOrd="0" presId="urn:microsoft.com/office/officeart/2005/8/layout/pyramid1"/>
@@ -4688,6 +4693,13 @@
         </dgm:presLayoutVars>
       </dgm:prSet>
       <dgm:spPr/>
+      <dgm:t>
+        <a:bodyPr/>
+        <a:lstStyle/>
+        <a:p>
+          <a:endParaRPr lang="en-US"/>
+        </a:p>
+      </dgm:t>
     </dgm:pt>
     <dgm:pt modelId="{91F1FE8E-ADD1-4885-AC53-0C6F73C097C6}" type="pres">
       <dgm:prSet presAssocID="{E721CFF6-F5DA-4C84-96E8-E6869F5D9A72}" presName="thickLine" presStyleLbl="alignNode1" presStyleIdx="0" presStyleCnt="1"/>
@@ -4935,23 +4947,23 @@
     </dgm:pt>
   </dgm:ptLst>
   <dgm:cxnLst>
+    <dgm:cxn modelId="{6E8A2461-093A-438B-B752-EB4F414855A9}" srcId="{E721CFF6-F5DA-4C84-96E8-E6869F5D9A72}" destId="{2763F3B8-D354-4513-A2A5-1ACC91F2D733}" srcOrd="3" destOrd="0" parTransId="{B3350334-656E-4F4E-B301-603334E19C52}" sibTransId="{66B70017-53FF-40EC-9C94-E10D7F063EEF}"/>
+    <dgm:cxn modelId="{BC9C0B93-D0D0-49EE-A5E6-1494291AB6AE}" srcId="{E721CFF6-F5DA-4C84-96E8-E6869F5D9A72}" destId="{93C4C77B-D590-4C38-9342-DB9089CDF074}" srcOrd="0" destOrd="0" parTransId="{87F3107C-78CE-4266-B957-A03DD37ED2EC}" sibTransId="{22B8F299-92FD-4E99-9C1D-6B04907D01DE}"/>
+    <dgm:cxn modelId="{49BB62EA-B427-4A8F-8583-0854F3481C94}" type="presOf" srcId="{828B2E6E-F803-4A64-BF50-2E9FDB4E1DEA}" destId="{B8BF9229-CCB5-4368-9706-7091C57C676F}" srcOrd="0" destOrd="0" presId="urn:microsoft.com/office/officeart/2008/layout/LinedList"/>
+    <dgm:cxn modelId="{219D1123-AEF5-426A-A0DF-A53424716E1F}" srcId="{E721CFF6-F5DA-4C84-96E8-E6869F5D9A72}" destId="{988E2471-8E50-4FD9-B835-B8F5F91943AB}" srcOrd="2" destOrd="0" parTransId="{96D9BF4A-A2F7-4139-A6A2-6E4557567322}" sibTransId="{EA4CD0F0-9E69-4C56-8C80-7C0168764228}"/>
+    <dgm:cxn modelId="{501D4334-311B-453D-A0D7-914E5D1BB4BB}" srcId="{E721CFF6-F5DA-4C84-96E8-E6869F5D9A72}" destId="{77164FD3-9F49-4EA9-98E6-C7BC2137B4B1}" srcOrd="1" destOrd="0" parTransId="{32C7AC37-8CFC-4402-B165-67874806FED0}" sibTransId="{7EB477EE-FE4E-409D-A902-F5CD0AA979EA}"/>
+    <dgm:cxn modelId="{24C9731C-5E79-4395-A6D2-F25F44C66CD3}" type="presOf" srcId="{988E2471-8E50-4FD9-B835-B8F5F91943AB}" destId="{6D944198-004B-493E-AB32-D606E61829B8}" srcOrd="0" destOrd="0" presId="urn:microsoft.com/office/officeart/2008/layout/LinedList"/>
+    <dgm:cxn modelId="{B15CA486-5498-4B3D-9F3C-138DCBCC9310}" srcId="{44A1DE08-FB63-4329-90BF-7823D175BC1E}" destId="{E721CFF6-F5DA-4C84-96E8-E6869F5D9A72}" srcOrd="0" destOrd="0" parTransId="{7A70569B-3BB2-4904-A000-6CCD152103E8}" sibTransId="{46164CA9-E624-42F9-BAA5-0D1B4B6D2EC5}"/>
+    <dgm:cxn modelId="{A587061A-C5D8-4761-AE38-3478C4982DA8}" type="presOf" srcId="{77164FD3-9F49-4EA9-98E6-C7BC2137B4B1}" destId="{96B51C0D-7E42-434A-8339-F812C4AC2E96}" srcOrd="0" destOrd="0" presId="urn:microsoft.com/office/officeart/2008/layout/LinedList"/>
+    <dgm:cxn modelId="{CA759E7F-66AE-465E-A846-6B2C8881A255}" srcId="{E721CFF6-F5DA-4C84-96E8-E6869F5D9A72}" destId="{C062E97C-F934-44BB-8579-F9B554401582}" srcOrd="5" destOrd="0" parTransId="{64E54EA2-0CBD-40C7-A761-17CAEEC26F18}" sibTransId="{AB9D5C7A-1FB6-4AFD-B4E5-5DA8E20A5E21}"/>
+    <dgm:cxn modelId="{D2B56790-3A47-474F-AE02-0F4DDD56BD23}" type="presOf" srcId="{C062E97C-F934-44BB-8579-F9B554401582}" destId="{93D5975A-9A0B-451C-9D37-306340208A2F}" srcOrd="0" destOrd="0" presId="urn:microsoft.com/office/officeart/2008/layout/LinedList"/>
+    <dgm:cxn modelId="{5852A184-8F49-4767-927C-4CAB75CD7887}" srcId="{E721CFF6-F5DA-4C84-96E8-E6869F5D9A72}" destId="{60AC162E-7709-4543-9382-0AB390A2202F}" srcOrd="6" destOrd="0" parTransId="{CA85B955-01DA-44B2-86CE-39DDD3502ADE}" sibTransId="{998CD6A2-8BC1-4FCF-AA79-DDCCA6244029}"/>
+    <dgm:cxn modelId="{4DB52697-A2A7-4158-97E6-89131A77B49D}" type="presOf" srcId="{44A1DE08-FB63-4329-90BF-7823D175BC1E}" destId="{ABB419EF-DA8B-4BFA-BF1E-925B1321E7E2}" srcOrd="0" destOrd="0" presId="urn:microsoft.com/office/officeart/2008/layout/LinedList"/>
+    <dgm:cxn modelId="{C439BEF7-4A42-4BAC-9635-FAA8D7BA8BFC}" type="presOf" srcId="{E721CFF6-F5DA-4C84-96E8-E6869F5D9A72}" destId="{3BEF68D0-D17D-46BC-86E8-FB68A8C93665}" srcOrd="0" destOrd="0" presId="urn:microsoft.com/office/officeart/2008/layout/LinedList"/>
+    <dgm:cxn modelId="{DB5A4F5B-46BE-41EC-9B54-909565D2202C}" type="presOf" srcId="{2763F3B8-D354-4513-A2A5-1ACC91F2D733}" destId="{4D8A79E5-E948-4FBA-96D5-1C6CC280B61E}" srcOrd="0" destOrd="0" presId="urn:microsoft.com/office/officeart/2008/layout/LinedList"/>
+    <dgm:cxn modelId="{FC67AADC-7294-4BBA-9E63-7449683EB2CE}" srcId="{E721CFF6-F5DA-4C84-96E8-E6869F5D9A72}" destId="{828B2E6E-F803-4A64-BF50-2E9FDB4E1DEA}" srcOrd="4" destOrd="0" parTransId="{61E92328-2C35-4F83-9936-DEA603CF1478}" sibTransId="{15D6D97E-DA23-4A74-A520-4BC0DAB41982}"/>
+    <dgm:cxn modelId="{D412BAB7-AD78-4C7F-8F7D-2830E9157EFB}" type="presOf" srcId="{93C4C77B-D590-4C38-9342-DB9089CDF074}" destId="{DEAD70E7-FE25-49F0-BA74-B1A786880FAD}" srcOrd="0" destOrd="0" presId="urn:microsoft.com/office/officeart/2008/layout/LinedList"/>
     <dgm:cxn modelId="{0FA209AC-4AD3-4EA8-8862-47D0E7B332F2}" type="presOf" srcId="{60AC162E-7709-4543-9382-0AB390A2202F}" destId="{B3EE5CF6-D6CF-427E-880B-0F02D3CB2444}" srcOrd="0" destOrd="0" presId="urn:microsoft.com/office/officeart/2008/layout/LinedList"/>
-    <dgm:cxn modelId="{A587061A-C5D8-4761-AE38-3478C4982DA8}" type="presOf" srcId="{77164FD3-9F49-4EA9-98E6-C7BC2137B4B1}" destId="{96B51C0D-7E42-434A-8339-F812C4AC2E96}" srcOrd="0" destOrd="0" presId="urn:microsoft.com/office/officeart/2008/layout/LinedList"/>
-    <dgm:cxn modelId="{D2B56790-3A47-474F-AE02-0F4DDD56BD23}" type="presOf" srcId="{C062E97C-F934-44BB-8579-F9B554401582}" destId="{93D5975A-9A0B-451C-9D37-306340208A2F}" srcOrd="0" destOrd="0" presId="urn:microsoft.com/office/officeart/2008/layout/LinedList"/>
-    <dgm:cxn modelId="{B15CA486-5498-4B3D-9F3C-138DCBCC9310}" srcId="{44A1DE08-FB63-4329-90BF-7823D175BC1E}" destId="{E721CFF6-F5DA-4C84-96E8-E6869F5D9A72}" srcOrd="0" destOrd="0" parTransId="{7A70569B-3BB2-4904-A000-6CCD152103E8}" sibTransId="{46164CA9-E624-42F9-BAA5-0D1B4B6D2EC5}"/>
-    <dgm:cxn modelId="{CA759E7F-66AE-465E-A846-6B2C8881A255}" srcId="{E721CFF6-F5DA-4C84-96E8-E6869F5D9A72}" destId="{C062E97C-F934-44BB-8579-F9B554401582}" srcOrd="5" destOrd="0" parTransId="{64E54EA2-0CBD-40C7-A761-17CAEEC26F18}" sibTransId="{AB9D5C7A-1FB6-4AFD-B4E5-5DA8E20A5E21}"/>
-    <dgm:cxn modelId="{C439BEF7-4A42-4BAC-9635-FAA8D7BA8BFC}" type="presOf" srcId="{E721CFF6-F5DA-4C84-96E8-E6869F5D9A72}" destId="{3BEF68D0-D17D-46BC-86E8-FB68A8C93665}" srcOrd="0" destOrd="0" presId="urn:microsoft.com/office/officeart/2008/layout/LinedList"/>
-    <dgm:cxn modelId="{6E8A2461-093A-438B-B752-EB4F414855A9}" srcId="{E721CFF6-F5DA-4C84-96E8-E6869F5D9A72}" destId="{2763F3B8-D354-4513-A2A5-1ACC91F2D733}" srcOrd="3" destOrd="0" parTransId="{B3350334-656E-4F4E-B301-603334E19C52}" sibTransId="{66B70017-53FF-40EC-9C94-E10D7F063EEF}"/>
-    <dgm:cxn modelId="{FC67AADC-7294-4BBA-9E63-7449683EB2CE}" srcId="{E721CFF6-F5DA-4C84-96E8-E6869F5D9A72}" destId="{828B2E6E-F803-4A64-BF50-2E9FDB4E1DEA}" srcOrd="4" destOrd="0" parTransId="{61E92328-2C35-4F83-9936-DEA603CF1478}" sibTransId="{15D6D97E-DA23-4A74-A520-4BC0DAB41982}"/>
-    <dgm:cxn modelId="{5852A184-8F49-4767-927C-4CAB75CD7887}" srcId="{E721CFF6-F5DA-4C84-96E8-E6869F5D9A72}" destId="{60AC162E-7709-4543-9382-0AB390A2202F}" srcOrd="6" destOrd="0" parTransId="{CA85B955-01DA-44B2-86CE-39DDD3502ADE}" sibTransId="{998CD6A2-8BC1-4FCF-AA79-DDCCA6244029}"/>
-    <dgm:cxn modelId="{49BB62EA-B427-4A8F-8583-0854F3481C94}" type="presOf" srcId="{828B2E6E-F803-4A64-BF50-2E9FDB4E1DEA}" destId="{B8BF9229-CCB5-4368-9706-7091C57C676F}" srcOrd="0" destOrd="0" presId="urn:microsoft.com/office/officeart/2008/layout/LinedList"/>
-    <dgm:cxn modelId="{D412BAB7-AD78-4C7F-8F7D-2830E9157EFB}" type="presOf" srcId="{93C4C77B-D590-4C38-9342-DB9089CDF074}" destId="{DEAD70E7-FE25-49F0-BA74-B1A786880FAD}" srcOrd="0" destOrd="0" presId="urn:microsoft.com/office/officeart/2008/layout/LinedList"/>
-    <dgm:cxn modelId="{DB5A4F5B-46BE-41EC-9B54-909565D2202C}" type="presOf" srcId="{2763F3B8-D354-4513-A2A5-1ACC91F2D733}" destId="{4D8A79E5-E948-4FBA-96D5-1C6CC280B61E}" srcOrd="0" destOrd="0" presId="urn:microsoft.com/office/officeart/2008/layout/LinedList"/>
-    <dgm:cxn modelId="{501D4334-311B-453D-A0D7-914E5D1BB4BB}" srcId="{E721CFF6-F5DA-4C84-96E8-E6869F5D9A72}" destId="{77164FD3-9F49-4EA9-98E6-C7BC2137B4B1}" srcOrd="1" destOrd="0" parTransId="{32C7AC37-8CFC-4402-B165-67874806FED0}" sibTransId="{7EB477EE-FE4E-409D-A902-F5CD0AA979EA}"/>
-    <dgm:cxn modelId="{BC9C0B93-D0D0-49EE-A5E6-1494291AB6AE}" srcId="{E721CFF6-F5DA-4C84-96E8-E6869F5D9A72}" destId="{93C4C77B-D590-4C38-9342-DB9089CDF074}" srcOrd="0" destOrd="0" parTransId="{87F3107C-78CE-4266-B957-A03DD37ED2EC}" sibTransId="{22B8F299-92FD-4E99-9C1D-6B04907D01DE}"/>
-    <dgm:cxn modelId="{219D1123-AEF5-426A-A0DF-A53424716E1F}" srcId="{E721CFF6-F5DA-4C84-96E8-E6869F5D9A72}" destId="{988E2471-8E50-4FD9-B835-B8F5F91943AB}" srcOrd="2" destOrd="0" parTransId="{96D9BF4A-A2F7-4139-A6A2-6E4557567322}" sibTransId="{EA4CD0F0-9E69-4C56-8C80-7C0168764228}"/>
-    <dgm:cxn modelId="{24C9731C-5E79-4395-A6D2-F25F44C66CD3}" type="presOf" srcId="{988E2471-8E50-4FD9-B835-B8F5F91943AB}" destId="{6D944198-004B-493E-AB32-D606E61829B8}" srcOrd="0" destOrd="0" presId="urn:microsoft.com/office/officeart/2008/layout/LinedList"/>
-    <dgm:cxn modelId="{4DB52697-A2A7-4158-97E6-89131A77B49D}" type="presOf" srcId="{44A1DE08-FB63-4329-90BF-7823D175BC1E}" destId="{ABB419EF-DA8B-4BFA-BF1E-925B1321E7E2}" srcOrd="0" destOrd="0" presId="urn:microsoft.com/office/officeart/2008/layout/LinedList"/>
     <dgm:cxn modelId="{D929D9D5-6237-4B6D-9DC4-3B869F5D1635}" type="presParOf" srcId="{ABB419EF-DA8B-4BFA-BF1E-925B1321E7E2}" destId="{91F1FE8E-ADD1-4885-AC53-0C6F73C097C6}" srcOrd="0" destOrd="0" presId="urn:microsoft.com/office/officeart/2008/layout/LinedList"/>
     <dgm:cxn modelId="{5943A963-23FC-4A15-8AB4-CC33C8819691}" type="presParOf" srcId="{ABB419EF-DA8B-4BFA-BF1E-925B1321E7E2}" destId="{A4C882E0-C26E-4151-B697-F29CA6638CF9}" srcOrd="1" destOrd="0" presId="urn:microsoft.com/office/officeart/2008/layout/LinedList"/>
     <dgm:cxn modelId="{97D5B4DE-FF89-41AB-8A49-BD5D8FE864AF}" type="presParOf" srcId="{A4C882E0-C26E-4151-B697-F29CA6638CF9}" destId="{3BEF68D0-D17D-46BC-86E8-FB68A8C93665}" srcOrd="0" destOrd="0" presId="urn:microsoft.com/office/officeart/2008/layout/LinedList"/>
@@ -5324,6 +5336,13 @@
         </dgm:presLayoutVars>
       </dgm:prSet>
       <dgm:spPr/>
+      <dgm:t>
+        <a:bodyPr/>
+        <a:lstStyle/>
+        <a:p>
+          <a:endParaRPr lang="en-US"/>
+        </a:p>
+      </dgm:t>
     </dgm:pt>
     <dgm:pt modelId="{91F1FE8E-ADD1-4885-AC53-0C6F73C097C6}" type="pres">
       <dgm:prSet presAssocID="{E721CFF6-F5DA-4C84-96E8-E6869F5D9A72}" presName="thickLine" presStyleLbl="alignNode1" presStyleIdx="0" presStyleCnt="1"/>
@@ -5571,23 +5590,23 @@
     </dgm:pt>
   </dgm:ptLst>
   <dgm:cxnLst>
+    <dgm:cxn modelId="{6E8A2461-093A-438B-B752-EB4F414855A9}" srcId="{E721CFF6-F5DA-4C84-96E8-E6869F5D9A72}" destId="{2763F3B8-D354-4513-A2A5-1ACC91F2D733}" srcOrd="3" destOrd="0" parTransId="{B3350334-656E-4F4E-B301-603334E19C52}" sibTransId="{66B70017-53FF-40EC-9C94-E10D7F063EEF}"/>
+    <dgm:cxn modelId="{BC9C0B93-D0D0-49EE-A5E6-1494291AB6AE}" srcId="{E721CFF6-F5DA-4C84-96E8-E6869F5D9A72}" destId="{93C4C77B-D590-4C38-9342-DB9089CDF074}" srcOrd="0" destOrd="0" parTransId="{87F3107C-78CE-4266-B957-A03DD37ED2EC}" sibTransId="{22B8F299-92FD-4E99-9C1D-6B04907D01DE}"/>
+    <dgm:cxn modelId="{49BB62EA-B427-4A8F-8583-0854F3481C94}" type="presOf" srcId="{828B2E6E-F803-4A64-BF50-2E9FDB4E1DEA}" destId="{B8BF9229-CCB5-4368-9706-7091C57C676F}" srcOrd="0" destOrd="0" presId="urn:microsoft.com/office/officeart/2008/layout/LinedList"/>
+    <dgm:cxn modelId="{219D1123-AEF5-426A-A0DF-A53424716E1F}" srcId="{E721CFF6-F5DA-4C84-96E8-E6869F5D9A72}" destId="{988E2471-8E50-4FD9-B835-B8F5F91943AB}" srcOrd="2" destOrd="0" parTransId="{96D9BF4A-A2F7-4139-A6A2-6E4557567322}" sibTransId="{EA4CD0F0-9E69-4C56-8C80-7C0168764228}"/>
+    <dgm:cxn modelId="{501D4334-311B-453D-A0D7-914E5D1BB4BB}" srcId="{E721CFF6-F5DA-4C84-96E8-E6869F5D9A72}" destId="{77164FD3-9F49-4EA9-98E6-C7BC2137B4B1}" srcOrd="1" destOrd="0" parTransId="{32C7AC37-8CFC-4402-B165-67874806FED0}" sibTransId="{7EB477EE-FE4E-409D-A902-F5CD0AA979EA}"/>
+    <dgm:cxn modelId="{24C9731C-5E79-4395-A6D2-F25F44C66CD3}" type="presOf" srcId="{988E2471-8E50-4FD9-B835-B8F5F91943AB}" destId="{6D944198-004B-493E-AB32-D606E61829B8}" srcOrd="0" destOrd="0" presId="urn:microsoft.com/office/officeart/2008/layout/LinedList"/>
+    <dgm:cxn modelId="{B15CA486-5498-4B3D-9F3C-138DCBCC9310}" srcId="{44A1DE08-FB63-4329-90BF-7823D175BC1E}" destId="{E721CFF6-F5DA-4C84-96E8-E6869F5D9A72}" srcOrd="0" destOrd="0" parTransId="{7A70569B-3BB2-4904-A000-6CCD152103E8}" sibTransId="{46164CA9-E624-42F9-BAA5-0D1B4B6D2EC5}"/>
+    <dgm:cxn modelId="{A587061A-C5D8-4761-AE38-3478C4982DA8}" type="presOf" srcId="{77164FD3-9F49-4EA9-98E6-C7BC2137B4B1}" destId="{96B51C0D-7E42-434A-8339-F812C4AC2E96}" srcOrd="0" destOrd="0" presId="urn:microsoft.com/office/officeart/2008/layout/LinedList"/>
+    <dgm:cxn modelId="{CA759E7F-66AE-465E-A846-6B2C8881A255}" srcId="{E721CFF6-F5DA-4C84-96E8-E6869F5D9A72}" destId="{C062E97C-F934-44BB-8579-F9B554401582}" srcOrd="5" destOrd="0" parTransId="{64E54EA2-0CBD-40C7-A761-17CAEEC26F18}" sibTransId="{AB9D5C7A-1FB6-4AFD-B4E5-5DA8E20A5E21}"/>
+    <dgm:cxn modelId="{D2B56790-3A47-474F-AE02-0F4DDD56BD23}" type="presOf" srcId="{C062E97C-F934-44BB-8579-F9B554401582}" destId="{93D5975A-9A0B-451C-9D37-306340208A2F}" srcOrd="0" destOrd="0" presId="urn:microsoft.com/office/officeart/2008/layout/LinedList"/>
+    <dgm:cxn modelId="{5852A184-8F49-4767-927C-4CAB75CD7887}" srcId="{E721CFF6-F5DA-4C84-96E8-E6869F5D9A72}" destId="{60AC162E-7709-4543-9382-0AB390A2202F}" srcOrd="6" destOrd="0" parTransId="{CA85B955-01DA-44B2-86CE-39DDD3502ADE}" sibTransId="{998CD6A2-8BC1-4FCF-AA79-DDCCA6244029}"/>
+    <dgm:cxn modelId="{4DB52697-A2A7-4158-97E6-89131A77B49D}" type="presOf" srcId="{44A1DE08-FB63-4329-90BF-7823D175BC1E}" destId="{ABB419EF-DA8B-4BFA-BF1E-925B1321E7E2}" srcOrd="0" destOrd="0" presId="urn:microsoft.com/office/officeart/2008/layout/LinedList"/>
+    <dgm:cxn modelId="{C439BEF7-4A42-4BAC-9635-FAA8D7BA8BFC}" type="presOf" srcId="{E721CFF6-F5DA-4C84-96E8-E6869F5D9A72}" destId="{3BEF68D0-D17D-46BC-86E8-FB68A8C93665}" srcOrd="0" destOrd="0" presId="urn:microsoft.com/office/officeart/2008/layout/LinedList"/>
+    <dgm:cxn modelId="{DB5A4F5B-46BE-41EC-9B54-909565D2202C}" type="presOf" srcId="{2763F3B8-D354-4513-A2A5-1ACC91F2D733}" destId="{4D8A79E5-E948-4FBA-96D5-1C6CC280B61E}" srcOrd="0" destOrd="0" presId="urn:microsoft.com/office/officeart/2008/layout/LinedList"/>
+    <dgm:cxn modelId="{FC67AADC-7294-4BBA-9E63-7449683EB2CE}" srcId="{E721CFF6-F5DA-4C84-96E8-E6869F5D9A72}" destId="{828B2E6E-F803-4A64-BF50-2E9FDB4E1DEA}" srcOrd="4" destOrd="0" parTransId="{61E92328-2C35-4F83-9936-DEA603CF1478}" sibTransId="{15D6D97E-DA23-4A74-A520-4BC0DAB41982}"/>
+    <dgm:cxn modelId="{D412BAB7-AD78-4C7F-8F7D-2830E9157EFB}" type="presOf" srcId="{93C4C77B-D590-4C38-9342-DB9089CDF074}" destId="{DEAD70E7-FE25-49F0-BA74-B1A786880FAD}" srcOrd="0" destOrd="0" presId="urn:microsoft.com/office/officeart/2008/layout/LinedList"/>
     <dgm:cxn modelId="{0FA209AC-4AD3-4EA8-8862-47D0E7B332F2}" type="presOf" srcId="{60AC162E-7709-4543-9382-0AB390A2202F}" destId="{B3EE5CF6-D6CF-427E-880B-0F02D3CB2444}" srcOrd="0" destOrd="0" presId="urn:microsoft.com/office/officeart/2008/layout/LinedList"/>
-    <dgm:cxn modelId="{A587061A-C5D8-4761-AE38-3478C4982DA8}" type="presOf" srcId="{77164FD3-9F49-4EA9-98E6-C7BC2137B4B1}" destId="{96B51C0D-7E42-434A-8339-F812C4AC2E96}" srcOrd="0" destOrd="0" presId="urn:microsoft.com/office/officeart/2008/layout/LinedList"/>
-    <dgm:cxn modelId="{D2B56790-3A47-474F-AE02-0F4DDD56BD23}" type="presOf" srcId="{C062E97C-F934-44BB-8579-F9B554401582}" destId="{93D5975A-9A0B-451C-9D37-306340208A2F}" srcOrd="0" destOrd="0" presId="urn:microsoft.com/office/officeart/2008/layout/LinedList"/>
-    <dgm:cxn modelId="{B15CA486-5498-4B3D-9F3C-138DCBCC9310}" srcId="{44A1DE08-FB63-4329-90BF-7823D175BC1E}" destId="{E721CFF6-F5DA-4C84-96E8-E6869F5D9A72}" srcOrd="0" destOrd="0" parTransId="{7A70569B-3BB2-4904-A000-6CCD152103E8}" sibTransId="{46164CA9-E624-42F9-BAA5-0D1B4B6D2EC5}"/>
-    <dgm:cxn modelId="{CA759E7F-66AE-465E-A846-6B2C8881A255}" srcId="{E721CFF6-F5DA-4C84-96E8-E6869F5D9A72}" destId="{C062E97C-F934-44BB-8579-F9B554401582}" srcOrd="5" destOrd="0" parTransId="{64E54EA2-0CBD-40C7-A761-17CAEEC26F18}" sibTransId="{AB9D5C7A-1FB6-4AFD-B4E5-5DA8E20A5E21}"/>
-    <dgm:cxn modelId="{C439BEF7-4A42-4BAC-9635-FAA8D7BA8BFC}" type="presOf" srcId="{E721CFF6-F5DA-4C84-96E8-E6869F5D9A72}" destId="{3BEF68D0-D17D-46BC-86E8-FB68A8C93665}" srcOrd="0" destOrd="0" presId="urn:microsoft.com/office/officeart/2008/layout/LinedList"/>
-    <dgm:cxn modelId="{6E8A2461-093A-438B-B752-EB4F414855A9}" srcId="{E721CFF6-F5DA-4C84-96E8-E6869F5D9A72}" destId="{2763F3B8-D354-4513-A2A5-1ACC91F2D733}" srcOrd="3" destOrd="0" parTransId="{B3350334-656E-4F4E-B301-603334E19C52}" sibTransId="{66B70017-53FF-40EC-9C94-E10D7F063EEF}"/>
-    <dgm:cxn modelId="{FC67AADC-7294-4BBA-9E63-7449683EB2CE}" srcId="{E721CFF6-F5DA-4C84-96E8-E6869F5D9A72}" destId="{828B2E6E-F803-4A64-BF50-2E9FDB4E1DEA}" srcOrd="4" destOrd="0" parTransId="{61E92328-2C35-4F83-9936-DEA603CF1478}" sibTransId="{15D6D97E-DA23-4A74-A520-4BC0DAB41982}"/>
-    <dgm:cxn modelId="{5852A184-8F49-4767-927C-4CAB75CD7887}" srcId="{E721CFF6-F5DA-4C84-96E8-E6869F5D9A72}" destId="{60AC162E-7709-4543-9382-0AB390A2202F}" srcOrd="6" destOrd="0" parTransId="{CA85B955-01DA-44B2-86CE-39DDD3502ADE}" sibTransId="{998CD6A2-8BC1-4FCF-AA79-DDCCA6244029}"/>
-    <dgm:cxn modelId="{49BB62EA-B427-4A8F-8583-0854F3481C94}" type="presOf" srcId="{828B2E6E-F803-4A64-BF50-2E9FDB4E1DEA}" destId="{B8BF9229-CCB5-4368-9706-7091C57C676F}" srcOrd="0" destOrd="0" presId="urn:microsoft.com/office/officeart/2008/layout/LinedList"/>
-    <dgm:cxn modelId="{D412BAB7-AD78-4C7F-8F7D-2830E9157EFB}" type="presOf" srcId="{93C4C77B-D590-4C38-9342-DB9089CDF074}" destId="{DEAD70E7-FE25-49F0-BA74-B1A786880FAD}" srcOrd="0" destOrd="0" presId="urn:microsoft.com/office/officeart/2008/layout/LinedList"/>
-    <dgm:cxn modelId="{DB5A4F5B-46BE-41EC-9B54-909565D2202C}" type="presOf" srcId="{2763F3B8-D354-4513-A2A5-1ACC91F2D733}" destId="{4D8A79E5-E948-4FBA-96D5-1C6CC280B61E}" srcOrd="0" destOrd="0" presId="urn:microsoft.com/office/officeart/2008/layout/LinedList"/>
-    <dgm:cxn modelId="{501D4334-311B-453D-A0D7-914E5D1BB4BB}" srcId="{E721CFF6-F5DA-4C84-96E8-E6869F5D9A72}" destId="{77164FD3-9F49-4EA9-98E6-C7BC2137B4B1}" srcOrd="1" destOrd="0" parTransId="{32C7AC37-8CFC-4402-B165-67874806FED0}" sibTransId="{7EB477EE-FE4E-409D-A902-F5CD0AA979EA}"/>
-    <dgm:cxn modelId="{BC9C0B93-D0D0-49EE-A5E6-1494291AB6AE}" srcId="{E721CFF6-F5DA-4C84-96E8-E6869F5D9A72}" destId="{93C4C77B-D590-4C38-9342-DB9089CDF074}" srcOrd="0" destOrd="0" parTransId="{87F3107C-78CE-4266-B957-A03DD37ED2EC}" sibTransId="{22B8F299-92FD-4E99-9C1D-6B04907D01DE}"/>
-    <dgm:cxn modelId="{219D1123-AEF5-426A-A0DF-A53424716E1F}" srcId="{E721CFF6-F5DA-4C84-96E8-E6869F5D9A72}" destId="{988E2471-8E50-4FD9-B835-B8F5F91943AB}" srcOrd="2" destOrd="0" parTransId="{96D9BF4A-A2F7-4139-A6A2-6E4557567322}" sibTransId="{EA4CD0F0-9E69-4C56-8C80-7C0168764228}"/>
-    <dgm:cxn modelId="{24C9731C-5E79-4395-A6D2-F25F44C66CD3}" type="presOf" srcId="{988E2471-8E50-4FD9-B835-B8F5F91943AB}" destId="{6D944198-004B-493E-AB32-D606E61829B8}" srcOrd="0" destOrd="0" presId="urn:microsoft.com/office/officeart/2008/layout/LinedList"/>
-    <dgm:cxn modelId="{4DB52697-A2A7-4158-97E6-89131A77B49D}" type="presOf" srcId="{44A1DE08-FB63-4329-90BF-7823D175BC1E}" destId="{ABB419EF-DA8B-4BFA-BF1E-925B1321E7E2}" srcOrd="0" destOrd="0" presId="urn:microsoft.com/office/officeart/2008/layout/LinedList"/>
     <dgm:cxn modelId="{D929D9D5-6237-4B6D-9DC4-3B869F5D1635}" type="presParOf" srcId="{ABB419EF-DA8B-4BFA-BF1E-925B1321E7E2}" destId="{91F1FE8E-ADD1-4885-AC53-0C6F73C097C6}" srcOrd="0" destOrd="0" presId="urn:microsoft.com/office/officeart/2008/layout/LinedList"/>
     <dgm:cxn modelId="{5943A963-23FC-4A15-8AB4-CC33C8819691}" type="presParOf" srcId="{ABB419EF-DA8B-4BFA-BF1E-925B1321E7E2}" destId="{A4C882E0-C26E-4151-B697-F29CA6638CF9}" srcOrd="1" destOrd="0" presId="urn:microsoft.com/office/officeart/2008/layout/LinedList"/>
     <dgm:cxn modelId="{97D5B4DE-FF89-41AB-8A49-BD5D8FE864AF}" type="presParOf" srcId="{A4C882E0-C26E-4151-B697-F29CA6638CF9}" destId="{3BEF68D0-D17D-46BC-86E8-FB68A8C93665}" srcOrd="0" destOrd="0" presId="urn:microsoft.com/office/officeart/2008/layout/LinedList"/>
@@ -5774,10 +5793,10 @@
   </dgm:ptLst>
   <dgm:cxnLst>
     <dgm:cxn modelId="{D5E6A23C-4752-41C0-A83E-148402C8BC50}" type="presOf" srcId="{B6455B76-E0DD-4BAF-BDA3-FB611347CC63}" destId="{61819070-F512-4EB2-8F2E-8BB741B32587}" srcOrd="0" destOrd="0" presId="urn:microsoft.com/office/officeart/2005/8/layout/rings+Icon"/>
+    <dgm:cxn modelId="{8239A150-437B-4051-BB72-36F3370DC4B9}" type="presOf" srcId="{FF42DC42-475C-4E00-BB12-DD74C5F8A8D4}" destId="{49C38DEF-36A4-4556-8895-C41FD8591CC5}" srcOrd="0" destOrd="0" presId="urn:microsoft.com/office/officeart/2005/8/layout/rings+Icon"/>
+    <dgm:cxn modelId="{BFE35E1F-D3A6-4804-9DED-125921CE69EA}" srcId="{D26D24B2-FC21-4986-8EDA-E31E90C55BCE}" destId="{B6455B76-E0DD-4BAF-BDA3-FB611347CC63}" srcOrd="0" destOrd="0" parTransId="{82317D8D-8631-4644-87A3-BA2317D0B6C1}" sibTransId="{58B254BD-6453-43BB-BF99-0C0821E5238A}"/>
+    <dgm:cxn modelId="{0703DBE5-798A-4700-802F-AF7278CD901D}" srcId="{D26D24B2-FC21-4986-8EDA-E31E90C55BCE}" destId="{FF42DC42-475C-4E00-BB12-DD74C5F8A8D4}" srcOrd="1" destOrd="0" parTransId="{A0596A03-8492-478F-8274-9A73CF624DBB}" sibTransId="{3AAD493B-655C-4EA5-A16B-B901A272C165}"/>
     <dgm:cxn modelId="{0F51CA71-B68B-402E-9E15-DD00B307A0DC}" type="presOf" srcId="{D26D24B2-FC21-4986-8EDA-E31E90C55BCE}" destId="{74220686-5A8B-4542-A94E-CACD1D31A7C1}" srcOrd="0" destOrd="0" presId="urn:microsoft.com/office/officeart/2005/8/layout/rings+Icon"/>
-    <dgm:cxn modelId="{0703DBE5-798A-4700-802F-AF7278CD901D}" srcId="{D26D24B2-FC21-4986-8EDA-E31E90C55BCE}" destId="{FF42DC42-475C-4E00-BB12-DD74C5F8A8D4}" srcOrd="1" destOrd="0" parTransId="{A0596A03-8492-478F-8274-9A73CF624DBB}" sibTransId="{3AAD493B-655C-4EA5-A16B-B901A272C165}"/>
-    <dgm:cxn modelId="{BFE35E1F-D3A6-4804-9DED-125921CE69EA}" srcId="{D26D24B2-FC21-4986-8EDA-E31E90C55BCE}" destId="{B6455B76-E0DD-4BAF-BDA3-FB611347CC63}" srcOrd="0" destOrd="0" parTransId="{82317D8D-8631-4644-87A3-BA2317D0B6C1}" sibTransId="{58B254BD-6453-43BB-BF99-0C0821E5238A}"/>
-    <dgm:cxn modelId="{8239A150-437B-4051-BB72-36F3370DC4B9}" type="presOf" srcId="{FF42DC42-475C-4E00-BB12-DD74C5F8A8D4}" destId="{49C38DEF-36A4-4556-8895-C41FD8591CC5}" srcOrd="0" destOrd="0" presId="urn:microsoft.com/office/officeart/2005/8/layout/rings+Icon"/>
     <dgm:cxn modelId="{7C32F820-58C0-4D7D-8BD7-9BDEC6643365}" type="presParOf" srcId="{74220686-5A8B-4542-A94E-CACD1D31A7C1}" destId="{61819070-F512-4EB2-8F2E-8BB741B32587}" srcOrd="0" destOrd="0" presId="urn:microsoft.com/office/officeart/2005/8/layout/rings+Icon"/>
     <dgm:cxn modelId="{7DC63E1C-76C6-4C6A-94E7-233EE12D786F}" type="presParOf" srcId="{74220686-5A8B-4542-A94E-CACD1D31A7C1}" destId="{49C38DEF-36A4-4556-8895-C41FD8591CC5}" srcOrd="1" destOrd="0" presId="urn:microsoft.com/office/officeart/2005/8/layout/rings+Icon"/>
   </dgm:cxnLst>
@@ -5866,43 +5885,6 @@
       </dgm:t>
     </dgm:pt>
     <dgm:pt modelId="{F4E0EC42-FBE0-43C7-8834-6B219DAFD8E0}" type="sibTrans" cxnId="{926895D9-079B-4528-9ECF-66FE33A608C6}">
-      <dgm:prSet/>
-      <dgm:spPr/>
-      <dgm:t>
-        <a:bodyPr/>
-        <a:lstStyle/>
-        <a:p>
-          <a:endParaRPr lang="en-US"/>
-        </a:p>
-      </dgm:t>
-    </dgm:pt>
-    <dgm:pt modelId="{69585C26-F041-49E9-8AC0-938DF2789FE6}">
-      <dgm:prSet phldrT="[Text]"/>
-      <dgm:spPr/>
-      <dgm:t>
-        <a:bodyPr/>
-        <a:lstStyle/>
-        <a:p>
-          <a:r>
-            <a:rPr lang="en-US" dirty="0" smtClean="0"/>
-            <a:t>Di Zhao</a:t>
-          </a:r>
-          <a:endParaRPr lang="en-US" dirty="0"/>
-        </a:p>
-      </dgm:t>
-    </dgm:pt>
-    <dgm:pt modelId="{9F3B01DA-2CE1-4917-BCBB-2F91458162E4}" type="parTrans" cxnId="{B42F0FBA-CC3F-4743-A5DC-9F9AB5C892CF}">
-      <dgm:prSet/>
-      <dgm:spPr/>
-      <dgm:t>
-        <a:bodyPr/>
-        <a:lstStyle/>
-        <a:p>
-          <a:endParaRPr lang="en-US"/>
-        </a:p>
-      </dgm:t>
-    </dgm:pt>
-    <dgm:pt modelId="{EEEDFEB3-1E26-4D9E-9BA4-885D2D70AE9A}" type="sibTrans" cxnId="{B42F0FBA-CC3F-4743-A5DC-9F9AB5C892CF}">
       <dgm:prSet/>
       <dgm:spPr/>
       <dgm:t>
@@ -6076,7 +6058,7 @@
       <dgm:spPr/>
     </dgm:pt>
     <dgm:pt modelId="{9D2CE147-2F70-4DDB-BE66-A7BB0051FD14}" type="pres">
-      <dgm:prSet presAssocID="{1B69A375-96E7-4E71-BAFA-D521140B8BCD}" presName="ellipse1" presStyleLbl="vennNode1" presStyleIdx="0" presStyleCnt="7">
+      <dgm:prSet presAssocID="{1B69A375-96E7-4E71-BAFA-D521140B8BCD}" presName="ellipse1" presStyleLbl="vennNode1" presStyleIdx="0" presStyleCnt="6">
         <dgm:presLayoutVars>
           <dgm:bulletEnabled val="1"/>
         </dgm:presLayoutVars>
@@ -6091,7 +6073,7 @@
       </dgm:t>
     </dgm:pt>
     <dgm:pt modelId="{C3B5C99D-D739-4EA9-82C6-58CA634A6DB9}" type="pres">
-      <dgm:prSet presAssocID="{1B69A375-96E7-4E71-BAFA-D521140B8BCD}" presName="ellipse2" presStyleLbl="vennNode1" presStyleIdx="1" presStyleCnt="7">
+      <dgm:prSet presAssocID="{1B69A375-96E7-4E71-BAFA-D521140B8BCD}" presName="ellipse2" presStyleLbl="vennNode1" presStyleIdx="1" presStyleCnt="6">
         <dgm:presLayoutVars>
           <dgm:bulletEnabled val="1"/>
         </dgm:presLayoutVars>
@@ -6106,7 +6088,7 @@
       </dgm:t>
     </dgm:pt>
     <dgm:pt modelId="{1A7ACB1F-6D28-484D-A817-800922E6E54E}" type="pres">
-      <dgm:prSet presAssocID="{1B69A375-96E7-4E71-BAFA-D521140B8BCD}" presName="ellipse3" presStyleLbl="vennNode1" presStyleIdx="2" presStyleCnt="7">
+      <dgm:prSet presAssocID="{1B69A375-96E7-4E71-BAFA-D521140B8BCD}" presName="ellipse3" presStyleLbl="vennNode1" presStyleIdx="2" presStyleCnt="6">
         <dgm:presLayoutVars>
           <dgm:bulletEnabled val="1"/>
         </dgm:presLayoutVars>
@@ -6121,31 +6103,37 @@
       </dgm:t>
     </dgm:pt>
     <dgm:pt modelId="{002E6EE1-C06A-4B3C-A464-FE9FA8D9C4D1}" type="pres">
-      <dgm:prSet presAssocID="{1B69A375-96E7-4E71-BAFA-D521140B8BCD}" presName="ellipse4" presStyleLbl="vennNode1" presStyleIdx="3" presStyleCnt="7">
+      <dgm:prSet presAssocID="{1B69A375-96E7-4E71-BAFA-D521140B8BCD}" presName="ellipse4" presStyleLbl="vennNode1" presStyleIdx="3" presStyleCnt="6">
         <dgm:presLayoutVars>
           <dgm:bulletEnabled val="1"/>
         </dgm:presLayoutVars>
       </dgm:prSet>
       <dgm:spPr/>
+      <dgm:t>
+        <a:bodyPr/>
+        <a:lstStyle/>
+        <a:p>
+          <a:endParaRPr lang="en-US"/>
+        </a:p>
+      </dgm:t>
     </dgm:pt>
     <dgm:pt modelId="{63AEAD72-9EED-4B0C-95DF-0BA4356C727B}" type="pres">
-      <dgm:prSet presAssocID="{1B69A375-96E7-4E71-BAFA-D521140B8BCD}" presName="ellipse5" presStyleLbl="vennNode1" presStyleIdx="4" presStyleCnt="7">
+      <dgm:prSet presAssocID="{1B69A375-96E7-4E71-BAFA-D521140B8BCD}" presName="ellipse5" presStyleLbl="vennNode1" presStyleIdx="4" presStyleCnt="6">
         <dgm:presLayoutVars>
           <dgm:bulletEnabled val="1"/>
         </dgm:presLayoutVars>
       </dgm:prSet>
       <dgm:spPr/>
+      <dgm:t>
+        <a:bodyPr/>
+        <a:lstStyle/>
+        <a:p>
+          <a:endParaRPr lang="en-US"/>
+        </a:p>
+      </dgm:t>
     </dgm:pt>
     <dgm:pt modelId="{634C1F1F-CD2D-47DE-A90D-D551DDC12A09}" type="pres">
-      <dgm:prSet presAssocID="{1B69A375-96E7-4E71-BAFA-D521140B8BCD}" presName="ellipse6" presStyleLbl="vennNode1" presStyleIdx="5" presStyleCnt="7">
-        <dgm:presLayoutVars>
-          <dgm:bulletEnabled val="1"/>
-        </dgm:presLayoutVars>
-      </dgm:prSet>
-      <dgm:spPr/>
-    </dgm:pt>
-    <dgm:pt modelId="{443438AB-00E5-46EB-8A1D-8C2B9E16FD15}" type="pres">
-      <dgm:prSet presAssocID="{1B69A375-96E7-4E71-BAFA-D521140B8BCD}" presName="ellipse7" presStyleLbl="vennNode1" presStyleIdx="6" presStyleCnt="7">
+      <dgm:prSet presAssocID="{1B69A375-96E7-4E71-BAFA-D521140B8BCD}" presName="ellipse6" presStyleLbl="vennNode1" presStyleIdx="5" presStyleCnt="6">
         <dgm:presLayoutVars>
           <dgm:bulletEnabled val="1"/>
         </dgm:presLayoutVars>
@@ -6161,28 +6149,25 @@
     </dgm:pt>
   </dgm:ptLst>
   <dgm:cxnLst>
+    <dgm:cxn modelId="{A9440E4B-FA5F-490D-B9EB-58640E2BCE79}" type="presOf" srcId="{175534B4-EAF6-4B7E-8490-C41D7914690C}" destId="{9D2CE147-2F70-4DDB-BE66-A7BB0051FD14}" srcOrd="0" destOrd="0" presId="urn:microsoft.com/office/officeart/2005/8/layout/rings+Icon"/>
+    <dgm:cxn modelId="{3E881915-F2A3-4B5B-97A7-18B86F67560D}" srcId="{1B69A375-96E7-4E71-BAFA-D521140B8BCD}" destId="{B23D2C19-35DD-4B68-8A4A-A3DE2DEE1270}" srcOrd="5" destOrd="0" parTransId="{BE54DC91-F025-4929-BD93-A851ACC2FA7B}" sibTransId="{E9C2BB59-1765-4F76-9997-E457513BC9FA}"/>
+    <dgm:cxn modelId="{301F41D4-9E1D-4D7E-80F7-3CF95FD5F5A4}" type="presOf" srcId="{C5107638-AEC0-4EC5-87A2-A4015FE1B4E8}" destId="{C3B5C99D-D739-4EA9-82C6-58CA634A6DB9}" srcOrd="0" destOrd="0" presId="urn:microsoft.com/office/officeart/2005/8/layout/rings+Icon"/>
+    <dgm:cxn modelId="{28E24BA2-FAAD-4750-B189-A61584EF466F}" srcId="{1B69A375-96E7-4E71-BAFA-D521140B8BCD}" destId="{C5107638-AEC0-4EC5-87A2-A4015FE1B4E8}" srcOrd="1" destOrd="0" parTransId="{199068B9-93FD-4FA2-84CA-647EB0D14E6C}" sibTransId="{2D038054-4887-4FF4-A2C0-463D49E318B3}"/>
+    <dgm:cxn modelId="{8DB5F980-1CA0-4C2D-8B5F-794BC8D9A2D2}" type="presOf" srcId="{1CC8C117-C757-447D-9C0D-D5EB9F72D7AF}" destId="{1A7ACB1F-6D28-484D-A817-800922E6E54E}" srcOrd="0" destOrd="0" presId="urn:microsoft.com/office/officeart/2005/8/layout/rings+Icon"/>
+    <dgm:cxn modelId="{EC3E92D1-9AF4-468B-8E96-8BA2A79A16BE}" type="presOf" srcId="{B23D2C19-35DD-4B68-8A4A-A3DE2DEE1270}" destId="{634C1F1F-CD2D-47DE-A90D-D551DDC12A09}" srcOrd="0" destOrd="0" presId="urn:microsoft.com/office/officeart/2005/8/layout/rings+Icon"/>
+    <dgm:cxn modelId="{A728B4D9-DBAC-48D6-8EAE-A2F9A003F8BC}" srcId="{1B69A375-96E7-4E71-BAFA-D521140B8BCD}" destId="{72CA60A7-B8D5-48E0-87EC-A2A1F443D9F4}" srcOrd="3" destOrd="0" parTransId="{5280E037-D1E9-4563-AB0A-5406D2B29228}" sibTransId="{53F834CC-7295-4EF7-8FBB-A4A9B92D0EC5}"/>
+    <dgm:cxn modelId="{1C86F228-05C1-4952-BA49-D8C296B60068}" type="presOf" srcId="{72CA60A7-B8D5-48E0-87EC-A2A1F443D9F4}" destId="{002E6EE1-C06A-4B3C-A464-FE9FA8D9C4D1}" srcOrd="0" destOrd="0" presId="urn:microsoft.com/office/officeart/2005/8/layout/rings+Icon"/>
     <dgm:cxn modelId="{B95F3592-F185-498C-8168-BB95AD849FFF}" srcId="{1B69A375-96E7-4E71-BAFA-D521140B8BCD}" destId="{175534B4-EAF6-4B7E-8490-C41D7914690C}" srcOrd="0" destOrd="0" parTransId="{1579BFA4-02AB-42C2-8386-634EEC392BF4}" sibTransId="{A1FFDCDA-4346-4455-A826-C5E4D34144E2}"/>
-    <dgm:cxn modelId="{7C2D8A8C-7D00-405C-B2E1-322D9FAAA591}" type="presOf" srcId="{B23D2C19-35DD-4B68-8A4A-A3DE2DEE1270}" destId="{443438AB-00E5-46EB-8A1D-8C2B9E16FD15}" srcOrd="0" destOrd="0" presId="urn:microsoft.com/office/officeart/2005/8/layout/rings+Icon"/>
-    <dgm:cxn modelId="{A9E7B3B3-5CFC-42DE-B004-F0B3D4D68667}" srcId="{1B69A375-96E7-4E71-BAFA-D521140B8BCD}" destId="{C139BDB5-3CDC-45C0-A859-B870FB7CF25B}" srcOrd="5" destOrd="0" parTransId="{063B171D-1597-4CF9-B23B-B5CF19FDA90B}" sibTransId="{4564CA62-770F-4FD8-94F5-0C2CA6A19FCD}"/>
-    <dgm:cxn modelId="{0756D21A-54C8-47B5-8CB8-71056DF85D53}" type="presOf" srcId="{C139BDB5-3CDC-45C0-A859-B870FB7CF25B}" destId="{634C1F1F-CD2D-47DE-A90D-D551DDC12A09}" srcOrd="0" destOrd="0" presId="urn:microsoft.com/office/officeart/2005/8/layout/rings+Icon"/>
-    <dgm:cxn modelId="{A728B4D9-DBAC-48D6-8EAE-A2F9A003F8BC}" srcId="{1B69A375-96E7-4E71-BAFA-D521140B8BCD}" destId="{72CA60A7-B8D5-48E0-87EC-A2A1F443D9F4}" srcOrd="4" destOrd="0" parTransId="{5280E037-D1E9-4563-AB0A-5406D2B29228}" sibTransId="{53F834CC-7295-4EF7-8FBB-A4A9B92D0EC5}"/>
     <dgm:cxn modelId="{CD22D0B1-CD6D-4DAC-B7D7-EF6008BFC2A1}" type="presOf" srcId="{1B69A375-96E7-4E71-BAFA-D521140B8BCD}" destId="{AA302F3C-8228-4963-AD18-07825AB6A7D1}" srcOrd="0" destOrd="0" presId="urn:microsoft.com/office/officeart/2005/8/layout/rings+Icon"/>
-    <dgm:cxn modelId="{301F41D4-9E1D-4D7E-80F7-3CF95FD5F5A4}" type="presOf" srcId="{C5107638-AEC0-4EC5-87A2-A4015FE1B4E8}" destId="{C3B5C99D-D739-4EA9-82C6-58CA634A6DB9}" srcOrd="0" destOrd="0" presId="urn:microsoft.com/office/officeart/2005/8/layout/rings+Icon"/>
+    <dgm:cxn modelId="{02D10AAA-9D51-40B9-AE54-910E22F4C840}" type="presOf" srcId="{C139BDB5-3CDC-45C0-A859-B870FB7CF25B}" destId="{63AEAD72-9EED-4B0C-95DF-0BA4356C727B}" srcOrd="0" destOrd="0" presId="urn:microsoft.com/office/officeart/2005/8/layout/rings+Icon"/>
+    <dgm:cxn modelId="{A9E7B3B3-5CFC-42DE-B004-F0B3D4D68667}" srcId="{1B69A375-96E7-4E71-BAFA-D521140B8BCD}" destId="{C139BDB5-3CDC-45C0-A859-B870FB7CF25B}" srcOrd="4" destOrd="0" parTransId="{063B171D-1597-4CF9-B23B-B5CF19FDA90B}" sibTransId="{4564CA62-770F-4FD8-94F5-0C2CA6A19FCD}"/>
     <dgm:cxn modelId="{926895D9-079B-4528-9ECF-66FE33A608C6}" srcId="{1B69A375-96E7-4E71-BAFA-D521140B8BCD}" destId="{1CC8C117-C757-447D-9C0D-D5EB9F72D7AF}" srcOrd="2" destOrd="0" parTransId="{5C590A1E-D7C6-42BB-96D0-52EF3C4D6DEF}" sibTransId="{F4E0EC42-FBE0-43C7-8834-6B219DAFD8E0}"/>
-    <dgm:cxn modelId="{3D875DC4-DD1D-4DCF-913E-B001FB668238}" type="presOf" srcId="{72CA60A7-B8D5-48E0-87EC-A2A1F443D9F4}" destId="{63AEAD72-9EED-4B0C-95DF-0BA4356C727B}" srcOrd="0" destOrd="0" presId="urn:microsoft.com/office/officeart/2005/8/layout/rings+Icon"/>
-    <dgm:cxn modelId="{2088A1D2-8399-48CD-BBDD-6FF50536F6DE}" type="presOf" srcId="{69585C26-F041-49E9-8AC0-938DF2789FE6}" destId="{002E6EE1-C06A-4B3C-A464-FE9FA8D9C4D1}" srcOrd="0" destOrd="0" presId="urn:microsoft.com/office/officeart/2005/8/layout/rings+Icon"/>
-    <dgm:cxn modelId="{A9440E4B-FA5F-490D-B9EB-58640E2BCE79}" type="presOf" srcId="{175534B4-EAF6-4B7E-8490-C41D7914690C}" destId="{9D2CE147-2F70-4DDB-BE66-A7BB0051FD14}" srcOrd="0" destOrd="0" presId="urn:microsoft.com/office/officeart/2005/8/layout/rings+Icon"/>
-    <dgm:cxn modelId="{28E24BA2-FAAD-4750-B189-A61584EF466F}" srcId="{1B69A375-96E7-4E71-BAFA-D521140B8BCD}" destId="{C5107638-AEC0-4EC5-87A2-A4015FE1B4E8}" srcOrd="1" destOrd="0" parTransId="{199068B9-93FD-4FA2-84CA-647EB0D14E6C}" sibTransId="{2D038054-4887-4FF4-A2C0-463D49E318B3}"/>
-    <dgm:cxn modelId="{B42F0FBA-CC3F-4743-A5DC-9F9AB5C892CF}" srcId="{1B69A375-96E7-4E71-BAFA-D521140B8BCD}" destId="{69585C26-F041-49E9-8AC0-938DF2789FE6}" srcOrd="3" destOrd="0" parTransId="{9F3B01DA-2CE1-4917-BCBB-2F91458162E4}" sibTransId="{EEEDFEB3-1E26-4D9E-9BA4-885D2D70AE9A}"/>
-    <dgm:cxn modelId="{8DB5F980-1CA0-4C2D-8B5F-794BC8D9A2D2}" type="presOf" srcId="{1CC8C117-C757-447D-9C0D-D5EB9F72D7AF}" destId="{1A7ACB1F-6D28-484D-A817-800922E6E54E}" srcOrd="0" destOrd="0" presId="urn:microsoft.com/office/officeart/2005/8/layout/rings+Icon"/>
-    <dgm:cxn modelId="{3E881915-F2A3-4B5B-97A7-18B86F67560D}" srcId="{1B69A375-96E7-4E71-BAFA-D521140B8BCD}" destId="{B23D2C19-35DD-4B68-8A4A-A3DE2DEE1270}" srcOrd="6" destOrd="0" parTransId="{BE54DC91-F025-4929-BD93-A851ACC2FA7B}" sibTransId="{E9C2BB59-1765-4F76-9997-E457513BC9FA}"/>
     <dgm:cxn modelId="{8E4BFFEC-0E4D-416B-835D-FA31CF8DDF68}" type="presParOf" srcId="{AA302F3C-8228-4963-AD18-07825AB6A7D1}" destId="{9D2CE147-2F70-4DDB-BE66-A7BB0051FD14}" srcOrd="0" destOrd="0" presId="urn:microsoft.com/office/officeart/2005/8/layout/rings+Icon"/>
     <dgm:cxn modelId="{4B255266-C497-4E79-A2CF-96B5135E979B}" type="presParOf" srcId="{AA302F3C-8228-4963-AD18-07825AB6A7D1}" destId="{C3B5C99D-D739-4EA9-82C6-58CA634A6DB9}" srcOrd="1" destOrd="0" presId="urn:microsoft.com/office/officeart/2005/8/layout/rings+Icon"/>
     <dgm:cxn modelId="{4EE91304-47D5-4E33-A3F0-1D3F999CD2AF}" type="presParOf" srcId="{AA302F3C-8228-4963-AD18-07825AB6A7D1}" destId="{1A7ACB1F-6D28-484D-A817-800922E6E54E}" srcOrd="2" destOrd="0" presId="urn:microsoft.com/office/officeart/2005/8/layout/rings+Icon"/>
     <dgm:cxn modelId="{2D7A5AFB-418C-4CCA-BA42-FC967C3CDBF4}" type="presParOf" srcId="{AA302F3C-8228-4963-AD18-07825AB6A7D1}" destId="{002E6EE1-C06A-4B3C-A464-FE9FA8D9C4D1}" srcOrd="3" destOrd="0" presId="urn:microsoft.com/office/officeart/2005/8/layout/rings+Icon"/>
     <dgm:cxn modelId="{7D8E0EB9-0247-4BC3-8D31-689FAAB472C9}" type="presParOf" srcId="{AA302F3C-8228-4963-AD18-07825AB6A7D1}" destId="{63AEAD72-9EED-4B0C-95DF-0BA4356C727B}" srcOrd="4" destOrd="0" presId="urn:microsoft.com/office/officeart/2005/8/layout/rings+Icon"/>
     <dgm:cxn modelId="{27C6D50B-99D2-4E72-95BA-03E43DCC0473}" type="presParOf" srcId="{AA302F3C-8228-4963-AD18-07825AB6A7D1}" destId="{634C1F1F-CD2D-47DE-A90D-D551DDC12A09}" srcOrd="5" destOrd="0" presId="urn:microsoft.com/office/officeart/2005/8/layout/rings+Icon"/>
-    <dgm:cxn modelId="{40CEB28E-3802-44E2-9D45-0F67E2D8176C}" type="presParOf" srcId="{AA302F3C-8228-4963-AD18-07825AB6A7D1}" destId="{443438AB-00E5-46EB-8A1D-8C2B9E16FD15}" srcOrd="6" destOrd="0" presId="urn:microsoft.com/office/officeart/2005/8/layout/rings+Icon"/>
   </dgm:cxnLst>
   <dgm:bg/>
   <dgm:whole/>
@@ -8611,8 +8596,8 @@
       </dsp:nvSpPr>
       <dsp:spPr>
         <a:xfrm>
-          <a:off x="0" y="769824"/>
-          <a:ext cx="1737825" cy="1737854"/>
+          <a:off x="0" y="659976"/>
+          <a:ext cx="1967883" cy="1967982"/>
         </a:xfrm>
         <a:prstGeom prst="ellipse">
           <a:avLst/>
@@ -8654,12 +8639,12 @@
         </a:fontRef>
       </dsp:style>
       <dsp:txBody>
-        <a:bodyPr spcFirstLastPara="0" vert="horz" wrap="square" lIns="87630" tIns="87630" rIns="87630" bIns="87630" numCol="1" spcCol="1270" anchor="ctr" anchorCtr="0">
+        <a:bodyPr spcFirstLastPara="0" vert="horz" wrap="square" lIns="102870" tIns="102870" rIns="102870" bIns="102870" numCol="1" spcCol="1270" anchor="ctr" anchorCtr="0">
           <a:noAutofit/>
         </a:bodyPr>
         <a:lstStyle/>
         <a:p>
-          <a:pPr lvl="0" algn="ctr" defTabSz="1022350">
+          <a:pPr lvl="0" algn="ctr" defTabSz="1200150">
             <a:lnSpc>
               <a:spcPct val="90000"/>
             </a:lnSpc>
@@ -8671,15 +8656,15 @@
             </a:spcAft>
           </a:pPr>
           <a:r>
-            <a:rPr lang="en-US" sz="2300" kern="1200" smtClean="0"/>
+            <a:rPr lang="en-US" sz="2700" kern="1200" smtClean="0"/>
             <a:t>Tyler Bienhoff</a:t>
           </a:r>
-          <a:endParaRPr lang="en-US" sz="2300" kern="1200" dirty="0"/>
+          <a:endParaRPr lang="en-US" sz="2700" kern="1200" dirty="0"/>
         </a:p>
       </dsp:txBody>
       <dsp:txXfrm>
-        <a:off x="254499" y="1024327"/>
-        <a:ext cx="1228827" cy="1228848"/>
+        <a:off x="288190" y="948180"/>
+        <a:ext cx="1391503" cy="1391574"/>
       </dsp:txXfrm>
     </dsp:sp>
     <dsp:sp modelId="{C3B5C99D-D739-4EA9-82C6-58CA634A6DB9}">
@@ -8689,8 +8674,8 @@
       </dsp:nvSpPr>
       <dsp:spPr>
         <a:xfrm>
-          <a:off x="889794" y="2048554"/>
-          <a:ext cx="1737825" cy="1737854"/>
+          <a:off x="1022166" y="1928274"/>
+          <a:ext cx="1967883" cy="1967982"/>
         </a:xfrm>
         <a:prstGeom prst="ellipse">
           <a:avLst/>
@@ -8732,12 +8717,12 @@
         </a:fontRef>
       </dsp:style>
       <dsp:txBody>
-        <a:bodyPr spcFirstLastPara="0" vert="horz" wrap="square" lIns="87630" tIns="87630" rIns="87630" bIns="87630" numCol="1" spcCol="1270" anchor="ctr" anchorCtr="0">
+        <a:bodyPr spcFirstLastPara="0" vert="horz" wrap="square" lIns="102870" tIns="102870" rIns="102870" bIns="102870" numCol="1" spcCol="1270" anchor="ctr" anchorCtr="0">
           <a:noAutofit/>
         </a:bodyPr>
         <a:lstStyle/>
         <a:p>
-          <a:pPr lvl="0" algn="ctr" defTabSz="1022350">
+          <a:pPr lvl="0" algn="ctr" defTabSz="1200150">
             <a:lnSpc>
               <a:spcPct val="90000"/>
             </a:lnSpc>
@@ -8749,15 +8734,15 @@
             </a:spcAft>
           </a:pPr>
           <a:r>
-            <a:rPr lang="en-US" sz="2300" kern="1200" dirty="0" smtClean="0"/>
+            <a:rPr lang="en-US" sz="2700" kern="1200" dirty="0" smtClean="0"/>
             <a:t>Aaron Johnson</a:t>
           </a:r>
-          <a:endParaRPr lang="en-US" sz="2300" kern="1200" dirty="0"/>
+          <a:endParaRPr lang="en-US" sz="2700" kern="1200" dirty="0"/>
         </a:p>
       </dsp:txBody>
       <dsp:txXfrm>
-        <a:off x="1144293" y="2303057"/>
-        <a:ext cx="1228827" cy="1228848"/>
+        <a:off x="1310356" y="2216478"/>
+        <a:ext cx="1391503" cy="1391574"/>
       </dsp:txXfrm>
     </dsp:sp>
     <dsp:sp modelId="{1A7ACB1F-6D28-484D-A817-800922E6E54E}">
@@ -8767,8 +8752,8 @@
       </dsp:nvSpPr>
       <dsp:spPr>
         <a:xfrm>
-          <a:off x="1780297" y="769824"/>
-          <a:ext cx="1737825" cy="1737854"/>
+          <a:off x="2044333" y="659976"/>
+          <a:ext cx="1967883" cy="1967982"/>
         </a:xfrm>
         <a:prstGeom prst="ellipse">
           <a:avLst/>
@@ -8810,12 +8795,12 @@
         </a:fontRef>
       </dsp:style>
       <dsp:txBody>
-        <a:bodyPr spcFirstLastPara="0" vert="horz" wrap="square" lIns="87630" tIns="87630" rIns="87630" bIns="87630" numCol="1" spcCol="1270" anchor="ctr" anchorCtr="0">
+        <a:bodyPr spcFirstLastPara="0" vert="horz" wrap="square" lIns="102870" tIns="102870" rIns="102870" bIns="102870" numCol="1" spcCol="1270" anchor="ctr" anchorCtr="0">
           <a:noAutofit/>
         </a:bodyPr>
         <a:lstStyle/>
         <a:p>
-          <a:pPr lvl="0" algn="ctr" defTabSz="1022350">
+          <a:pPr lvl="0" algn="ctr" defTabSz="1200150">
             <a:lnSpc>
               <a:spcPct val="90000"/>
             </a:lnSpc>
@@ -8827,19 +8812,19 @@
             </a:spcAft>
           </a:pPr>
           <a:r>
-            <a:rPr lang="en-US" sz="2300" kern="1200" dirty="0" smtClean="0"/>
+            <a:rPr lang="en-US" sz="2700" kern="1200" dirty="0" smtClean="0"/>
             <a:t>Quinn </a:t>
           </a:r>
           <a:r>
-            <a:rPr lang="en-US" sz="2300" kern="1200" dirty="0" err="1" smtClean="0"/>
+            <a:rPr lang="en-US" sz="2700" kern="1200" dirty="0" err="1" smtClean="0"/>
             <a:t>Lanik</a:t>
           </a:r>
-          <a:endParaRPr lang="en-US" sz="2300" kern="1200" dirty="0"/>
+          <a:endParaRPr lang="en-US" sz="2700" kern="1200" dirty="0"/>
         </a:p>
       </dsp:txBody>
       <dsp:txXfrm>
-        <a:off x="2034796" y="1024327"/>
-        <a:ext cx="1228827" cy="1228848"/>
+        <a:off x="2332523" y="948180"/>
+        <a:ext cx="1391503" cy="1391574"/>
       </dsp:txXfrm>
     </dsp:sp>
     <dsp:sp modelId="{002E6EE1-C06A-4B3C-A464-FE9FA8D9C4D1}">
@@ -8849,8 +8834,8 @@
       </dsp:nvSpPr>
       <dsp:spPr>
         <a:xfrm>
-          <a:off x="2670092" y="2048554"/>
-          <a:ext cx="1737825" cy="1737854"/>
+          <a:off x="3066500" y="1928274"/>
+          <a:ext cx="1967883" cy="1967982"/>
         </a:xfrm>
         <a:prstGeom prst="ellipse">
           <a:avLst/>
@@ -8892,12 +8877,12 @@
         </a:fontRef>
       </dsp:style>
       <dsp:txBody>
-        <a:bodyPr spcFirstLastPara="0" vert="horz" wrap="square" lIns="87630" tIns="87630" rIns="87630" bIns="87630" numCol="1" spcCol="1270" anchor="ctr" anchorCtr="0">
+        <a:bodyPr spcFirstLastPara="0" vert="horz" wrap="square" lIns="102870" tIns="102870" rIns="102870" bIns="102870" numCol="1" spcCol="1270" anchor="ctr" anchorCtr="0">
           <a:noAutofit/>
         </a:bodyPr>
         <a:lstStyle/>
         <a:p>
-          <a:pPr lvl="0" algn="ctr" defTabSz="1022350">
+          <a:pPr lvl="0" algn="ctr" defTabSz="1200150">
             <a:lnSpc>
               <a:spcPct val="90000"/>
             </a:lnSpc>
@@ -8909,15 +8894,19 @@
             </a:spcAft>
           </a:pPr>
           <a:r>
-            <a:rPr lang="en-US" sz="2300" kern="1200" dirty="0" smtClean="0"/>
-            <a:t>Di Zhao</a:t>
+            <a:rPr lang="en-US" sz="2700" kern="1200" dirty="0" err="1" smtClean="0"/>
+            <a:t>Jianfei</a:t>
           </a:r>
-          <a:endParaRPr lang="en-US" sz="2300" kern="1200" dirty="0"/>
+          <a:r>
+            <a:rPr lang="en-US" sz="2700" kern="1200" dirty="0" smtClean="0"/>
+            <a:t> Shao</a:t>
+          </a:r>
+          <a:endParaRPr lang="en-US" sz="2700" kern="1200" dirty="0"/>
         </a:p>
       </dsp:txBody>
       <dsp:txXfrm>
-        <a:off x="2924591" y="2303057"/>
-        <a:ext cx="1228827" cy="1228848"/>
+        <a:off x="3354690" y="2216478"/>
+        <a:ext cx="1391503" cy="1391574"/>
       </dsp:txXfrm>
     </dsp:sp>
     <dsp:sp modelId="{63AEAD72-9EED-4B0C-95DF-0BA4356C727B}">
@@ -8927,8 +8916,8 @@
       </dsp:nvSpPr>
       <dsp:spPr>
         <a:xfrm>
-          <a:off x="3560595" y="769824"/>
-          <a:ext cx="1737825" cy="1737854"/>
+          <a:off x="4088667" y="659976"/>
+          <a:ext cx="1967883" cy="1967982"/>
         </a:xfrm>
         <a:prstGeom prst="ellipse">
           <a:avLst/>
@@ -8970,12 +8959,12 @@
         </a:fontRef>
       </dsp:style>
       <dsp:txBody>
-        <a:bodyPr spcFirstLastPara="0" vert="horz" wrap="square" lIns="87630" tIns="87630" rIns="87630" bIns="87630" numCol="1" spcCol="1270" anchor="ctr" anchorCtr="0">
+        <a:bodyPr spcFirstLastPara="0" vert="horz" wrap="square" lIns="102870" tIns="102870" rIns="102870" bIns="102870" numCol="1" spcCol="1270" anchor="ctr" anchorCtr="0">
           <a:noAutofit/>
         </a:bodyPr>
         <a:lstStyle/>
         <a:p>
-          <a:pPr lvl="0" algn="ctr" defTabSz="1022350">
+          <a:pPr lvl="0" algn="ctr" defTabSz="1200150">
             <a:lnSpc>
               <a:spcPct val="90000"/>
             </a:lnSpc>
@@ -8987,19 +8976,15 @@
             </a:spcAft>
           </a:pPr>
           <a:r>
-            <a:rPr lang="en-US" sz="2300" kern="1200" dirty="0" err="1" smtClean="0"/>
-            <a:t>Jianfei</a:t>
+            <a:rPr lang="en-US" sz="2700" kern="1200" dirty="0" smtClean="0"/>
+            <a:t>Matt Bennett</a:t>
           </a:r>
-          <a:r>
-            <a:rPr lang="en-US" sz="2300" kern="1200" dirty="0" smtClean="0"/>
-            <a:t> Shao</a:t>
-          </a:r>
-          <a:endParaRPr lang="en-US" sz="2300" kern="1200" dirty="0"/>
+          <a:endParaRPr lang="en-US" sz="2700" kern="1200" dirty="0"/>
         </a:p>
       </dsp:txBody>
       <dsp:txXfrm>
-        <a:off x="3815094" y="1024327"/>
-        <a:ext cx="1228827" cy="1228848"/>
+        <a:off x="4376857" y="948180"/>
+        <a:ext cx="1391503" cy="1391574"/>
       </dsp:txXfrm>
     </dsp:sp>
     <dsp:sp modelId="{634C1F1F-CD2D-47DE-A90D-D551DDC12A09}">
@@ -9009,8 +8994,8 @@
       </dsp:nvSpPr>
       <dsp:spPr>
         <a:xfrm>
-          <a:off x="4450390" y="2048554"/>
-          <a:ext cx="1737825" cy="1737854"/>
+          <a:off x="5110834" y="1928274"/>
+          <a:ext cx="1967883" cy="1967982"/>
         </a:xfrm>
         <a:prstGeom prst="ellipse">
           <a:avLst/>
@@ -9052,12 +9037,12 @@
         </a:fontRef>
       </dsp:style>
       <dsp:txBody>
-        <a:bodyPr spcFirstLastPara="0" vert="horz" wrap="square" lIns="87630" tIns="87630" rIns="87630" bIns="87630" numCol="1" spcCol="1270" anchor="ctr" anchorCtr="0">
+        <a:bodyPr spcFirstLastPara="0" vert="horz" wrap="square" lIns="102870" tIns="102870" rIns="102870" bIns="102870" numCol="1" spcCol="1270" anchor="ctr" anchorCtr="0">
           <a:noAutofit/>
         </a:bodyPr>
         <a:lstStyle/>
         <a:p>
-          <a:pPr lvl="0" algn="ctr" defTabSz="1022350">
+          <a:pPr lvl="0" algn="ctr" defTabSz="1200150">
             <a:lnSpc>
               <a:spcPct val="90000"/>
             </a:lnSpc>
@@ -9069,93 +9054,15 @@
             </a:spcAft>
           </a:pPr>
           <a:r>
-            <a:rPr lang="en-US" sz="2300" kern="1200" dirty="0" smtClean="0"/>
-            <a:t>Matt Bennett</a:t>
+            <a:rPr lang="en-US" sz="2700" kern="1200" dirty="0" smtClean="0"/>
+            <a:t>Samuel Hansen</a:t>
           </a:r>
-          <a:endParaRPr lang="en-US" sz="2300" kern="1200" dirty="0"/>
+          <a:endParaRPr lang="en-US" sz="2700" kern="1200" dirty="0"/>
         </a:p>
       </dsp:txBody>
       <dsp:txXfrm>
-        <a:off x="4704889" y="2303057"/>
-        <a:ext cx="1228827" cy="1228848"/>
-      </dsp:txXfrm>
-    </dsp:sp>
-    <dsp:sp modelId="{443438AB-00E5-46EB-8A1D-8C2B9E16FD15}">
-      <dsp:nvSpPr>
-        <dsp:cNvPr id="0" name=""/>
-        <dsp:cNvSpPr/>
-      </dsp:nvSpPr>
-      <dsp:spPr>
-        <a:xfrm>
-          <a:off x="5340892" y="769824"/>
-          <a:ext cx="1737825" cy="1737854"/>
-        </a:xfrm>
-        <a:prstGeom prst="ellipse">
-          <a:avLst/>
-        </a:prstGeom>
-        <a:solidFill>
-          <a:schemeClr val="accent1">
-            <a:alpha val="50000"/>
-            <a:hueOff val="0"/>
-            <a:satOff val="0"/>
-            <a:lumOff val="0"/>
-            <a:alphaOff val="0"/>
-          </a:schemeClr>
-        </a:solidFill>
-        <a:ln w="19050" cap="rnd" cmpd="sng" algn="ctr">
-          <a:solidFill>
-            <a:schemeClr val="lt1">
-              <a:hueOff val="0"/>
-              <a:satOff val="0"/>
-              <a:lumOff val="0"/>
-              <a:alphaOff val="0"/>
-            </a:schemeClr>
-          </a:solidFill>
-          <a:prstDash val="solid"/>
-        </a:ln>
-        <a:effectLst/>
-      </dsp:spPr>
-      <dsp:style>
-        <a:lnRef idx="2">
-          <a:scrgbClr r="0" g="0" b="0"/>
-        </a:lnRef>
-        <a:fillRef idx="1">
-          <a:scrgbClr r="0" g="0" b="0"/>
-        </a:fillRef>
-        <a:effectRef idx="0">
-          <a:scrgbClr r="0" g="0" b="0"/>
-        </a:effectRef>
-        <a:fontRef idx="minor">
-          <a:schemeClr val="tx1"/>
-        </a:fontRef>
-      </dsp:style>
-      <dsp:txBody>
-        <a:bodyPr spcFirstLastPara="0" vert="horz" wrap="square" lIns="87630" tIns="87630" rIns="87630" bIns="87630" numCol="1" spcCol="1270" anchor="ctr" anchorCtr="0">
-          <a:noAutofit/>
-        </a:bodyPr>
-        <a:lstStyle/>
-        <a:p>
-          <a:pPr lvl="0" algn="ctr" defTabSz="1022350">
-            <a:lnSpc>
-              <a:spcPct val="90000"/>
-            </a:lnSpc>
-            <a:spcBef>
-              <a:spcPct val="0"/>
-            </a:spcBef>
-            <a:spcAft>
-              <a:spcPct val="35000"/>
-            </a:spcAft>
-          </a:pPr>
-          <a:r>
-            <a:rPr lang="en-US" sz="2300" kern="1200" dirty="0" smtClean="0"/>
-            <a:t>Samuel Hansen</a:t>
-          </a:r>
-          <a:endParaRPr lang="en-US" sz="2300" kern="1200" dirty="0"/>
-        </a:p>
-      </dsp:txBody>
-      <dsp:txXfrm>
-        <a:off x="5595391" y="1024327"/>
-        <a:ext cx="1228827" cy="1228848"/>
+        <a:off x="5399024" y="2216478"/>
+        <a:ext cx="1391503" cy="1391574"/>
       </dsp:txXfrm>
     </dsp:sp>
   </dsp:spTree>
@@ -23977,7 +23884,6 @@
               <a:rPr lang="en-US" dirty="0"/>
               <a:t>We would like to thank:</a:t>
             </a:r>
-            <a:endParaRPr lang="en-US" dirty="0"/>
           </a:p>
         </p:txBody>
       </p:sp>
@@ -24013,7 +23919,7 @@
           <p:nvPr>
             <p:extLst>
               <p:ext uri="{D42A27DB-BD31-4B8C-83A1-F6EECF244321}">
-                <p14:modId xmlns:p14="http://schemas.microsoft.com/office/powerpoint/2010/main" val="740041725"/>
+                <p14:modId xmlns:p14="http://schemas.microsoft.com/office/powerpoint/2010/main" val="1208194511"/>
               </p:ext>
             </p:extLst>
           </p:nvPr>

--- a/Part6/The Adventurous Project of building a processor.pptx
+++ b/Part6/The Adventurous Project of building a processor.pptx
@@ -4,6 +4,9 @@
   <p:sldMasterIdLst>
     <p:sldMasterId id="2147483648" r:id="rId1"/>
   </p:sldMasterIdLst>
+  <p:notesMasterIdLst>
+    <p:notesMasterId r:id="rId30"/>
+  </p:notesMasterIdLst>
   <p:sldIdLst>
     <p:sldId id="256" r:id="rId2"/>
     <p:sldId id="283" r:id="rId3"/>
@@ -6861,7 +6864,15 @@
         <a:p>
           <a:r>
             <a:rPr lang="en-US" dirty="0" smtClean="0"/>
-            <a:t>Phase 5: Bonus: More I/O &amp; J-type Instructions</a:t>
+            <a:t>Phase 5: </a:t>
+          </a:r>
+          <a:r>
+            <a:rPr lang="en-US" dirty="0" smtClean="0"/>
+            <a:t>(Bonus) Additional </a:t>
+          </a:r>
+          <a:r>
+            <a:rPr lang="en-US" dirty="0" smtClean="0"/>
+            <a:t>I/O &amp; J-type Instructions</a:t>
           </a:r>
         </a:p>
       </dgm:t>
@@ -6933,7 +6944,15 @@
         <a:p>
           <a:r>
             <a:rPr lang="en-US" dirty="0" smtClean="0"/>
-            <a:t>Phase 7: Bonus: Assembler</a:t>
+            <a:t>Phase 7: </a:t>
+          </a:r>
+          <a:r>
+            <a:rPr lang="en-US" dirty="0" smtClean="0"/>
+            <a:t>(Bonus) </a:t>
+          </a:r>
+          <a:r>
+            <a:rPr lang="en-US" dirty="0" smtClean="0"/>
+            <a:t>Assembler</a:t>
           </a:r>
         </a:p>
       </dgm:t>
@@ -7223,23 +7242,23 @@
     </dgm:pt>
   </dgm:ptLst>
   <dgm:cxnLst>
+    <dgm:cxn modelId="{6E8A2461-093A-438B-B752-EB4F414855A9}" srcId="{E721CFF6-F5DA-4C84-96E8-E6869F5D9A72}" destId="{2763F3B8-D354-4513-A2A5-1ACC91F2D733}" srcOrd="3" destOrd="0" parTransId="{B3350334-656E-4F4E-B301-603334E19C52}" sibTransId="{66B70017-53FF-40EC-9C94-E10D7F063EEF}"/>
+    <dgm:cxn modelId="{BC9C0B93-D0D0-49EE-A5E6-1494291AB6AE}" srcId="{E721CFF6-F5DA-4C84-96E8-E6869F5D9A72}" destId="{93C4C77B-D590-4C38-9342-DB9089CDF074}" srcOrd="0" destOrd="0" parTransId="{87F3107C-78CE-4266-B957-A03DD37ED2EC}" sibTransId="{22B8F299-92FD-4E99-9C1D-6B04907D01DE}"/>
+    <dgm:cxn modelId="{49BB62EA-B427-4A8F-8583-0854F3481C94}" type="presOf" srcId="{828B2E6E-F803-4A64-BF50-2E9FDB4E1DEA}" destId="{B8BF9229-CCB5-4368-9706-7091C57C676F}" srcOrd="0" destOrd="0" presId="urn:microsoft.com/office/officeart/2008/layout/LinedList"/>
+    <dgm:cxn modelId="{219D1123-AEF5-426A-A0DF-A53424716E1F}" srcId="{E721CFF6-F5DA-4C84-96E8-E6869F5D9A72}" destId="{988E2471-8E50-4FD9-B835-B8F5F91943AB}" srcOrd="2" destOrd="0" parTransId="{96D9BF4A-A2F7-4139-A6A2-6E4557567322}" sibTransId="{EA4CD0F0-9E69-4C56-8C80-7C0168764228}"/>
+    <dgm:cxn modelId="{501D4334-311B-453D-A0D7-914E5D1BB4BB}" srcId="{E721CFF6-F5DA-4C84-96E8-E6869F5D9A72}" destId="{77164FD3-9F49-4EA9-98E6-C7BC2137B4B1}" srcOrd="1" destOrd="0" parTransId="{32C7AC37-8CFC-4402-B165-67874806FED0}" sibTransId="{7EB477EE-FE4E-409D-A902-F5CD0AA979EA}"/>
+    <dgm:cxn modelId="{24C9731C-5E79-4395-A6D2-F25F44C66CD3}" type="presOf" srcId="{988E2471-8E50-4FD9-B835-B8F5F91943AB}" destId="{6D944198-004B-493E-AB32-D606E61829B8}" srcOrd="0" destOrd="0" presId="urn:microsoft.com/office/officeart/2008/layout/LinedList"/>
+    <dgm:cxn modelId="{B15CA486-5498-4B3D-9F3C-138DCBCC9310}" srcId="{44A1DE08-FB63-4329-90BF-7823D175BC1E}" destId="{E721CFF6-F5DA-4C84-96E8-E6869F5D9A72}" srcOrd="0" destOrd="0" parTransId="{7A70569B-3BB2-4904-A000-6CCD152103E8}" sibTransId="{46164CA9-E624-42F9-BAA5-0D1B4B6D2EC5}"/>
+    <dgm:cxn modelId="{A587061A-C5D8-4761-AE38-3478C4982DA8}" type="presOf" srcId="{77164FD3-9F49-4EA9-98E6-C7BC2137B4B1}" destId="{96B51C0D-7E42-434A-8339-F812C4AC2E96}" srcOrd="0" destOrd="0" presId="urn:microsoft.com/office/officeart/2008/layout/LinedList"/>
+    <dgm:cxn modelId="{CA759E7F-66AE-465E-A846-6B2C8881A255}" srcId="{E721CFF6-F5DA-4C84-96E8-E6869F5D9A72}" destId="{C062E97C-F934-44BB-8579-F9B554401582}" srcOrd="5" destOrd="0" parTransId="{64E54EA2-0CBD-40C7-A761-17CAEEC26F18}" sibTransId="{AB9D5C7A-1FB6-4AFD-B4E5-5DA8E20A5E21}"/>
+    <dgm:cxn modelId="{D2B56790-3A47-474F-AE02-0F4DDD56BD23}" type="presOf" srcId="{C062E97C-F934-44BB-8579-F9B554401582}" destId="{93D5975A-9A0B-451C-9D37-306340208A2F}" srcOrd="0" destOrd="0" presId="urn:microsoft.com/office/officeart/2008/layout/LinedList"/>
+    <dgm:cxn modelId="{5852A184-8F49-4767-927C-4CAB75CD7887}" srcId="{E721CFF6-F5DA-4C84-96E8-E6869F5D9A72}" destId="{60AC162E-7709-4543-9382-0AB390A2202F}" srcOrd="6" destOrd="0" parTransId="{CA85B955-01DA-44B2-86CE-39DDD3502ADE}" sibTransId="{998CD6A2-8BC1-4FCF-AA79-DDCCA6244029}"/>
+    <dgm:cxn modelId="{4DB52697-A2A7-4158-97E6-89131A77B49D}" type="presOf" srcId="{44A1DE08-FB63-4329-90BF-7823D175BC1E}" destId="{ABB419EF-DA8B-4BFA-BF1E-925B1321E7E2}" srcOrd="0" destOrd="0" presId="urn:microsoft.com/office/officeart/2008/layout/LinedList"/>
+    <dgm:cxn modelId="{C439BEF7-4A42-4BAC-9635-FAA8D7BA8BFC}" type="presOf" srcId="{E721CFF6-F5DA-4C84-96E8-E6869F5D9A72}" destId="{3BEF68D0-D17D-46BC-86E8-FB68A8C93665}" srcOrd="0" destOrd="0" presId="urn:microsoft.com/office/officeart/2008/layout/LinedList"/>
+    <dgm:cxn modelId="{DB5A4F5B-46BE-41EC-9B54-909565D2202C}" type="presOf" srcId="{2763F3B8-D354-4513-A2A5-1ACC91F2D733}" destId="{4D8A79E5-E948-4FBA-96D5-1C6CC280B61E}" srcOrd="0" destOrd="0" presId="urn:microsoft.com/office/officeart/2008/layout/LinedList"/>
+    <dgm:cxn modelId="{FC67AADC-7294-4BBA-9E63-7449683EB2CE}" srcId="{E721CFF6-F5DA-4C84-96E8-E6869F5D9A72}" destId="{828B2E6E-F803-4A64-BF50-2E9FDB4E1DEA}" srcOrd="4" destOrd="0" parTransId="{61E92328-2C35-4F83-9936-DEA603CF1478}" sibTransId="{15D6D97E-DA23-4A74-A520-4BC0DAB41982}"/>
+    <dgm:cxn modelId="{D412BAB7-AD78-4C7F-8F7D-2830E9157EFB}" type="presOf" srcId="{93C4C77B-D590-4C38-9342-DB9089CDF074}" destId="{DEAD70E7-FE25-49F0-BA74-B1A786880FAD}" srcOrd="0" destOrd="0" presId="urn:microsoft.com/office/officeart/2008/layout/LinedList"/>
     <dgm:cxn modelId="{0FA209AC-4AD3-4EA8-8862-47D0E7B332F2}" type="presOf" srcId="{60AC162E-7709-4543-9382-0AB390A2202F}" destId="{B3EE5CF6-D6CF-427E-880B-0F02D3CB2444}" srcOrd="0" destOrd="0" presId="urn:microsoft.com/office/officeart/2008/layout/LinedList"/>
-    <dgm:cxn modelId="{A587061A-C5D8-4761-AE38-3478C4982DA8}" type="presOf" srcId="{77164FD3-9F49-4EA9-98E6-C7BC2137B4B1}" destId="{96B51C0D-7E42-434A-8339-F812C4AC2E96}" srcOrd="0" destOrd="0" presId="urn:microsoft.com/office/officeart/2008/layout/LinedList"/>
-    <dgm:cxn modelId="{D2B56790-3A47-474F-AE02-0F4DDD56BD23}" type="presOf" srcId="{C062E97C-F934-44BB-8579-F9B554401582}" destId="{93D5975A-9A0B-451C-9D37-306340208A2F}" srcOrd="0" destOrd="0" presId="urn:microsoft.com/office/officeart/2008/layout/LinedList"/>
-    <dgm:cxn modelId="{B15CA486-5498-4B3D-9F3C-138DCBCC9310}" srcId="{44A1DE08-FB63-4329-90BF-7823D175BC1E}" destId="{E721CFF6-F5DA-4C84-96E8-E6869F5D9A72}" srcOrd="0" destOrd="0" parTransId="{7A70569B-3BB2-4904-A000-6CCD152103E8}" sibTransId="{46164CA9-E624-42F9-BAA5-0D1B4B6D2EC5}"/>
-    <dgm:cxn modelId="{CA759E7F-66AE-465E-A846-6B2C8881A255}" srcId="{E721CFF6-F5DA-4C84-96E8-E6869F5D9A72}" destId="{C062E97C-F934-44BB-8579-F9B554401582}" srcOrd="5" destOrd="0" parTransId="{64E54EA2-0CBD-40C7-A761-17CAEEC26F18}" sibTransId="{AB9D5C7A-1FB6-4AFD-B4E5-5DA8E20A5E21}"/>
-    <dgm:cxn modelId="{C439BEF7-4A42-4BAC-9635-FAA8D7BA8BFC}" type="presOf" srcId="{E721CFF6-F5DA-4C84-96E8-E6869F5D9A72}" destId="{3BEF68D0-D17D-46BC-86E8-FB68A8C93665}" srcOrd="0" destOrd="0" presId="urn:microsoft.com/office/officeart/2008/layout/LinedList"/>
-    <dgm:cxn modelId="{6E8A2461-093A-438B-B752-EB4F414855A9}" srcId="{E721CFF6-F5DA-4C84-96E8-E6869F5D9A72}" destId="{2763F3B8-D354-4513-A2A5-1ACC91F2D733}" srcOrd="3" destOrd="0" parTransId="{B3350334-656E-4F4E-B301-603334E19C52}" sibTransId="{66B70017-53FF-40EC-9C94-E10D7F063EEF}"/>
-    <dgm:cxn modelId="{FC67AADC-7294-4BBA-9E63-7449683EB2CE}" srcId="{E721CFF6-F5DA-4C84-96E8-E6869F5D9A72}" destId="{828B2E6E-F803-4A64-BF50-2E9FDB4E1DEA}" srcOrd="4" destOrd="0" parTransId="{61E92328-2C35-4F83-9936-DEA603CF1478}" sibTransId="{15D6D97E-DA23-4A74-A520-4BC0DAB41982}"/>
-    <dgm:cxn modelId="{5852A184-8F49-4767-927C-4CAB75CD7887}" srcId="{E721CFF6-F5DA-4C84-96E8-E6869F5D9A72}" destId="{60AC162E-7709-4543-9382-0AB390A2202F}" srcOrd="6" destOrd="0" parTransId="{CA85B955-01DA-44B2-86CE-39DDD3502ADE}" sibTransId="{998CD6A2-8BC1-4FCF-AA79-DDCCA6244029}"/>
-    <dgm:cxn modelId="{49BB62EA-B427-4A8F-8583-0854F3481C94}" type="presOf" srcId="{828B2E6E-F803-4A64-BF50-2E9FDB4E1DEA}" destId="{B8BF9229-CCB5-4368-9706-7091C57C676F}" srcOrd="0" destOrd="0" presId="urn:microsoft.com/office/officeart/2008/layout/LinedList"/>
-    <dgm:cxn modelId="{D412BAB7-AD78-4C7F-8F7D-2830E9157EFB}" type="presOf" srcId="{93C4C77B-D590-4C38-9342-DB9089CDF074}" destId="{DEAD70E7-FE25-49F0-BA74-B1A786880FAD}" srcOrd="0" destOrd="0" presId="urn:microsoft.com/office/officeart/2008/layout/LinedList"/>
-    <dgm:cxn modelId="{DB5A4F5B-46BE-41EC-9B54-909565D2202C}" type="presOf" srcId="{2763F3B8-D354-4513-A2A5-1ACC91F2D733}" destId="{4D8A79E5-E948-4FBA-96D5-1C6CC280B61E}" srcOrd="0" destOrd="0" presId="urn:microsoft.com/office/officeart/2008/layout/LinedList"/>
-    <dgm:cxn modelId="{501D4334-311B-453D-A0D7-914E5D1BB4BB}" srcId="{E721CFF6-F5DA-4C84-96E8-E6869F5D9A72}" destId="{77164FD3-9F49-4EA9-98E6-C7BC2137B4B1}" srcOrd="1" destOrd="0" parTransId="{32C7AC37-8CFC-4402-B165-67874806FED0}" sibTransId="{7EB477EE-FE4E-409D-A902-F5CD0AA979EA}"/>
-    <dgm:cxn modelId="{BC9C0B93-D0D0-49EE-A5E6-1494291AB6AE}" srcId="{E721CFF6-F5DA-4C84-96E8-E6869F5D9A72}" destId="{93C4C77B-D590-4C38-9342-DB9089CDF074}" srcOrd="0" destOrd="0" parTransId="{87F3107C-78CE-4266-B957-A03DD37ED2EC}" sibTransId="{22B8F299-92FD-4E99-9C1D-6B04907D01DE}"/>
-    <dgm:cxn modelId="{219D1123-AEF5-426A-A0DF-A53424716E1F}" srcId="{E721CFF6-F5DA-4C84-96E8-E6869F5D9A72}" destId="{988E2471-8E50-4FD9-B835-B8F5F91943AB}" srcOrd="2" destOrd="0" parTransId="{96D9BF4A-A2F7-4139-A6A2-6E4557567322}" sibTransId="{EA4CD0F0-9E69-4C56-8C80-7C0168764228}"/>
-    <dgm:cxn modelId="{24C9731C-5E79-4395-A6D2-F25F44C66CD3}" type="presOf" srcId="{988E2471-8E50-4FD9-B835-B8F5F91943AB}" destId="{6D944198-004B-493E-AB32-D606E61829B8}" srcOrd="0" destOrd="0" presId="urn:microsoft.com/office/officeart/2008/layout/LinedList"/>
-    <dgm:cxn modelId="{4DB52697-A2A7-4158-97E6-89131A77B49D}" type="presOf" srcId="{44A1DE08-FB63-4329-90BF-7823D175BC1E}" destId="{ABB419EF-DA8B-4BFA-BF1E-925B1321E7E2}" srcOrd="0" destOrd="0" presId="urn:microsoft.com/office/officeart/2008/layout/LinedList"/>
     <dgm:cxn modelId="{D929D9D5-6237-4B6D-9DC4-3B869F5D1635}" type="presParOf" srcId="{ABB419EF-DA8B-4BFA-BF1E-925B1321E7E2}" destId="{91F1FE8E-ADD1-4885-AC53-0C6F73C097C6}" srcOrd="0" destOrd="0" presId="urn:microsoft.com/office/officeart/2008/layout/LinedList"/>
     <dgm:cxn modelId="{5943A963-23FC-4A15-8AB4-CC33C8819691}" type="presParOf" srcId="{ABB419EF-DA8B-4BFA-BF1E-925B1321E7E2}" destId="{A4C882E0-C26E-4151-B697-F29CA6638CF9}" srcOrd="1" destOrd="0" presId="urn:microsoft.com/office/officeart/2008/layout/LinedList"/>
     <dgm:cxn modelId="{97D5B4DE-FF89-41AB-8A49-BD5D8FE864AF}" type="presParOf" srcId="{A4C882E0-C26E-4151-B697-F29CA6638CF9}" destId="{3BEF68D0-D17D-46BC-86E8-FB68A8C93665}" srcOrd="0" destOrd="0" presId="urn:microsoft.com/office/officeart/2008/layout/LinedList"/>
@@ -7358,6 +7377,13 @@
         </dgm:presLayoutVars>
       </dgm:prSet>
       <dgm:spPr/>
+      <dgm:t>
+        <a:bodyPr/>
+        <a:lstStyle/>
+        <a:p>
+          <a:endParaRPr lang="en-US"/>
+        </a:p>
+      </dgm:t>
     </dgm:pt>
     <dgm:pt modelId="{85750B7D-4174-4D5F-8BB2-0692AC62845E}" type="pres">
       <dgm:prSet presAssocID="{BFE297C9-0328-4A22-90AD-86AA5B4591C9}" presName="composite" presStyleCnt="0">
@@ -7860,10 +7886,24 @@
         </dgm:presLayoutVars>
       </dgm:prSet>
       <dgm:spPr/>
+      <dgm:t>
+        <a:bodyPr/>
+        <a:lstStyle/>
+        <a:p>
+          <a:endParaRPr lang="en-US"/>
+        </a:p>
+      </dgm:t>
     </dgm:pt>
     <dgm:pt modelId="{5152E6CB-9BF0-4DFA-8391-590707DDCF8B}" type="pres">
       <dgm:prSet presAssocID="{DDCD23D5-C759-44A0-8954-C75825298202}" presName="picture_1" presStyleLbl="bgImgPlace1" presStyleIdx="0" presStyleCnt="1" custScaleX="403593" custScaleY="101458" custLinFactX="37640" custLinFactY="-100000" custLinFactNeighborX="100000" custLinFactNeighborY="-152072"/>
       <dgm:spPr/>
+      <dgm:t>
+        <a:bodyPr/>
+        <a:lstStyle/>
+        <a:p>
+          <a:endParaRPr lang="en-US"/>
+        </a:p>
+      </dgm:t>
     </dgm:pt>
     <dgm:pt modelId="{E8F601E9-E5B4-4C98-AD62-2B37FE6DBA98}" type="pres">
       <dgm:prSet presAssocID="{05243032-CDBC-45FB-9F28-C1B99C1BB0E5}" presName="text_1" presStyleLbl="node1" presStyleIdx="0" presStyleCnt="0">
@@ -7872,6 +7912,13 @@
         </dgm:presLayoutVars>
       </dgm:prSet>
       <dgm:spPr/>
+      <dgm:t>
+        <a:bodyPr/>
+        <a:lstStyle/>
+        <a:p>
+          <a:endParaRPr lang="en-US"/>
+        </a:p>
+      </dgm:t>
     </dgm:pt>
     <dgm:pt modelId="{40D2BA48-4FDD-49C7-8620-8117435D9EF1}" type="pres">
       <dgm:prSet presAssocID="{F3D3A104-F7D0-4C24-91B7-8FE982192728}" presName="linV" presStyleCnt="0"/>
@@ -7900,6 +7947,13 @@
         </dgm:presLayoutVars>
       </dgm:prSet>
       <dgm:spPr/>
+      <dgm:t>
+        <a:bodyPr/>
+        <a:lstStyle/>
+        <a:p>
+          <a:endParaRPr lang="en-US"/>
+        </a:p>
+      </dgm:t>
     </dgm:pt>
     <dgm:pt modelId="{97A9EAFA-522C-4923-9018-7C49007FDA10}" type="pres">
       <dgm:prSet presAssocID="{92DDE91F-E12B-4F03-AE42-1D750B1E0982}" presName="spaceV" presStyleCnt="0"/>
@@ -7928,6 +7982,13 @@
         </dgm:presLayoutVars>
       </dgm:prSet>
       <dgm:spPr/>
+      <dgm:t>
+        <a:bodyPr/>
+        <a:lstStyle/>
+        <a:p>
+          <a:endParaRPr lang="en-US"/>
+        </a:p>
+      </dgm:t>
     </dgm:pt>
     <dgm:pt modelId="{AC2DE02E-28F8-4A71-90D4-722A34C539B0}" type="pres">
       <dgm:prSet presAssocID="{14CA5A66-A8F0-4981-B786-9259C893C53F}" presName="spaceV" presStyleCnt="0"/>
@@ -7956,6 +8017,13 @@
         </dgm:presLayoutVars>
       </dgm:prSet>
       <dgm:spPr/>
+      <dgm:t>
+        <a:bodyPr/>
+        <a:lstStyle/>
+        <a:p>
+          <a:endParaRPr lang="en-US"/>
+        </a:p>
+      </dgm:t>
     </dgm:pt>
     <dgm:pt modelId="{FAE79B8C-74BD-4505-8972-D1226CFA739E}" type="pres">
       <dgm:prSet presAssocID="{F3D3A104-F7D0-4C24-91B7-8FE982192728}" presName="maxNode" presStyleCnt="0"/>
@@ -8578,23 +8646,23 @@
     </dgm:pt>
   </dgm:ptLst>
   <dgm:cxnLst>
+    <dgm:cxn modelId="{6E8A2461-093A-438B-B752-EB4F414855A9}" srcId="{E721CFF6-F5DA-4C84-96E8-E6869F5D9A72}" destId="{2763F3B8-D354-4513-A2A5-1ACC91F2D733}" srcOrd="3" destOrd="0" parTransId="{B3350334-656E-4F4E-B301-603334E19C52}" sibTransId="{66B70017-53FF-40EC-9C94-E10D7F063EEF}"/>
+    <dgm:cxn modelId="{BC9C0B93-D0D0-49EE-A5E6-1494291AB6AE}" srcId="{E721CFF6-F5DA-4C84-96E8-E6869F5D9A72}" destId="{93C4C77B-D590-4C38-9342-DB9089CDF074}" srcOrd="0" destOrd="0" parTransId="{87F3107C-78CE-4266-B957-A03DD37ED2EC}" sibTransId="{22B8F299-92FD-4E99-9C1D-6B04907D01DE}"/>
+    <dgm:cxn modelId="{49BB62EA-B427-4A8F-8583-0854F3481C94}" type="presOf" srcId="{828B2E6E-F803-4A64-BF50-2E9FDB4E1DEA}" destId="{B8BF9229-CCB5-4368-9706-7091C57C676F}" srcOrd="0" destOrd="0" presId="urn:microsoft.com/office/officeart/2008/layout/LinedList"/>
+    <dgm:cxn modelId="{219D1123-AEF5-426A-A0DF-A53424716E1F}" srcId="{E721CFF6-F5DA-4C84-96E8-E6869F5D9A72}" destId="{988E2471-8E50-4FD9-B835-B8F5F91943AB}" srcOrd="2" destOrd="0" parTransId="{96D9BF4A-A2F7-4139-A6A2-6E4557567322}" sibTransId="{EA4CD0F0-9E69-4C56-8C80-7C0168764228}"/>
+    <dgm:cxn modelId="{501D4334-311B-453D-A0D7-914E5D1BB4BB}" srcId="{E721CFF6-F5DA-4C84-96E8-E6869F5D9A72}" destId="{77164FD3-9F49-4EA9-98E6-C7BC2137B4B1}" srcOrd="1" destOrd="0" parTransId="{32C7AC37-8CFC-4402-B165-67874806FED0}" sibTransId="{7EB477EE-FE4E-409D-A902-F5CD0AA979EA}"/>
+    <dgm:cxn modelId="{24C9731C-5E79-4395-A6D2-F25F44C66CD3}" type="presOf" srcId="{988E2471-8E50-4FD9-B835-B8F5F91943AB}" destId="{6D944198-004B-493E-AB32-D606E61829B8}" srcOrd="0" destOrd="0" presId="urn:microsoft.com/office/officeart/2008/layout/LinedList"/>
+    <dgm:cxn modelId="{B15CA486-5498-4B3D-9F3C-138DCBCC9310}" srcId="{44A1DE08-FB63-4329-90BF-7823D175BC1E}" destId="{E721CFF6-F5DA-4C84-96E8-E6869F5D9A72}" srcOrd="0" destOrd="0" parTransId="{7A70569B-3BB2-4904-A000-6CCD152103E8}" sibTransId="{46164CA9-E624-42F9-BAA5-0D1B4B6D2EC5}"/>
+    <dgm:cxn modelId="{A587061A-C5D8-4761-AE38-3478C4982DA8}" type="presOf" srcId="{77164FD3-9F49-4EA9-98E6-C7BC2137B4B1}" destId="{96B51C0D-7E42-434A-8339-F812C4AC2E96}" srcOrd="0" destOrd="0" presId="urn:microsoft.com/office/officeart/2008/layout/LinedList"/>
+    <dgm:cxn modelId="{CA759E7F-66AE-465E-A846-6B2C8881A255}" srcId="{E721CFF6-F5DA-4C84-96E8-E6869F5D9A72}" destId="{C062E97C-F934-44BB-8579-F9B554401582}" srcOrd="5" destOrd="0" parTransId="{64E54EA2-0CBD-40C7-A761-17CAEEC26F18}" sibTransId="{AB9D5C7A-1FB6-4AFD-B4E5-5DA8E20A5E21}"/>
+    <dgm:cxn modelId="{D2B56790-3A47-474F-AE02-0F4DDD56BD23}" type="presOf" srcId="{C062E97C-F934-44BB-8579-F9B554401582}" destId="{93D5975A-9A0B-451C-9D37-306340208A2F}" srcOrd="0" destOrd="0" presId="urn:microsoft.com/office/officeart/2008/layout/LinedList"/>
+    <dgm:cxn modelId="{5852A184-8F49-4767-927C-4CAB75CD7887}" srcId="{E721CFF6-F5DA-4C84-96E8-E6869F5D9A72}" destId="{60AC162E-7709-4543-9382-0AB390A2202F}" srcOrd="6" destOrd="0" parTransId="{CA85B955-01DA-44B2-86CE-39DDD3502ADE}" sibTransId="{998CD6A2-8BC1-4FCF-AA79-DDCCA6244029}"/>
+    <dgm:cxn modelId="{4DB52697-A2A7-4158-97E6-89131A77B49D}" type="presOf" srcId="{44A1DE08-FB63-4329-90BF-7823D175BC1E}" destId="{ABB419EF-DA8B-4BFA-BF1E-925B1321E7E2}" srcOrd="0" destOrd="0" presId="urn:microsoft.com/office/officeart/2008/layout/LinedList"/>
+    <dgm:cxn modelId="{C439BEF7-4A42-4BAC-9635-FAA8D7BA8BFC}" type="presOf" srcId="{E721CFF6-F5DA-4C84-96E8-E6869F5D9A72}" destId="{3BEF68D0-D17D-46BC-86E8-FB68A8C93665}" srcOrd="0" destOrd="0" presId="urn:microsoft.com/office/officeart/2008/layout/LinedList"/>
+    <dgm:cxn modelId="{DB5A4F5B-46BE-41EC-9B54-909565D2202C}" type="presOf" srcId="{2763F3B8-D354-4513-A2A5-1ACC91F2D733}" destId="{4D8A79E5-E948-4FBA-96D5-1C6CC280B61E}" srcOrd="0" destOrd="0" presId="urn:microsoft.com/office/officeart/2008/layout/LinedList"/>
+    <dgm:cxn modelId="{FC67AADC-7294-4BBA-9E63-7449683EB2CE}" srcId="{E721CFF6-F5DA-4C84-96E8-E6869F5D9A72}" destId="{828B2E6E-F803-4A64-BF50-2E9FDB4E1DEA}" srcOrd="4" destOrd="0" parTransId="{61E92328-2C35-4F83-9936-DEA603CF1478}" sibTransId="{15D6D97E-DA23-4A74-A520-4BC0DAB41982}"/>
+    <dgm:cxn modelId="{D412BAB7-AD78-4C7F-8F7D-2830E9157EFB}" type="presOf" srcId="{93C4C77B-D590-4C38-9342-DB9089CDF074}" destId="{DEAD70E7-FE25-49F0-BA74-B1A786880FAD}" srcOrd="0" destOrd="0" presId="urn:microsoft.com/office/officeart/2008/layout/LinedList"/>
     <dgm:cxn modelId="{0FA209AC-4AD3-4EA8-8862-47D0E7B332F2}" type="presOf" srcId="{60AC162E-7709-4543-9382-0AB390A2202F}" destId="{B3EE5CF6-D6CF-427E-880B-0F02D3CB2444}" srcOrd="0" destOrd="0" presId="urn:microsoft.com/office/officeart/2008/layout/LinedList"/>
-    <dgm:cxn modelId="{A587061A-C5D8-4761-AE38-3478C4982DA8}" type="presOf" srcId="{77164FD3-9F49-4EA9-98E6-C7BC2137B4B1}" destId="{96B51C0D-7E42-434A-8339-F812C4AC2E96}" srcOrd="0" destOrd="0" presId="urn:microsoft.com/office/officeart/2008/layout/LinedList"/>
-    <dgm:cxn modelId="{D2B56790-3A47-474F-AE02-0F4DDD56BD23}" type="presOf" srcId="{C062E97C-F934-44BB-8579-F9B554401582}" destId="{93D5975A-9A0B-451C-9D37-306340208A2F}" srcOrd="0" destOrd="0" presId="urn:microsoft.com/office/officeart/2008/layout/LinedList"/>
-    <dgm:cxn modelId="{B15CA486-5498-4B3D-9F3C-138DCBCC9310}" srcId="{44A1DE08-FB63-4329-90BF-7823D175BC1E}" destId="{E721CFF6-F5DA-4C84-96E8-E6869F5D9A72}" srcOrd="0" destOrd="0" parTransId="{7A70569B-3BB2-4904-A000-6CCD152103E8}" sibTransId="{46164CA9-E624-42F9-BAA5-0D1B4B6D2EC5}"/>
-    <dgm:cxn modelId="{CA759E7F-66AE-465E-A846-6B2C8881A255}" srcId="{E721CFF6-F5DA-4C84-96E8-E6869F5D9A72}" destId="{C062E97C-F934-44BB-8579-F9B554401582}" srcOrd="5" destOrd="0" parTransId="{64E54EA2-0CBD-40C7-A761-17CAEEC26F18}" sibTransId="{AB9D5C7A-1FB6-4AFD-B4E5-5DA8E20A5E21}"/>
-    <dgm:cxn modelId="{C439BEF7-4A42-4BAC-9635-FAA8D7BA8BFC}" type="presOf" srcId="{E721CFF6-F5DA-4C84-96E8-E6869F5D9A72}" destId="{3BEF68D0-D17D-46BC-86E8-FB68A8C93665}" srcOrd="0" destOrd="0" presId="urn:microsoft.com/office/officeart/2008/layout/LinedList"/>
-    <dgm:cxn modelId="{6E8A2461-093A-438B-B752-EB4F414855A9}" srcId="{E721CFF6-F5DA-4C84-96E8-E6869F5D9A72}" destId="{2763F3B8-D354-4513-A2A5-1ACC91F2D733}" srcOrd="3" destOrd="0" parTransId="{B3350334-656E-4F4E-B301-603334E19C52}" sibTransId="{66B70017-53FF-40EC-9C94-E10D7F063EEF}"/>
-    <dgm:cxn modelId="{FC67AADC-7294-4BBA-9E63-7449683EB2CE}" srcId="{E721CFF6-F5DA-4C84-96E8-E6869F5D9A72}" destId="{828B2E6E-F803-4A64-BF50-2E9FDB4E1DEA}" srcOrd="4" destOrd="0" parTransId="{61E92328-2C35-4F83-9936-DEA603CF1478}" sibTransId="{15D6D97E-DA23-4A74-A520-4BC0DAB41982}"/>
-    <dgm:cxn modelId="{5852A184-8F49-4767-927C-4CAB75CD7887}" srcId="{E721CFF6-F5DA-4C84-96E8-E6869F5D9A72}" destId="{60AC162E-7709-4543-9382-0AB390A2202F}" srcOrd="6" destOrd="0" parTransId="{CA85B955-01DA-44B2-86CE-39DDD3502ADE}" sibTransId="{998CD6A2-8BC1-4FCF-AA79-DDCCA6244029}"/>
-    <dgm:cxn modelId="{49BB62EA-B427-4A8F-8583-0854F3481C94}" type="presOf" srcId="{828B2E6E-F803-4A64-BF50-2E9FDB4E1DEA}" destId="{B8BF9229-CCB5-4368-9706-7091C57C676F}" srcOrd="0" destOrd="0" presId="urn:microsoft.com/office/officeart/2008/layout/LinedList"/>
-    <dgm:cxn modelId="{D412BAB7-AD78-4C7F-8F7D-2830E9157EFB}" type="presOf" srcId="{93C4C77B-D590-4C38-9342-DB9089CDF074}" destId="{DEAD70E7-FE25-49F0-BA74-B1A786880FAD}" srcOrd="0" destOrd="0" presId="urn:microsoft.com/office/officeart/2008/layout/LinedList"/>
-    <dgm:cxn modelId="{DB5A4F5B-46BE-41EC-9B54-909565D2202C}" type="presOf" srcId="{2763F3B8-D354-4513-A2A5-1ACC91F2D733}" destId="{4D8A79E5-E948-4FBA-96D5-1C6CC280B61E}" srcOrd="0" destOrd="0" presId="urn:microsoft.com/office/officeart/2008/layout/LinedList"/>
-    <dgm:cxn modelId="{501D4334-311B-453D-A0D7-914E5D1BB4BB}" srcId="{E721CFF6-F5DA-4C84-96E8-E6869F5D9A72}" destId="{77164FD3-9F49-4EA9-98E6-C7BC2137B4B1}" srcOrd="1" destOrd="0" parTransId="{32C7AC37-8CFC-4402-B165-67874806FED0}" sibTransId="{7EB477EE-FE4E-409D-A902-F5CD0AA979EA}"/>
-    <dgm:cxn modelId="{BC9C0B93-D0D0-49EE-A5E6-1494291AB6AE}" srcId="{E721CFF6-F5DA-4C84-96E8-E6869F5D9A72}" destId="{93C4C77B-D590-4C38-9342-DB9089CDF074}" srcOrd="0" destOrd="0" parTransId="{87F3107C-78CE-4266-B957-A03DD37ED2EC}" sibTransId="{22B8F299-92FD-4E99-9C1D-6B04907D01DE}"/>
-    <dgm:cxn modelId="{219D1123-AEF5-426A-A0DF-A53424716E1F}" srcId="{E721CFF6-F5DA-4C84-96E8-E6869F5D9A72}" destId="{988E2471-8E50-4FD9-B835-B8F5F91943AB}" srcOrd="2" destOrd="0" parTransId="{96D9BF4A-A2F7-4139-A6A2-6E4557567322}" sibTransId="{EA4CD0F0-9E69-4C56-8C80-7C0168764228}"/>
-    <dgm:cxn modelId="{24C9731C-5E79-4395-A6D2-F25F44C66CD3}" type="presOf" srcId="{988E2471-8E50-4FD9-B835-B8F5F91943AB}" destId="{6D944198-004B-493E-AB32-D606E61829B8}" srcOrd="0" destOrd="0" presId="urn:microsoft.com/office/officeart/2008/layout/LinedList"/>
-    <dgm:cxn modelId="{4DB52697-A2A7-4158-97E6-89131A77B49D}" type="presOf" srcId="{44A1DE08-FB63-4329-90BF-7823D175BC1E}" destId="{ABB419EF-DA8B-4BFA-BF1E-925B1321E7E2}" srcOrd="0" destOrd="0" presId="urn:microsoft.com/office/officeart/2008/layout/LinedList"/>
     <dgm:cxn modelId="{D929D9D5-6237-4B6D-9DC4-3B869F5D1635}" type="presParOf" srcId="{ABB419EF-DA8B-4BFA-BF1E-925B1321E7E2}" destId="{91F1FE8E-ADD1-4885-AC53-0C6F73C097C6}" srcOrd="0" destOrd="0" presId="urn:microsoft.com/office/officeart/2008/layout/LinedList"/>
     <dgm:cxn modelId="{5943A963-23FC-4A15-8AB4-CC33C8819691}" type="presParOf" srcId="{ABB419EF-DA8B-4BFA-BF1E-925B1321E7E2}" destId="{A4C882E0-C26E-4151-B697-F29CA6638CF9}" srcOrd="1" destOrd="0" presId="urn:microsoft.com/office/officeart/2008/layout/LinedList"/>
     <dgm:cxn modelId="{97D5B4DE-FF89-41AB-8A49-BD5D8FE864AF}" type="presParOf" srcId="{A4C882E0-C26E-4151-B697-F29CA6638CF9}" destId="{3BEF68D0-D17D-46BC-86E8-FB68A8C93665}" srcOrd="0" destOrd="0" presId="urn:microsoft.com/office/officeart/2008/layout/LinedList"/>
@@ -8781,8 +8849,8 @@
   </dgm:ptLst>
   <dgm:cxnLst>
     <dgm:cxn modelId="{D5E6A23C-4752-41C0-A83E-148402C8BC50}" type="presOf" srcId="{B6455B76-E0DD-4BAF-BDA3-FB611347CC63}" destId="{61819070-F512-4EB2-8F2E-8BB741B32587}" srcOrd="0" destOrd="0" presId="urn:microsoft.com/office/officeart/2005/8/layout/rings+Icon"/>
+    <dgm:cxn modelId="{8239A150-437B-4051-BB72-36F3370DC4B9}" type="presOf" srcId="{FF42DC42-475C-4E00-BB12-DD74C5F8A8D4}" destId="{49C38DEF-36A4-4556-8895-C41FD8591CC5}" srcOrd="0" destOrd="0" presId="urn:microsoft.com/office/officeart/2005/8/layout/rings+Icon"/>
     <dgm:cxn modelId="{BFE35E1F-D3A6-4804-9DED-125921CE69EA}" srcId="{D26D24B2-FC21-4986-8EDA-E31E90C55BCE}" destId="{B6455B76-E0DD-4BAF-BDA3-FB611347CC63}" srcOrd="0" destOrd="0" parTransId="{82317D8D-8631-4644-87A3-BA2317D0B6C1}" sibTransId="{58B254BD-6453-43BB-BF99-0C0821E5238A}"/>
-    <dgm:cxn modelId="{8239A150-437B-4051-BB72-36F3370DC4B9}" type="presOf" srcId="{FF42DC42-475C-4E00-BB12-DD74C5F8A8D4}" destId="{49C38DEF-36A4-4556-8895-C41FD8591CC5}" srcOrd="0" destOrd="0" presId="urn:microsoft.com/office/officeart/2005/8/layout/rings+Icon"/>
     <dgm:cxn modelId="{0703DBE5-798A-4700-802F-AF7278CD901D}" srcId="{D26D24B2-FC21-4986-8EDA-E31E90C55BCE}" destId="{FF42DC42-475C-4E00-BB12-DD74C5F8A8D4}" srcOrd="1" destOrd="0" parTransId="{A0596A03-8492-478F-8274-9A73CF624DBB}" sibTransId="{3AAD493B-655C-4EA5-A16B-B901A272C165}"/>
     <dgm:cxn modelId="{0F51CA71-B68B-402E-9E15-DD00B307A0DC}" type="presOf" srcId="{D26D24B2-FC21-4986-8EDA-E31E90C55BCE}" destId="{74220686-5A8B-4542-A94E-CACD1D31A7C1}" srcOrd="0" destOrd="0" presId="urn:microsoft.com/office/officeart/2005/8/layout/rings+Icon"/>
     <dgm:cxn modelId="{7C32F820-58C0-4D7D-8BD7-9BDEC6643365}" type="presParOf" srcId="{74220686-5A8B-4542-A94E-CACD1D31A7C1}" destId="{61819070-F512-4EB2-8F2E-8BB741B32587}" srcOrd="0" destOrd="0" presId="urn:microsoft.com/office/officeart/2005/8/layout/rings+Icon"/>
@@ -9035,6 +9103,51 @@
         </a:p>
       </dgm:t>
     </dgm:pt>
+    <dgm:pt modelId="{EFE1CB00-202F-473A-86E5-AE495B821DC0}">
+      <dgm:prSet phldrT="[Text]"/>
+      <dgm:spPr/>
+      <dgm:t>
+        <a:bodyPr/>
+        <a:lstStyle/>
+        <a:p>
+          <a:r>
+            <a:rPr lang="en-US" dirty="0" smtClean="0"/>
+            <a:t>Dr. Witty </a:t>
+          </a:r>
+          <a:r>
+            <a:rPr lang="en-US" dirty="0" err="1" smtClean="0"/>
+            <a:t>Srisa</a:t>
+          </a:r>
+          <a:r>
+            <a:rPr lang="en-US" dirty="0" smtClean="0"/>
+            <a:t>-an</a:t>
+          </a:r>
+          <a:endParaRPr lang="en-US" dirty="0"/>
+        </a:p>
+      </dgm:t>
+    </dgm:pt>
+    <dgm:pt modelId="{AEF60F9C-E467-4C1F-819C-48402210623A}" type="parTrans" cxnId="{D3183215-F94D-47DA-BB52-8BA1BDF7ECEA}">
+      <dgm:prSet/>
+      <dgm:spPr/>
+      <dgm:t>
+        <a:bodyPr/>
+        <a:lstStyle/>
+        <a:p>
+          <a:endParaRPr lang="en-US"/>
+        </a:p>
+      </dgm:t>
+    </dgm:pt>
+    <dgm:pt modelId="{3C8472FE-CE03-45BE-8193-B332302E8A1E}" type="sibTrans" cxnId="{D3183215-F94D-47DA-BB52-8BA1BDF7ECEA}">
+      <dgm:prSet/>
+      <dgm:spPr/>
+      <dgm:t>
+        <a:bodyPr/>
+        <a:lstStyle/>
+        <a:p>
+          <a:endParaRPr lang="en-US"/>
+        </a:p>
+      </dgm:t>
+    </dgm:pt>
     <dgm:pt modelId="{AA302F3C-8228-4963-AD18-07825AB6A7D1}" type="pres">
       <dgm:prSet presAssocID="{1B69A375-96E7-4E71-BAFA-D521140B8BCD}" presName="Name0" presStyleCnt="0">
         <dgm:presLayoutVars>
@@ -9046,7 +9159,7 @@
       <dgm:spPr/>
     </dgm:pt>
     <dgm:pt modelId="{9D2CE147-2F70-4DDB-BE66-A7BB0051FD14}" type="pres">
-      <dgm:prSet presAssocID="{1B69A375-96E7-4E71-BAFA-D521140B8BCD}" presName="ellipse1" presStyleLbl="vennNode1" presStyleIdx="0" presStyleCnt="6">
+      <dgm:prSet presAssocID="{1B69A375-96E7-4E71-BAFA-D521140B8BCD}" presName="ellipse1" presStyleLbl="vennNode1" presStyleIdx="0" presStyleCnt="7">
         <dgm:presLayoutVars>
           <dgm:bulletEnabled val="1"/>
         </dgm:presLayoutVars>
@@ -9061,7 +9174,7 @@
       </dgm:t>
     </dgm:pt>
     <dgm:pt modelId="{C3B5C99D-D739-4EA9-82C6-58CA634A6DB9}" type="pres">
-      <dgm:prSet presAssocID="{1B69A375-96E7-4E71-BAFA-D521140B8BCD}" presName="ellipse2" presStyleLbl="vennNode1" presStyleIdx="1" presStyleCnt="6">
+      <dgm:prSet presAssocID="{1B69A375-96E7-4E71-BAFA-D521140B8BCD}" presName="ellipse2" presStyleLbl="vennNode1" presStyleIdx="1" presStyleCnt="7">
         <dgm:presLayoutVars>
           <dgm:bulletEnabled val="1"/>
         </dgm:presLayoutVars>
@@ -9076,7 +9189,7 @@
       </dgm:t>
     </dgm:pt>
     <dgm:pt modelId="{1A7ACB1F-6D28-484D-A817-800922E6E54E}" type="pres">
-      <dgm:prSet presAssocID="{1B69A375-96E7-4E71-BAFA-D521140B8BCD}" presName="ellipse3" presStyleLbl="vennNode1" presStyleIdx="2" presStyleCnt="6">
+      <dgm:prSet presAssocID="{1B69A375-96E7-4E71-BAFA-D521140B8BCD}" presName="ellipse3" presStyleLbl="vennNode1" presStyleIdx="2" presStyleCnt="7">
         <dgm:presLayoutVars>
           <dgm:bulletEnabled val="1"/>
         </dgm:presLayoutVars>
@@ -9091,7 +9204,7 @@
       </dgm:t>
     </dgm:pt>
     <dgm:pt modelId="{002E6EE1-C06A-4B3C-A464-FE9FA8D9C4D1}" type="pres">
-      <dgm:prSet presAssocID="{1B69A375-96E7-4E71-BAFA-D521140B8BCD}" presName="ellipse4" presStyleLbl="vennNode1" presStyleIdx="3" presStyleCnt="6">
+      <dgm:prSet presAssocID="{1B69A375-96E7-4E71-BAFA-D521140B8BCD}" presName="ellipse4" presStyleLbl="vennNode1" presStyleIdx="3" presStyleCnt="7">
         <dgm:presLayoutVars>
           <dgm:bulletEnabled val="1"/>
         </dgm:presLayoutVars>
@@ -9106,7 +9219,7 @@
       </dgm:t>
     </dgm:pt>
     <dgm:pt modelId="{63AEAD72-9EED-4B0C-95DF-0BA4356C727B}" type="pres">
-      <dgm:prSet presAssocID="{1B69A375-96E7-4E71-BAFA-D521140B8BCD}" presName="ellipse5" presStyleLbl="vennNode1" presStyleIdx="4" presStyleCnt="6">
+      <dgm:prSet presAssocID="{1B69A375-96E7-4E71-BAFA-D521140B8BCD}" presName="ellipse5" presStyleLbl="vennNode1" presStyleIdx="4" presStyleCnt="7">
         <dgm:presLayoutVars>
           <dgm:bulletEnabled val="1"/>
         </dgm:presLayoutVars>
@@ -9121,7 +9234,22 @@
       </dgm:t>
     </dgm:pt>
     <dgm:pt modelId="{634C1F1F-CD2D-47DE-A90D-D551DDC12A09}" type="pres">
-      <dgm:prSet presAssocID="{1B69A375-96E7-4E71-BAFA-D521140B8BCD}" presName="ellipse6" presStyleLbl="vennNode1" presStyleIdx="5" presStyleCnt="6">
+      <dgm:prSet presAssocID="{1B69A375-96E7-4E71-BAFA-D521140B8BCD}" presName="ellipse6" presStyleLbl="vennNode1" presStyleIdx="5" presStyleCnt="7">
+        <dgm:presLayoutVars>
+          <dgm:bulletEnabled val="1"/>
+        </dgm:presLayoutVars>
+      </dgm:prSet>
+      <dgm:spPr/>
+      <dgm:t>
+        <a:bodyPr/>
+        <a:lstStyle/>
+        <a:p>
+          <a:endParaRPr lang="en-US"/>
+        </a:p>
+      </dgm:t>
+    </dgm:pt>
+    <dgm:pt modelId="{B47A2174-0371-4398-B71C-E4A96826F08E}" type="pres">
+      <dgm:prSet presAssocID="{1B69A375-96E7-4E71-BAFA-D521140B8BCD}" presName="ellipse7" presStyleLbl="vennNode1" presStyleIdx="6" presStyleCnt="7">
         <dgm:presLayoutVars>
           <dgm:bulletEnabled val="1"/>
         </dgm:presLayoutVars>
@@ -9138,6 +9266,8 @@
   </dgm:ptLst>
   <dgm:cxnLst>
     <dgm:cxn modelId="{8DB5F980-1CA0-4C2D-8B5F-794BC8D9A2D2}" type="presOf" srcId="{1CC8C117-C757-447D-9C0D-D5EB9F72D7AF}" destId="{1A7ACB1F-6D28-484D-A817-800922E6E54E}" srcOrd="0" destOrd="0" presId="urn:microsoft.com/office/officeart/2005/8/layout/rings+Icon"/>
+    <dgm:cxn modelId="{0BAA01BA-8C25-469E-9987-FEB093878945}" type="presOf" srcId="{EFE1CB00-202F-473A-86E5-AE495B821DC0}" destId="{B47A2174-0371-4398-B71C-E4A96826F08E}" srcOrd="0" destOrd="0" presId="urn:microsoft.com/office/officeart/2005/8/layout/rings+Icon"/>
+    <dgm:cxn modelId="{D3183215-F94D-47DA-BB52-8BA1BDF7ECEA}" srcId="{1B69A375-96E7-4E71-BAFA-D521140B8BCD}" destId="{EFE1CB00-202F-473A-86E5-AE495B821DC0}" srcOrd="6" destOrd="0" parTransId="{AEF60F9C-E467-4C1F-819C-48402210623A}" sibTransId="{3C8472FE-CE03-45BE-8193-B332302E8A1E}"/>
     <dgm:cxn modelId="{A728B4D9-DBAC-48D6-8EAE-A2F9A003F8BC}" srcId="{1B69A375-96E7-4E71-BAFA-D521140B8BCD}" destId="{72CA60A7-B8D5-48E0-87EC-A2A1F443D9F4}" srcOrd="3" destOrd="0" parTransId="{5280E037-D1E9-4563-AB0A-5406D2B29228}" sibTransId="{53F834CC-7295-4EF7-8FBB-A4A9B92D0EC5}"/>
     <dgm:cxn modelId="{B95F3592-F185-498C-8168-BB95AD849FFF}" srcId="{1B69A375-96E7-4E71-BAFA-D521140B8BCD}" destId="{175534B4-EAF6-4B7E-8490-C41D7914690C}" srcOrd="0" destOrd="0" parTransId="{1579BFA4-02AB-42C2-8386-634EEC392BF4}" sibTransId="{A1FFDCDA-4346-4455-A826-C5E4D34144E2}"/>
     <dgm:cxn modelId="{3E881915-F2A3-4B5B-97A7-18B86F67560D}" srcId="{1B69A375-96E7-4E71-BAFA-D521140B8BCD}" destId="{B23D2C19-35DD-4B68-8A4A-A3DE2DEE1270}" srcOrd="5" destOrd="0" parTransId="{BE54DC91-F025-4929-BD93-A851ACC2FA7B}" sibTransId="{E9C2BB59-1765-4F76-9997-E457513BC9FA}"/>
@@ -9156,6 +9286,7 @@
     <dgm:cxn modelId="{2D7A5AFB-418C-4CCA-BA42-FC967C3CDBF4}" type="presParOf" srcId="{AA302F3C-8228-4963-AD18-07825AB6A7D1}" destId="{002E6EE1-C06A-4B3C-A464-FE9FA8D9C4D1}" srcOrd="3" destOrd="0" presId="urn:microsoft.com/office/officeart/2005/8/layout/rings+Icon"/>
     <dgm:cxn modelId="{7D8E0EB9-0247-4BC3-8D31-689FAAB472C9}" type="presParOf" srcId="{AA302F3C-8228-4963-AD18-07825AB6A7D1}" destId="{63AEAD72-9EED-4B0C-95DF-0BA4356C727B}" srcOrd="4" destOrd="0" presId="urn:microsoft.com/office/officeart/2005/8/layout/rings+Icon"/>
     <dgm:cxn modelId="{27C6D50B-99D2-4E72-95BA-03E43DCC0473}" type="presParOf" srcId="{AA302F3C-8228-4963-AD18-07825AB6A7D1}" destId="{634C1F1F-CD2D-47DE-A90D-D551DDC12A09}" srcOrd="5" destOrd="0" presId="urn:microsoft.com/office/officeart/2005/8/layout/rings+Icon"/>
+    <dgm:cxn modelId="{109231D7-22CD-43A7-AC7C-6711B6625793}" type="presParOf" srcId="{AA302F3C-8228-4963-AD18-07825AB6A7D1}" destId="{B47A2174-0371-4398-B71C-E4A96826F08E}" srcOrd="6" destOrd="0" presId="urn:microsoft.com/office/officeart/2005/8/layout/rings+Icon"/>
   </dgm:cxnLst>
   <dgm:bg/>
   <dgm:whole/>
@@ -10250,7 +10381,15 @@
           </a:pPr>
           <a:r>
             <a:rPr lang="en-US" sz="2900" kern="1200" dirty="0" smtClean="0"/>
-            <a:t>Phase 5: Bonus: More I/O &amp; J-type Instructions</a:t>
+            <a:t>Phase 5: </a:t>
+          </a:r>
+          <a:r>
+            <a:rPr lang="en-US" sz="2900" kern="1200" dirty="0" smtClean="0"/>
+            <a:t>(Bonus) Additional </a:t>
+          </a:r>
+          <a:r>
+            <a:rPr lang="en-US" sz="2900" kern="1200" dirty="0" smtClean="0"/>
+            <a:t>I/O &amp; J-type Instructions</a:t>
           </a:r>
         </a:p>
       </dsp:txBody>
@@ -10464,7 +10603,15 @@
           </a:pPr>
           <a:r>
             <a:rPr lang="en-US" sz="2900" kern="1200" dirty="0" smtClean="0"/>
-            <a:t>Phase 7: Bonus: Assembler</a:t>
+            <a:t>Phase 7: </a:t>
+          </a:r>
+          <a:r>
+            <a:rPr lang="en-US" sz="2900" kern="1200" dirty="0" smtClean="0"/>
+            <a:t>(Bonus) </a:t>
+          </a:r>
+          <a:r>
+            <a:rPr lang="en-US" sz="2900" kern="1200" dirty="0" smtClean="0"/>
+            <a:t>Assembler</a:t>
           </a:r>
         </a:p>
       </dsp:txBody>
@@ -11328,7 +11475,7 @@
               <a:spcPct val="35000"/>
             </a:spcAft>
           </a:pPr>
-          <a:endParaRPr lang="en-US" sz="2700" kern="1200"/>
+          <a:endParaRPr lang="en-US" sz="2700" kern="1200" dirty="0"/>
         </a:p>
       </dsp:txBody>
       <dsp:txXfrm>
@@ -12711,8 +12858,8 @@
       </dsp:nvSpPr>
       <dsp:spPr>
         <a:xfrm>
-          <a:off x="0" y="659976"/>
-          <a:ext cx="1967883" cy="1967982"/>
+          <a:off x="0" y="769824"/>
+          <a:ext cx="1737825" cy="1737854"/>
         </a:xfrm>
         <a:prstGeom prst="ellipse">
           <a:avLst/>
@@ -12754,12 +12901,12 @@
         </a:fontRef>
       </dsp:style>
       <dsp:txBody>
-        <a:bodyPr spcFirstLastPara="0" vert="horz" wrap="square" lIns="102870" tIns="102870" rIns="102870" bIns="102870" numCol="1" spcCol="1270" anchor="ctr" anchorCtr="0">
+        <a:bodyPr spcFirstLastPara="0" vert="horz" wrap="square" lIns="87630" tIns="87630" rIns="87630" bIns="87630" numCol="1" spcCol="1270" anchor="ctr" anchorCtr="0">
           <a:noAutofit/>
         </a:bodyPr>
         <a:lstStyle/>
         <a:p>
-          <a:pPr lvl="0" algn="ctr" defTabSz="1200150">
+          <a:pPr lvl="0" algn="ctr" defTabSz="1022350">
             <a:lnSpc>
               <a:spcPct val="90000"/>
             </a:lnSpc>
@@ -12771,15 +12918,15 @@
             </a:spcAft>
           </a:pPr>
           <a:r>
-            <a:rPr lang="en-US" sz="2700" kern="1200" smtClean="0"/>
+            <a:rPr lang="en-US" sz="2300" kern="1200" smtClean="0"/>
             <a:t>Tyler Bienhoff</a:t>
           </a:r>
-          <a:endParaRPr lang="en-US" sz="2700" kern="1200" dirty="0"/>
+          <a:endParaRPr lang="en-US" sz="2300" kern="1200" dirty="0"/>
         </a:p>
       </dsp:txBody>
       <dsp:txXfrm>
-        <a:off x="288190" y="948180"/>
-        <a:ext cx="1391503" cy="1391574"/>
+        <a:off x="254499" y="1024327"/>
+        <a:ext cx="1228827" cy="1228848"/>
       </dsp:txXfrm>
     </dsp:sp>
     <dsp:sp modelId="{C3B5C99D-D739-4EA9-82C6-58CA634A6DB9}">
@@ -12789,8 +12936,8 @@
       </dsp:nvSpPr>
       <dsp:spPr>
         <a:xfrm>
-          <a:off x="1022166" y="1928274"/>
-          <a:ext cx="1967883" cy="1967982"/>
+          <a:off x="889794" y="2048554"/>
+          <a:ext cx="1737825" cy="1737854"/>
         </a:xfrm>
         <a:prstGeom prst="ellipse">
           <a:avLst/>
@@ -12832,12 +12979,12 @@
         </a:fontRef>
       </dsp:style>
       <dsp:txBody>
-        <a:bodyPr spcFirstLastPara="0" vert="horz" wrap="square" lIns="102870" tIns="102870" rIns="102870" bIns="102870" numCol="1" spcCol="1270" anchor="ctr" anchorCtr="0">
+        <a:bodyPr spcFirstLastPara="0" vert="horz" wrap="square" lIns="87630" tIns="87630" rIns="87630" bIns="87630" numCol="1" spcCol="1270" anchor="ctr" anchorCtr="0">
           <a:noAutofit/>
         </a:bodyPr>
         <a:lstStyle/>
         <a:p>
-          <a:pPr lvl="0" algn="ctr" defTabSz="1200150">
+          <a:pPr lvl="0" algn="ctr" defTabSz="1022350">
             <a:lnSpc>
               <a:spcPct val="90000"/>
             </a:lnSpc>
@@ -12849,15 +12996,15 @@
             </a:spcAft>
           </a:pPr>
           <a:r>
-            <a:rPr lang="en-US" sz="2700" kern="1200" dirty="0" smtClean="0"/>
+            <a:rPr lang="en-US" sz="2300" kern="1200" dirty="0" smtClean="0"/>
             <a:t>Aaron Johnson</a:t>
           </a:r>
-          <a:endParaRPr lang="en-US" sz="2700" kern="1200" dirty="0"/>
+          <a:endParaRPr lang="en-US" sz="2300" kern="1200" dirty="0"/>
         </a:p>
       </dsp:txBody>
       <dsp:txXfrm>
-        <a:off x="1310356" y="2216478"/>
-        <a:ext cx="1391503" cy="1391574"/>
+        <a:off x="1144293" y="2303057"/>
+        <a:ext cx="1228827" cy="1228848"/>
       </dsp:txXfrm>
     </dsp:sp>
     <dsp:sp modelId="{1A7ACB1F-6D28-484D-A817-800922E6E54E}">
@@ -12867,8 +13014,8 @@
       </dsp:nvSpPr>
       <dsp:spPr>
         <a:xfrm>
-          <a:off x="2044333" y="659976"/>
-          <a:ext cx="1967883" cy="1967982"/>
+          <a:off x="1780297" y="769824"/>
+          <a:ext cx="1737825" cy="1737854"/>
         </a:xfrm>
         <a:prstGeom prst="ellipse">
           <a:avLst/>
@@ -12910,12 +13057,12 @@
         </a:fontRef>
       </dsp:style>
       <dsp:txBody>
-        <a:bodyPr spcFirstLastPara="0" vert="horz" wrap="square" lIns="102870" tIns="102870" rIns="102870" bIns="102870" numCol="1" spcCol="1270" anchor="ctr" anchorCtr="0">
+        <a:bodyPr spcFirstLastPara="0" vert="horz" wrap="square" lIns="87630" tIns="87630" rIns="87630" bIns="87630" numCol="1" spcCol="1270" anchor="ctr" anchorCtr="0">
           <a:noAutofit/>
         </a:bodyPr>
         <a:lstStyle/>
         <a:p>
-          <a:pPr lvl="0" algn="ctr" defTabSz="1200150">
+          <a:pPr lvl="0" algn="ctr" defTabSz="1022350">
             <a:lnSpc>
               <a:spcPct val="90000"/>
             </a:lnSpc>
@@ -12927,19 +13074,19 @@
             </a:spcAft>
           </a:pPr>
           <a:r>
-            <a:rPr lang="en-US" sz="2700" kern="1200" dirty="0" smtClean="0"/>
+            <a:rPr lang="en-US" sz="2300" kern="1200" dirty="0" smtClean="0"/>
             <a:t>Quinn </a:t>
           </a:r>
           <a:r>
-            <a:rPr lang="en-US" sz="2700" kern="1200" dirty="0" err="1" smtClean="0"/>
+            <a:rPr lang="en-US" sz="2300" kern="1200" dirty="0" err="1" smtClean="0"/>
             <a:t>Lanik</a:t>
           </a:r>
-          <a:endParaRPr lang="en-US" sz="2700" kern="1200" dirty="0"/>
+          <a:endParaRPr lang="en-US" sz="2300" kern="1200" dirty="0"/>
         </a:p>
       </dsp:txBody>
       <dsp:txXfrm>
-        <a:off x="2332523" y="948180"/>
-        <a:ext cx="1391503" cy="1391574"/>
+        <a:off x="2034796" y="1024327"/>
+        <a:ext cx="1228827" cy="1228848"/>
       </dsp:txXfrm>
     </dsp:sp>
     <dsp:sp modelId="{002E6EE1-C06A-4B3C-A464-FE9FA8D9C4D1}">
@@ -12949,8 +13096,8 @@
       </dsp:nvSpPr>
       <dsp:spPr>
         <a:xfrm>
-          <a:off x="3066500" y="1928274"/>
-          <a:ext cx="1967883" cy="1967982"/>
+          <a:off x="2670092" y="2048554"/>
+          <a:ext cx="1737825" cy="1737854"/>
         </a:xfrm>
         <a:prstGeom prst="ellipse">
           <a:avLst/>
@@ -12992,12 +13139,12 @@
         </a:fontRef>
       </dsp:style>
       <dsp:txBody>
-        <a:bodyPr spcFirstLastPara="0" vert="horz" wrap="square" lIns="102870" tIns="102870" rIns="102870" bIns="102870" numCol="1" spcCol="1270" anchor="ctr" anchorCtr="0">
+        <a:bodyPr spcFirstLastPara="0" vert="horz" wrap="square" lIns="87630" tIns="87630" rIns="87630" bIns="87630" numCol="1" spcCol="1270" anchor="ctr" anchorCtr="0">
           <a:noAutofit/>
         </a:bodyPr>
         <a:lstStyle/>
         <a:p>
-          <a:pPr lvl="0" algn="ctr" defTabSz="1200150">
+          <a:pPr lvl="0" algn="ctr" defTabSz="1022350">
             <a:lnSpc>
               <a:spcPct val="90000"/>
             </a:lnSpc>
@@ -13009,19 +13156,19 @@
             </a:spcAft>
           </a:pPr>
           <a:r>
-            <a:rPr lang="en-US" sz="2700" kern="1200" dirty="0" err="1" smtClean="0"/>
+            <a:rPr lang="en-US" sz="2300" kern="1200" dirty="0" err="1" smtClean="0"/>
             <a:t>Jianfei</a:t>
           </a:r>
           <a:r>
-            <a:rPr lang="en-US" sz="2700" kern="1200" dirty="0" smtClean="0"/>
+            <a:rPr lang="en-US" sz="2300" kern="1200" dirty="0" smtClean="0"/>
             <a:t> Shao</a:t>
           </a:r>
-          <a:endParaRPr lang="en-US" sz="2700" kern="1200" dirty="0"/>
+          <a:endParaRPr lang="en-US" sz="2300" kern="1200" dirty="0"/>
         </a:p>
       </dsp:txBody>
       <dsp:txXfrm>
-        <a:off x="3354690" y="2216478"/>
-        <a:ext cx="1391503" cy="1391574"/>
+        <a:off x="2924591" y="2303057"/>
+        <a:ext cx="1228827" cy="1228848"/>
       </dsp:txXfrm>
     </dsp:sp>
     <dsp:sp modelId="{63AEAD72-9EED-4B0C-95DF-0BA4356C727B}">
@@ -13031,8 +13178,8 @@
       </dsp:nvSpPr>
       <dsp:spPr>
         <a:xfrm>
-          <a:off x="4088667" y="659976"/>
-          <a:ext cx="1967883" cy="1967982"/>
+          <a:off x="3560595" y="769824"/>
+          <a:ext cx="1737825" cy="1737854"/>
         </a:xfrm>
         <a:prstGeom prst="ellipse">
           <a:avLst/>
@@ -13074,12 +13221,12 @@
         </a:fontRef>
       </dsp:style>
       <dsp:txBody>
-        <a:bodyPr spcFirstLastPara="0" vert="horz" wrap="square" lIns="102870" tIns="102870" rIns="102870" bIns="102870" numCol="1" spcCol="1270" anchor="ctr" anchorCtr="0">
+        <a:bodyPr spcFirstLastPara="0" vert="horz" wrap="square" lIns="87630" tIns="87630" rIns="87630" bIns="87630" numCol="1" spcCol="1270" anchor="ctr" anchorCtr="0">
           <a:noAutofit/>
         </a:bodyPr>
         <a:lstStyle/>
         <a:p>
-          <a:pPr lvl="0" algn="ctr" defTabSz="1200150">
+          <a:pPr lvl="0" algn="ctr" defTabSz="1022350">
             <a:lnSpc>
               <a:spcPct val="90000"/>
             </a:lnSpc>
@@ -13091,15 +13238,15 @@
             </a:spcAft>
           </a:pPr>
           <a:r>
-            <a:rPr lang="en-US" sz="2700" kern="1200" dirty="0" smtClean="0"/>
+            <a:rPr lang="en-US" sz="2300" kern="1200" dirty="0" smtClean="0"/>
             <a:t>Matt Bennett</a:t>
           </a:r>
-          <a:endParaRPr lang="en-US" sz="2700" kern="1200" dirty="0"/>
+          <a:endParaRPr lang="en-US" sz="2300" kern="1200" dirty="0"/>
         </a:p>
       </dsp:txBody>
       <dsp:txXfrm>
-        <a:off x="4376857" y="948180"/>
-        <a:ext cx="1391503" cy="1391574"/>
+        <a:off x="3815094" y="1024327"/>
+        <a:ext cx="1228827" cy="1228848"/>
       </dsp:txXfrm>
     </dsp:sp>
     <dsp:sp modelId="{634C1F1F-CD2D-47DE-A90D-D551DDC12A09}">
@@ -13109,8 +13256,8 @@
       </dsp:nvSpPr>
       <dsp:spPr>
         <a:xfrm>
-          <a:off x="5110834" y="1928274"/>
-          <a:ext cx="1967883" cy="1967982"/>
+          <a:off x="4450390" y="2048554"/>
+          <a:ext cx="1737825" cy="1737854"/>
         </a:xfrm>
         <a:prstGeom prst="ellipse">
           <a:avLst/>
@@ -13152,12 +13299,12 @@
         </a:fontRef>
       </dsp:style>
       <dsp:txBody>
-        <a:bodyPr spcFirstLastPara="0" vert="horz" wrap="square" lIns="102870" tIns="102870" rIns="102870" bIns="102870" numCol="1" spcCol="1270" anchor="ctr" anchorCtr="0">
+        <a:bodyPr spcFirstLastPara="0" vert="horz" wrap="square" lIns="87630" tIns="87630" rIns="87630" bIns="87630" numCol="1" spcCol="1270" anchor="ctr" anchorCtr="0">
           <a:noAutofit/>
         </a:bodyPr>
         <a:lstStyle/>
         <a:p>
-          <a:pPr lvl="0" algn="ctr" defTabSz="1200150">
+          <a:pPr lvl="0" algn="ctr" defTabSz="1022350">
             <a:lnSpc>
               <a:spcPct val="90000"/>
             </a:lnSpc>
@@ -13169,15 +13316,101 @@
             </a:spcAft>
           </a:pPr>
           <a:r>
-            <a:rPr lang="en-US" sz="2700" kern="1200" dirty="0" smtClean="0"/>
+            <a:rPr lang="en-US" sz="2300" kern="1200" dirty="0" smtClean="0"/>
             <a:t>Samuel Hansen</a:t>
           </a:r>
-          <a:endParaRPr lang="en-US" sz="2700" kern="1200" dirty="0"/>
+          <a:endParaRPr lang="en-US" sz="2300" kern="1200" dirty="0"/>
         </a:p>
       </dsp:txBody>
       <dsp:txXfrm>
-        <a:off x="5399024" y="2216478"/>
-        <a:ext cx="1391503" cy="1391574"/>
+        <a:off x="4704889" y="2303057"/>
+        <a:ext cx="1228827" cy="1228848"/>
+      </dsp:txXfrm>
+    </dsp:sp>
+    <dsp:sp modelId="{B47A2174-0371-4398-B71C-E4A96826F08E}">
+      <dsp:nvSpPr>
+        <dsp:cNvPr id="0" name=""/>
+        <dsp:cNvSpPr/>
+      </dsp:nvSpPr>
+      <dsp:spPr>
+        <a:xfrm>
+          <a:off x="5340892" y="769824"/>
+          <a:ext cx="1737825" cy="1737854"/>
+        </a:xfrm>
+        <a:prstGeom prst="ellipse">
+          <a:avLst/>
+        </a:prstGeom>
+        <a:solidFill>
+          <a:schemeClr val="accent1">
+            <a:alpha val="50000"/>
+            <a:hueOff val="0"/>
+            <a:satOff val="0"/>
+            <a:lumOff val="0"/>
+            <a:alphaOff val="0"/>
+          </a:schemeClr>
+        </a:solidFill>
+        <a:ln w="19050" cap="rnd" cmpd="sng" algn="ctr">
+          <a:solidFill>
+            <a:schemeClr val="lt1">
+              <a:hueOff val="0"/>
+              <a:satOff val="0"/>
+              <a:lumOff val="0"/>
+              <a:alphaOff val="0"/>
+            </a:schemeClr>
+          </a:solidFill>
+          <a:prstDash val="solid"/>
+        </a:ln>
+        <a:effectLst/>
+      </dsp:spPr>
+      <dsp:style>
+        <a:lnRef idx="2">
+          <a:scrgbClr r="0" g="0" b="0"/>
+        </a:lnRef>
+        <a:fillRef idx="1">
+          <a:scrgbClr r="0" g="0" b="0"/>
+        </a:fillRef>
+        <a:effectRef idx="0">
+          <a:scrgbClr r="0" g="0" b="0"/>
+        </a:effectRef>
+        <a:fontRef idx="minor">
+          <a:schemeClr val="tx1"/>
+        </a:fontRef>
+      </dsp:style>
+      <dsp:txBody>
+        <a:bodyPr spcFirstLastPara="0" vert="horz" wrap="square" lIns="87630" tIns="87630" rIns="87630" bIns="87630" numCol="1" spcCol="1270" anchor="ctr" anchorCtr="0">
+          <a:noAutofit/>
+        </a:bodyPr>
+        <a:lstStyle/>
+        <a:p>
+          <a:pPr lvl="0" algn="ctr" defTabSz="1022350">
+            <a:lnSpc>
+              <a:spcPct val="90000"/>
+            </a:lnSpc>
+            <a:spcBef>
+              <a:spcPct val="0"/>
+            </a:spcBef>
+            <a:spcAft>
+              <a:spcPct val="35000"/>
+            </a:spcAft>
+          </a:pPr>
+          <a:r>
+            <a:rPr lang="en-US" sz="2300" kern="1200" dirty="0" smtClean="0"/>
+            <a:t>Dr. Witty </a:t>
+          </a:r>
+          <a:r>
+            <a:rPr lang="en-US" sz="2300" kern="1200" dirty="0" err="1" smtClean="0"/>
+            <a:t>Srisa</a:t>
+          </a:r>
+          <a:r>
+            <a:rPr lang="en-US" sz="2300" kern="1200" dirty="0" smtClean="0"/>
+            <a:t>-an</a:t>
+          </a:r>
+          <a:endParaRPr lang="en-US" sz="2300" kern="1200" dirty="0"/>
+        </a:p>
+      </dsp:txBody>
+      <dsp:txXfrm>
+        <a:off x="5595391" y="1024327"/>
+        <a:ext cx="1228827" cy="1228848"/>
       </dsp:txXfrm>
     </dsp:sp>
   </dsp:spTree>
@@ -26245,6 +26478,781 @@
 </dgm:styleDef>
 </file>
 
+<file path=ppt/notesMasters/notesMaster1.xml><?xml version="1.0" encoding="utf-8"?>
+<p:notesMaster xmlns:a="http://schemas.openxmlformats.org/drawingml/2006/main" xmlns:r="http://schemas.openxmlformats.org/officeDocument/2006/relationships" xmlns:p="http://schemas.openxmlformats.org/presentationml/2006/main">
+  <p:cSld>
+    <p:bg>
+      <p:bgRef idx="1001">
+        <a:schemeClr val="bg1"/>
+      </p:bgRef>
+    </p:bg>
+    <p:spTree>
+      <p:nvGrpSpPr>
+        <p:cNvPr id="1" name=""/>
+        <p:cNvGrpSpPr/>
+        <p:nvPr/>
+      </p:nvGrpSpPr>
+      <p:grpSpPr>
+        <a:xfrm>
+          <a:off x="0" y="0"/>
+          <a:ext cx="0" cy="0"/>
+          <a:chOff x="0" y="0"/>
+          <a:chExt cx="0" cy="0"/>
+        </a:xfrm>
+      </p:grpSpPr>
+      <p:sp>
+        <p:nvSpPr>
+          <p:cNvPr id="2" name="Header Placeholder 1"/>
+          <p:cNvSpPr>
+            <a:spLocks noGrp="1"/>
+          </p:cNvSpPr>
+          <p:nvPr>
+            <p:ph type="hdr" sz="quarter"/>
+          </p:nvPr>
+        </p:nvSpPr>
+        <p:spPr>
+          <a:xfrm>
+            <a:off x="0" y="0"/>
+            <a:ext cx="2971800" cy="458788"/>
+          </a:xfrm>
+          <a:prstGeom prst="rect">
+            <a:avLst/>
+          </a:prstGeom>
+        </p:spPr>
+        <p:txBody>
+          <a:bodyPr vert="horz" lIns="91440" tIns="45720" rIns="91440" bIns="45720" rtlCol="0"/>
+          <a:lstStyle>
+            <a:lvl1pPr algn="l">
+              <a:defRPr sz="1200"/>
+            </a:lvl1pPr>
+          </a:lstStyle>
+          <a:p>
+            <a:endParaRPr lang="en-US"/>
+          </a:p>
+        </p:txBody>
+      </p:sp>
+      <p:sp>
+        <p:nvSpPr>
+          <p:cNvPr id="3" name="Date Placeholder 2"/>
+          <p:cNvSpPr>
+            <a:spLocks noGrp="1"/>
+          </p:cNvSpPr>
+          <p:nvPr>
+            <p:ph type="dt" idx="1"/>
+          </p:nvPr>
+        </p:nvSpPr>
+        <p:spPr>
+          <a:xfrm>
+            <a:off x="3884613" y="0"/>
+            <a:ext cx="2971800" cy="458788"/>
+          </a:xfrm>
+          <a:prstGeom prst="rect">
+            <a:avLst/>
+          </a:prstGeom>
+        </p:spPr>
+        <p:txBody>
+          <a:bodyPr vert="horz" lIns="91440" tIns="45720" rIns="91440" bIns="45720" rtlCol="0"/>
+          <a:lstStyle>
+            <a:lvl1pPr algn="r">
+              <a:defRPr sz="1200"/>
+            </a:lvl1pPr>
+          </a:lstStyle>
+          <a:p>
+            <a:fld id="{BE2C285A-48CF-447A-8D53-F1D22F762EC8}" type="datetimeFigureOut">
+              <a:rPr lang="en-US" smtClean="0"/>
+              <a:t>11/28/2017</a:t>
+            </a:fld>
+            <a:endParaRPr lang="en-US"/>
+          </a:p>
+        </p:txBody>
+      </p:sp>
+      <p:sp>
+        <p:nvSpPr>
+          <p:cNvPr id="4" name="Slide Image Placeholder 3"/>
+          <p:cNvSpPr>
+            <a:spLocks noGrp="1" noRot="1" noChangeAspect="1"/>
+          </p:cNvSpPr>
+          <p:nvPr>
+            <p:ph type="sldImg" idx="2"/>
+          </p:nvPr>
+        </p:nvSpPr>
+        <p:spPr>
+          <a:xfrm>
+            <a:off x="685800" y="1143000"/>
+            <a:ext cx="5486400" cy="3086100"/>
+          </a:xfrm>
+          <a:prstGeom prst="rect">
+            <a:avLst/>
+          </a:prstGeom>
+          <a:noFill/>
+          <a:ln w="12700">
+            <a:solidFill>
+              <a:prstClr val="black"/>
+            </a:solidFill>
+          </a:ln>
+        </p:spPr>
+        <p:txBody>
+          <a:bodyPr vert="horz" lIns="91440" tIns="45720" rIns="91440" bIns="45720" rtlCol="0" anchor="ctr"/>
+          <a:lstStyle/>
+          <a:p>
+            <a:endParaRPr lang="en-US"/>
+          </a:p>
+        </p:txBody>
+      </p:sp>
+      <p:sp>
+        <p:nvSpPr>
+          <p:cNvPr id="5" name="Notes Placeholder 4"/>
+          <p:cNvSpPr>
+            <a:spLocks noGrp="1"/>
+          </p:cNvSpPr>
+          <p:nvPr>
+            <p:ph type="body" sz="quarter" idx="3"/>
+          </p:nvPr>
+        </p:nvSpPr>
+        <p:spPr>
+          <a:xfrm>
+            <a:off x="685800" y="4400550"/>
+            <a:ext cx="5486400" cy="3600450"/>
+          </a:xfrm>
+          <a:prstGeom prst="rect">
+            <a:avLst/>
+          </a:prstGeom>
+        </p:spPr>
+        <p:txBody>
+          <a:bodyPr vert="horz" lIns="91440" tIns="45720" rIns="91440" bIns="45720" rtlCol="0"/>
+          <a:lstStyle/>
+          <a:p>
+            <a:pPr lvl="0"/>
+            <a:r>
+              <a:rPr lang="en-US" smtClean="0"/>
+              <a:t>Edit Master text styles</a:t>
+            </a:r>
+          </a:p>
+          <a:p>
+            <a:pPr lvl="1"/>
+            <a:r>
+              <a:rPr lang="en-US" smtClean="0"/>
+              <a:t>Second level</a:t>
+            </a:r>
+          </a:p>
+          <a:p>
+            <a:pPr lvl="2"/>
+            <a:r>
+              <a:rPr lang="en-US" smtClean="0"/>
+              <a:t>Third level</a:t>
+            </a:r>
+          </a:p>
+          <a:p>
+            <a:pPr lvl="3"/>
+            <a:r>
+              <a:rPr lang="en-US" smtClean="0"/>
+              <a:t>Fourth level</a:t>
+            </a:r>
+          </a:p>
+          <a:p>
+            <a:pPr lvl="4"/>
+            <a:r>
+              <a:rPr lang="en-US" smtClean="0"/>
+              <a:t>Fifth level</a:t>
+            </a:r>
+            <a:endParaRPr lang="en-US"/>
+          </a:p>
+        </p:txBody>
+      </p:sp>
+      <p:sp>
+        <p:nvSpPr>
+          <p:cNvPr id="6" name="Footer Placeholder 5"/>
+          <p:cNvSpPr>
+            <a:spLocks noGrp="1"/>
+          </p:cNvSpPr>
+          <p:nvPr>
+            <p:ph type="ftr" sz="quarter" idx="4"/>
+          </p:nvPr>
+        </p:nvSpPr>
+        <p:spPr>
+          <a:xfrm>
+            <a:off x="0" y="8685213"/>
+            <a:ext cx="2971800" cy="458787"/>
+          </a:xfrm>
+          <a:prstGeom prst="rect">
+            <a:avLst/>
+          </a:prstGeom>
+        </p:spPr>
+        <p:txBody>
+          <a:bodyPr vert="horz" lIns="91440" tIns="45720" rIns="91440" bIns="45720" rtlCol="0" anchor="b"/>
+          <a:lstStyle>
+            <a:lvl1pPr algn="l">
+              <a:defRPr sz="1200"/>
+            </a:lvl1pPr>
+          </a:lstStyle>
+          <a:p>
+            <a:endParaRPr lang="en-US"/>
+          </a:p>
+        </p:txBody>
+      </p:sp>
+      <p:sp>
+        <p:nvSpPr>
+          <p:cNvPr id="7" name="Slide Number Placeholder 6"/>
+          <p:cNvSpPr>
+            <a:spLocks noGrp="1"/>
+          </p:cNvSpPr>
+          <p:nvPr>
+            <p:ph type="sldNum" sz="quarter" idx="5"/>
+          </p:nvPr>
+        </p:nvSpPr>
+        <p:spPr>
+          <a:xfrm>
+            <a:off x="3884613" y="8685213"/>
+            <a:ext cx="2971800" cy="458787"/>
+          </a:xfrm>
+          <a:prstGeom prst="rect">
+            <a:avLst/>
+          </a:prstGeom>
+        </p:spPr>
+        <p:txBody>
+          <a:bodyPr vert="horz" lIns="91440" tIns="45720" rIns="91440" bIns="45720" rtlCol="0" anchor="b"/>
+          <a:lstStyle>
+            <a:lvl1pPr algn="r">
+              <a:defRPr sz="1200"/>
+            </a:lvl1pPr>
+          </a:lstStyle>
+          <a:p>
+            <a:fld id="{4D5793C5-9EFE-4D33-8A7A-861CC10AD0ED}" type="slidenum">
+              <a:rPr lang="en-US" smtClean="0"/>
+              <a:t>‹#›</a:t>
+            </a:fld>
+            <a:endParaRPr lang="en-US"/>
+          </a:p>
+        </p:txBody>
+      </p:sp>
+    </p:spTree>
+    <p:extLst>
+      <p:ext uri="{BB962C8B-B14F-4D97-AF65-F5344CB8AC3E}">
+        <p14:creationId xmlns:p14="http://schemas.microsoft.com/office/powerpoint/2010/main" val="4063147707"/>
+      </p:ext>
+    </p:extLst>
+  </p:cSld>
+  <p:clrMap bg1="lt1" tx1="dk1" bg2="lt2" tx2="dk2" accent1="accent1" accent2="accent2" accent3="accent3" accent4="accent4" accent5="accent5" accent6="accent6" hlink="hlink" folHlink="folHlink"/>
+  <p:notesStyle>
+    <a:lvl1pPr marL="0" algn="l" defTabSz="914400" rtl="0" eaLnBrk="1" latinLnBrk="0" hangingPunct="1">
+      <a:defRPr sz="1200" kern="1200">
+        <a:solidFill>
+          <a:schemeClr val="tx1"/>
+        </a:solidFill>
+        <a:latin typeface="+mn-lt"/>
+        <a:ea typeface="+mn-ea"/>
+        <a:cs typeface="+mn-cs"/>
+      </a:defRPr>
+    </a:lvl1pPr>
+    <a:lvl2pPr marL="457200" algn="l" defTabSz="914400" rtl="0" eaLnBrk="1" latinLnBrk="0" hangingPunct="1">
+      <a:defRPr sz="1200" kern="1200">
+        <a:solidFill>
+          <a:schemeClr val="tx1"/>
+        </a:solidFill>
+        <a:latin typeface="+mn-lt"/>
+        <a:ea typeface="+mn-ea"/>
+        <a:cs typeface="+mn-cs"/>
+      </a:defRPr>
+    </a:lvl2pPr>
+    <a:lvl3pPr marL="914400" algn="l" defTabSz="914400" rtl="0" eaLnBrk="1" latinLnBrk="0" hangingPunct="1">
+      <a:defRPr sz="1200" kern="1200">
+        <a:solidFill>
+          <a:schemeClr val="tx1"/>
+        </a:solidFill>
+        <a:latin typeface="+mn-lt"/>
+        <a:ea typeface="+mn-ea"/>
+        <a:cs typeface="+mn-cs"/>
+      </a:defRPr>
+    </a:lvl3pPr>
+    <a:lvl4pPr marL="1371600" algn="l" defTabSz="914400" rtl="0" eaLnBrk="1" latinLnBrk="0" hangingPunct="1">
+      <a:defRPr sz="1200" kern="1200">
+        <a:solidFill>
+          <a:schemeClr val="tx1"/>
+        </a:solidFill>
+        <a:latin typeface="+mn-lt"/>
+        <a:ea typeface="+mn-ea"/>
+        <a:cs typeface="+mn-cs"/>
+      </a:defRPr>
+    </a:lvl4pPr>
+    <a:lvl5pPr marL="1828800" algn="l" defTabSz="914400" rtl="0" eaLnBrk="1" latinLnBrk="0" hangingPunct="1">
+      <a:defRPr sz="1200" kern="1200">
+        <a:solidFill>
+          <a:schemeClr val="tx1"/>
+        </a:solidFill>
+        <a:latin typeface="+mn-lt"/>
+        <a:ea typeface="+mn-ea"/>
+        <a:cs typeface="+mn-cs"/>
+      </a:defRPr>
+    </a:lvl5pPr>
+    <a:lvl6pPr marL="2286000" algn="l" defTabSz="914400" rtl="0" eaLnBrk="1" latinLnBrk="0" hangingPunct="1">
+      <a:defRPr sz="1200" kern="1200">
+        <a:solidFill>
+          <a:schemeClr val="tx1"/>
+        </a:solidFill>
+        <a:latin typeface="+mn-lt"/>
+        <a:ea typeface="+mn-ea"/>
+        <a:cs typeface="+mn-cs"/>
+      </a:defRPr>
+    </a:lvl6pPr>
+    <a:lvl7pPr marL="2743200" algn="l" defTabSz="914400" rtl="0" eaLnBrk="1" latinLnBrk="0" hangingPunct="1">
+      <a:defRPr sz="1200" kern="1200">
+        <a:solidFill>
+          <a:schemeClr val="tx1"/>
+        </a:solidFill>
+        <a:latin typeface="+mn-lt"/>
+        <a:ea typeface="+mn-ea"/>
+        <a:cs typeface="+mn-cs"/>
+      </a:defRPr>
+    </a:lvl7pPr>
+    <a:lvl8pPr marL="3200400" algn="l" defTabSz="914400" rtl="0" eaLnBrk="1" latinLnBrk="0" hangingPunct="1">
+      <a:defRPr sz="1200" kern="1200">
+        <a:solidFill>
+          <a:schemeClr val="tx1"/>
+        </a:solidFill>
+        <a:latin typeface="+mn-lt"/>
+        <a:ea typeface="+mn-ea"/>
+        <a:cs typeface="+mn-cs"/>
+      </a:defRPr>
+    </a:lvl8pPr>
+    <a:lvl9pPr marL="3657600" algn="l" defTabSz="914400" rtl="0" eaLnBrk="1" latinLnBrk="0" hangingPunct="1">
+      <a:defRPr sz="1200" kern="1200">
+        <a:solidFill>
+          <a:schemeClr val="tx1"/>
+        </a:solidFill>
+        <a:latin typeface="+mn-lt"/>
+        <a:ea typeface="+mn-ea"/>
+        <a:cs typeface="+mn-cs"/>
+      </a:defRPr>
+    </a:lvl9pPr>
+  </p:notesStyle>
+</p:notesMaster>
+</file>
+
+<file path=ppt/notesSlides/notesSlide1.xml><?xml version="1.0" encoding="utf-8"?>
+<p:notes xmlns:a="http://schemas.openxmlformats.org/drawingml/2006/main" xmlns:r="http://schemas.openxmlformats.org/officeDocument/2006/relationships" xmlns:p="http://schemas.openxmlformats.org/presentationml/2006/main">
+  <p:cSld>
+    <p:spTree>
+      <p:nvGrpSpPr>
+        <p:cNvPr id="1" name=""/>
+        <p:cNvGrpSpPr/>
+        <p:nvPr/>
+      </p:nvGrpSpPr>
+      <p:grpSpPr>
+        <a:xfrm>
+          <a:off x="0" y="0"/>
+          <a:ext cx="0" cy="0"/>
+          <a:chOff x="0" y="0"/>
+          <a:chExt cx="0" cy="0"/>
+        </a:xfrm>
+      </p:grpSpPr>
+      <p:sp>
+        <p:nvSpPr>
+          <p:cNvPr id="2" name="Slide Image Placeholder 1"/>
+          <p:cNvSpPr>
+            <a:spLocks noGrp="1" noRot="1" noChangeAspect="1"/>
+          </p:cNvSpPr>
+          <p:nvPr>
+            <p:ph type="sldImg"/>
+          </p:nvPr>
+        </p:nvSpPr>
+        <p:spPr/>
+      </p:sp>
+      <p:sp>
+        <p:nvSpPr>
+          <p:cNvPr id="3" name="Notes Placeholder 2"/>
+          <p:cNvSpPr>
+            <a:spLocks noGrp="1"/>
+          </p:cNvSpPr>
+          <p:nvPr>
+            <p:ph type="body" idx="1"/>
+          </p:nvPr>
+        </p:nvSpPr>
+        <p:spPr/>
+        <p:txBody>
+          <a:bodyPr/>
+          <a:lstStyle/>
+          <a:p>
+            <a:pPr marL="0" marR="0" indent="0" algn="l" defTabSz="914400" rtl="0" eaLnBrk="1" fontAlgn="auto" latinLnBrk="0" hangingPunct="1">
+              <a:lnSpc>
+                <a:spcPct val="100000"/>
+              </a:lnSpc>
+              <a:spcBef>
+                <a:spcPts val="0"/>
+              </a:spcBef>
+              <a:spcAft>
+                <a:spcPts val="0"/>
+              </a:spcAft>
+              <a:buClrTx/>
+              <a:buSzTx/>
+              <a:buFontTx/>
+              <a:buNone/>
+              <a:tabLst/>
+              <a:defRPr/>
+            </a:pPr>
+            <a:r>
+              <a:rPr lang="en-US" sz="1200" dirty="0" smtClean="0"/>
+              <a:t>Control Unit was used for setting flag values that affect the way in which the processor functions. Phase II will implement the control unit to initialize a functioning processor.</a:t>
+            </a:r>
+          </a:p>
+          <a:p>
+            <a:endParaRPr lang="en-US" dirty="0"/>
+          </a:p>
+        </p:txBody>
+      </p:sp>
+      <p:sp>
+        <p:nvSpPr>
+          <p:cNvPr id="4" name="Slide Number Placeholder 3"/>
+          <p:cNvSpPr>
+            <a:spLocks noGrp="1"/>
+          </p:cNvSpPr>
+          <p:nvPr>
+            <p:ph type="sldNum" sz="quarter" idx="10"/>
+          </p:nvPr>
+        </p:nvSpPr>
+        <p:spPr/>
+        <p:txBody>
+          <a:bodyPr/>
+          <a:lstStyle/>
+          <a:p>
+            <a:fld id="{4D5793C5-9EFE-4D33-8A7A-861CC10AD0ED}" type="slidenum">
+              <a:rPr lang="en-US" smtClean="0"/>
+              <a:t>4</a:t>
+            </a:fld>
+            <a:endParaRPr lang="en-US"/>
+          </a:p>
+        </p:txBody>
+      </p:sp>
+    </p:spTree>
+    <p:extLst>
+      <p:ext uri="{BB962C8B-B14F-4D97-AF65-F5344CB8AC3E}">
+        <p14:creationId xmlns:p14="http://schemas.microsoft.com/office/powerpoint/2010/main" val="2869052475"/>
+      </p:ext>
+    </p:extLst>
+  </p:cSld>
+  <p:clrMapOvr>
+    <a:masterClrMapping/>
+  </p:clrMapOvr>
+</p:notes>
+</file>
+
+<file path=ppt/notesSlides/notesSlide2.xml><?xml version="1.0" encoding="utf-8"?>
+<p:notes xmlns:a="http://schemas.openxmlformats.org/drawingml/2006/main" xmlns:r="http://schemas.openxmlformats.org/officeDocument/2006/relationships" xmlns:p="http://schemas.openxmlformats.org/presentationml/2006/main">
+  <p:cSld>
+    <p:spTree>
+      <p:nvGrpSpPr>
+        <p:cNvPr id="1" name=""/>
+        <p:cNvGrpSpPr/>
+        <p:nvPr/>
+      </p:nvGrpSpPr>
+      <p:grpSpPr>
+        <a:xfrm>
+          <a:off x="0" y="0"/>
+          <a:ext cx="0" cy="0"/>
+          <a:chOff x="0" y="0"/>
+          <a:chExt cx="0" cy="0"/>
+        </a:xfrm>
+      </p:grpSpPr>
+      <p:sp>
+        <p:nvSpPr>
+          <p:cNvPr id="2" name="Slide Image Placeholder 1"/>
+          <p:cNvSpPr>
+            <a:spLocks noGrp="1" noRot="1" noChangeAspect="1"/>
+          </p:cNvSpPr>
+          <p:nvPr>
+            <p:ph type="sldImg"/>
+          </p:nvPr>
+        </p:nvSpPr>
+        <p:spPr/>
+      </p:sp>
+      <p:sp>
+        <p:nvSpPr>
+          <p:cNvPr id="3" name="Notes Placeholder 2"/>
+          <p:cNvSpPr>
+            <a:spLocks noGrp="1"/>
+          </p:cNvSpPr>
+          <p:nvPr>
+            <p:ph type="body" idx="1"/>
+          </p:nvPr>
+        </p:nvSpPr>
+        <p:spPr/>
+        <p:txBody>
+          <a:bodyPr/>
+          <a:lstStyle/>
+          <a:p>
+            <a:pPr marL="0" marR="0" indent="0" algn="l" defTabSz="914400" rtl="0" eaLnBrk="1" fontAlgn="auto" latinLnBrk="0" hangingPunct="1">
+              <a:lnSpc>
+                <a:spcPct val="100000"/>
+              </a:lnSpc>
+              <a:spcBef>
+                <a:spcPts val="0"/>
+              </a:spcBef>
+              <a:spcAft>
+                <a:spcPts val="0"/>
+              </a:spcAft>
+              <a:buClrTx/>
+              <a:buSzTx/>
+              <a:buFontTx/>
+              <a:buNone/>
+              <a:tabLst/>
+              <a:defRPr/>
+            </a:pPr>
+            <a:r>
+              <a:rPr lang="en-US" dirty="0" smtClean="0"/>
+              <a:t>In Phase II, Team 2 created the Data Path File for the project and compiled a basic processor for the first time. In this phase, it was only necessary to implement Register-type (R-type) instructions. This was the simplest version of the processor that functions. The successive phases have been built from the working product of this phase.</a:t>
+            </a:r>
+          </a:p>
+          <a:p>
+            <a:endParaRPr lang="en-US" dirty="0"/>
+          </a:p>
+        </p:txBody>
+      </p:sp>
+      <p:sp>
+        <p:nvSpPr>
+          <p:cNvPr id="4" name="Slide Number Placeholder 3"/>
+          <p:cNvSpPr>
+            <a:spLocks noGrp="1"/>
+          </p:cNvSpPr>
+          <p:nvPr>
+            <p:ph type="sldNum" sz="quarter" idx="10"/>
+          </p:nvPr>
+        </p:nvSpPr>
+        <p:spPr/>
+        <p:txBody>
+          <a:bodyPr/>
+          <a:lstStyle/>
+          <a:p>
+            <a:fld id="{4D5793C5-9EFE-4D33-8A7A-861CC10AD0ED}" type="slidenum">
+              <a:rPr lang="en-US" smtClean="0"/>
+              <a:t>7</a:t>
+            </a:fld>
+            <a:endParaRPr lang="en-US"/>
+          </a:p>
+        </p:txBody>
+      </p:sp>
+    </p:spTree>
+    <p:extLst>
+      <p:ext uri="{BB962C8B-B14F-4D97-AF65-F5344CB8AC3E}">
+        <p14:creationId xmlns:p14="http://schemas.microsoft.com/office/powerpoint/2010/main" val="1107453301"/>
+      </p:ext>
+    </p:extLst>
+  </p:cSld>
+  <p:clrMapOvr>
+    <a:masterClrMapping/>
+  </p:clrMapOvr>
+</p:notes>
+</file>
+
+<file path=ppt/notesSlides/notesSlide3.xml><?xml version="1.0" encoding="utf-8"?>
+<p:notes xmlns:a="http://schemas.openxmlformats.org/drawingml/2006/main" xmlns:r="http://schemas.openxmlformats.org/officeDocument/2006/relationships" xmlns:p="http://schemas.openxmlformats.org/presentationml/2006/main">
+  <p:cSld>
+    <p:spTree>
+      <p:nvGrpSpPr>
+        <p:cNvPr id="1" name=""/>
+        <p:cNvGrpSpPr/>
+        <p:nvPr/>
+      </p:nvGrpSpPr>
+      <p:grpSpPr>
+        <a:xfrm>
+          <a:off x="0" y="0"/>
+          <a:ext cx="0" cy="0"/>
+          <a:chOff x="0" y="0"/>
+          <a:chExt cx="0" cy="0"/>
+        </a:xfrm>
+      </p:grpSpPr>
+      <p:sp>
+        <p:nvSpPr>
+          <p:cNvPr id="2" name="Slide Image Placeholder 1"/>
+          <p:cNvSpPr>
+            <a:spLocks noGrp="1" noRot="1" noChangeAspect="1"/>
+          </p:cNvSpPr>
+          <p:nvPr>
+            <p:ph type="sldImg"/>
+          </p:nvPr>
+        </p:nvSpPr>
+        <p:spPr/>
+      </p:sp>
+      <p:sp>
+        <p:nvSpPr>
+          <p:cNvPr id="3" name="Notes Placeholder 2"/>
+          <p:cNvSpPr>
+            <a:spLocks noGrp="1"/>
+          </p:cNvSpPr>
+          <p:nvPr>
+            <p:ph type="body" idx="1"/>
+          </p:nvPr>
+        </p:nvSpPr>
+        <p:spPr/>
+        <p:txBody>
+          <a:bodyPr/>
+          <a:lstStyle/>
+          <a:p>
+            <a:pPr marL="0" marR="0" indent="0" algn="l" defTabSz="914400" rtl="0" eaLnBrk="1" fontAlgn="auto" latinLnBrk="0" hangingPunct="1">
+              <a:lnSpc>
+                <a:spcPct val="100000"/>
+              </a:lnSpc>
+              <a:spcBef>
+                <a:spcPts val="0"/>
+              </a:spcBef>
+              <a:spcAft>
+                <a:spcPts val="0"/>
+              </a:spcAft>
+              <a:buClrTx/>
+              <a:buSzTx/>
+              <a:buFontTx/>
+              <a:buNone/>
+              <a:tabLst/>
+              <a:defRPr/>
+            </a:pPr>
+            <a:r>
+              <a:rPr lang="en-US" sz="1200" kern="1200" dirty="0" smtClean="0">
+                <a:solidFill>
+                  <a:schemeClr val="tx1"/>
+                </a:solidFill>
+                <a:effectLst/>
+                <a:latin typeface="+mn-lt"/>
+                <a:ea typeface="+mn-ea"/>
+                <a:cs typeface="+mn-cs"/>
+              </a:rPr>
+              <a:t>In Phase III, Team 2 modified the Data Path and the Control Unit to add new R-type, D-type and B-type instructions, including JR, CMP, LW, SW, ADDI, B and BAL.  Team 2 also integrated the memory interface and instruction address generator into the existing processor in this phase.  Phase IV will build off Phase III and implement I/O.</a:t>
+            </a:r>
+          </a:p>
+          <a:p>
+            <a:endParaRPr lang="en-US" dirty="0"/>
+          </a:p>
+        </p:txBody>
+      </p:sp>
+      <p:sp>
+        <p:nvSpPr>
+          <p:cNvPr id="4" name="Slide Number Placeholder 3"/>
+          <p:cNvSpPr>
+            <a:spLocks noGrp="1"/>
+          </p:cNvSpPr>
+          <p:nvPr>
+            <p:ph type="sldNum" sz="quarter" idx="10"/>
+          </p:nvPr>
+        </p:nvSpPr>
+        <p:spPr/>
+        <p:txBody>
+          <a:bodyPr/>
+          <a:lstStyle/>
+          <a:p>
+            <a:fld id="{4D5793C5-9EFE-4D33-8A7A-861CC10AD0ED}" type="slidenum">
+              <a:rPr lang="en-US" smtClean="0"/>
+              <a:t>10</a:t>
+            </a:fld>
+            <a:endParaRPr lang="en-US"/>
+          </a:p>
+        </p:txBody>
+      </p:sp>
+    </p:spTree>
+    <p:extLst>
+      <p:ext uri="{BB962C8B-B14F-4D97-AF65-F5344CB8AC3E}">
+        <p14:creationId xmlns:p14="http://schemas.microsoft.com/office/powerpoint/2010/main" val="3537493125"/>
+      </p:ext>
+    </p:extLst>
+  </p:cSld>
+  <p:clrMapOvr>
+    <a:masterClrMapping/>
+  </p:clrMapOvr>
+</p:notes>
+</file>
+
+<file path=ppt/notesSlides/notesSlide4.xml><?xml version="1.0" encoding="utf-8"?>
+<p:notes xmlns:a="http://schemas.openxmlformats.org/drawingml/2006/main" xmlns:r="http://schemas.openxmlformats.org/officeDocument/2006/relationships" xmlns:p="http://schemas.openxmlformats.org/presentationml/2006/main">
+  <p:cSld>
+    <p:spTree>
+      <p:nvGrpSpPr>
+        <p:cNvPr id="1" name=""/>
+        <p:cNvGrpSpPr/>
+        <p:nvPr/>
+      </p:nvGrpSpPr>
+      <p:grpSpPr>
+        <a:xfrm>
+          <a:off x="0" y="0"/>
+          <a:ext cx="0" cy="0"/>
+          <a:chOff x="0" y="0"/>
+          <a:chExt cx="0" cy="0"/>
+        </a:xfrm>
+      </p:grpSpPr>
+      <p:sp>
+        <p:nvSpPr>
+          <p:cNvPr id="2" name="Slide Image Placeholder 1"/>
+          <p:cNvSpPr>
+            <a:spLocks noGrp="1" noRot="1" noChangeAspect="1"/>
+          </p:cNvSpPr>
+          <p:nvPr>
+            <p:ph type="sldImg"/>
+          </p:nvPr>
+        </p:nvSpPr>
+        <p:spPr/>
+      </p:sp>
+      <p:sp>
+        <p:nvSpPr>
+          <p:cNvPr id="3" name="Notes Placeholder 2"/>
+          <p:cNvSpPr>
+            <a:spLocks noGrp="1"/>
+          </p:cNvSpPr>
+          <p:nvPr>
+            <p:ph type="body" idx="1"/>
+          </p:nvPr>
+        </p:nvSpPr>
+        <p:spPr/>
+        <p:txBody>
+          <a:bodyPr/>
+          <a:lstStyle/>
+          <a:p>
+            <a:r>
+              <a:rPr lang="en-US" sz="1200" kern="1200" dirty="0" smtClean="0">
+                <a:solidFill>
+                  <a:schemeClr val="tx1"/>
+                </a:solidFill>
+                <a:effectLst/>
+                <a:latin typeface="+mn-lt"/>
+                <a:ea typeface="+mn-ea"/>
+                <a:cs typeface="+mn-cs"/>
+              </a:rPr>
+              <a:t>The main purpose of Phase IV was to add basic I/O and ARM-like execution [2].</a:t>
+            </a:r>
+            <a:endParaRPr lang="en-US" dirty="0"/>
+          </a:p>
+        </p:txBody>
+      </p:sp>
+      <p:sp>
+        <p:nvSpPr>
+          <p:cNvPr id="4" name="Slide Number Placeholder 3"/>
+          <p:cNvSpPr>
+            <a:spLocks noGrp="1"/>
+          </p:cNvSpPr>
+          <p:nvPr>
+            <p:ph type="sldNum" sz="quarter" idx="10"/>
+          </p:nvPr>
+        </p:nvSpPr>
+        <p:spPr/>
+        <p:txBody>
+          <a:bodyPr/>
+          <a:lstStyle/>
+          <a:p>
+            <a:fld id="{4D5793C5-9EFE-4D33-8A7A-861CC10AD0ED}" type="slidenum">
+              <a:rPr lang="en-US" smtClean="0"/>
+              <a:t>13</a:t>
+            </a:fld>
+            <a:endParaRPr lang="en-US"/>
+          </a:p>
+        </p:txBody>
+      </p:sp>
+    </p:spTree>
+    <p:extLst>
+      <p:ext uri="{BB962C8B-B14F-4D97-AF65-F5344CB8AC3E}">
+        <p14:creationId xmlns:p14="http://schemas.microsoft.com/office/powerpoint/2010/main" val="1419735081"/>
+      </p:ext>
+    </p:extLst>
+  </p:cSld>
+  <p:clrMapOvr>
+    <a:masterClrMapping/>
+  </p:clrMapOvr>
+</p:notes>
+</file>
+
 <file path=ppt/slideLayouts/slideLayout1.xml><?xml version="1.0" encoding="utf-8"?>
 <p:sldLayout xmlns:a="http://schemas.openxmlformats.org/drawingml/2006/main" xmlns:r="http://schemas.openxmlformats.org/officeDocument/2006/relationships" xmlns:p="http://schemas.openxmlformats.org/presentationml/2006/main" type="title" preserve="1">
   <p:cSld name="Title Slide">
@@ -26475,7 +27483,7 @@
             <a:fld id="{B61BEF0D-F0BB-DE4B-95CE-6DB70DBA9567}" type="datetimeFigureOut">
               <a:rPr lang="en-US" dirty="0"/>
               <a:pPr/>
-              <a:t>11/27/2017</a:t>
+              <a:t>11/28/2017</a:t>
             </a:fld>
             <a:endParaRPr lang="en-US" dirty="0"/>
           </a:p>
@@ -26806,7 +27814,7 @@
             <a:fld id="{B61BEF0D-F0BB-DE4B-95CE-6DB70DBA9567}" type="datetimeFigureOut">
               <a:rPr lang="en-US" dirty="0"/>
               <a:pPr/>
-              <a:t>11/27/2017</a:t>
+              <a:t>11/28/2017</a:t>
             </a:fld>
             <a:endParaRPr lang="en-US" dirty="0"/>
           </a:p>
@@ -27081,7 +28089,7 @@
             <a:fld id="{B61BEF0D-F0BB-DE4B-95CE-6DB70DBA9567}" type="datetimeFigureOut">
               <a:rPr lang="en-US" dirty="0"/>
               <a:pPr/>
-              <a:t>11/27/2017</a:t>
+              <a:t>11/28/2017</a:t>
             </a:fld>
             <a:endParaRPr lang="en-US" dirty="0"/>
           </a:p>
@@ -27646,7 +28654,7 @@
             <a:fld id="{B61BEF0D-F0BB-DE4B-95CE-6DB70DBA9567}" type="datetimeFigureOut">
               <a:rPr lang="en-US" dirty="0"/>
               <a:pPr/>
-              <a:t>11/27/2017</a:t>
+              <a:t>11/28/2017</a:t>
             </a:fld>
             <a:endParaRPr lang="en-US" dirty="0"/>
           </a:p>
@@ -27921,7 +28929,7 @@
             <a:fld id="{B61BEF0D-F0BB-DE4B-95CE-6DB70DBA9567}" type="datetimeFigureOut">
               <a:rPr lang="en-US" dirty="0"/>
               <a:pPr/>
-              <a:t>11/27/2017</a:t>
+              <a:t>11/28/2017</a:t>
             </a:fld>
             <a:endParaRPr lang="en-US" dirty="0"/>
           </a:p>
@@ -28480,7 +29488,7 @@
             <a:fld id="{B61BEF0D-F0BB-DE4B-95CE-6DB70DBA9567}" type="datetimeFigureOut">
               <a:rPr lang="en-US" dirty="0"/>
               <a:pPr/>
-              <a:t>11/27/2017</a:t>
+              <a:t>11/28/2017</a:t>
             </a:fld>
             <a:endParaRPr lang="en-US" dirty="0"/>
           </a:p>
@@ -28804,7 +29812,7 @@
             <a:fld id="{B61BEF0D-F0BB-DE4B-95CE-6DB70DBA9567}" type="datetimeFigureOut">
               <a:rPr lang="en-US" dirty="0"/>
               <a:pPr/>
-              <a:t>11/27/2017</a:t>
+              <a:t>11/28/2017</a:t>
             </a:fld>
             <a:endParaRPr lang="en-US" dirty="0"/>
           </a:p>
@@ -29006,7 +30014,7 @@
             <a:fld id="{B61BEF0D-F0BB-DE4B-95CE-6DB70DBA9567}" type="datetimeFigureOut">
               <a:rPr lang="en-US" dirty="0"/>
               <a:pPr/>
-              <a:t>11/27/2017</a:t>
+              <a:t>11/28/2017</a:t>
             </a:fld>
             <a:endParaRPr lang="en-US" dirty="0"/>
           </a:p>
@@ -29213,7 +30221,7 @@
             <a:fld id="{B61BEF0D-F0BB-DE4B-95CE-6DB70DBA9567}" type="datetimeFigureOut">
               <a:rPr lang="en-US" dirty="0"/>
               <a:pPr/>
-              <a:t>11/27/2017</a:t>
+              <a:t>11/28/2017</a:t>
             </a:fld>
             <a:endParaRPr lang="en-US" dirty="0"/>
           </a:p>
@@ -29410,7 +30418,7 @@
             <a:fld id="{B61BEF0D-F0BB-DE4B-95CE-6DB70DBA9567}" type="datetimeFigureOut">
               <a:rPr lang="en-US" dirty="0"/>
               <a:pPr/>
-              <a:t>11/27/2017</a:t>
+              <a:t>11/28/2017</a:t>
             </a:fld>
             <a:endParaRPr lang="en-US" dirty="0"/>
           </a:p>
@@ -29683,7 +30691,7 @@
             <a:fld id="{B61BEF0D-F0BB-DE4B-95CE-6DB70DBA9567}" type="datetimeFigureOut">
               <a:rPr lang="en-US" dirty="0"/>
               <a:pPr/>
-              <a:t>11/27/2017</a:t>
+              <a:t>11/28/2017</a:t>
             </a:fld>
             <a:endParaRPr lang="en-US" dirty="0"/>
           </a:p>
@@ -29946,7 +30954,7 @@
             <a:fld id="{B61BEF0D-F0BB-DE4B-95CE-6DB70DBA9567}" type="datetimeFigureOut">
               <a:rPr lang="en-US" dirty="0"/>
               <a:pPr/>
-              <a:t>11/27/2017</a:t>
+              <a:t>11/28/2017</a:t>
             </a:fld>
             <a:endParaRPr lang="en-US" dirty="0"/>
           </a:p>
@@ -30317,7 +31325,7 @@
             <a:fld id="{B61BEF0D-F0BB-DE4B-95CE-6DB70DBA9567}" type="datetimeFigureOut">
               <a:rPr lang="en-US" dirty="0"/>
               <a:pPr/>
-              <a:t>11/27/2017</a:t>
+              <a:t>11/28/2017</a:t>
             </a:fld>
             <a:endParaRPr lang="en-US" dirty="0"/>
           </a:p>
@@ -30462,7 +31470,7 @@
             <a:fld id="{B61BEF0D-F0BB-DE4B-95CE-6DB70DBA9567}" type="datetimeFigureOut">
               <a:rPr lang="en-US" dirty="0"/>
               <a:pPr/>
-              <a:t>11/27/2017</a:t>
+              <a:t>11/28/2017</a:t>
             </a:fld>
             <a:endParaRPr lang="en-US" dirty="0"/>
           </a:p>
@@ -30584,7 +31592,7 @@
             <a:fld id="{B61BEF0D-F0BB-DE4B-95CE-6DB70DBA9567}" type="datetimeFigureOut">
               <a:rPr lang="en-US" dirty="0"/>
               <a:pPr/>
-              <a:t>11/27/2017</a:t>
+              <a:t>11/28/2017</a:t>
             </a:fld>
             <a:endParaRPr lang="en-US" dirty="0"/>
           </a:p>
@@ -30866,7 +31874,7 @@
             <a:fld id="{B61BEF0D-F0BB-DE4B-95CE-6DB70DBA9567}" type="datetimeFigureOut">
               <a:rPr lang="en-US" dirty="0"/>
               <a:pPr/>
-              <a:t>11/27/2017</a:t>
+              <a:t>11/28/2017</a:t>
             </a:fld>
             <a:endParaRPr lang="en-US" dirty="0"/>
           </a:p>
@@ -31187,7 +32195,7 @@
             <a:fld id="{B61BEF0D-F0BB-DE4B-95CE-6DB70DBA9567}" type="datetimeFigureOut">
               <a:rPr lang="en-US" dirty="0"/>
               <a:pPr/>
-              <a:t>11/27/2017</a:t>
+              <a:t>11/28/2017</a:t>
             </a:fld>
             <a:endParaRPr lang="en-US" dirty="0"/>
           </a:p>
@@ -31398,7 +32406,7 @@
             <a:fld id="{B61BEF0D-F0BB-DE4B-95CE-6DB70DBA9567}" type="datetimeFigureOut">
               <a:rPr lang="en-US" dirty="0"/>
               <a:pPr/>
-              <a:t>11/27/2017</a:t>
+              <a:t>11/28/2017</a:t>
             </a:fld>
             <a:endParaRPr lang="en-US" dirty="0"/>
           </a:p>
@@ -31940,18 +32948,69 @@
             <p:ph type="subTitle" idx="1"/>
           </p:nvPr>
         </p:nvSpPr>
-        <p:spPr/>
+        <p:spPr>
+          <a:xfrm>
+            <a:off x="3780692" y="4385732"/>
+            <a:ext cx="7379433" cy="1405467"/>
+          </a:xfrm>
+        </p:spPr>
         <p:txBody>
-          <a:bodyPr/>
+          <a:bodyPr>
+            <a:normAutofit fontScale="92500" lnSpcReduction="10000"/>
+          </a:bodyPr>
           <a:lstStyle/>
           <a:p>
             <a:r>
               <a:rPr lang="en-US" dirty="0" smtClean="0"/>
-              <a:t>By Nate Doher, molly lee, &amp; Shea </a:t>
+              <a:t>A Presentation By TEAM 2: Nate </a:t>
+            </a:r>
+            <a:r>
+              <a:rPr lang="en-US" dirty="0" smtClean="0"/>
+              <a:t>Doher, molly </a:t>
+            </a:r>
+            <a:r>
+              <a:rPr lang="en-US" dirty="0" smtClean="0"/>
+              <a:t>A. lee</a:t>
+            </a:r>
+            <a:r>
+              <a:rPr lang="en-US" dirty="0" smtClean="0"/>
+              <a:t>, &amp; Shea </a:t>
             </a:r>
             <a:r>
               <a:rPr lang="en-US" dirty="0" err="1" smtClean="0"/>
               <a:t>winkler</a:t>
+            </a:r>
+            <a:endParaRPr lang="en-US" dirty="0" smtClean="0"/>
+          </a:p>
+          <a:p>
+            <a:r>
+              <a:rPr lang="en-US" dirty="0" smtClean="0"/>
+              <a:t>CSCE 230: Computer organization</a:t>
+            </a:r>
+          </a:p>
+          <a:p>
+            <a:r>
+              <a:rPr lang="en-US" dirty="0" smtClean="0"/>
+              <a:t>university of Nebraska- </a:t>
+            </a:r>
+            <a:r>
+              <a:rPr lang="en-US" dirty="0" err="1" smtClean="0"/>
+              <a:t>lincoln</a:t>
+            </a:r>
+            <a:endParaRPr lang="en-US" dirty="0" smtClean="0"/>
+          </a:p>
+          <a:p>
+            <a:r>
+              <a:rPr lang="en-US" dirty="0" smtClean="0"/>
+              <a:t>29</a:t>
+            </a:r>
+            <a:r>
+              <a:rPr lang="en-US" baseline="30000" dirty="0" smtClean="0"/>
+              <a:t>th</a:t>
+            </a:r>
+            <a:r>
+              <a:rPr lang="en-US" dirty="0" smtClean="0"/>
+              <a:t> November 2017</a:t>
             </a:r>
             <a:endParaRPr lang="en-US" dirty="0"/>
           </a:p>
@@ -32006,19 +33065,21 @@
         </p:nvSpPr>
         <p:spPr/>
         <p:txBody>
-          <a:bodyPr/>
+          <a:bodyPr>
+            <a:normAutofit/>
+          </a:bodyPr>
           <a:lstStyle/>
           <a:p>
             <a:r>
-              <a:rPr lang="en-US" dirty="0"/>
+              <a:rPr lang="en-US" sz="4400" dirty="0"/>
               <a:t>Phase </a:t>
             </a:r>
             <a:r>
-              <a:rPr lang="en-US" dirty="0" smtClean="0"/>
+              <a:rPr lang="en-US" sz="4400" dirty="0" smtClean="0"/>
               <a:t>3: </a:t>
             </a:r>
             <a:r>
-              <a:rPr lang="en-US" dirty="0"/>
+              <a:rPr lang="en-US" sz="4400" dirty="0"/>
               <a:t>what we tried to accomplish</a:t>
             </a:r>
           </a:p>
@@ -32034,12 +33095,105 @@
             <p:ph idx="1"/>
           </p:nvPr>
         </p:nvSpPr>
-        <p:spPr/>
+        <p:spPr>
+          <a:xfrm>
+            <a:off x="685801" y="2065867"/>
+            <a:ext cx="11506199" cy="4792133"/>
+          </a:xfrm>
+        </p:spPr>
         <p:txBody>
-          <a:bodyPr/>
+          <a:bodyPr>
+            <a:normAutofit fontScale="77500" lnSpcReduction="20000"/>
+          </a:bodyPr>
           <a:lstStyle/>
           <a:p>
-            <a:endParaRPr lang="en-US"/>
+            <a:pPr lvl="0"/>
+            <a:r>
+              <a:rPr lang="en-US" sz="4000" dirty="0" smtClean="0"/>
+              <a:t>Implement the Remaining Instructions: </a:t>
+            </a:r>
+          </a:p>
+          <a:p>
+            <a:pPr lvl="1"/>
+            <a:r>
+              <a:rPr lang="en-US" sz="3600" dirty="0" smtClean="0"/>
+              <a:t>R-type: </a:t>
+            </a:r>
+          </a:p>
+          <a:p>
+            <a:pPr lvl="2"/>
+            <a:r>
+              <a:rPr lang="en-US" sz="2600" dirty="0" smtClean="0"/>
+              <a:t>Jump Register (JR)</a:t>
+            </a:r>
+          </a:p>
+          <a:p>
+            <a:pPr lvl="2"/>
+            <a:r>
+              <a:rPr lang="en-US" sz="2600" dirty="0" smtClean="0"/>
+              <a:t>Compare (CMP)</a:t>
+            </a:r>
+          </a:p>
+          <a:p>
+            <a:pPr lvl="1"/>
+            <a:r>
+              <a:rPr lang="en-US" sz="3600" dirty="0" smtClean="0"/>
+              <a:t>D-type: </a:t>
+            </a:r>
+          </a:p>
+          <a:p>
+            <a:pPr lvl="2"/>
+            <a:r>
+              <a:rPr lang="en-US" sz="2600" dirty="0" smtClean="0"/>
+              <a:t>Load Word (LW)</a:t>
+            </a:r>
+          </a:p>
+          <a:p>
+            <a:pPr lvl="2"/>
+            <a:r>
+              <a:rPr lang="en-US" sz="2600" dirty="0" smtClean="0"/>
+              <a:t>Store Word (SW)</a:t>
+            </a:r>
+          </a:p>
+          <a:p>
+            <a:pPr lvl="2"/>
+            <a:r>
+              <a:rPr lang="en-US" sz="2600" dirty="0" smtClean="0"/>
+              <a:t>Add Immediate (</a:t>
+            </a:r>
+            <a:r>
+              <a:rPr lang="en-US" sz="2600" dirty="0" err="1" smtClean="0"/>
+              <a:t>Addi</a:t>
+            </a:r>
+            <a:r>
+              <a:rPr lang="en-US" sz="2600" dirty="0" smtClean="0"/>
+              <a:t>)</a:t>
+            </a:r>
+          </a:p>
+          <a:p>
+            <a:pPr lvl="1"/>
+            <a:r>
+              <a:rPr lang="en-US" sz="3600" dirty="0" smtClean="0"/>
+              <a:t>B-type: </a:t>
+            </a:r>
+          </a:p>
+          <a:p>
+            <a:pPr lvl="2"/>
+            <a:r>
+              <a:rPr lang="en-US" sz="2600" dirty="0" smtClean="0"/>
+              <a:t>Branch (Br)</a:t>
+            </a:r>
+          </a:p>
+          <a:p>
+            <a:pPr lvl="2"/>
+            <a:r>
+              <a:rPr lang="en-US" sz="2600" dirty="0" smtClean="0"/>
+              <a:t>Branch and Link (BAL)</a:t>
+            </a:r>
+            <a:endParaRPr lang="en-US" sz="2600" dirty="0"/>
+          </a:p>
+          <a:p>
+            <a:endParaRPr lang="en-US" dirty="0"/>
           </a:p>
         </p:txBody>
       </p:sp>
@@ -32264,19 +33418,21 @@
         </p:nvSpPr>
         <p:spPr/>
         <p:txBody>
-          <a:bodyPr/>
+          <a:bodyPr>
+            <a:normAutofit/>
+          </a:bodyPr>
           <a:lstStyle/>
           <a:p>
             <a:r>
-              <a:rPr lang="en-US" dirty="0"/>
+              <a:rPr lang="en-US" sz="4400" dirty="0"/>
               <a:t>Phase </a:t>
             </a:r>
             <a:r>
-              <a:rPr lang="en-US" dirty="0" smtClean="0"/>
+              <a:rPr lang="en-US" sz="4400" dirty="0" smtClean="0"/>
               <a:t>4: </a:t>
             </a:r>
             <a:r>
-              <a:rPr lang="en-US" dirty="0"/>
+              <a:rPr lang="en-US" sz="4400" dirty="0"/>
               <a:t>what we tried to accomplish</a:t>
             </a:r>
           </a:p>
@@ -32294,10 +33450,63 @@
         </p:nvSpPr>
         <p:spPr/>
         <p:txBody>
-          <a:bodyPr/>
+          <a:bodyPr>
+            <a:normAutofit lnSpcReduction="10000"/>
+          </a:bodyPr>
           <a:lstStyle/>
           <a:p>
-            <a:endParaRPr lang="en-US"/>
+            <a:pPr lvl="0"/>
+            <a:r>
+              <a:rPr lang="en-US" sz="3600" dirty="0" smtClean="0"/>
+              <a:t>Implement Basic I/O: </a:t>
+            </a:r>
+          </a:p>
+          <a:p>
+            <a:pPr lvl="1"/>
+            <a:r>
+              <a:rPr lang="en-US" sz="3000" dirty="0" smtClean="0"/>
+              <a:t>Pushbuttons</a:t>
+            </a:r>
+          </a:p>
+          <a:p>
+            <a:pPr lvl="1"/>
+            <a:r>
+              <a:rPr lang="en-US" sz="3000" dirty="0" smtClean="0"/>
+              <a:t>Slider Switch (SW)</a:t>
+            </a:r>
+          </a:p>
+          <a:p>
+            <a:pPr lvl="1"/>
+            <a:r>
+              <a:rPr lang="en-US" sz="3000" dirty="0" smtClean="0"/>
+              <a:t>Green LEDs (LEDG)</a:t>
+            </a:r>
+          </a:p>
+          <a:p>
+            <a:pPr lvl="0"/>
+            <a:r>
+              <a:rPr lang="en-US" sz="3600" dirty="0" smtClean="0"/>
+              <a:t>ARM-like </a:t>
+            </a:r>
+            <a:r>
+              <a:rPr lang="en-US" sz="3600" dirty="0"/>
+              <a:t>Conditional </a:t>
+            </a:r>
+            <a:r>
+              <a:rPr lang="en-US" sz="3600" dirty="0" smtClean="0"/>
+              <a:t>Execution: </a:t>
+            </a:r>
+          </a:p>
+          <a:p>
+            <a:pPr lvl="1"/>
+            <a:r>
+              <a:rPr lang="en-US" sz="2800" dirty="0" smtClean="0"/>
+              <a:t>Branch on Equals (BEQ)</a:t>
+            </a:r>
+            <a:endParaRPr lang="en-US" sz="2800" dirty="0"/>
+          </a:p>
+          <a:p>
+            <a:endParaRPr lang="en-US" dirty="0"/>
           </a:p>
         </p:txBody>
       </p:sp>
@@ -32397,11 +33606,7 @@
             </a:r>
             <a:r>
               <a:rPr lang="en-US" dirty="0" smtClean="0"/>
-              <a:t>Submitted (20 Nov.</a:t>
-            </a:r>
-            <a:r>
-              <a:rPr lang="en-US" dirty="0" smtClean="0"/>
-              <a:t> 2017)</a:t>
+              <a:t>Submitted (20 Nov. 2017)</a:t>
             </a:r>
             <a:endParaRPr lang="en-US" dirty="0"/>
           </a:p>
@@ -32658,19 +33863,21 @@
         </p:nvSpPr>
         <p:spPr/>
         <p:txBody>
-          <a:bodyPr/>
+          <a:bodyPr>
+            <a:normAutofit/>
+          </a:bodyPr>
           <a:lstStyle/>
           <a:p>
             <a:r>
-              <a:rPr lang="en-US" dirty="0"/>
+              <a:rPr lang="en-US" sz="4400" dirty="0"/>
               <a:t>Phase </a:t>
             </a:r>
             <a:r>
-              <a:rPr lang="en-US" dirty="0" smtClean="0"/>
+              <a:rPr lang="en-US" sz="4400" dirty="0" smtClean="0"/>
               <a:t>5: </a:t>
             </a:r>
             <a:r>
-              <a:rPr lang="en-US" dirty="0"/>
+              <a:rPr lang="en-US" sz="4400" dirty="0"/>
               <a:t>what we tried to accomplish</a:t>
             </a:r>
           </a:p>
@@ -32688,10 +33895,61 @@
         </p:nvSpPr>
         <p:spPr/>
         <p:txBody>
-          <a:bodyPr/>
+          <a:bodyPr>
+            <a:normAutofit fontScale="92500" lnSpcReduction="20000"/>
+          </a:bodyPr>
           <a:lstStyle/>
           <a:p>
-            <a:endParaRPr lang="en-US"/>
+            <a:r>
+              <a:rPr lang="en-US" sz="3600" dirty="0"/>
+              <a:t>Extending </a:t>
+            </a:r>
+            <a:r>
+              <a:rPr lang="en-US" sz="3600" dirty="0" smtClean="0"/>
+              <a:t>I/O</a:t>
+            </a:r>
+          </a:p>
+          <a:p>
+            <a:pPr lvl="1"/>
+            <a:r>
+              <a:rPr lang="en-US" sz="3200" dirty="0" smtClean="0"/>
+              <a:t>Hex1, Hex2, Hex3</a:t>
+            </a:r>
+          </a:p>
+          <a:p>
+            <a:pPr lvl="1"/>
+            <a:r>
+              <a:rPr lang="en-US" sz="3200" dirty="0" smtClean="0"/>
+              <a:t>Red LEDs (LEDR)</a:t>
+            </a:r>
+          </a:p>
+          <a:p>
+            <a:r>
+              <a:rPr lang="en-US" sz="3600" dirty="0" smtClean="0"/>
+              <a:t>Adding J-type instructions: </a:t>
+            </a:r>
+          </a:p>
+          <a:p>
+            <a:pPr lvl="1"/>
+            <a:r>
+              <a:rPr lang="en-US" sz="2800" dirty="0" smtClean="0"/>
+              <a:t>Jump (J)</a:t>
+            </a:r>
+          </a:p>
+          <a:p>
+            <a:pPr lvl="1"/>
+            <a:r>
+              <a:rPr lang="en-US" sz="2800" dirty="0" smtClean="0"/>
+              <a:t>Jump and Link (JAL)</a:t>
+            </a:r>
+          </a:p>
+          <a:p>
+            <a:pPr lvl="1"/>
+            <a:r>
+              <a:rPr lang="en-US" sz="2800" dirty="0" smtClean="0"/>
+              <a:t>Load Immediate (LI)</a:t>
+            </a:r>
+            <a:endParaRPr lang="en-US" sz="2800" dirty="0"/>
           </a:p>
         </p:txBody>
       </p:sp>
@@ -32949,7 +34207,26 @@
           <a:bodyPr/>
           <a:lstStyle/>
           <a:p>
-            <a:endParaRPr lang="en-US"/>
+            <a:pPr lvl="0"/>
+            <a:r>
+              <a:rPr lang="en-US" dirty="0" smtClean="0"/>
+              <a:t>Written Report: Team 2 Design Doc</a:t>
+            </a:r>
+          </a:p>
+          <a:p>
+            <a:pPr lvl="0"/>
+            <a:r>
+              <a:rPr lang="en-US" dirty="0" smtClean="0"/>
+              <a:t>Team 2 Presentation</a:t>
+            </a:r>
+          </a:p>
+          <a:p>
+            <a:pPr lvl="0"/>
+            <a:r>
+              <a:rPr lang="en-US" dirty="0" smtClean="0"/>
+              <a:t>Team 2 Demo</a:t>
+            </a:r>
+            <a:endParaRPr lang="en-US" dirty="0"/>
           </a:p>
         </p:txBody>
       </p:sp>
@@ -33718,7 +34995,7 @@
           <p:nvPr>
             <p:extLst>
               <p:ext uri="{D42A27DB-BD31-4B8C-83A1-F6EECF244321}">
-                <p14:modId xmlns:p14="http://schemas.microsoft.com/office/powerpoint/2010/main" val="1208194511"/>
+                <p14:modId xmlns:p14="http://schemas.microsoft.com/office/powerpoint/2010/main" val="1508298966"/>
               </p:ext>
             </p:extLst>
           </p:nvPr>
@@ -33882,7 +35159,7 @@
             <p:ph idx="1"/>
             <p:extLst>
               <p:ext uri="{D42A27DB-BD31-4B8C-83A1-F6EECF244321}">
-                <p14:modId xmlns:p14="http://schemas.microsoft.com/office/powerpoint/2010/main" val="2763883746"/>
+                <p14:modId xmlns:p14="http://schemas.microsoft.com/office/powerpoint/2010/main" val="1701376814"/>
               </p:ext>
             </p:extLst>
           </p:nvPr>
@@ -33969,10 +35246,32 @@
         </p:nvSpPr>
         <p:spPr/>
         <p:txBody>
-          <a:bodyPr/>
+          <a:bodyPr>
+            <a:normAutofit/>
+          </a:bodyPr>
           <a:lstStyle/>
           <a:p>
-            <a:endParaRPr lang="en-US"/>
+            <a:r>
+              <a:rPr lang="en-US" sz="5400" dirty="0" smtClean="0"/>
+              <a:t>Create a Register File</a:t>
+            </a:r>
+          </a:p>
+          <a:p>
+            <a:r>
+              <a:rPr lang="en-US" sz="5400" dirty="0" smtClean="0"/>
+              <a:t>Create an ALU</a:t>
+            </a:r>
+          </a:p>
+          <a:p>
+            <a:r>
+              <a:rPr lang="en-US" sz="5400" dirty="0" smtClean="0"/>
+              <a:t>Start Building a </a:t>
+            </a:r>
+            <a:r>
+              <a:rPr lang="en-US" sz="5400" dirty="0" smtClean="0"/>
+              <a:t>Control Unit</a:t>
+            </a:r>
+            <a:endParaRPr lang="en-US" sz="5400" dirty="0"/>
           </a:p>
         </p:txBody>
       </p:sp>
@@ -34183,19 +35482,21 @@
         </p:nvSpPr>
         <p:spPr/>
         <p:txBody>
-          <a:bodyPr/>
+          <a:bodyPr>
+            <a:normAutofit/>
+          </a:bodyPr>
           <a:lstStyle/>
           <a:p>
             <a:r>
-              <a:rPr lang="en-US" dirty="0"/>
+              <a:rPr lang="en-US" sz="4400" dirty="0"/>
               <a:t>Phase </a:t>
             </a:r>
             <a:r>
-              <a:rPr lang="en-US" dirty="0" smtClean="0"/>
+              <a:rPr lang="en-US" sz="4400" dirty="0" smtClean="0"/>
               <a:t>2: </a:t>
             </a:r>
             <a:r>
-              <a:rPr lang="en-US" dirty="0"/>
+              <a:rPr lang="en-US" sz="4400" dirty="0"/>
               <a:t>what we tried to accomplish</a:t>
             </a:r>
           </a:p>
@@ -34211,12 +35512,82 @@
             <p:ph idx="1"/>
           </p:nvPr>
         </p:nvSpPr>
-        <p:spPr/>
+        <p:spPr>
+          <a:xfrm>
+            <a:off x="773723" y="2365131"/>
+            <a:ext cx="11306908" cy="4343400"/>
+          </a:xfrm>
+        </p:spPr>
         <p:txBody>
-          <a:bodyPr/>
+          <a:bodyPr>
+            <a:normAutofit fontScale="92500" lnSpcReduction="20000"/>
+          </a:bodyPr>
           <a:lstStyle/>
           <a:p>
-            <a:endParaRPr lang="en-US"/>
+            <a:r>
+              <a:rPr lang="en-US" sz="3900" dirty="0" smtClean="0"/>
+              <a:t>Create a Data Path</a:t>
+            </a:r>
+          </a:p>
+          <a:p>
+            <a:r>
+              <a:rPr lang="en-US" sz="3900" dirty="0" smtClean="0"/>
+              <a:t>Create and Compile a Basic Processor</a:t>
+            </a:r>
+          </a:p>
+          <a:p>
+            <a:r>
+              <a:rPr lang="en-US" sz="3900" dirty="0" smtClean="0"/>
+              <a:t>Begin Implementing R-type Instructions:</a:t>
+            </a:r>
+          </a:p>
+          <a:p>
+            <a:pPr lvl="1"/>
+            <a:r>
+              <a:rPr lang="en-US" sz="3000" dirty="0" smtClean="0"/>
+              <a:t>Addition (Add)</a:t>
+            </a:r>
+          </a:p>
+          <a:p>
+            <a:pPr lvl="1"/>
+            <a:r>
+              <a:rPr lang="en-US" sz="3000" dirty="0" smtClean="0"/>
+              <a:t>Subtraction (Sub)</a:t>
+            </a:r>
+          </a:p>
+          <a:p>
+            <a:pPr lvl="1"/>
+            <a:r>
+              <a:rPr lang="en-US" sz="3000" dirty="0" smtClean="0"/>
+              <a:t>Logical And (And)</a:t>
+            </a:r>
+          </a:p>
+          <a:p>
+            <a:pPr lvl="1"/>
+            <a:r>
+              <a:rPr lang="en-US" sz="3000" dirty="0" smtClean="0"/>
+              <a:t>Logical Or (Or)</a:t>
+            </a:r>
+          </a:p>
+          <a:p>
+            <a:pPr lvl="1"/>
+            <a:r>
+              <a:rPr lang="en-US" sz="3000" dirty="0" smtClean="0"/>
+              <a:t>Exclusive Or (</a:t>
+            </a:r>
+            <a:r>
+              <a:rPr lang="en-US" sz="3000" dirty="0" err="1" smtClean="0"/>
+              <a:t>Xor</a:t>
+            </a:r>
+            <a:r>
+              <a:rPr lang="en-US" sz="3000" dirty="0" smtClean="0"/>
+              <a:t>)</a:t>
+            </a:r>
+            <a:endParaRPr lang="en-US" sz="3000" dirty="0"/>
+          </a:p>
+          <a:p>
+            <a:pPr lvl="1"/>
+            <a:endParaRPr lang="en-US" sz="5200" dirty="0" smtClean="0"/>
           </a:p>
         </p:txBody>
       </p:sp>
@@ -34659,4 +36030,265 @@
     </a:ext>
   </a:extLst>
 </a:theme>
+</file>
+
+<file path=ppt/theme/theme2.xml><?xml version="1.0" encoding="utf-8"?>
+<a:theme xmlns:a="http://schemas.openxmlformats.org/drawingml/2006/main" name="Office Theme">
+  <a:themeElements>
+    <a:clrScheme name="Office">
+      <a:dk1>
+        <a:sysClr val="windowText" lastClr="000000"/>
+      </a:dk1>
+      <a:lt1>
+        <a:sysClr val="window" lastClr="FFFFFF"/>
+      </a:lt1>
+      <a:dk2>
+        <a:srgbClr val="44546A"/>
+      </a:dk2>
+      <a:lt2>
+        <a:srgbClr val="E7E6E6"/>
+      </a:lt2>
+      <a:accent1>
+        <a:srgbClr val="5B9BD5"/>
+      </a:accent1>
+      <a:accent2>
+        <a:srgbClr val="ED7D31"/>
+      </a:accent2>
+      <a:accent3>
+        <a:srgbClr val="A5A5A5"/>
+      </a:accent3>
+      <a:accent4>
+        <a:srgbClr val="FFC000"/>
+      </a:accent4>
+      <a:accent5>
+        <a:srgbClr val="4472C4"/>
+      </a:accent5>
+      <a:accent6>
+        <a:srgbClr val="70AD47"/>
+      </a:accent6>
+      <a:hlink>
+        <a:srgbClr val="0563C1"/>
+      </a:hlink>
+      <a:folHlink>
+        <a:srgbClr val="954F72"/>
+      </a:folHlink>
+    </a:clrScheme>
+    <a:fontScheme name="Office">
+      <a:majorFont>
+        <a:latin typeface="Calibri Light" panose="020F0302020204030204"/>
+        <a:ea typeface=""/>
+        <a:cs typeface=""/>
+        <a:font script="Jpan" typeface="游ゴシック Light"/>
+        <a:font script="Hang" typeface="맑은 고딕"/>
+        <a:font script="Hans" typeface="等线 Light"/>
+        <a:font script="Hant" typeface="新細明體"/>
+        <a:font script="Arab" typeface="Times New Roman"/>
+        <a:font script="Hebr" typeface="Times New Roman"/>
+        <a:font script="Thai" typeface="Angsana New"/>
+        <a:font script="Ethi" typeface="Nyala"/>
+        <a:font script="Beng" typeface="Vrinda"/>
+        <a:font script="Gujr" typeface="Shruti"/>
+        <a:font script="Khmr" typeface="MoolBoran"/>
+        <a:font script="Knda" typeface="Tunga"/>
+        <a:font script="Guru" typeface="Raavi"/>
+        <a:font script="Cans" typeface="Euphemia"/>
+        <a:font script="Cher" typeface="Plantagenet Cherokee"/>
+        <a:font script="Yiii" typeface="Microsoft Yi Baiti"/>
+        <a:font script="Tibt" typeface="Microsoft Himalaya"/>
+        <a:font script="Thaa" typeface="MV Boli"/>
+        <a:font script="Deva" typeface="Mangal"/>
+        <a:font script="Telu" typeface="Gautami"/>
+        <a:font script="Taml" typeface="Latha"/>
+        <a:font script="Syrc" typeface="Estrangelo Edessa"/>
+        <a:font script="Orya" typeface="Kalinga"/>
+        <a:font script="Mlym" typeface="Kartika"/>
+        <a:font script="Laoo" typeface="DokChampa"/>
+        <a:font script="Sinh" typeface="Iskoola Pota"/>
+        <a:font script="Mong" typeface="Mongolian Baiti"/>
+        <a:font script="Viet" typeface="Times New Roman"/>
+        <a:font script="Uigh" typeface="Microsoft Uighur"/>
+        <a:font script="Geor" typeface="Sylfaen"/>
+      </a:majorFont>
+      <a:minorFont>
+        <a:latin typeface="Calibri" panose="020F0502020204030204"/>
+        <a:ea typeface=""/>
+        <a:cs typeface=""/>
+        <a:font script="Jpan" typeface="游ゴシック"/>
+        <a:font script="Hang" typeface="맑은 고딕"/>
+        <a:font script="Hans" typeface="等线"/>
+        <a:font script="Hant" typeface="新細明體"/>
+        <a:font script="Arab" typeface="Arial"/>
+        <a:font script="Hebr" typeface="Arial"/>
+        <a:font script="Thai" typeface="Cordia New"/>
+        <a:font script="Ethi" typeface="Nyala"/>
+        <a:font script="Beng" typeface="Vrinda"/>
+        <a:font script="Gujr" typeface="Shruti"/>
+        <a:font script="Khmr" typeface="DaunPenh"/>
+        <a:font script="Knda" typeface="Tunga"/>
+        <a:font script="Guru" typeface="Raavi"/>
+        <a:font script="Cans" typeface="Euphemia"/>
+        <a:font script="Cher" typeface="Plantagenet Cherokee"/>
+        <a:font script="Yiii" typeface="Microsoft Yi Baiti"/>
+        <a:font script="Tibt" typeface="Microsoft Himalaya"/>
+        <a:font script="Thaa" typeface="MV Boli"/>
+        <a:font script="Deva" typeface="Mangal"/>
+        <a:font script="Telu" typeface="Gautami"/>
+        <a:font script="Taml" typeface="Latha"/>
+        <a:font script="Syrc" typeface="Estrangelo Edessa"/>
+        <a:font script="Orya" typeface="Kalinga"/>
+        <a:font script="Mlym" typeface="Kartika"/>
+        <a:font script="Laoo" typeface="DokChampa"/>
+        <a:font script="Sinh" typeface="Iskoola Pota"/>
+        <a:font script="Mong" typeface="Mongolian Baiti"/>
+        <a:font script="Viet" typeface="Arial"/>
+        <a:font script="Uigh" typeface="Microsoft Uighur"/>
+        <a:font script="Geor" typeface="Sylfaen"/>
+      </a:minorFont>
+    </a:fontScheme>
+    <a:fmtScheme name="Office">
+      <a:fillStyleLst>
+        <a:solidFill>
+          <a:schemeClr val="phClr"/>
+        </a:solidFill>
+        <a:gradFill rotWithShape="1">
+          <a:gsLst>
+            <a:gs pos="0">
+              <a:schemeClr val="phClr">
+                <a:lumMod val="110000"/>
+                <a:satMod val="105000"/>
+                <a:tint val="67000"/>
+              </a:schemeClr>
+            </a:gs>
+            <a:gs pos="50000">
+              <a:schemeClr val="phClr">
+                <a:lumMod val="105000"/>
+                <a:satMod val="103000"/>
+                <a:tint val="73000"/>
+              </a:schemeClr>
+            </a:gs>
+            <a:gs pos="100000">
+              <a:schemeClr val="phClr">
+                <a:lumMod val="105000"/>
+                <a:satMod val="109000"/>
+                <a:tint val="81000"/>
+              </a:schemeClr>
+            </a:gs>
+          </a:gsLst>
+          <a:lin ang="5400000" scaled="0"/>
+        </a:gradFill>
+        <a:gradFill rotWithShape="1">
+          <a:gsLst>
+            <a:gs pos="0">
+              <a:schemeClr val="phClr">
+                <a:satMod val="103000"/>
+                <a:lumMod val="102000"/>
+                <a:tint val="94000"/>
+              </a:schemeClr>
+            </a:gs>
+            <a:gs pos="50000">
+              <a:schemeClr val="phClr">
+                <a:satMod val="110000"/>
+                <a:lumMod val="100000"/>
+                <a:shade val="100000"/>
+              </a:schemeClr>
+            </a:gs>
+            <a:gs pos="100000">
+              <a:schemeClr val="phClr">
+                <a:lumMod val="99000"/>
+                <a:satMod val="120000"/>
+                <a:shade val="78000"/>
+              </a:schemeClr>
+            </a:gs>
+          </a:gsLst>
+          <a:lin ang="5400000" scaled="0"/>
+        </a:gradFill>
+      </a:fillStyleLst>
+      <a:lnStyleLst>
+        <a:ln w="6350" cap="flat" cmpd="sng" algn="ctr">
+          <a:solidFill>
+            <a:schemeClr val="phClr"/>
+          </a:solidFill>
+          <a:prstDash val="solid"/>
+          <a:miter lim="800000"/>
+        </a:ln>
+        <a:ln w="12700" cap="flat" cmpd="sng" algn="ctr">
+          <a:solidFill>
+            <a:schemeClr val="phClr"/>
+          </a:solidFill>
+          <a:prstDash val="solid"/>
+          <a:miter lim="800000"/>
+        </a:ln>
+        <a:ln w="19050" cap="flat" cmpd="sng" algn="ctr">
+          <a:solidFill>
+            <a:schemeClr val="phClr"/>
+          </a:solidFill>
+          <a:prstDash val="solid"/>
+          <a:miter lim="800000"/>
+        </a:ln>
+      </a:lnStyleLst>
+      <a:effectStyleLst>
+        <a:effectStyle>
+          <a:effectLst/>
+        </a:effectStyle>
+        <a:effectStyle>
+          <a:effectLst/>
+        </a:effectStyle>
+        <a:effectStyle>
+          <a:effectLst>
+            <a:outerShdw blurRad="57150" dist="19050" dir="5400000" algn="ctr" rotWithShape="0">
+              <a:srgbClr val="000000">
+                <a:alpha val="63000"/>
+              </a:srgbClr>
+            </a:outerShdw>
+          </a:effectLst>
+        </a:effectStyle>
+      </a:effectStyleLst>
+      <a:bgFillStyleLst>
+        <a:solidFill>
+          <a:schemeClr val="phClr"/>
+        </a:solidFill>
+        <a:solidFill>
+          <a:schemeClr val="phClr">
+            <a:tint val="95000"/>
+            <a:satMod val="170000"/>
+          </a:schemeClr>
+        </a:solidFill>
+        <a:gradFill rotWithShape="1">
+          <a:gsLst>
+            <a:gs pos="0">
+              <a:schemeClr val="phClr">
+                <a:tint val="93000"/>
+                <a:satMod val="150000"/>
+                <a:shade val="98000"/>
+                <a:lumMod val="102000"/>
+              </a:schemeClr>
+            </a:gs>
+            <a:gs pos="50000">
+              <a:schemeClr val="phClr">
+                <a:tint val="98000"/>
+                <a:satMod val="130000"/>
+                <a:shade val="90000"/>
+                <a:lumMod val="103000"/>
+              </a:schemeClr>
+            </a:gs>
+            <a:gs pos="100000">
+              <a:schemeClr val="phClr">
+                <a:shade val="63000"/>
+                <a:satMod val="120000"/>
+              </a:schemeClr>
+            </a:gs>
+          </a:gsLst>
+          <a:lin ang="5400000" scaled="0"/>
+        </a:gradFill>
+      </a:bgFillStyleLst>
+    </a:fmtScheme>
+  </a:themeElements>
+  <a:objectDefaults/>
+  <a:extraClrSchemeLst/>
+  <a:extLst>
+    <a:ext uri="{05A4C25C-085E-4340-85A3-A5531E510DB2}">
+      <thm15:themeFamily xmlns:thm15="http://schemas.microsoft.com/office/thememl/2012/main" name="Office Theme" id="{62F939B6-93AF-4DB8-9C6B-D6C7DFDC589F}" vid="{4A3C46E8-61CC-4603-A589-7422A47A8E4A}"/>
+    </a:ext>
+  </a:extLst>
+</a:theme>
 </file>
--- a/Part6/The Adventurous Project of building a processor.pptx
+++ b/Part6/The Adventurous Project of building a processor.pptx
@@ -5,7 +5,7 @@
     <p:sldMasterId id="2147483648" r:id="rId1"/>
   </p:sldMasterIdLst>
   <p:notesMasterIdLst>
-    <p:notesMasterId r:id="rId34"/>
+    <p:notesMasterId r:id="rId35"/>
   </p:notesMasterIdLst>
   <p:sldIdLst>
     <p:sldId id="256" r:id="rId2"/>
@@ -33,13 +33,14 @@
     <p:sldId id="286" r:id="rId24"/>
     <p:sldId id="284" r:id="rId25"/>
     <p:sldId id="274" r:id="rId26"/>
-    <p:sldId id="275" r:id="rId27"/>
-    <p:sldId id="282" r:id="rId28"/>
-    <p:sldId id="277" r:id="rId29"/>
-    <p:sldId id="280" r:id="rId30"/>
-    <p:sldId id="288" r:id="rId31"/>
-    <p:sldId id="281" r:id="rId32"/>
-    <p:sldId id="279" r:id="rId33"/>
+    <p:sldId id="291" r:id="rId27"/>
+    <p:sldId id="275" r:id="rId28"/>
+    <p:sldId id="282" r:id="rId29"/>
+    <p:sldId id="277" r:id="rId30"/>
+    <p:sldId id="280" r:id="rId31"/>
+    <p:sldId id="288" r:id="rId32"/>
+    <p:sldId id="281" r:id="rId33"/>
+    <p:sldId id="279" r:id="rId34"/>
   </p:sldIdLst>
   <p:sldSz cx="12192000" cy="6858000"/>
   <p:notesSz cx="6858000" cy="9144000"/>
@@ -41313,6 +41314,110 @@
         </p:nvSpPr>
         <p:spPr/>
         <p:txBody>
+          <a:bodyPr>
+            <a:normAutofit/>
+          </a:bodyPr>
+          <a:lstStyle/>
+          <a:p>
+            <a:r>
+              <a:rPr lang="en-US" sz="4400" dirty="0" smtClean="0"/>
+              <a:t>PHASE 7: BONUS MATERIAL</a:t>
+            </a:r>
+            <a:endParaRPr lang="en-US" sz="4400" dirty="0"/>
+          </a:p>
+        </p:txBody>
+      </p:sp>
+      <p:sp>
+        <p:nvSpPr>
+          <p:cNvPr id="3" name="Content Placeholder 2"/>
+          <p:cNvSpPr>
+            <a:spLocks noGrp="1"/>
+          </p:cNvSpPr>
+          <p:nvPr>
+            <p:ph idx="1"/>
+          </p:nvPr>
+        </p:nvSpPr>
+        <p:spPr/>
+        <p:txBody>
+          <a:bodyPr>
+            <a:normAutofit/>
+          </a:bodyPr>
+          <a:lstStyle/>
+          <a:p>
+            <a:r>
+              <a:rPr lang="en-US" sz="2800" dirty="0" smtClean="0"/>
+              <a:t>For the Bonus Material,  we developed an Assembler.</a:t>
+            </a:r>
+          </a:p>
+          <a:p>
+            <a:endParaRPr lang="en-US" sz="2800" dirty="0"/>
+          </a:p>
+          <a:p>
+            <a:r>
+              <a:rPr lang="en-US" sz="2800" dirty="0" smtClean="0"/>
+              <a:t>It converts Assembly Code to Machine Code in a MIF file.</a:t>
+            </a:r>
+          </a:p>
+          <a:p>
+            <a:endParaRPr lang="en-US" sz="2800" dirty="0" smtClean="0"/>
+          </a:p>
+          <a:p>
+            <a:r>
+              <a:rPr lang="en-US" sz="2800" dirty="0" smtClean="0"/>
+              <a:t>Our Assembler can interpret R-type, D-type, &amp; B-type instructions.</a:t>
+            </a:r>
+          </a:p>
+        </p:txBody>
+      </p:sp>
+    </p:spTree>
+    <p:extLst>
+      <p:ext uri="{BB962C8B-B14F-4D97-AF65-F5344CB8AC3E}">
+        <p14:creationId xmlns:p14="http://schemas.microsoft.com/office/powerpoint/2010/main" val="1912866197"/>
+      </p:ext>
+    </p:extLst>
+  </p:cSld>
+  <p:clrMapOvr>
+    <a:masterClrMapping/>
+  </p:clrMapOvr>
+  <p:timing>
+    <p:tnLst>
+      <p:par>
+        <p:cTn id="1" dur="indefinite" restart="never" nodeType="tmRoot"/>
+      </p:par>
+    </p:tnLst>
+  </p:timing>
+</p:sld>
+</file>
+
+<file path=ppt/slides/slide27.xml><?xml version="1.0" encoding="utf-8"?>
+<p:sld xmlns:a="http://schemas.openxmlformats.org/drawingml/2006/main" xmlns:r="http://schemas.openxmlformats.org/officeDocument/2006/relationships" xmlns:p="http://schemas.openxmlformats.org/presentationml/2006/main">
+  <p:cSld>
+    <p:spTree>
+      <p:nvGrpSpPr>
+        <p:cNvPr id="1" name=""/>
+        <p:cNvGrpSpPr/>
+        <p:nvPr/>
+      </p:nvGrpSpPr>
+      <p:grpSpPr>
+        <a:xfrm>
+          <a:off x="0" y="0"/>
+          <a:ext cx="0" cy="0"/>
+          <a:chOff x="0" y="0"/>
+          <a:chExt cx="0" cy="0"/>
+        </a:xfrm>
+      </p:grpSpPr>
+      <p:sp>
+        <p:nvSpPr>
+          <p:cNvPr id="2" name="Title 1"/>
+          <p:cNvSpPr>
+            <a:spLocks noGrp="1"/>
+          </p:cNvSpPr>
+          <p:nvPr>
+            <p:ph type="title"/>
+          </p:nvPr>
+        </p:nvSpPr>
+        <p:spPr/>
+        <p:txBody>
           <a:bodyPr/>
           <a:lstStyle/>
           <a:p>
@@ -41363,7 +41468,7 @@
 </p:sld>
 </file>
 
-<file path=ppt/slides/slide27.xml><?xml version="1.0" encoding="utf-8"?>
+<file path=ppt/slides/slide28.xml><?xml version="1.0" encoding="utf-8"?>
 <p:sld xmlns:a="http://schemas.openxmlformats.org/drawingml/2006/main" xmlns:r="http://schemas.openxmlformats.org/officeDocument/2006/relationships" xmlns:p="http://schemas.openxmlformats.org/presentationml/2006/main">
   <p:cSld>
     <p:spTree>
@@ -41448,85 +41553,6 @@
 </p:sld>
 </file>
 
-<file path=ppt/slides/slide28.xml><?xml version="1.0" encoding="utf-8"?>
-<p:sld xmlns:a="http://schemas.openxmlformats.org/drawingml/2006/main" xmlns:r="http://schemas.openxmlformats.org/officeDocument/2006/relationships" xmlns:p="http://schemas.openxmlformats.org/presentationml/2006/main">
-  <p:cSld>
-    <p:spTree>
-      <p:nvGrpSpPr>
-        <p:cNvPr id="1" name=""/>
-        <p:cNvGrpSpPr/>
-        <p:nvPr/>
-      </p:nvGrpSpPr>
-      <p:grpSpPr>
-        <a:xfrm>
-          <a:off x="0" y="0"/>
-          <a:ext cx="0" cy="0"/>
-          <a:chOff x="0" y="0"/>
-          <a:chExt cx="0" cy="0"/>
-        </a:xfrm>
-      </p:grpSpPr>
-      <p:sp>
-        <p:nvSpPr>
-          <p:cNvPr id="2" name="Title 1"/>
-          <p:cNvSpPr>
-            <a:spLocks noGrp="1"/>
-          </p:cNvSpPr>
-          <p:nvPr>
-            <p:ph type="title"/>
-          </p:nvPr>
-        </p:nvSpPr>
-        <p:spPr/>
-        <p:txBody>
-          <a:bodyPr/>
-          <a:lstStyle/>
-          <a:p>
-            <a:r>
-              <a:rPr lang="en-US" dirty="0" smtClean="0"/>
-              <a:t>conclusion</a:t>
-            </a:r>
-            <a:endParaRPr lang="en-US" dirty="0"/>
-          </a:p>
-        </p:txBody>
-      </p:sp>
-      <p:sp>
-        <p:nvSpPr>
-          <p:cNvPr id="3" name="Content Placeholder 2"/>
-          <p:cNvSpPr>
-            <a:spLocks noGrp="1"/>
-          </p:cNvSpPr>
-          <p:nvPr>
-            <p:ph idx="1"/>
-          </p:nvPr>
-        </p:nvSpPr>
-        <p:spPr/>
-        <p:txBody>
-          <a:bodyPr/>
-          <a:lstStyle/>
-          <a:p>
-            <a:endParaRPr lang="en-US"/>
-          </a:p>
-        </p:txBody>
-      </p:sp>
-    </p:spTree>
-    <p:extLst>
-      <p:ext uri="{BB962C8B-B14F-4D97-AF65-F5344CB8AC3E}">
-        <p14:creationId xmlns:p14="http://schemas.microsoft.com/office/powerpoint/2010/main" val="910797233"/>
-      </p:ext>
-    </p:extLst>
-  </p:cSld>
-  <p:clrMapOvr>
-    <a:masterClrMapping/>
-  </p:clrMapOvr>
-  <p:timing>
-    <p:tnLst>
-      <p:par>
-        <p:cTn id="1" dur="indefinite" restart="never" nodeType="tmRoot"/>
-      </p:par>
-    </p:tnLst>
-  </p:timing>
-</p:sld>
-</file>
-
 <file path=ppt/slides/slide29.xml><?xml version="1.0" encoding="utf-8"?>
 <p:sld xmlns:a="http://schemas.openxmlformats.org/drawingml/2006/main" xmlns:r="http://schemas.openxmlformats.org/officeDocument/2006/relationships" xmlns:p="http://schemas.openxmlformats.org/presentationml/2006/main">
   <p:cSld>
@@ -41561,7 +41587,7 @@
           <a:p>
             <a:r>
               <a:rPr lang="en-US" dirty="0" smtClean="0"/>
-              <a:t>References</a:t>
+              <a:t>conclusion</a:t>
             </a:r>
             <a:endParaRPr lang="en-US" dirty="0"/>
           </a:p>
@@ -41579,180 +41605,17 @@
         </p:nvSpPr>
         <p:spPr/>
         <p:txBody>
-          <a:bodyPr>
-            <a:normAutofit fontScale="85000" lnSpcReduction="20000"/>
-          </a:bodyPr>
+          <a:bodyPr/>
           <a:lstStyle/>
           <a:p>
-            <a:r>
-              <a:rPr lang="en-US" dirty="0"/>
-              <a:t> [1] </a:t>
-            </a:r>
-            <a:r>
-              <a:rPr lang="en-US" i="1" dirty="0"/>
-              <a:t>Lab 9 – Control Unit.</a:t>
-            </a:r>
-            <a:r>
-              <a:rPr lang="en-US" dirty="0"/>
-              <a:t> (2017). Retrieved 18 October, 2017, from </a:t>
-            </a:r>
-            <a:r>
-              <a:rPr lang="en-US" u="sng" dirty="0">
-                <a:hlinkClick r:id="rId2"/>
-              </a:rPr>
-              <a:t>https://canvas.unl.edu/courses/19800/files/folder/Lab/Week%209?preview=1207084</a:t>
-            </a:r>
-            <a:endParaRPr lang="en-US" dirty="0"/>
-          </a:p>
-          <a:p>
-            <a:r>
-              <a:rPr lang="en-US" dirty="0"/>
-              <a:t>[2] </a:t>
-            </a:r>
-            <a:r>
-              <a:rPr lang="en-US" i="1" dirty="0"/>
-              <a:t>CSCE 230 Project Overview</a:t>
-            </a:r>
-            <a:r>
-              <a:rPr lang="en-US" dirty="0"/>
-              <a:t>. (2017). Retrieved 25 October, 2017, from </a:t>
-            </a:r>
-            <a:r>
-              <a:rPr lang="en-US" u="sng" dirty="0">
-                <a:hlinkClick r:id="rId3"/>
-              </a:rPr>
-              <a:t>https://canvas.unl.edu/courses/19800/files/folder/Project/Overview%20and%20Helpful%20docs?preview=1285596</a:t>
-            </a:r>
-            <a:r>
-              <a:rPr lang="en-US" dirty="0"/>
-              <a:t> </a:t>
-            </a:r>
-          </a:p>
-          <a:p>
-            <a:r>
-              <a:rPr lang="en-US" dirty="0"/>
-              <a:t>[3] </a:t>
-            </a:r>
-            <a:r>
-              <a:rPr lang="en-US" i="1" dirty="0"/>
-              <a:t>CSCE 230 Project Part II </a:t>
-            </a:r>
-            <a:r>
-              <a:rPr lang="en-US" i="1" dirty="0" err="1"/>
-              <a:t>Datapath</a:t>
-            </a:r>
-            <a:r>
-              <a:rPr lang="en-US" i="1" dirty="0"/>
-              <a:t> implementation</a:t>
-            </a:r>
-            <a:r>
-              <a:rPr lang="en-US" dirty="0"/>
-              <a:t>. (2017). Retrieved October 25, 2017, from 	</a:t>
-            </a:r>
-            <a:r>
-              <a:rPr lang="en-US" u="sng" dirty="0">
-                <a:hlinkClick r:id="rId4"/>
-              </a:rPr>
-              <a:t>https://canvas.unl.edu/courses/19800/files/folder/Project/Part%202?preview=1245925</a:t>
-            </a:r>
-            <a:r>
-              <a:rPr lang="en-US" dirty="0"/>
-              <a:t> </a:t>
-            </a:r>
-          </a:p>
-          <a:p>
-            <a:r>
-              <a:rPr lang="en-US" dirty="0"/>
-              <a:t>[4] </a:t>
-            </a:r>
-            <a:r>
-              <a:rPr lang="en-US" i="1" dirty="0"/>
-              <a:t>CSCE 230 Project Part III Memory and instruction implementation</a:t>
-            </a:r>
-            <a:r>
-              <a:rPr lang="en-US" dirty="0"/>
-              <a:t>. (2017). Retrieved November 5, 2017, from </a:t>
-            </a:r>
-            <a:r>
-              <a:rPr lang="en-US" u="sng" dirty="0">
-                <a:hlinkClick r:id="rId5"/>
-              </a:rPr>
-              <a:t>https://canvas.unl.edu/courses/19800/files/folder/Project/Part%203?preview=1285586</a:t>
-            </a:r>
-            <a:endParaRPr lang="en-US" dirty="0"/>
-          </a:p>
-          <a:p>
-            <a:r>
-              <a:rPr lang="en-US" u="sng" dirty="0"/>
-              <a:t>[5] </a:t>
-            </a:r>
-            <a:r>
-              <a:rPr lang="en-US" i="1" dirty="0"/>
-              <a:t>CSCE 230 Project Part IV Adding I/O and ARM-like Conditional Execution</a:t>
-            </a:r>
-            <a:r>
-              <a:rPr lang="en-US" dirty="0"/>
-              <a:t>. (2017). Retrieved November 15, 2017, from </a:t>
-            </a:r>
-            <a:r>
-              <a:rPr lang="en-US" u="sng" dirty="0">
-                <a:hlinkClick r:id="rId6"/>
-              </a:rPr>
-              <a:t>https://canvas.unl.edu/courses/19800/files/folder/Project/Part%204?preview=1353550</a:t>
-            </a:r>
-            <a:endParaRPr lang="en-US" dirty="0"/>
-          </a:p>
-          <a:p>
-            <a:r>
-              <a:rPr lang="en-US" u="sng" dirty="0"/>
-              <a:t>[6] </a:t>
-            </a:r>
-            <a:r>
-              <a:rPr lang="en-US" i="1" dirty="0"/>
-              <a:t>CSCE 230 Project Part V Extending I/O and adding J-type instructions</a:t>
-            </a:r>
-            <a:r>
-              <a:rPr lang="en-US" dirty="0"/>
-              <a:t>. (2017). Retrieved November 26, 2017, from </a:t>
-            </a:r>
-            <a:r>
-              <a:rPr lang="en-US" u="sng" dirty="0">
-                <a:hlinkClick r:id="rId6"/>
-              </a:rPr>
-              <a:t>https://canvas.unl.edu/courses/19800/files/folder/Project/Part%204?preview=1353550</a:t>
-            </a:r>
-            <a:endParaRPr lang="en-US" dirty="0"/>
-          </a:p>
-          <a:p>
-            <a:r>
-              <a:rPr lang="en-US" u="sng" dirty="0"/>
-              <a:t>[7] </a:t>
-            </a:r>
-            <a:r>
-              <a:rPr lang="en-US" i="1" dirty="0"/>
-              <a:t>CSCE 230 Project Part VI Final Project, Written Report, Oral Presentation and Demonstration</a:t>
-            </a:r>
-            <a:r>
-              <a:rPr lang="en-US" dirty="0"/>
-              <a:t>. (2017). Retrieved November 26, 2017, from </a:t>
-            </a:r>
-            <a:r>
-              <a:rPr lang="en-US" u="sng" dirty="0">
-                <a:hlinkClick r:id="rId7"/>
-              </a:rPr>
-              <a:t>https://canvas.unl.edu/courses/19800/files/folder/Project/Part%205%20%26%206?preview=1397677</a:t>
-            </a:r>
-            <a:endParaRPr lang="en-US" dirty="0"/>
-          </a:p>
-          <a:p>
-            <a:endParaRPr lang="en-US" dirty="0"/>
+            <a:endParaRPr lang="en-US"/>
           </a:p>
         </p:txBody>
       </p:sp>
     </p:spTree>
     <p:extLst>
       <p:ext uri="{BB962C8B-B14F-4D97-AF65-F5344CB8AC3E}">
-        <p14:creationId xmlns:p14="http://schemas.microsoft.com/office/powerpoint/2010/main" val="3944512006"/>
+        <p14:creationId xmlns:p14="http://schemas.microsoft.com/office/powerpoint/2010/main" val="910797233"/>
       </p:ext>
     </p:extLst>
   </p:cSld>
@@ -41881,6 +41744,248 @@
             <p:ph type="title"/>
           </p:nvPr>
         </p:nvSpPr>
+        <p:spPr/>
+        <p:txBody>
+          <a:bodyPr/>
+          <a:lstStyle/>
+          <a:p>
+            <a:r>
+              <a:rPr lang="en-US" dirty="0" smtClean="0"/>
+              <a:t>References</a:t>
+            </a:r>
+            <a:endParaRPr lang="en-US" dirty="0"/>
+          </a:p>
+        </p:txBody>
+      </p:sp>
+      <p:sp>
+        <p:nvSpPr>
+          <p:cNvPr id="3" name="Content Placeholder 2"/>
+          <p:cNvSpPr>
+            <a:spLocks noGrp="1"/>
+          </p:cNvSpPr>
+          <p:nvPr>
+            <p:ph idx="1"/>
+          </p:nvPr>
+        </p:nvSpPr>
+        <p:spPr/>
+        <p:txBody>
+          <a:bodyPr>
+            <a:normAutofit fontScale="85000" lnSpcReduction="20000"/>
+          </a:bodyPr>
+          <a:lstStyle/>
+          <a:p>
+            <a:r>
+              <a:rPr lang="en-US" dirty="0"/>
+              <a:t> [1] </a:t>
+            </a:r>
+            <a:r>
+              <a:rPr lang="en-US" i="1" dirty="0"/>
+              <a:t>Lab 9 – Control Unit.</a:t>
+            </a:r>
+            <a:r>
+              <a:rPr lang="en-US" dirty="0"/>
+              <a:t> (2017). Retrieved 18 October, 2017, from </a:t>
+            </a:r>
+            <a:r>
+              <a:rPr lang="en-US" u="sng" dirty="0">
+                <a:hlinkClick r:id="rId2"/>
+              </a:rPr>
+              <a:t>https://canvas.unl.edu/courses/19800/files/folder/Lab/Week%209?preview=1207084</a:t>
+            </a:r>
+            <a:endParaRPr lang="en-US" dirty="0"/>
+          </a:p>
+          <a:p>
+            <a:r>
+              <a:rPr lang="en-US" dirty="0"/>
+              <a:t>[2] </a:t>
+            </a:r>
+            <a:r>
+              <a:rPr lang="en-US" i="1" dirty="0"/>
+              <a:t>CSCE 230 Project Overview</a:t>
+            </a:r>
+            <a:r>
+              <a:rPr lang="en-US" dirty="0"/>
+              <a:t>. (2017). Retrieved 25 October, 2017, from </a:t>
+            </a:r>
+            <a:r>
+              <a:rPr lang="en-US" u="sng" dirty="0">
+                <a:hlinkClick r:id="rId3"/>
+              </a:rPr>
+              <a:t>https://canvas.unl.edu/courses/19800/files/folder/Project/Overview%20and%20Helpful%20docs?preview=1285596</a:t>
+            </a:r>
+            <a:r>
+              <a:rPr lang="en-US" dirty="0"/>
+              <a:t> </a:t>
+            </a:r>
+          </a:p>
+          <a:p>
+            <a:r>
+              <a:rPr lang="en-US" dirty="0"/>
+              <a:t>[3] </a:t>
+            </a:r>
+            <a:r>
+              <a:rPr lang="en-US" i="1" dirty="0"/>
+              <a:t>CSCE 230 Project Part II </a:t>
+            </a:r>
+            <a:r>
+              <a:rPr lang="en-US" i="1" dirty="0" err="1"/>
+              <a:t>Datapath</a:t>
+            </a:r>
+            <a:r>
+              <a:rPr lang="en-US" i="1" dirty="0"/>
+              <a:t> implementation</a:t>
+            </a:r>
+            <a:r>
+              <a:rPr lang="en-US" dirty="0"/>
+              <a:t>. (2017). Retrieved October 25, 2017, from 	</a:t>
+            </a:r>
+            <a:r>
+              <a:rPr lang="en-US" u="sng" dirty="0">
+                <a:hlinkClick r:id="rId4"/>
+              </a:rPr>
+              <a:t>https://canvas.unl.edu/courses/19800/files/folder/Project/Part%202?preview=1245925</a:t>
+            </a:r>
+            <a:r>
+              <a:rPr lang="en-US" dirty="0"/>
+              <a:t> </a:t>
+            </a:r>
+          </a:p>
+          <a:p>
+            <a:r>
+              <a:rPr lang="en-US" dirty="0"/>
+              <a:t>[4] </a:t>
+            </a:r>
+            <a:r>
+              <a:rPr lang="en-US" i="1" dirty="0"/>
+              <a:t>CSCE 230 Project Part III Memory and instruction implementation</a:t>
+            </a:r>
+            <a:r>
+              <a:rPr lang="en-US" dirty="0"/>
+              <a:t>. (2017). Retrieved November 5, 2017, from </a:t>
+            </a:r>
+            <a:r>
+              <a:rPr lang="en-US" u="sng" dirty="0">
+                <a:hlinkClick r:id="rId5"/>
+              </a:rPr>
+              <a:t>https://canvas.unl.edu/courses/19800/files/folder/Project/Part%203?preview=1285586</a:t>
+            </a:r>
+            <a:endParaRPr lang="en-US" dirty="0"/>
+          </a:p>
+          <a:p>
+            <a:r>
+              <a:rPr lang="en-US" u="sng" dirty="0"/>
+              <a:t>[5] </a:t>
+            </a:r>
+            <a:r>
+              <a:rPr lang="en-US" i="1" dirty="0"/>
+              <a:t>CSCE 230 Project Part IV Adding I/O and ARM-like Conditional Execution</a:t>
+            </a:r>
+            <a:r>
+              <a:rPr lang="en-US" dirty="0"/>
+              <a:t>. (2017). Retrieved November 15, 2017, from </a:t>
+            </a:r>
+            <a:r>
+              <a:rPr lang="en-US" u="sng" dirty="0">
+                <a:hlinkClick r:id="rId6"/>
+              </a:rPr>
+              <a:t>https://canvas.unl.edu/courses/19800/files/folder/Project/Part%204?preview=1353550</a:t>
+            </a:r>
+            <a:endParaRPr lang="en-US" dirty="0"/>
+          </a:p>
+          <a:p>
+            <a:r>
+              <a:rPr lang="en-US" u="sng" dirty="0"/>
+              <a:t>[6] </a:t>
+            </a:r>
+            <a:r>
+              <a:rPr lang="en-US" i="1" dirty="0"/>
+              <a:t>CSCE 230 Project Part V Extending I/O and adding J-type instructions</a:t>
+            </a:r>
+            <a:r>
+              <a:rPr lang="en-US" dirty="0"/>
+              <a:t>. (2017). Retrieved November 26, 2017, from </a:t>
+            </a:r>
+            <a:r>
+              <a:rPr lang="en-US" u="sng" dirty="0">
+                <a:hlinkClick r:id="rId6"/>
+              </a:rPr>
+              <a:t>https://canvas.unl.edu/courses/19800/files/folder/Project/Part%204?preview=1353550</a:t>
+            </a:r>
+            <a:endParaRPr lang="en-US" dirty="0"/>
+          </a:p>
+          <a:p>
+            <a:r>
+              <a:rPr lang="en-US" u="sng" dirty="0"/>
+              <a:t>[7] </a:t>
+            </a:r>
+            <a:r>
+              <a:rPr lang="en-US" i="1" dirty="0"/>
+              <a:t>CSCE 230 Project Part VI Final Project, Written Report, Oral Presentation and Demonstration</a:t>
+            </a:r>
+            <a:r>
+              <a:rPr lang="en-US" dirty="0"/>
+              <a:t>. (2017). Retrieved November 26, 2017, from </a:t>
+            </a:r>
+            <a:r>
+              <a:rPr lang="en-US" u="sng" dirty="0">
+                <a:hlinkClick r:id="rId7"/>
+              </a:rPr>
+              <a:t>https://canvas.unl.edu/courses/19800/files/folder/Project/Part%205%20%26%206?preview=1397677</a:t>
+            </a:r>
+            <a:endParaRPr lang="en-US" dirty="0"/>
+          </a:p>
+          <a:p>
+            <a:endParaRPr lang="en-US" dirty="0"/>
+          </a:p>
+        </p:txBody>
+      </p:sp>
+    </p:spTree>
+    <p:extLst>
+      <p:ext uri="{BB962C8B-B14F-4D97-AF65-F5344CB8AC3E}">
+        <p14:creationId xmlns:p14="http://schemas.microsoft.com/office/powerpoint/2010/main" val="3944512006"/>
+      </p:ext>
+    </p:extLst>
+  </p:cSld>
+  <p:clrMapOvr>
+    <a:masterClrMapping/>
+  </p:clrMapOvr>
+  <p:timing>
+    <p:tnLst>
+      <p:par>
+        <p:cTn id="1" dur="indefinite" restart="never" nodeType="tmRoot"/>
+      </p:par>
+    </p:tnLst>
+  </p:timing>
+</p:sld>
+</file>
+
+<file path=ppt/slides/slide31.xml><?xml version="1.0" encoding="utf-8"?>
+<p:sld xmlns:a="http://schemas.openxmlformats.org/drawingml/2006/main" xmlns:r="http://schemas.openxmlformats.org/officeDocument/2006/relationships" xmlns:p="http://schemas.openxmlformats.org/presentationml/2006/main">
+  <p:cSld>
+    <p:spTree>
+      <p:nvGrpSpPr>
+        <p:cNvPr id="1" name=""/>
+        <p:cNvGrpSpPr/>
+        <p:nvPr/>
+      </p:nvGrpSpPr>
+      <p:grpSpPr>
+        <a:xfrm>
+          <a:off x="0" y="0"/>
+          <a:ext cx="0" cy="0"/>
+          <a:chOff x="0" y="0"/>
+          <a:chExt cx="0" cy="0"/>
+        </a:xfrm>
+      </p:grpSpPr>
+      <p:sp>
+        <p:nvSpPr>
+          <p:cNvPr id="2" name="Title 1"/>
+          <p:cNvSpPr>
+            <a:spLocks noGrp="1"/>
+          </p:cNvSpPr>
+          <p:nvPr>
+            <p:ph type="title"/>
+          </p:nvPr>
+        </p:nvSpPr>
         <p:spPr>
           <a:xfrm>
             <a:off x="1" y="1"/>
@@ -42104,7 +42209,7 @@
 </p:sld>
 </file>
 
-<file path=ppt/slides/slide31.xml><?xml version="1.0" encoding="utf-8"?>
+<file path=ppt/slides/slide32.xml><?xml version="1.0" encoding="utf-8"?>
 <p:sld xmlns:a="http://schemas.openxmlformats.org/drawingml/2006/main" xmlns:r="http://schemas.openxmlformats.org/officeDocument/2006/relationships" xmlns:p="http://schemas.openxmlformats.org/presentationml/2006/main">
   <p:cSld>
     <p:spTree>
@@ -42211,7 +42316,7 @@
 </p:sld>
 </file>
 
-<file path=ppt/slides/slide32.xml><?xml version="1.0" encoding="utf-8"?>
+<file path=ppt/slides/slide33.xml><?xml version="1.0" encoding="utf-8"?>
 <p:sld xmlns:a="http://schemas.openxmlformats.org/drawingml/2006/main" xmlns:r="http://schemas.openxmlformats.org/officeDocument/2006/relationships" xmlns:p="http://schemas.openxmlformats.org/presentationml/2006/main">
   <p:cSld>
     <p:spTree>

--- a/Part6/The Adventurous Project of building a processor.pptx
+++ b/Part6/The Adventurous Project of building a processor.pptx
@@ -5,8 +5,11 @@
     <p:sldMasterId id="2147483648" r:id="rId1"/>
   </p:sldMasterIdLst>
   <p:notesMasterIdLst>
-    <p:notesMasterId r:id="rId35"/>
+    <p:notesMasterId r:id="rId34"/>
   </p:notesMasterIdLst>
+  <p:handoutMasterIdLst>
+    <p:handoutMasterId r:id="rId35"/>
+  </p:handoutMasterIdLst>
   <p:sldIdLst>
     <p:sldId id="256" r:id="rId2"/>
     <p:sldId id="283" r:id="rId3"/>
@@ -34,16 +37,15 @@
     <p:sldId id="284" r:id="rId25"/>
     <p:sldId id="274" r:id="rId26"/>
     <p:sldId id="291" r:id="rId27"/>
-    <p:sldId id="275" r:id="rId28"/>
-    <p:sldId id="282" r:id="rId29"/>
-    <p:sldId id="277" r:id="rId30"/>
-    <p:sldId id="280" r:id="rId31"/>
-    <p:sldId id="288" r:id="rId32"/>
-    <p:sldId id="281" r:id="rId33"/>
-    <p:sldId id="279" r:id="rId34"/>
+    <p:sldId id="282" r:id="rId28"/>
+    <p:sldId id="275" r:id="rId29"/>
+    <p:sldId id="280" r:id="rId30"/>
+    <p:sldId id="288" r:id="rId31"/>
+    <p:sldId id="281" r:id="rId32"/>
+    <p:sldId id="279" r:id="rId33"/>
   </p:sldIdLst>
   <p:sldSz cx="12192000" cy="6858000"/>
-  <p:notesSz cx="6858000" cy="9144000"/>
+  <p:notesSz cx="7132638" cy="9418638"/>
   <p:defaultTextStyle>
     <a:defPPr>
       <a:defRPr lang="en-US"/>
@@ -8612,23 +8614,7 @@
         <a:p>
           <a:r>
             <a:rPr lang="en-US" sz="2400" dirty="0" smtClean="0"/>
-            <a:t>Our project was </a:t>
-          </a:r>
-          <a:r>
-            <a:rPr lang="en-US" sz="2400" dirty="0" smtClean="0"/>
-            <a:t>split into six </a:t>
-          </a:r>
-          <a:r>
-            <a:rPr lang="en-US" sz="2400" dirty="0" smtClean="0"/>
-            <a:t>phases, each of which was vital to the success of the </a:t>
-          </a:r>
-          <a:r>
-            <a:rPr lang="en-US" sz="2400" dirty="0" smtClean="0"/>
-            <a:t>overall project</a:t>
-          </a:r>
-          <a:r>
-            <a:rPr lang="en-US" sz="2400" dirty="0" smtClean="0"/>
-            <a:t>.</a:t>
+            <a:t>Our project was split into six phases, each of which was vital to the success of the overall project.</a:t>
           </a:r>
           <a:endParaRPr lang="en-US" sz="2400" dirty="0"/>
         </a:p>
@@ -8739,13 +8725,8 @@
         <a:p>
           <a:r>
             <a:rPr lang="en-US" dirty="0" smtClean="0"/>
-            <a:t>Phase 3:  Remaining </a:t>
+            <a:t>Phase 3:  Remaining Instructions, Memory Interface, &amp; Instruction Address Generator</a:t>
           </a:r>
-          <a:r>
-            <a:rPr lang="en-US" dirty="0" smtClean="0"/>
-            <a:t>Instructions, Memory Interface, &amp; Instruction Address Generator</a:t>
-          </a:r>
-          <a:endParaRPr lang="en-US" dirty="0" smtClean="0"/>
         </a:p>
       </dgm:t>
     </dgm:pt>
@@ -9178,23 +9159,23 @@
     </dgm:pt>
   </dgm:ptLst>
   <dgm:cxnLst>
+    <dgm:cxn modelId="{6E8A2461-093A-438B-B752-EB4F414855A9}" srcId="{E721CFF6-F5DA-4C84-96E8-E6869F5D9A72}" destId="{2763F3B8-D354-4513-A2A5-1ACC91F2D733}" srcOrd="3" destOrd="0" parTransId="{B3350334-656E-4F4E-B301-603334E19C52}" sibTransId="{66B70017-53FF-40EC-9C94-E10D7F063EEF}"/>
+    <dgm:cxn modelId="{BC9C0B93-D0D0-49EE-A5E6-1494291AB6AE}" srcId="{E721CFF6-F5DA-4C84-96E8-E6869F5D9A72}" destId="{93C4C77B-D590-4C38-9342-DB9089CDF074}" srcOrd="0" destOrd="0" parTransId="{87F3107C-78CE-4266-B957-A03DD37ED2EC}" sibTransId="{22B8F299-92FD-4E99-9C1D-6B04907D01DE}"/>
+    <dgm:cxn modelId="{49BB62EA-B427-4A8F-8583-0854F3481C94}" type="presOf" srcId="{828B2E6E-F803-4A64-BF50-2E9FDB4E1DEA}" destId="{B8BF9229-CCB5-4368-9706-7091C57C676F}" srcOrd="0" destOrd="0" presId="urn:microsoft.com/office/officeart/2008/layout/LinedList"/>
+    <dgm:cxn modelId="{219D1123-AEF5-426A-A0DF-A53424716E1F}" srcId="{E721CFF6-F5DA-4C84-96E8-E6869F5D9A72}" destId="{988E2471-8E50-4FD9-B835-B8F5F91943AB}" srcOrd="2" destOrd="0" parTransId="{96D9BF4A-A2F7-4139-A6A2-6E4557567322}" sibTransId="{EA4CD0F0-9E69-4C56-8C80-7C0168764228}"/>
+    <dgm:cxn modelId="{501D4334-311B-453D-A0D7-914E5D1BB4BB}" srcId="{E721CFF6-F5DA-4C84-96E8-E6869F5D9A72}" destId="{77164FD3-9F49-4EA9-98E6-C7BC2137B4B1}" srcOrd="1" destOrd="0" parTransId="{32C7AC37-8CFC-4402-B165-67874806FED0}" sibTransId="{7EB477EE-FE4E-409D-A902-F5CD0AA979EA}"/>
+    <dgm:cxn modelId="{24C9731C-5E79-4395-A6D2-F25F44C66CD3}" type="presOf" srcId="{988E2471-8E50-4FD9-B835-B8F5F91943AB}" destId="{6D944198-004B-493E-AB32-D606E61829B8}" srcOrd="0" destOrd="0" presId="urn:microsoft.com/office/officeart/2008/layout/LinedList"/>
+    <dgm:cxn modelId="{B15CA486-5498-4B3D-9F3C-138DCBCC9310}" srcId="{44A1DE08-FB63-4329-90BF-7823D175BC1E}" destId="{E721CFF6-F5DA-4C84-96E8-E6869F5D9A72}" srcOrd="0" destOrd="0" parTransId="{7A70569B-3BB2-4904-A000-6CCD152103E8}" sibTransId="{46164CA9-E624-42F9-BAA5-0D1B4B6D2EC5}"/>
+    <dgm:cxn modelId="{A587061A-C5D8-4761-AE38-3478C4982DA8}" type="presOf" srcId="{77164FD3-9F49-4EA9-98E6-C7BC2137B4B1}" destId="{96B51C0D-7E42-434A-8339-F812C4AC2E96}" srcOrd="0" destOrd="0" presId="urn:microsoft.com/office/officeart/2008/layout/LinedList"/>
+    <dgm:cxn modelId="{CA759E7F-66AE-465E-A846-6B2C8881A255}" srcId="{E721CFF6-F5DA-4C84-96E8-E6869F5D9A72}" destId="{C062E97C-F934-44BB-8579-F9B554401582}" srcOrd="5" destOrd="0" parTransId="{64E54EA2-0CBD-40C7-A761-17CAEEC26F18}" sibTransId="{AB9D5C7A-1FB6-4AFD-B4E5-5DA8E20A5E21}"/>
+    <dgm:cxn modelId="{D2B56790-3A47-474F-AE02-0F4DDD56BD23}" type="presOf" srcId="{C062E97C-F934-44BB-8579-F9B554401582}" destId="{93D5975A-9A0B-451C-9D37-306340208A2F}" srcOrd="0" destOrd="0" presId="urn:microsoft.com/office/officeart/2008/layout/LinedList"/>
+    <dgm:cxn modelId="{5852A184-8F49-4767-927C-4CAB75CD7887}" srcId="{E721CFF6-F5DA-4C84-96E8-E6869F5D9A72}" destId="{60AC162E-7709-4543-9382-0AB390A2202F}" srcOrd="6" destOrd="0" parTransId="{CA85B955-01DA-44B2-86CE-39DDD3502ADE}" sibTransId="{998CD6A2-8BC1-4FCF-AA79-DDCCA6244029}"/>
+    <dgm:cxn modelId="{4DB52697-A2A7-4158-97E6-89131A77B49D}" type="presOf" srcId="{44A1DE08-FB63-4329-90BF-7823D175BC1E}" destId="{ABB419EF-DA8B-4BFA-BF1E-925B1321E7E2}" srcOrd="0" destOrd="0" presId="urn:microsoft.com/office/officeart/2008/layout/LinedList"/>
+    <dgm:cxn modelId="{C439BEF7-4A42-4BAC-9635-FAA8D7BA8BFC}" type="presOf" srcId="{E721CFF6-F5DA-4C84-96E8-E6869F5D9A72}" destId="{3BEF68D0-D17D-46BC-86E8-FB68A8C93665}" srcOrd="0" destOrd="0" presId="urn:microsoft.com/office/officeart/2008/layout/LinedList"/>
+    <dgm:cxn modelId="{DB5A4F5B-46BE-41EC-9B54-909565D2202C}" type="presOf" srcId="{2763F3B8-D354-4513-A2A5-1ACC91F2D733}" destId="{4D8A79E5-E948-4FBA-96D5-1C6CC280B61E}" srcOrd="0" destOrd="0" presId="urn:microsoft.com/office/officeart/2008/layout/LinedList"/>
+    <dgm:cxn modelId="{FC67AADC-7294-4BBA-9E63-7449683EB2CE}" srcId="{E721CFF6-F5DA-4C84-96E8-E6869F5D9A72}" destId="{828B2E6E-F803-4A64-BF50-2E9FDB4E1DEA}" srcOrd="4" destOrd="0" parTransId="{61E92328-2C35-4F83-9936-DEA603CF1478}" sibTransId="{15D6D97E-DA23-4A74-A520-4BC0DAB41982}"/>
+    <dgm:cxn modelId="{D412BAB7-AD78-4C7F-8F7D-2830E9157EFB}" type="presOf" srcId="{93C4C77B-D590-4C38-9342-DB9089CDF074}" destId="{DEAD70E7-FE25-49F0-BA74-B1A786880FAD}" srcOrd="0" destOrd="0" presId="urn:microsoft.com/office/officeart/2008/layout/LinedList"/>
     <dgm:cxn modelId="{0FA209AC-4AD3-4EA8-8862-47D0E7B332F2}" type="presOf" srcId="{60AC162E-7709-4543-9382-0AB390A2202F}" destId="{B3EE5CF6-D6CF-427E-880B-0F02D3CB2444}" srcOrd="0" destOrd="0" presId="urn:microsoft.com/office/officeart/2008/layout/LinedList"/>
-    <dgm:cxn modelId="{A587061A-C5D8-4761-AE38-3478C4982DA8}" type="presOf" srcId="{77164FD3-9F49-4EA9-98E6-C7BC2137B4B1}" destId="{96B51C0D-7E42-434A-8339-F812C4AC2E96}" srcOrd="0" destOrd="0" presId="urn:microsoft.com/office/officeart/2008/layout/LinedList"/>
-    <dgm:cxn modelId="{D2B56790-3A47-474F-AE02-0F4DDD56BD23}" type="presOf" srcId="{C062E97C-F934-44BB-8579-F9B554401582}" destId="{93D5975A-9A0B-451C-9D37-306340208A2F}" srcOrd="0" destOrd="0" presId="urn:microsoft.com/office/officeart/2008/layout/LinedList"/>
-    <dgm:cxn modelId="{B15CA486-5498-4B3D-9F3C-138DCBCC9310}" srcId="{44A1DE08-FB63-4329-90BF-7823D175BC1E}" destId="{E721CFF6-F5DA-4C84-96E8-E6869F5D9A72}" srcOrd="0" destOrd="0" parTransId="{7A70569B-3BB2-4904-A000-6CCD152103E8}" sibTransId="{46164CA9-E624-42F9-BAA5-0D1B4B6D2EC5}"/>
-    <dgm:cxn modelId="{CA759E7F-66AE-465E-A846-6B2C8881A255}" srcId="{E721CFF6-F5DA-4C84-96E8-E6869F5D9A72}" destId="{C062E97C-F934-44BB-8579-F9B554401582}" srcOrd="5" destOrd="0" parTransId="{64E54EA2-0CBD-40C7-A761-17CAEEC26F18}" sibTransId="{AB9D5C7A-1FB6-4AFD-B4E5-5DA8E20A5E21}"/>
-    <dgm:cxn modelId="{C439BEF7-4A42-4BAC-9635-FAA8D7BA8BFC}" type="presOf" srcId="{E721CFF6-F5DA-4C84-96E8-E6869F5D9A72}" destId="{3BEF68D0-D17D-46BC-86E8-FB68A8C93665}" srcOrd="0" destOrd="0" presId="urn:microsoft.com/office/officeart/2008/layout/LinedList"/>
-    <dgm:cxn modelId="{6E8A2461-093A-438B-B752-EB4F414855A9}" srcId="{E721CFF6-F5DA-4C84-96E8-E6869F5D9A72}" destId="{2763F3B8-D354-4513-A2A5-1ACC91F2D733}" srcOrd="3" destOrd="0" parTransId="{B3350334-656E-4F4E-B301-603334E19C52}" sibTransId="{66B70017-53FF-40EC-9C94-E10D7F063EEF}"/>
-    <dgm:cxn modelId="{FC67AADC-7294-4BBA-9E63-7449683EB2CE}" srcId="{E721CFF6-F5DA-4C84-96E8-E6869F5D9A72}" destId="{828B2E6E-F803-4A64-BF50-2E9FDB4E1DEA}" srcOrd="4" destOrd="0" parTransId="{61E92328-2C35-4F83-9936-DEA603CF1478}" sibTransId="{15D6D97E-DA23-4A74-A520-4BC0DAB41982}"/>
-    <dgm:cxn modelId="{5852A184-8F49-4767-927C-4CAB75CD7887}" srcId="{E721CFF6-F5DA-4C84-96E8-E6869F5D9A72}" destId="{60AC162E-7709-4543-9382-0AB390A2202F}" srcOrd="6" destOrd="0" parTransId="{CA85B955-01DA-44B2-86CE-39DDD3502ADE}" sibTransId="{998CD6A2-8BC1-4FCF-AA79-DDCCA6244029}"/>
-    <dgm:cxn modelId="{49BB62EA-B427-4A8F-8583-0854F3481C94}" type="presOf" srcId="{828B2E6E-F803-4A64-BF50-2E9FDB4E1DEA}" destId="{B8BF9229-CCB5-4368-9706-7091C57C676F}" srcOrd="0" destOrd="0" presId="urn:microsoft.com/office/officeart/2008/layout/LinedList"/>
-    <dgm:cxn modelId="{D412BAB7-AD78-4C7F-8F7D-2830E9157EFB}" type="presOf" srcId="{93C4C77B-D590-4C38-9342-DB9089CDF074}" destId="{DEAD70E7-FE25-49F0-BA74-B1A786880FAD}" srcOrd="0" destOrd="0" presId="urn:microsoft.com/office/officeart/2008/layout/LinedList"/>
-    <dgm:cxn modelId="{DB5A4F5B-46BE-41EC-9B54-909565D2202C}" type="presOf" srcId="{2763F3B8-D354-4513-A2A5-1ACC91F2D733}" destId="{4D8A79E5-E948-4FBA-96D5-1C6CC280B61E}" srcOrd="0" destOrd="0" presId="urn:microsoft.com/office/officeart/2008/layout/LinedList"/>
-    <dgm:cxn modelId="{501D4334-311B-453D-A0D7-914E5D1BB4BB}" srcId="{E721CFF6-F5DA-4C84-96E8-E6869F5D9A72}" destId="{77164FD3-9F49-4EA9-98E6-C7BC2137B4B1}" srcOrd="1" destOrd="0" parTransId="{32C7AC37-8CFC-4402-B165-67874806FED0}" sibTransId="{7EB477EE-FE4E-409D-A902-F5CD0AA979EA}"/>
-    <dgm:cxn modelId="{BC9C0B93-D0D0-49EE-A5E6-1494291AB6AE}" srcId="{E721CFF6-F5DA-4C84-96E8-E6869F5D9A72}" destId="{93C4C77B-D590-4C38-9342-DB9089CDF074}" srcOrd="0" destOrd="0" parTransId="{87F3107C-78CE-4266-B957-A03DD37ED2EC}" sibTransId="{22B8F299-92FD-4E99-9C1D-6B04907D01DE}"/>
-    <dgm:cxn modelId="{219D1123-AEF5-426A-A0DF-A53424716E1F}" srcId="{E721CFF6-F5DA-4C84-96E8-E6869F5D9A72}" destId="{988E2471-8E50-4FD9-B835-B8F5F91943AB}" srcOrd="2" destOrd="0" parTransId="{96D9BF4A-A2F7-4139-A6A2-6E4557567322}" sibTransId="{EA4CD0F0-9E69-4C56-8C80-7C0168764228}"/>
-    <dgm:cxn modelId="{24C9731C-5E79-4395-A6D2-F25F44C66CD3}" type="presOf" srcId="{988E2471-8E50-4FD9-B835-B8F5F91943AB}" destId="{6D944198-004B-493E-AB32-D606E61829B8}" srcOrd="0" destOrd="0" presId="urn:microsoft.com/office/officeart/2008/layout/LinedList"/>
-    <dgm:cxn modelId="{4DB52697-A2A7-4158-97E6-89131A77B49D}" type="presOf" srcId="{44A1DE08-FB63-4329-90BF-7823D175BC1E}" destId="{ABB419EF-DA8B-4BFA-BF1E-925B1321E7E2}" srcOrd="0" destOrd="0" presId="urn:microsoft.com/office/officeart/2008/layout/LinedList"/>
     <dgm:cxn modelId="{D929D9D5-6237-4B6D-9DC4-3B869F5D1635}" type="presParOf" srcId="{ABB419EF-DA8B-4BFA-BF1E-925B1321E7E2}" destId="{91F1FE8E-ADD1-4885-AC53-0C6F73C097C6}" srcOrd="0" destOrd="0" presId="urn:microsoft.com/office/officeart/2008/layout/LinedList"/>
     <dgm:cxn modelId="{5943A963-23FC-4A15-8AB4-CC33C8819691}" type="presParOf" srcId="{ABB419EF-DA8B-4BFA-BF1E-925B1321E7E2}" destId="{A4C882E0-C26E-4151-B697-F29CA6638CF9}" srcOrd="1" destOrd="0" presId="urn:microsoft.com/office/officeart/2008/layout/LinedList"/>
     <dgm:cxn modelId="{97D5B4DE-FF89-41AB-8A49-BD5D8FE864AF}" type="presParOf" srcId="{A4C882E0-C26E-4151-B697-F29CA6638CF9}" destId="{3BEF68D0-D17D-46BC-86E8-FB68A8C93665}" srcOrd="0" destOrd="0" presId="urn:microsoft.com/office/officeart/2008/layout/LinedList"/>
@@ -9778,9 +9759,9 @@
   </dgm:ptLst>
   <dgm:cxnLst>
     <dgm:cxn modelId="{B087B826-6FE9-4EB0-AE16-DB41D4ADC044}" type="presOf" srcId="{DDCD23D5-C759-44A0-8954-C75825298202}" destId="{5152E6CB-9BF0-4DFA-8391-590707DDCF8B}" srcOrd="0" destOrd="0" presId="urn:microsoft.com/office/officeart/2008/layout/AccentedPicture"/>
+    <dgm:cxn modelId="{ADE0D759-B2B6-4EEE-A923-4B8ECF47DF23}" type="presOf" srcId="{F3D3A104-F7D0-4C24-91B7-8FE982192728}" destId="{BC5ABEE1-B1CF-4C75-BCCD-BB7C24984CDF}" srcOrd="0" destOrd="0" presId="urn:microsoft.com/office/officeart/2008/layout/AccentedPicture"/>
     <dgm:cxn modelId="{E639AE9A-38E9-4D1C-B254-1066BE75F14E}" type="presOf" srcId="{05243032-CDBC-45FB-9F28-C1B99C1BB0E5}" destId="{E8F601E9-E5B4-4C98-AD62-2B37FE6DBA98}" srcOrd="0" destOrd="0" presId="urn:microsoft.com/office/officeart/2008/layout/AccentedPicture"/>
     <dgm:cxn modelId="{609971F4-1E88-4445-8E09-F4D7E1939C2C}" srcId="{F3D3A104-F7D0-4C24-91B7-8FE982192728}" destId="{05243032-CDBC-45FB-9F28-C1B99C1BB0E5}" srcOrd="0" destOrd="0" parTransId="{57F0AF78-0A0D-497F-AF7D-6CD2ADD6E44E}" sibTransId="{DDCD23D5-C759-44A0-8954-C75825298202}"/>
-    <dgm:cxn modelId="{ADE0D759-B2B6-4EEE-A923-4B8ECF47DF23}" type="presOf" srcId="{F3D3A104-F7D0-4C24-91B7-8FE982192728}" destId="{BC5ABEE1-B1CF-4C75-BCCD-BB7C24984CDF}" srcOrd="0" destOrd="0" presId="urn:microsoft.com/office/officeart/2008/layout/AccentedPicture"/>
     <dgm:cxn modelId="{2D0FB089-7318-4B9F-97FF-A29C234113C8}" type="presParOf" srcId="{BC5ABEE1-B1CF-4C75-BCCD-BB7C24984CDF}" destId="{5152E6CB-9BF0-4DFA-8391-590707DDCF8B}" srcOrd="0" destOrd="0" presId="urn:microsoft.com/office/officeart/2008/layout/AccentedPicture"/>
     <dgm:cxn modelId="{EB1E7570-D2DD-4019-801B-9A47AC83A3D0}" type="presParOf" srcId="{BC5ABEE1-B1CF-4C75-BCCD-BB7C24984CDF}" destId="{E8F601E9-E5B4-4C98-AD62-2B37FE6DBA98}" srcOrd="1" destOrd="0" presId="urn:microsoft.com/office/officeart/2008/layout/AccentedPicture"/>
     <dgm:cxn modelId="{4CC3F009-0C62-41AB-BFB5-2D6A462B75AD}" type="presParOf" srcId="{BC5ABEE1-B1CF-4C75-BCCD-BB7C24984CDF}" destId="{FAE79B8C-74BD-4505-8972-D1226CFA739E}" srcOrd="2" destOrd="0" presId="urn:microsoft.com/office/officeart/2008/layout/AccentedPicture"/>
@@ -9886,6 +9867,13 @@
         </dgm:presLayoutVars>
       </dgm:prSet>
       <dgm:spPr/>
+      <dgm:t>
+        <a:bodyPr/>
+        <a:lstStyle/>
+        <a:p>
+          <a:endParaRPr lang="en-US"/>
+        </a:p>
+      </dgm:t>
     </dgm:pt>
     <dgm:pt modelId="{98133C9F-BECA-43EC-9FB3-FA11A062801D}" type="pres">
       <dgm:prSet presAssocID="{5C850599-D441-43B1-BD34-21B63B3BD6FF}" presName="composite" presStyleCnt="0"/>
@@ -9919,11 +9907,11 @@
     </dgm:pt>
   </dgm:ptLst>
   <dgm:cxnLst>
+    <dgm:cxn modelId="{088AACDA-0122-4AFE-8BA5-31C6538655A6}" type="presOf" srcId="{E3A90BBE-A62E-436D-90B0-D1819040183F}" destId="{5850BD7A-5A84-4301-B3A1-D0661AF49B1B}" srcOrd="0" destOrd="0" presId="urn:microsoft.com/office/officeart/2008/layout/BendingPictureCaption"/>
+    <dgm:cxn modelId="{3B8DDF5B-1E39-4F3F-94AE-1AC544AFB8FC}" srcId="{E3A90BBE-A62E-436D-90B0-D1819040183F}" destId="{5C850599-D441-43B1-BD34-21B63B3BD6FF}" srcOrd="0" destOrd="0" parTransId="{EE5BF21E-D344-4D19-8CD4-9102C7858DCD}" sibTransId="{FECA0468-EE69-4931-8746-2AC091AA741E}"/>
     <dgm:cxn modelId="{49B4994D-92CC-4BAE-BB2F-4BCB0008EA34}" type="presOf" srcId="{5C850599-D441-43B1-BD34-21B63B3BD6FF}" destId="{8BFE9B67-3E65-4ECA-9262-285EB615D50F}" srcOrd="0" destOrd="0" presId="urn:microsoft.com/office/officeart/2008/layout/BendingPictureCaption"/>
-    <dgm:cxn modelId="{088AACDA-0122-4AFE-8BA5-31C6538655A6}" type="presOf" srcId="{E3A90BBE-A62E-436D-90B0-D1819040183F}" destId="{5850BD7A-5A84-4301-B3A1-D0661AF49B1B}" srcOrd="0" destOrd="0" presId="urn:microsoft.com/office/officeart/2008/layout/BendingPictureCaption"/>
+    <dgm:cxn modelId="{2345D8C0-3FD8-4ABF-9A46-324351AAF9C0}" type="presOf" srcId="{5CB6D796-9938-4F0E-8EFE-15F129A80715}" destId="{8BFE9B67-3E65-4ECA-9262-285EB615D50F}" srcOrd="0" destOrd="1" presId="urn:microsoft.com/office/officeart/2008/layout/BendingPictureCaption"/>
     <dgm:cxn modelId="{853F96DA-0EDB-4141-903B-B1B2D9A85FAE}" srcId="{5C850599-D441-43B1-BD34-21B63B3BD6FF}" destId="{5CB6D796-9938-4F0E-8EFE-15F129A80715}" srcOrd="0" destOrd="0" parTransId="{1343E02E-48A9-429B-9DC8-F6DCDC7E9BBA}" sibTransId="{1691E21A-B2BC-446F-8C6E-7E5E13796C84}"/>
-    <dgm:cxn modelId="{3B8DDF5B-1E39-4F3F-94AE-1AC544AFB8FC}" srcId="{E3A90BBE-A62E-436D-90B0-D1819040183F}" destId="{5C850599-D441-43B1-BD34-21B63B3BD6FF}" srcOrd="0" destOrd="0" parTransId="{EE5BF21E-D344-4D19-8CD4-9102C7858DCD}" sibTransId="{FECA0468-EE69-4931-8746-2AC091AA741E}"/>
-    <dgm:cxn modelId="{2345D8C0-3FD8-4ABF-9A46-324351AAF9C0}" type="presOf" srcId="{5CB6D796-9938-4F0E-8EFE-15F129A80715}" destId="{8BFE9B67-3E65-4ECA-9262-285EB615D50F}" srcOrd="0" destOrd="1" presId="urn:microsoft.com/office/officeart/2008/layout/BendingPictureCaption"/>
     <dgm:cxn modelId="{DD42F1B0-33AB-4C67-BB46-6479684603AC}" type="presParOf" srcId="{5850BD7A-5A84-4301-B3A1-D0661AF49B1B}" destId="{98133C9F-BECA-43EC-9FB3-FA11A062801D}" srcOrd="0" destOrd="0" presId="urn:microsoft.com/office/officeart/2008/layout/BendingPictureCaption"/>
     <dgm:cxn modelId="{284FB2AD-BFB0-4090-9744-E040C3E0B898}" type="presParOf" srcId="{98133C9F-BECA-43EC-9FB3-FA11A062801D}" destId="{884E8DDD-1638-42C5-8A3D-E0B7141C9720}" srcOrd="0" destOrd="0" presId="urn:microsoft.com/office/officeart/2008/layout/BendingPictureCaption"/>
     <dgm:cxn modelId="{321C1F3C-A9BF-42DF-8082-181D9F130F94}" type="presParOf" srcId="{98133C9F-BECA-43EC-9FB3-FA11A062801D}" destId="{8BFE9B67-3E65-4ECA-9262-285EB615D50F}" srcOrd="1" destOrd="0" presId="urn:microsoft.com/office/officeart/2008/layout/BendingPictureCaption"/>
@@ -10034,6 +10022,13 @@
         </dgm:presLayoutVars>
       </dgm:prSet>
       <dgm:spPr/>
+      <dgm:t>
+        <a:bodyPr/>
+        <a:lstStyle/>
+        <a:p>
+          <a:endParaRPr lang="en-US"/>
+        </a:p>
+      </dgm:t>
     </dgm:pt>
     <dgm:pt modelId="{98133C9F-BECA-43EC-9FB3-FA11A062801D}" type="pres">
       <dgm:prSet presAssocID="{5C850599-D441-43B1-BD34-21B63B3BD6FF}" presName="composite" presStyleCnt="0"/>
@@ -10229,7 +10224,6 @@
             <a:rPr lang="en-US" dirty="0" smtClean="0"/>
             <a:t>In Phase 3, we implemented the Remaining Instructions, Memory Interface, &amp; IAG</a:t>
           </a:r>
-          <a:endParaRPr lang="en-US" dirty="0" smtClean="0"/>
         </a:p>
       </dgm:t>
     </dgm:pt>
@@ -10662,23 +10656,23 @@
     </dgm:pt>
   </dgm:ptLst>
   <dgm:cxnLst>
+    <dgm:cxn modelId="{6E8A2461-093A-438B-B752-EB4F414855A9}" srcId="{E721CFF6-F5DA-4C84-96E8-E6869F5D9A72}" destId="{2763F3B8-D354-4513-A2A5-1ACC91F2D733}" srcOrd="3" destOrd="0" parTransId="{B3350334-656E-4F4E-B301-603334E19C52}" sibTransId="{66B70017-53FF-40EC-9C94-E10D7F063EEF}"/>
+    <dgm:cxn modelId="{BC9C0B93-D0D0-49EE-A5E6-1494291AB6AE}" srcId="{E721CFF6-F5DA-4C84-96E8-E6869F5D9A72}" destId="{93C4C77B-D590-4C38-9342-DB9089CDF074}" srcOrd="0" destOrd="0" parTransId="{87F3107C-78CE-4266-B957-A03DD37ED2EC}" sibTransId="{22B8F299-92FD-4E99-9C1D-6B04907D01DE}"/>
+    <dgm:cxn modelId="{49BB62EA-B427-4A8F-8583-0854F3481C94}" type="presOf" srcId="{828B2E6E-F803-4A64-BF50-2E9FDB4E1DEA}" destId="{B8BF9229-CCB5-4368-9706-7091C57C676F}" srcOrd="0" destOrd="0" presId="urn:microsoft.com/office/officeart/2008/layout/LinedList"/>
+    <dgm:cxn modelId="{219D1123-AEF5-426A-A0DF-A53424716E1F}" srcId="{E721CFF6-F5DA-4C84-96E8-E6869F5D9A72}" destId="{988E2471-8E50-4FD9-B835-B8F5F91943AB}" srcOrd="2" destOrd="0" parTransId="{96D9BF4A-A2F7-4139-A6A2-6E4557567322}" sibTransId="{EA4CD0F0-9E69-4C56-8C80-7C0168764228}"/>
+    <dgm:cxn modelId="{501D4334-311B-453D-A0D7-914E5D1BB4BB}" srcId="{E721CFF6-F5DA-4C84-96E8-E6869F5D9A72}" destId="{77164FD3-9F49-4EA9-98E6-C7BC2137B4B1}" srcOrd="1" destOrd="0" parTransId="{32C7AC37-8CFC-4402-B165-67874806FED0}" sibTransId="{7EB477EE-FE4E-409D-A902-F5CD0AA979EA}"/>
+    <dgm:cxn modelId="{24C9731C-5E79-4395-A6D2-F25F44C66CD3}" type="presOf" srcId="{988E2471-8E50-4FD9-B835-B8F5F91943AB}" destId="{6D944198-004B-493E-AB32-D606E61829B8}" srcOrd="0" destOrd="0" presId="urn:microsoft.com/office/officeart/2008/layout/LinedList"/>
+    <dgm:cxn modelId="{B15CA486-5498-4B3D-9F3C-138DCBCC9310}" srcId="{44A1DE08-FB63-4329-90BF-7823D175BC1E}" destId="{E721CFF6-F5DA-4C84-96E8-E6869F5D9A72}" srcOrd="0" destOrd="0" parTransId="{7A70569B-3BB2-4904-A000-6CCD152103E8}" sibTransId="{46164CA9-E624-42F9-BAA5-0D1B4B6D2EC5}"/>
+    <dgm:cxn modelId="{A587061A-C5D8-4761-AE38-3478C4982DA8}" type="presOf" srcId="{77164FD3-9F49-4EA9-98E6-C7BC2137B4B1}" destId="{96B51C0D-7E42-434A-8339-F812C4AC2E96}" srcOrd="0" destOrd="0" presId="urn:microsoft.com/office/officeart/2008/layout/LinedList"/>
+    <dgm:cxn modelId="{CA759E7F-66AE-465E-A846-6B2C8881A255}" srcId="{E721CFF6-F5DA-4C84-96E8-E6869F5D9A72}" destId="{C062E97C-F934-44BB-8579-F9B554401582}" srcOrd="5" destOrd="0" parTransId="{64E54EA2-0CBD-40C7-A761-17CAEEC26F18}" sibTransId="{AB9D5C7A-1FB6-4AFD-B4E5-5DA8E20A5E21}"/>
+    <dgm:cxn modelId="{D2B56790-3A47-474F-AE02-0F4DDD56BD23}" type="presOf" srcId="{C062E97C-F934-44BB-8579-F9B554401582}" destId="{93D5975A-9A0B-451C-9D37-306340208A2F}" srcOrd="0" destOrd="0" presId="urn:microsoft.com/office/officeart/2008/layout/LinedList"/>
+    <dgm:cxn modelId="{5852A184-8F49-4767-927C-4CAB75CD7887}" srcId="{E721CFF6-F5DA-4C84-96E8-E6869F5D9A72}" destId="{60AC162E-7709-4543-9382-0AB390A2202F}" srcOrd="6" destOrd="0" parTransId="{CA85B955-01DA-44B2-86CE-39DDD3502ADE}" sibTransId="{998CD6A2-8BC1-4FCF-AA79-DDCCA6244029}"/>
+    <dgm:cxn modelId="{4DB52697-A2A7-4158-97E6-89131A77B49D}" type="presOf" srcId="{44A1DE08-FB63-4329-90BF-7823D175BC1E}" destId="{ABB419EF-DA8B-4BFA-BF1E-925B1321E7E2}" srcOrd="0" destOrd="0" presId="urn:microsoft.com/office/officeart/2008/layout/LinedList"/>
+    <dgm:cxn modelId="{C439BEF7-4A42-4BAC-9635-FAA8D7BA8BFC}" type="presOf" srcId="{E721CFF6-F5DA-4C84-96E8-E6869F5D9A72}" destId="{3BEF68D0-D17D-46BC-86E8-FB68A8C93665}" srcOrd="0" destOrd="0" presId="urn:microsoft.com/office/officeart/2008/layout/LinedList"/>
+    <dgm:cxn modelId="{DB5A4F5B-46BE-41EC-9B54-909565D2202C}" type="presOf" srcId="{2763F3B8-D354-4513-A2A5-1ACC91F2D733}" destId="{4D8A79E5-E948-4FBA-96D5-1C6CC280B61E}" srcOrd="0" destOrd="0" presId="urn:microsoft.com/office/officeart/2008/layout/LinedList"/>
+    <dgm:cxn modelId="{FC67AADC-7294-4BBA-9E63-7449683EB2CE}" srcId="{E721CFF6-F5DA-4C84-96E8-E6869F5D9A72}" destId="{828B2E6E-F803-4A64-BF50-2E9FDB4E1DEA}" srcOrd="4" destOrd="0" parTransId="{61E92328-2C35-4F83-9936-DEA603CF1478}" sibTransId="{15D6D97E-DA23-4A74-A520-4BC0DAB41982}"/>
+    <dgm:cxn modelId="{D412BAB7-AD78-4C7F-8F7D-2830E9157EFB}" type="presOf" srcId="{93C4C77B-D590-4C38-9342-DB9089CDF074}" destId="{DEAD70E7-FE25-49F0-BA74-B1A786880FAD}" srcOrd="0" destOrd="0" presId="urn:microsoft.com/office/officeart/2008/layout/LinedList"/>
     <dgm:cxn modelId="{0FA209AC-4AD3-4EA8-8862-47D0E7B332F2}" type="presOf" srcId="{60AC162E-7709-4543-9382-0AB390A2202F}" destId="{B3EE5CF6-D6CF-427E-880B-0F02D3CB2444}" srcOrd="0" destOrd="0" presId="urn:microsoft.com/office/officeart/2008/layout/LinedList"/>
-    <dgm:cxn modelId="{A587061A-C5D8-4761-AE38-3478C4982DA8}" type="presOf" srcId="{77164FD3-9F49-4EA9-98E6-C7BC2137B4B1}" destId="{96B51C0D-7E42-434A-8339-F812C4AC2E96}" srcOrd="0" destOrd="0" presId="urn:microsoft.com/office/officeart/2008/layout/LinedList"/>
-    <dgm:cxn modelId="{D2B56790-3A47-474F-AE02-0F4DDD56BD23}" type="presOf" srcId="{C062E97C-F934-44BB-8579-F9B554401582}" destId="{93D5975A-9A0B-451C-9D37-306340208A2F}" srcOrd="0" destOrd="0" presId="urn:microsoft.com/office/officeart/2008/layout/LinedList"/>
-    <dgm:cxn modelId="{B15CA486-5498-4B3D-9F3C-138DCBCC9310}" srcId="{44A1DE08-FB63-4329-90BF-7823D175BC1E}" destId="{E721CFF6-F5DA-4C84-96E8-E6869F5D9A72}" srcOrd="0" destOrd="0" parTransId="{7A70569B-3BB2-4904-A000-6CCD152103E8}" sibTransId="{46164CA9-E624-42F9-BAA5-0D1B4B6D2EC5}"/>
-    <dgm:cxn modelId="{CA759E7F-66AE-465E-A846-6B2C8881A255}" srcId="{E721CFF6-F5DA-4C84-96E8-E6869F5D9A72}" destId="{C062E97C-F934-44BB-8579-F9B554401582}" srcOrd="5" destOrd="0" parTransId="{64E54EA2-0CBD-40C7-A761-17CAEEC26F18}" sibTransId="{AB9D5C7A-1FB6-4AFD-B4E5-5DA8E20A5E21}"/>
-    <dgm:cxn modelId="{C439BEF7-4A42-4BAC-9635-FAA8D7BA8BFC}" type="presOf" srcId="{E721CFF6-F5DA-4C84-96E8-E6869F5D9A72}" destId="{3BEF68D0-D17D-46BC-86E8-FB68A8C93665}" srcOrd="0" destOrd="0" presId="urn:microsoft.com/office/officeart/2008/layout/LinedList"/>
-    <dgm:cxn modelId="{6E8A2461-093A-438B-B752-EB4F414855A9}" srcId="{E721CFF6-F5DA-4C84-96E8-E6869F5D9A72}" destId="{2763F3B8-D354-4513-A2A5-1ACC91F2D733}" srcOrd="3" destOrd="0" parTransId="{B3350334-656E-4F4E-B301-603334E19C52}" sibTransId="{66B70017-53FF-40EC-9C94-E10D7F063EEF}"/>
-    <dgm:cxn modelId="{FC67AADC-7294-4BBA-9E63-7449683EB2CE}" srcId="{E721CFF6-F5DA-4C84-96E8-E6869F5D9A72}" destId="{828B2E6E-F803-4A64-BF50-2E9FDB4E1DEA}" srcOrd="4" destOrd="0" parTransId="{61E92328-2C35-4F83-9936-DEA603CF1478}" sibTransId="{15D6D97E-DA23-4A74-A520-4BC0DAB41982}"/>
-    <dgm:cxn modelId="{5852A184-8F49-4767-927C-4CAB75CD7887}" srcId="{E721CFF6-F5DA-4C84-96E8-E6869F5D9A72}" destId="{60AC162E-7709-4543-9382-0AB390A2202F}" srcOrd="6" destOrd="0" parTransId="{CA85B955-01DA-44B2-86CE-39DDD3502ADE}" sibTransId="{998CD6A2-8BC1-4FCF-AA79-DDCCA6244029}"/>
-    <dgm:cxn modelId="{49BB62EA-B427-4A8F-8583-0854F3481C94}" type="presOf" srcId="{828B2E6E-F803-4A64-BF50-2E9FDB4E1DEA}" destId="{B8BF9229-CCB5-4368-9706-7091C57C676F}" srcOrd="0" destOrd="0" presId="urn:microsoft.com/office/officeart/2008/layout/LinedList"/>
-    <dgm:cxn modelId="{D412BAB7-AD78-4C7F-8F7D-2830E9157EFB}" type="presOf" srcId="{93C4C77B-D590-4C38-9342-DB9089CDF074}" destId="{DEAD70E7-FE25-49F0-BA74-B1A786880FAD}" srcOrd="0" destOrd="0" presId="urn:microsoft.com/office/officeart/2008/layout/LinedList"/>
-    <dgm:cxn modelId="{DB5A4F5B-46BE-41EC-9B54-909565D2202C}" type="presOf" srcId="{2763F3B8-D354-4513-A2A5-1ACC91F2D733}" destId="{4D8A79E5-E948-4FBA-96D5-1C6CC280B61E}" srcOrd="0" destOrd="0" presId="urn:microsoft.com/office/officeart/2008/layout/LinedList"/>
-    <dgm:cxn modelId="{501D4334-311B-453D-A0D7-914E5D1BB4BB}" srcId="{E721CFF6-F5DA-4C84-96E8-E6869F5D9A72}" destId="{77164FD3-9F49-4EA9-98E6-C7BC2137B4B1}" srcOrd="1" destOrd="0" parTransId="{32C7AC37-8CFC-4402-B165-67874806FED0}" sibTransId="{7EB477EE-FE4E-409D-A902-F5CD0AA979EA}"/>
-    <dgm:cxn modelId="{BC9C0B93-D0D0-49EE-A5E6-1494291AB6AE}" srcId="{E721CFF6-F5DA-4C84-96E8-E6869F5D9A72}" destId="{93C4C77B-D590-4C38-9342-DB9089CDF074}" srcOrd="0" destOrd="0" parTransId="{87F3107C-78CE-4266-B957-A03DD37ED2EC}" sibTransId="{22B8F299-92FD-4E99-9C1D-6B04907D01DE}"/>
-    <dgm:cxn modelId="{219D1123-AEF5-426A-A0DF-A53424716E1F}" srcId="{E721CFF6-F5DA-4C84-96E8-E6869F5D9A72}" destId="{988E2471-8E50-4FD9-B835-B8F5F91943AB}" srcOrd="2" destOrd="0" parTransId="{96D9BF4A-A2F7-4139-A6A2-6E4557567322}" sibTransId="{EA4CD0F0-9E69-4C56-8C80-7C0168764228}"/>
-    <dgm:cxn modelId="{24C9731C-5E79-4395-A6D2-F25F44C66CD3}" type="presOf" srcId="{988E2471-8E50-4FD9-B835-B8F5F91943AB}" destId="{6D944198-004B-493E-AB32-D606E61829B8}" srcOrd="0" destOrd="0" presId="urn:microsoft.com/office/officeart/2008/layout/LinedList"/>
-    <dgm:cxn modelId="{4DB52697-A2A7-4158-97E6-89131A77B49D}" type="presOf" srcId="{44A1DE08-FB63-4329-90BF-7823D175BC1E}" destId="{ABB419EF-DA8B-4BFA-BF1E-925B1321E7E2}" srcOrd="0" destOrd="0" presId="urn:microsoft.com/office/officeart/2008/layout/LinedList"/>
     <dgm:cxn modelId="{D929D9D5-6237-4B6D-9DC4-3B869F5D1635}" type="presParOf" srcId="{ABB419EF-DA8B-4BFA-BF1E-925B1321E7E2}" destId="{91F1FE8E-ADD1-4885-AC53-0C6F73C097C6}" srcOrd="0" destOrd="0" presId="urn:microsoft.com/office/officeart/2008/layout/LinedList"/>
     <dgm:cxn modelId="{5943A963-23FC-4A15-8AB4-CC33C8819691}" type="presParOf" srcId="{ABB419EF-DA8B-4BFA-BF1E-925B1321E7E2}" destId="{A4C882E0-C26E-4151-B697-F29CA6638CF9}" srcOrd="1" destOrd="0" presId="urn:microsoft.com/office/officeart/2008/layout/LinedList"/>
     <dgm:cxn modelId="{97D5B4DE-FF89-41AB-8A49-BD5D8FE864AF}" type="presParOf" srcId="{A4C882E0-C26E-4151-B697-F29CA6638CF9}" destId="{3BEF68D0-D17D-46BC-86E8-FB68A8C93665}" srcOrd="0" destOrd="0" presId="urn:microsoft.com/office/officeart/2008/layout/LinedList"/>
@@ -10865,8 +10859,8 @@
   </dgm:ptLst>
   <dgm:cxnLst>
     <dgm:cxn modelId="{D5E6A23C-4752-41C0-A83E-148402C8BC50}" type="presOf" srcId="{B6455B76-E0DD-4BAF-BDA3-FB611347CC63}" destId="{61819070-F512-4EB2-8F2E-8BB741B32587}" srcOrd="0" destOrd="0" presId="urn:microsoft.com/office/officeart/2005/8/layout/rings+Icon"/>
+    <dgm:cxn modelId="{8239A150-437B-4051-BB72-36F3370DC4B9}" type="presOf" srcId="{FF42DC42-475C-4E00-BB12-DD74C5F8A8D4}" destId="{49C38DEF-36A4-4556-8895-C41FD8591CC5}" srcOrd="0" destOrd="0" presId="urn:microsoft.com/office/officeart/2005/8/layout/rings+Icon"/>
     <dgm:cxn modelId="{BFE35E1F-D3A6-4804-9DED-125921CE69EA}" srcId="{D26D24B2-FC21-4986-8EDA-E31E90C55BCE}" destId="{B6455B76-E0DD-4BAF-BDA3-FB611347CC63}" srcOrd="0" destOrd="0" parTransId="{82317D8D-8631-4644-87A3-BA2317D0B6C1}" sibTransId="{58B254BD-6453-43BB-BF99-0C0821E5238A}"/>
-    <dgm:cxn modelId="{8239A150-437B-4051-BB72-36F3370DC4B9}" type="presOf" srcId="{FF42DC42-475C-4E00-BB12-DD74C5F8A8D4}" destId="{49C38DEF-36A4-4556-8895-C41FD8591CC5}" srcOrd="0" destOrd="0" presId="urn:microsoft.com/office/officeart/2005/8/layout/rings+Icon"/>
     <dgm:cxn modelId="{0703DBE5-798A-4700-802F-AF7278CD901D}" srcId="{D26D24B2-FC21-4986-8EDA-E31E90C55BCE}" destId="{FF42DC42-475C-4E00-BB12-DD74C5F8A8D4}" srcOrd="1" destOrd="0" parTransId="{A0596A03-8492-478F-8274-9A73CF624DBB}" sibTransId="{3AAD493B-655C-4EA5-A16B-B901A272C165}"/>
     <dgm:cxn modelId="{0F51CA71-B68B-402E-9E15-DD00B307A0DC}" type="presOf" srcId="{D26D24B2-FC21-4986-8EDA-E31E90C55BCE}" destId="{74220686-5A8B-4542-A94E-CACD1D31A7C1}" srcOrd="0" destOrd="0" presId="urn:microsoft.com/office/officeart/2005/8/layout/rings+Icon"/>
     <dgm:cxn modelId="{7C32F820-58C0-4D7D-8BD7-9BDEC6643365}" type="presParOf" srcId="{74220686-5A8B-4542-A94E-CACD1D31A7C1}" destId="{61819070-F512-4EB2-8F2E-8BB741B32587}" srcOrd="0" destOrd="0" presId="urn:microsoft.com/office/officeart/2005/8/layout/rings+Icon"/>
@@ -12049,23 +12043,7 @@
           </a:pPr>
           <a:r>
             <a:rPr lang="en-US" sz="2400" kern="1200" dirty="0" smtClean="0"/>
-            <a:t>Our project was </a:t>
-          </a:r>
-          <a:r>
-            <a:rPr lang="en-US" sz="2400" kern="1200" dirty="0" smtClean="0"/>
-            <a:t>split into six </a:t>
-          </a:r>
-          <a:r>
-            <a:rPr lang="en-US" sz="2400" kern="1200" dirty="0" smtClean="0"/>
-            <a:t>phases, each of which was vital to the success of the </a:t>
-          </a:r>
-          <a:r>
-            <a:rPr lang="en-US" sz="2400" kern="1200" dirty="0" smtClean="0"/>
-            <a:t>overall project</a:t>
-          </a:r>
-          <a:r>
-            <a:rPr lang="en-US" sz="2400" kern="1200" dirty="0" smtClean="0"/>
-            <a:t>.</a:t>
+            <a:t>Our project was split into six phases, each of which was vital to the success of the overall project.</a:t>
           </a:r>
           <a:endParaRPr lang="en-US" sz="2400" kern="1200" dirty="0"/>
         </a:p>
@@ -12341,13 +12319,8 @@
           </a:pPr>
           <a:r>
             <a:rPr lang="en-US" sz="1900" kern="1200" dirty="0" smtClean="0"/>
-            <a:t>Phase 3:  Remaining </a:t>
+            <a:t>Phase 3:  Remaining Instructions, Memory Interface, &amp; Instruction Address Generator</a:t>
           </a:r>
-          <a:r>
-            <a:rPr lang="en-US" sz="1900" kern="1200" dirty="0" smtClean="0"/>
-            <a:t>Instructions, Memory Interface, &amp; Instruction Address Generator</a:t>
-          </a:r>
-          <a:endParaRPr lang="en-US" sz="1900" kern="1200" dirty="0" smtClean="0"/>
         </a:p>
       </dsp:txBody>
       <dsp:txXfrm>
@@ -14353,7 +14326,6 @@
             <a:rPr lang="en-US" sz="2000" kern="1200" dirty="0" smtClean="0"/>
             <a:t>In Phase 3, we implemented the Remaining Instructions, Memory Interface, &amp; IAG</a:t>
           </a:r>
-          <a:endParaRPr lang="en-US" sz="2000" kern="1200" dirty="0" smtClean="0"/>
         </a:p>
       </dsp:txBody>
       <dsp:txXfrm>
@@ -30500,6 +30472,171 @@
 </dgm:styleDef>
 </file>
 
+<file path=ppt/handoutMasters/handoutMaster1.xml><?xml version="1.0" encoding="utf-8"?>
+<p:handoutMaster xmlns:a="http://schemas.openxmlformats.org/drawingml/2006/main" xmlns:r="http://schemas.openxmlformats.org/officeDocument/2006/relationships" xmlns:p="http://schemas.openxmlformats.org/presentationml/2006/main">
+  <p:cSld>
+    <p:bg>
+      <p:bgRef idx="1001">
+        <a:schemeClr val="bg1"/>
+      </p:bgRef>
+    </p:bg>
+    <p:spTree>
+      <p:nvGrpSpPr>
+        <p:cNvPr id="1" name=""/>
+        <p:cNvGrpSpPr/>
+        <p:nvPr/>
+      </p:nvGrpSpPr>
+      <p:grpSpPr>
+        <a:xfrm>
+          <a:off x="0" y="0"/>
+          <a:ext cx="0" cy="0"/>
+          <a:chOff x="0" y="0"/>
+          <a:chExt cx="0" cy="0"/>
+        </a:xfrm>
+      </p:grpSpPr>
+      <p:sp>
+        <p:nvSpPr>
+          <p:cNvPr id="2" name="Header Placeholder 1"/>
+          <p:cNvSpPr>
+            <a:spLocks noGrp="1"/>
+          </p:cNvSpPr>
+          <p:nvPr>
+            <p:ph type="hdr" sz="quarter"/>
+          </p:nvPr>
+        </p:nvSpPr>
+        <p:spPr>
+          <a:xfrm>
+            <a:off x="0" y="0"/>
+            <a:ext cx="3090810" cy="472568"/>
+          </a:xfrm>
+          <a:prstGeom prst="rect">
+            <a:avLst/>
+          </a:prstGeom>
+        </p:spPr>
+        <p:txBody>
+          <a:bodyPr vert="horz" lIns="94576" tIns="47288" rIns="94576" bIns="47288" rtlCol="0"/>
+          <a:lstStyle>
+            <a:lvl1pPr algn="l">
+              <a:defRPr sz="1200"/>
+            </a:lvl1pPr>
+          </a:lstStyle>
+          <a:p>
+            <a:endParaRPr lang="en-US"/>
+          </a:p>
+        </p:txBody>
+      </p:sp>
+      <p:sp>
+        <p:nvSpPr>
+          <p:cNvPr id="3" name="Date Placeholder 2"/>
+          <p:cNvSpPr>
+            <a:spLocks noGrp="1"/>
+          </p:cNvSpPr>
+          <p:nvPr>
+            <p:ph type="dt" sz="quarter" idx="1"/>
+          </p:nvPr>
+        </p:nvSpPr>
+        <p:spPr>
+          <a:xfrm>
+            <a:off x="4040178" y="0"/>
+            <a:ext cx="3090810" cy="472568"/>
+          </a:xfrm>
+          <a:prstGeom prst="rect">
+            <a:avLst/>
+          </a:prstGeom>
+        </p:spPr>
+        <p:txBody>
+          <a:bodyPr vert="horz" lIns="94576" tIns="47288" rIns="94576" bIns="47288" rtlCol="0"/>
+          <a:lstStyle>
+            <a:lvl1pPr algn="r">
+              <a:defRPr sz="1200"/>
+            </a:lvl1pPr>
+          </a:lstStyle>
+          <a:p>
+            <a:fld id="{FCF387FB-0EE8-4983-9CF9-BFA9B23FC8AA}" type="datetimeFigureOut">
+              <a:rPr lang="en-US" smtClean="0"/>
+              <a:t>11/29/2017</a:t>
+            </a:fld>
+            <a:endParaRPr lang="en-US"/>
+          </a:p>
+        </p:txBody>
+      </p:sp>
+      <p:sp>
+        <p:nvSpPr>
+          <p:cNvPr id="4" name="Footer Placeholder 3"/>
+          <p:cNvSpPr>
+            <a:spLocks noGrp="1"/>
+          </p:cNvSpPr>
+          <p:nvPr>
+            <p:ph type="ftr" sz="quarter" idx="2"/>
+          </p:nvPr>
+        </p:nvSpPr>
+        <p:spPr>
+          <a:xfrm>
+            <a:off x="0" y="8946072"/>
+            <a:ext cx="3090810" cy="472567"/>
+          </a:xfrm>
+          <a:prstGeom prst="rect">
+            <a:avLst/>
+          </a:prstGeom>
+        </p:spPr>
+        <p:txBody>
+          <a:bodyPr vert="horz" lIns="94576" tIns="47288" rIns="94576" bIns="47288" rtlCol="0" anchor="b"/>
+          <a:lstStyle>
+            <a:lvl1pPr algn="l">
+              <a:defRPr sz="1200"/>
+            </a:lvl1pPr>
+          </a:lstStyle>
+          <a:p>
+            <a:endParaRPr lang="en-US"/>
+          </a:p>
+        </p:txBody>
+      </p:sp>
+      <p:sp>
+        <p:nvSpPr>
+          <p:cNvPr id="5" name="Slide Number Placeholder 4"/>
+          <p:cNvSpPr>
+            <a:spLocks noGrp="1"/>
+          </p:cNvSpPr>
+          <p:nvPr>
+            <p:ph type="sldNum" sz="quarter" idx="3"/>
+          </p:nvPr>
+        </p:nvSpPr>
+        <p:spPr>
+          <a:xfrm>
+            <a:off x="4040178" y="8946072"/>
+            <a:ext cx="3090810" cy="472567"/>
+          </a:xfrm>
+          <a:prstGeom prst="rect">
+            <a:avLst/>
+          </a:prstGeom>
+        </p:spPr>
+        <p:txBody>
+          <a:bodyPr vert="horz" lIns="94576" tIns="47288" rIns="94576" bIns="47288" rtlCol="0" anchor="b"/>
+          <a:lstStyle>
+            <a:lvl1pPr algn="r">
+              <a:defRPr sz="1200"/>
+            </a:lvl1pPr>
+          </a:lstStyle>
+          <a:p>
+            <a:fld id="{8B0B6B28-56BA-4F4A-AEDF-9040B8E02C90}" type="slidenum">
+              <a:rPr lang="en-US" smtClean="0"/>
+              <a:t>‹#›</a:t>
+            </a:fld>
+            <a:endParaRPr lang="en-US"/>
+          </a:p>
+        </p:txBody>
+      </p:sp>
+    </p:spTree>
+    <p:extLst>
+      <p:ext uri="{BB962C8B-B14F-4D97-AF65-F5344CB8AC3E}">
+        <p14:creationId xmlns:p14="http://schemas.microsoft.com/office/powerpoint/2010/main" val="926742668"/>
+      </p:ext>
+    </p:extLst>
+  </p:cSld>
+  <p:clrMap bg1="lt1" tx1="dk1" bg2="lt2" tx2="dk2" accent1="accent1" accent2="accent2" accent3="accent3" accent4="accent4" accent5="accent5" accent6="accent6" hlink="hlink" folHlink="folHlink"/>
+</p:handoutMaster>
+</file>
+
 <file path=ppt/notesMasters/notesMaster1.xml><?xml version="1.0" encoding="utf-8"?>
 <p:notesMaster xmlns:a="http://schemas.openxmlformats.org/drawingml/2006/main" xmlns:r="http://schemas.openxmlformats.org/officeDocument/2006/relationships" xmlns:p="http://schemas.openxmlformats.org/presentationml/2006/main">
   <p:cSld>
@@ -30535,14 +30672,14 @@
         <p:spPr>
           <a:xfrm>
             <a:off x="0" y="0"/>
-            <a:ext cx="2971800" cy="458788"/>
+            <a:ext cx="3090810" cy="472568"/>
           </a:xfrm>
           <a:prstGeom prst="rect">
             <a:avLst/>
           </a:prstGeom>
         </p:spPr>
         <p:txBody>
-          <a:bodyPr vert="horz" lIns="91440" tIns="45720" rIns="91440" bIns="45720" rtlCol="0"/>
+          <a:bodyPr vert="horz" lIns="94576" tIns="47288" rIns="94576" bIns="47288" rtlCol="0"/>
           <a:lstStyle>
             <a:lvl1pPr algn="l">
               <a:defRPr sz="1200"/>
@@ -30565,15 +30702,15 @@
         </p:nvSpPr>
         <p:spPr>
           <a:xfrm>
-            <a:off x="3884613" y="0"/>
-            <a:ext cx="2971800" cy="458788"/>
+            <a:off x="4040178" y="0"/>
+            <a:ext cx="3090810" cy="472568"/>
           </a:xfrm>
           <a:prstGeom prst="rect">
             <a:avLst/>
           </a:prstGeom>
         </p:spPr>
         <p:txBody>
-          <a:bodyPr vert="horz" lIns="91440" tIns="45720" rIns="91440" bIns="45720" rtlCol="0"/>
+          <a:bodyPr vert="horz" lIns="94576" tIns="47288" rIns="94576" bIns="47288" rtlCol="0"/>
           <a:lstStyle>
             <a:lvl1pPr algn="r">
               <a:defRPr sz="1200"/>
@@ -30582,7 +30719,7 @@
           <a:p>
             <a:fld id="{BE2C285A-48CF-447A-8D53-F1D22F762EC8}" type="datetimeFigureOut">
               <a:rPr lang="en-US" smtClean="0"/>
-              <a:t>11/28/2017</a:t>
+              <a:t>11/29/2017</a:t>
             </a:fld>
             <a:endParaRPr lang="en-US"/>
           </a:p>
@@ -30600,8 +30737,8 @@
         </p:nvSpPr>
         <p:spPr>
           <a:xfrm>
-            <a:off x="685800" y="1143000"/>
-            <a:ext cx="5486400" cy="3086100"/>
+            <a:off x="741363" y="1177925"/>
+            <a:ext cx="5649912" cy="3178175"/>
           </a:xfrm>
           <a:prstGeom prst="rect">
             <a:avLst/>
@@ -30614,7 +30751,7 @@
           </a:ln>
         </p:spPr>
         <p:txBody>
-          <a:bodyPr vert="horz" lIns="91440" tIns="45720" rIns="91440" bIns="45720" rtlCol="0" anchor="ctr"/>
+          <a:bodyPr vert="horz" lIns="94576" tIns="47288" rIns="94576" bIns="47288" rtlCol="0" anchor="ctr"/>
           <a:lstStyle/>
           <a:p>
             <a:endParaRPr lang="en-US"/>
@@ -30633,15 +30770,15 @@
         </p:nvSpPr>
         <p:spPr>
           <a:xfrm>
-            <a:off x="685800" y="4400550"/>
-            <a:ext cx="5486400" cy="3600450"/>
+            <a:off x="713264" y="4532719"/>
+            <a:ext cx="5706110" cy="3708589"/>
           </a:xfrm>
           <a:prstGeom prst="rect">
             <a:avLst/>
           </a:prstGeom>
         </p:spPr>
         <p:txBody>
-          <a:bodyPr vert="horz" lIns="91440" tIns="45720" rIns="91440" bIns="45720" rtlCol="0"/>
+          <a:bodyPr vert="horz" lIns="94576" tIns="47288" rIns="94576" bIns="47288" rtlCol="0"/>
           <a:lstStyle/>
           <a:p>
             <a:pPr lvl="0"/>
@@ -30693,15 +30830,15 @@
         </p:nvSpPr>
         <p:spPr>
           <a:xfrm>
-            <a:off x="0" y="8685213"/>
-            <a:ext cx="2971800" cy="458787"/>
+            <a:off x="0" y="8946072"/>
+            <a:ext cx="3090810" cy="472567"/>
           </a:xfrm>
           <a:prstGeom prst="rect">
             <a:avLst/>
           </a:prstGeom>
         </p:spPr>
         <p:txBody>
-          <a:bodyPr vert="horz" lIns="91440" tIns="45720" rIns="91440" bIns="45720" rtlCol="0" anchor="b"/>
+          <a:bodyPr vert="horz" lIns="94576" tIns="47288" rIns="94576" bIns="47288" rtlCol="0" anchor="b"/>
           <a:lstStyle>
             <a:lvl1pPr algn="l">
               <a:defRPr sz="1200"/>
@@ -30724,15 +30861,15 @@
         </p:nvSpPr>
         <p:spPr>
           <a:xfrm>
-            <a:off x="3884613" y="8685213"/>
-            <a:ext cx="2971800" cy="458787"/>
+            <a:off x="4040178" y="8946072"/>
+            <a:ext cx="3090810" cy="472567"/>
           </a:xfrm>
           <a:prstGeom prst="rect">
             <a:avLst/>
           </a:prstGeom>
         </p:spPr>
         <p:txBody>
-          <a:bodyPr vert="horz" lIns="91440" tIns="45720" rIns="91440" bIns="45720" rtlCol="0" anchor="b"/>
+          <a:bodyPr vert="horz" lIns="94576" tIns="47288" rIns="94576" bIns="47288" rtlCol="0" anchor="b"/>
           <a:lstStyle>
             <a:lvl1pPr algn="r">
               <a:defRPr sz="1200"/>
@@ -30894,25 +31031,11 @@
           <a:bodyPr/>
           <a:lstStyle/>
           <a:p>
-            <a:pPr marL="0" marR="0" indent="0" algn="l" defTabSz="914400" rtl="0" eaLnBrk="1" fontAlgn="auto" latinLnBrk="0" hangingPunct="1">
-              <a:lnSpc>
-                <a:spcPct val="100000"/>
-              </a:lnSpc>
-              <a:spcBef>
-                <a:spcPts val="0"/>
-              </a:spcBef>
-              <a:spcAft>
-                <a:spcPts val="0"/>
-              </a:spcAft>
-              <a:buClrTx/>
-              <a:buSzTx/>
-              <a:buFontTx/>
-              <a:buNone/>
-              <a:tabLst/>
+            <a:pPr defTabSz="945764">
               <a:defRPr/>
             </a:pPr>
             <a:r>
-              <a:rPr lang="en-US" sz="1200" dirty="0" smtClean="0"/>
+              <a:rPr lang="en-US" dirty="0"/>
               <a:t>Control Unit was used for setting flag values that affect the way in which the processor functions. Phase II will implement the control unit to initialize a functioning processor.</a:t>
             </a:r>
           </a:p>
@@ -31001,7 +31124,7 @@
           <a:bodyPr/>
           <a:lstStyle/>
           <a:p>
-            <a:pPr marL="228600" indent="-228600">
+            <a:pPr marL="236441" indent="-236441">
               <a:buAutoNum type="arabicPeriod"/>
             </a:pPr>
             <a:r>
@@ -31014,7 +31137,7 @@
             </a:r>
           </a:p>
           <a:p>
-            <a:pPr marL="228600" indent="-228600">
+            <a:pPr marL="236441" indent="-236441">
               <a:buAutoNum type="arabicPeriod"/>
             </a:pPr>
             <a:r>
@@ -31023,7 +31146,7 @@
             </a:r>
           </a:p>
           <a:p>
-            <a:pPr marL="228600" indent="-228600">
+            <a:pPr marL="236441" indent="-236441">
               <a:buAutoNum type="arabicPeriod"/>
             </a:pPr>
             <a:r>
@@ -31032,7 +31155,7 @@
             </a:r>
           </a:p>
           <a:p>
-            <a:pPr marL="228600" indent="-228600">
+            <a:pPr marL="236441" indent="-236441">
               <a:buAutoNum type="arabicPeriod"/>
             </a:pPr>
             <a:r>
@@ -31041,7 +31164,7 @@
             </a:r>
           </a:p>
           <a:p>
-            <a:pPr marL="228600" indent="-228600">
+            <a:pPr marL="236441" indent="-236441">
               <a:buAutoNum type="arabicPeriod"/>
             </a:pPr>
             <a:r>
@@ -31132,25 +31255,11 @@
           <a:bodyPr/>
           <a:lstStyle/>
           <a:p>
-            <a:pPr marL="0" marR="0" indent="0" algn="l" defTabSz="914400" rtl="0" eaLnBrk="1" fontAlgn="auto" latinLnBrk="0" hangingPunct="1">
-              <a:lnSpc>
-                <a:spcPct val="100000"/>
-              </a:lnSpc>
-              <a:spcBef>
-                <a:spcPts val="0"/>
-              </a:spcBef>
-              <a:spcAft>
-                <a:spcPts val="0"/>
-              </a:spcAft>
-              <a:buClrTx/>
-              <a:buSzTx/>
-              <a:buFontTx/>
-              <a:buNone/>
-              <a:tabLst/>
+            <a:pPr defTabSz="945764">
               <a:defRPr/>
             </a:pPr>
             <a:r>
-              <a:rPr lang="en-US" sz="1200" dirty="0" smtClean="0"/>
+              <a:rPr lang="en-US" dirty="0"/>
               <a:t>Control Unit was used for setting flag values that affect the way in which the processor functions. Phase II will implement the control unit to initialize a functioning processor.</a:t>
             </a:r>
           </a:p>
@@ -31239,21 +31348,7 @@
           <a:bodyPr/>
           <a:lstStyle/>
           <a:p>
-            <a:pPr marL="0" marR="0" indent="0" algn="l" defTabSz="914400" rtl="0" eaLnBrk="1" fontAlgn="auto" latinLnBrk="0" hangingPunct="1">
-              <a:lnSpc>
-                <a:spcPct val="100000"/>
-              </a:lnSpc>
-              <a:spcBef>
-                <a:spcPts val="0"/>
-              </a:spcBef>
-              <a:spcAft>
-                <a:spcPts val="0"/>
-              </a:spcAft>
-              <a:buClrTx/>
-              <a:buSzTx/>
-              <a:buFontTx/>
-              <a:buNone/>
-              <a:tabLst/>
+            <a:pPr defTabSz="945764">
               <a:defRPr/>
             </a:pPr>
             <a:r>
@@ -31347,25 +31442,19 @@
           <a:lstStyle/>
           <a:p>
             <a:r>
-              <a:rPr lang="en-US" sz="1200" dirty="0" smtClean="0"/>
+              <a:rPr lang="en-US" dirty="0"/>
               <a:t>Since much of the starter VHDL code for Phase 2’s Control Unit was provided to us from the TA’s in Canvas, it was easy to implement the needed R-type instructions during the lab period.</a:t>
             </a:r>
           </a:p>
           <a:p>
-            <a:pPr marL="0" indent="0">
-              <a:buNone/>
-            </a:pPr>
-            <a:endParaRPr lang="en-US" sz="1200" dirty="0" smtClean="0"/>
+            <a:endParaRPr lang="en-US" dirty="0"/>
           </a:p>
           <a:p>
-            <a:pPr marL="0" indent="0">
-              <a:buNone/>
-            </a:pPr>
-            <a:endParaRPr lang="en-US" sz="1200" dirty="0" smtClean="0"/>
+            <a:endParaRPr lang="en-US" dirty="0"/>
           </a:p>
           <a:p>
             <a:r>
-              <a:rPr lang="en-US" sz="1200" dirty="0" smtClean="0"/>
+              <a:rPr lang="en-US" dirty="0"/>
               <a:t>We did not run into any major problems in Phase 2.</a:t>
             </a:r>
           </a:p>
@@ -31454,33 +31543,11 @@
           <a:bodyPr/>
           <a:lstStyle/>
           <a:p>
-            <a:pPr marL="0" marR="0" indent="0" algn="l" defTabSz="914400" rtl="0" eaLnBrk="1" fontAlgn="auto" latinLnBrk="0" hangingPunct="1">
-              <a:lnSpc>
-                <a:spcPct val="100000"/>
-              </a:lnSpc>
-              <a:spcBef>
-                <a:spcPts val="0"/>
-              </a:spcBef>
-              <a:spcAft>
-                <a:spcPts val="0"/>
-              </a:spcAft>
-              <a:buClrTx/>
-              <a:buSzTx/>
-              <a:buFontTx/>
-              <a:buNone/>
-              <a:tabLst/>
+            <a:pPr defTabSz="945764">
               <a:defRPr/>
             </a:pPr>
             <a:r>
-              <a:rPr lang="en-US" sz="1200" kern="1200" dirty="0" smtClean="0">
-                <a:solidFill>
-                  <a:schemeClr val="tx1"/>
-                </a:solidFill>
-                <a:effectLst/>
-                <a:latin typeface="+mn-lt"/>
-                <a:ea typeface="+mn-ea"/>
-                <a:cs typeface="+mn-cs"/>
-              </a:rPr>
+              <a:rPr lang="en-US" dirty="0"/>
               <a:t>In Phase III, Team 2 modified the Data Path and the Control Unit to add new R-type, D-type and B-type instructions, including JR, CMP, LW, SW, ADDI, B and BAL.  Team 2 also integrated the memory interface and instruction address generator into the existing processor in this phase.  Phase IV will build off Phase III and implement I/O.</a:t>
             </a:r>
           </a:p>
@@ -31569,33 +31636,11 @@
           <a:bodyPr/>
           <a:lstStyle/>
           <a:p>
-            <a:pPr marL="0" marR="0" indent="0" algn="l" defTabSz="914400" rtl="0" eaLnBrk="1" fontAlgn="auto" latinLnBrk="0" hangingPunct="1">
-              <a:lnSpc>
-                <a:spcPct val="100000"/>
-              </a:lnSpc>
-              <a:spcBef>
-                <a:spcPts val="0"/>
-              </a:spcBef>
-              <a:spcAft>
-                <a:spcPts val="0"/>
-              </a:spcAft>
-              <a:buClrTx/>
-              <a:buSzTx/>
-              <a:buFontTx/>
-              <a:buNone/>
-              <a:tabLst/>
+            <a:pPr defTabSz="945764">
               <a:defRPr/>
             </a:pPr>
             <a:r>
-              <a:rPr lang="en-US" sz="1200" kern="1200" dirty="0" smtClean="0">
-                <a:solidFill>
-                  <a:schemeClr val="tx1"/>
-                </a:solidFill>
-                <a:effectLst/>
-                <a:latin typeface="+mn-lt"/>
-                <a:ea typeface="+mn-ea"/>
-                <a:cs typeface="+mn-cs"/>
-              </a:rPr>
+              <a:rPr lang="en-US" dirty="0"/>
               <a:t>In Phase III, Team 2 modified the Data Path and the Control Unit to add new R-type, D-type and B-type instructions, including JR, CMP, LW, SW, ADDI, B and BAL.  Team 2 also integrated the memory interface and instruction address generator into the existing processor in this phase.  Phase IV will build off Phase III and implement I/O.</a:t>
             </a:r>
           </a:p>
@@ -31881,15 +31926,7 @@
           <a:lstStyle/>
           <a:p>
             <a:r>
-              <a:rPr lang="en-US" sz="1200" kern="1200" dirty="0" smtClean="0">
-                <a:solidFill>
-                  <a:schemeClr val="tx1"/>
-                </a:solidFill>
-                <a:effectLst/>
-                <a:latin typeface="+mn-lt"/>
-                <a:ea typeface="+mn-ea"/>
-                <a:cs typeface="+mn-cs"/>
-              </a:rPr>
+              <a:rPr lang="en-US" dirty="0"/>
               <a:t>The main purpose of Phase IV was to add basic I/O and ARM-like execution [2].</a:t>
             </a:r>
             <a:endParaRPr lang="en-US" dirty="0"/>
@@ -32369,7 +32406,7 @@
             <a:fld id="{B61BEF0D-F0BB-DE4B-95CE-6DB70DBA9567}" type="datetimeFigureOut">
               <a:rPr lang="en-US" dirty="0"/>
               <a:pPr/>
-              <a:t>11/28/2017</a:t>
+              <a:t>11/29/2017</a:t>
             </a:fld>
             <a:endParaRPr lang="en-US" dirty="0"/>
           </a:p>
@@ -32700,7 +32737,7 @@
             <a:fld id="{B61BEF0D-F0BB-DE4B-95CE-6DB70DBA9567}" type="datetimeFigureOut">
               <a:rPr lang="en-US" dirty="0"/>
               <a:pPr/>
-              <a:t>11/28/2017</a:t>
+              <a:t>11/29/2017</a:t>
             </a:fld>
             <a:endParaRPr lang="en-US" dirty="0"/>
           </a:p>
@@ -32975,7 +33012,7 @@
             <a:fld id="{B61BEF0D-F0BB-DE4B-95CE-6DB70DBA9567}" type="datetimeFigureOut">
               <a:rPr lang="en-US" dirty="0"/>
               <a:pPr/>
-              <a:t>11/28/2017</a:t>
+              <a:t>11/29/2017</a:t>
             </a:fld>
             <a:endParaRPr lang="en-US" dirty="0"/>
           </a:p>
@@ -33540,7 +33577,7 @@
             <a:fld id="{B61BEF0D-F0BB-DE4B-95CE-6DB70DBA9567}" type="datetimeFigureOut">
               <a:rPr lang="en-US" dirty="0"/>
               <a:pPr/>
-              <a:t>11/28/2017</a:t>
+              <a:t>11/29/2017</a:t>
             </a:fld>
             <a:endParaRPr lang="en-US" dirty="0"/>
           </a:p>
@@ -33815,7 +33852,7 @@
             <a:fld id="{B61BEF0D-F0BB-DE4B-95CE-6DB70DBA9567}" type="datetimeFigureOut">
               <a:rPr lang="en-US" dirty="0"/>
               <a:pPr/>
-              <a:t>11/28/2017</a:t>
+              <a:t>11/29/2017</a:t>
             </a:fld>
             <a:endParaRPr lang="en-US" dirty="0"/>
           </a:p>
@@ -34374,7 +34411,7 @@
             <a:fld id="{B61BEF0D-F0BB-DE4B-95CE-6DB70DBA9567}" type="datetimeFigureOut">
               <a:rPr lang="en-US" dirty="0"/>
               <a:pPr/>
-              <a:t>11/28/2017</a:t>
+              <a:t>11/29/2017</a:t>
             </a:fld>
             <a:endParaRPr lang="en-US" dirty="0"/>
           </a:p>
@@ -34698,7 +34735,7 @@
             <a:fld id="{B61BEF0D-F0BB-DE4B-95CE-6DB70DBA9567}" type="datetimeFigureOut">
               <a:rPr lang="en-US" dirty="0"/>
               <a:pPr/>
-              <a:t>11/28/2017</a:t>
+              <a:t>11/29/2017</a:t>
             </a:fld>
             <a:endParaRPr lang="en-US" dirty="0"/>
           </a:p>
@@ -34900,7 +34937,7 @@
             <a:fld id="{B61BEF0D-F0BB-DE4B-95CE-6DB70DBA9567}" type="datetimeFigureOut">
               <a:rPr lang="en-US" dirty="0"/>
               <a:pPr/>
-              <a:t>11/28/2017</a:t>
+              <a:t>11/29/2017</a:t>
             </a:fld>
             <a:endParaRPr lang="en-US" dirty="0"/>
           </a:p>
@@ -35107,7 +35144,7 @@
             <a:fld id="{B61BEF0D-F0BB-DE4B-95CE-6DB70DBA9567}" type="datetimeFigureOut">
               <a:rPr lang="en-US" dirty="0"/>
               <a:pPr/>
-              <a:t>11/28/2017</a:t>
+              <a:t>11/29/2017</a:t>
             </a:fld>
             <a:endParaRPr lang="en-US" dirty="0"/>
           </a:p>
@@ -35304,7 +35341,7 @@
             <a:fld id="{B61BEF0D-F0BB-DE4B-95CE-6DB70DBA9567}" type="datetimeFigureOut">
               <a:rPr lang="en-US" dirty="0"/>
               <a:pPr/>
-              <a:t>11/28/2017</a:t>
+              <a:t>11/29/2017</a:t>
             </a:fld>
             <a:endParaRPr lang="en-US" dirty="0"/>
           </a:p>
@@ -35577,7 +35614,7 @@
             <a:fld id="{B61BEF0D-F0BB-DE4B-95CE-6DB70DBA9567}" type="datetimeFigureOut">
               <a:rPr lang="en-US" dirty="0"/>
               <a:pPr/>
-              <a:t>11/28/2017</a:t>
+              <a:t>11/29/2017</a:t>
             </a:fld>
             <a:endParaRPr lang="en-US" dirty="0"/>
           </a:p>
@@ -35840,7 +35877,7 @@
             <a:fld id="{B61BEF0D-F0BB-DE4B-95CE-6DB70DBA9567}" type="datetimeFigureOut">
               <a:rPr lang="en-US" dirty="0"/>
               <a:pPr/>
-              <a:t>11/28/2017</a:t>
+              <a:t>11/29/2017</a:t>
             </a:fld>
             <a:endParaRPr lang="en-US" dirty="0"/>
           </a:p>
@@ -36211,7 +36248,7 @@
             <a:fld id="{B61BEF0D-F0BB-DE4B-95CE-6DB70DBA9567}" type="datetimeFigureOut">
               <a:rPr lang="en-US" dirty="0"/>
               <a:pPr/>
-              <a:t>11/28/2017</a:t>
+              <a:t>11/29/2017</a:t>
             </a:fld>
             <a:endParaRPr lang="en-US" dirty="0"/>
           </a:p>
@@ -36356,7 +36393,7 @@
             <a:fld id="{B61BEF0D-F0BB-DE4B-95CE-6DB70DBA9567}" type="datetimeFigureOut">
               <a:rPr lang="en-US" dirty="0"/>
               <a:pPr/>
-              <a:t>11/28/2017</a:t>
+              <a:t>11/29/2017</a:t>
             </a:fld>
             <a:endParaRPr lang="en-US" dirty="0"/>
           </a:p>
@@ -36478,7 +36515,7 @@
             <a:fld id="{B61BEF0D-F0BB-DE4B-95CE-6DB70DBA9567}" type="datetimeFigureOut">
               <a:rPr lang="en-US" dirty="0"/>
               <a:pPr/>
-              <a:t>11/28/2017</a:t>
+              <a:t>11/29/2017</a:t>
             </a:fld>
             <a:endParaRPr lang="en-US" dirty="0"/>
           </a:p>
@@ -36760,7 +36797,7 @@
             <a:fld id="{B61BEF0D-F0BB-DE4B-95CE-6DB70DBA9567}" type="datetimeFigureOut">
               <a:rPr lang="en-US" dirty="0"/>
               <a:pPr/>
-              <a:t>11/28/2017</a:t>
+              <a:t>11/29/2017</a:t>
             </a:fld>
             <a:endParaRPr lang="en-US" dirty="0"/>
           </a:p>
@@ -37081,7 +37118,7 @@
             <a:fld id="{B61BEF0D-F0BB-DE4B-95CE-6DB70DBA9567}" type="datetimeFigureOut">
               <a:rPr lang="en-US" dirty="0"/>
               <a:pPr/>
-              <a:t>11/28/2017</a:t>
+              <a:t>11/29/2017</a:t>
             </a:fld>
             <a:endParaRPr lang="en-US" dirty="0"/>
           </a:p>
@@ -37292,7 +37329,7 @@
             <a:fld id="{B61BEF0D-F0BB-DE4B-95CE-6DB70DBA9567}" type="datetimeFigureOut">
               <a:rPr lang="en-US" dirty="0"/>
               <a:pPr/>
-              <a:t>11/28/2017</a:t>
+              <a:t>11/29/2017</a:t>
             </a:fld>
             <a:endParaRPr lang="en-US" dirty="0"/>
           </a:p>
@@ -38267,7 +38304,6 @@
               <a:rPr lang="en-US" sz="3600" dirty="0" smtClean="0"/>
               <a:t>Memory Interface: </a:t>
             </a:r>
-            <a:endParaRPr lang="en-US" sz="3600" dirty="0" smtClean="0"/>
           </a:p>
           <a:p>
             <a:pPr lvl="1"/>
@@ -38294,7 +38330,6 @@
               <a:rPr lang="en-US" sz="2400" dirty="0" smtClean="0"/>
               <a:t>Implement IAG and all provided components into the Data Path. </a:t>
             </a:r>
-            <a:endParaRPr lang="en-US" sz="2400" dirty="0" smtClean="0"/>
           </a:p>
         </p:txBody>
       </p:sp>
@@ -39236,7 +39271,6 @@
               <a:rPr lang="en-US" dirty="0"/>
               <a:t>difficulties that arose</a:t>
             </a:r>
-            <a:endParaRPr lang="en-US" dirty="0"/>
           </a:p>
         </p:txBody>
       </p:sp>
@@ -39681,13 +39715,8 @@
           <a:p>
             <a:r>
               <a:rPr lang="en-US" sz="2800" dirty="0" smtClean="0"/>
-              <a:t>(We couldn’</a:t>
-            </a:r>
-            <a:r>
-              <a:rPr lang="en-US" sz="2800" dirty="0" smtClean="0"/>
-              <a:t>t figure out Phase 4.)</a:t>
-            </a:r>
-            <a:endParaRPr lang="en-US" sz="2800" dirty="0" smtClean="0"/>
+              <a:t>(We couldn’t figure out Phase 4.)</a:t>
+            </a:r>
           </a:p>
         </p:txBody>
       </p:sp>
@@ -39877,19 +39906,7 @@
             <a:pPr lvl="0"/>
             <a:r>
               <a:rPr lang="en-US" sz="2800" dirty="0" smtClean="0"/>
-              <a:t>Write the Written </a:t>
-            </a:r>
-            <a:r>
-              <a:rPr lang="en-US" sz="2800" dirty="0" smtClean="0"/>
-              <a:t>Report: </a:t>
-            </a:r>
-            <a:r>
-              <a:rPr lang="en-US" sz="2800" dirty="0" smtClean="0"/>
-              <a:t>Our Design </a:t>
-            </a:r>
-            <a:r>
-              <a:rPr lang="en-US" sz="2800" dirty="0" smtClean="0"/>
-              <a:t>Doc</a:t>
+              <a:t>Write the Written Report: Our Design Doc</a:t>
             </a:r>
           </a:p>
           <a:p>
@@ -39898,7 +39915,6 @@
               <a:rPr lang="en-US" sz="2800" dirty="0" smtClean="0"/>
               <a:t>Develop this (Oh-So Lovely) Presentation</a:t>
             </a:r>
-            <a:endParaRPr lang="en-US" sz="2800" dirty="0" smtClean="0"/>
           </a:p>
           <a:p>
             <a:pPr lvl="0"/>
@@ -41422,87 +41438,8 @@
           <a:lstStyle/>
           <a:p>
             <a:r>
-              <a:rPr lang="en-US" dirty="0" smtClean="0"/>
-              <a:t>Final result</a:t>
-            </a:r>
-            <a:endParaRPr lang="en-US" dirty="0"/>
-          </a:p>
-        </p:txBody>
-      </p:sp>
-      <p:sp>
-        <p:nvSpPr>
-          <p:cNvPr id="3" name="Content Placeholder 2"/>
-          <p:cNvSpPr>
-            <a:spLocks noGrp="1"/>
-          </p:cNvSpPr>
-          <p:nvPr>
-            <p:ph idx="1"/>
-          </p:nvPr>
-        </p:nvSpPr>
-        <p:spPr/>
-        <p:txBody>
-          <a:bodyPr/>
-          <a:lstStyle/>
-          <a:p>
-            <a:endParaRPr lang="en-US"/>
-          </a:p>
-        </p:txBody>
-      </p:sp>
-    </p:spTree>
-    <p:extLst>
-      <p:ext uri="{BB962C8B-B14F-4D97-AF65-F5344CB8AC3E}">
-        <p14:creationId xmlns:p14="http://schemas.microsoft.com/office/powerpoint/2010/main" val="4280734009"/>
-      </p:ext>
-    </p:extLst>
-  </p:cSld>
-  <p:clrMapOvr>
-    <a:masterClrMapping/>
-  </p:clrMapOvr>
-  <p:timing>
-    <p:tnLst>
-      <p:par>
-        <p:cTn id="1" dur="indefinite" restart="never" nodeType="tmRoot"/>
-      </p:par>
-    </p:tnLst>
-  </p:timing>
-</p:sld>
-</file>
-
-<file path=ppt/slides/slide28.xml><?xml version="1.0" encoding="utf-8"?>
-<p:sld xmlns:a="http://schemas.openxmlformats.org/drawingml/2006/main" xmlns:r="http://schemas.openxmlformats.org/officeDocument/2006/relationships" xmlns:p="http://schemas.openxmlformats.org/presentationml/2006/main">
-  <p:cSld>
-    <p:spTree>
-      <p:nvGrpSpPr>
-        <p:cNvPr id="1" name=""/>
-        <p:cNvGrpSpPr/>
-        <p:nvPr/>
-      </p:nvGrpSpPr>
-      <p:grpSpPr>
-        <a:xfrm>
-          <a:off x="0" y="0"/>
-          <a:ext cx="0" cy="0"/>
-          <a:chOff x="0" y="0"/>
-          <a:chExt cx="0" cy="0"/>
-        </a:xfrm>
-      </p:grpSpPr>
-      <p:sp>
-        <p:nvSpPr>
-          <p:cNvPr id="2" name="Title 1"/>
-          <p:cNvSpPr>
-            <a:spLocks noGrp="1"/>
-          </p:cNvSpPr>
-          <p:nvPr>
-            <p:ph type="title"/>
-          </p:nvPr>
-        </p:nvSpPr>
-        <p:spPr/>
-        <p:txBody>
-          <a:bodyPr/>
-          <a:lstStyle/>
-          <a:p>
-            <a:r>
-              <a:rPr lang="en-US" dirty="0" smtClean="0"/>
-              <a:t>SUMMARY</a:t>
+              <a:rPr lang="en-US" dirty="0" err="1" smtClean="0"/>
+              <a:t>REcap</a:t>
             </a:r>
             <a:endParaRPr lang="en-US" dirty="0"/>
           </a:p>
@@ -41553,6 +41490,119 @@
 </p:sld>
 </file>
 
+<file path=ppt/slides/slide28.xml><?xml version="1.0" encoding="utf-8"?>
+<p:sld xmlns:a="http://schemas.openxmlformats.org/drawingml/2006/main" xmlns:r="http://schemas.openxmlformats.org/officeDocument/2006/relationships" xmlns:p="http://schemas.openxmlformats.org/presentationml/2006/main">
+  <p:cSld>
+    <p:spTree>
+      <p:nvGrpSpPr>
+        <p:cNvPr id="1" name=""/>
+        <p:cNvGrpSpPr/>
+        <p:nvPr/>
+      </p:nvGrpSpPr>
+      <p:grpSpPr>
+        <a:xfrm>
+          <a:off x="0" y="0"/>
+          <a:ext cx="0" cy="0"/>
+          <a:chOff x="0" y="0"/>
+          <a:chExt cx="0" cy="0"/>
+        </a:xfrm>
+      </p:grpSpPr>
+      <p:sp>
+        <p:nvSpPr>
+          <p:cNvPr id="2" name="Title 1"/>
+          <p:cNvSpPr>
+            <a:spLocks noGrp="1"/>
+          </p:cNvSpPr>
+          <p:nvPr>
+            <p:ph type="title"/>
+          </p:nvPr>
+        </p:nvSpPr>
+        <p:spPr/>
+        <p:txBody>
+          <a:bodyPr>
+            <a:normAutofit/>
+          </a:bodyPr>
+          <a:lstStyle/>
+          <a:p>
+            <a:r>
+              <a:rPr lang="en-US" sz="4400" dirty="0" smtClean="0"/>
+              <a:t>Final result</a:t>
+            </a:r>
+            <a:endParaRPr lang="en-US" sz="4400" dirty="0"/>
+          </a:p>
+        </p:txBody>
+      </p:sp>
+      <p:sp>
+        <p:nvSpPr>
+          <p:cNvPr id="3" name="Content Placeholder 2"/>
+          <p:cNvSpPr>
+            <a:spLocks noGrp="1"/>
+          </p:cNvSpPr>
+          <p:nvPr>
+            <p:ph idx="1"/>
+          </p:nvPr>
+        </p:nvSpPr>
+        <p:spPr/>
+        <p:txBody>
+          <a:bodyPr>
+            <a:normAutofit/>
+          </a:bodyPr>
+          <a:lstStyle/>
+          <a:p>
+            <a:r>
+              <a:rPr lang="en-US" sz="2400" dirty="0" smtClean="0"/>
+              <a:t>We got the processor to implement basic R-type functions, but had difficulties with some D-types such as </a:t>
+            </a:r>
+            <a:r>
+              <a:rPr lang="en-US" sz="2400" dirty="0" err="1" smtClean="0"/>
+              <a:t>Addi</a:t>
+            </a:r>
+            <a:r>
+              <a:rPr lang="en-US" sz="2400" dirty="0" smtClean="0"/>
+              <a:t> and some B-types such as Branch.</a:t>
+            </a:r>
+          </a:p>
+          <a:p>
+            <a:endParaRPr lang="en-US" sz="2400" dirty="0" smtClean="0"/>
+          </a:p>
+          <a:p>
+            <a:r>
+              <a:rPr lang="en-US" sz="2400" dirty="0" smtClean="0"/>
+              <a:t>Towards the end, we did get the program to Branch, but it wasn’t Branching correctly.</a:t>
+            </a:r>
+          </a:p>
+          <a:p>
+            <a:endParaRPr lang="en-US" sz="2400" dirty="0" smtClean="0"/>
+          </a:p>
+          <a:p>
+            <a:r>
+              <a:rPr lang="en-US" sz="2400" dirty="0" smtClean="0"/>
+              <a:t>We haven’t yet figured out how to implement I/O for Phase 4 and 5 with our processor, but we have not given up hope.</a:t>
+            </a:r>
+            <a:endParaRPr lang="en-US" sz="2400" dirty="0"/>
+          </a:p>
+        </p:txBody>
+      </p:sp>
+    </p:spTree>
+    <p:extLst>
+      <p:ext uri="{BB962C8B-B14F-4D97-AF65-F5344CB8AC3E}">
+        <p14:creationId xmlns:p14="http://schemas.microsoft.com/office/powerpoint/2010/main" val="4280734009"/>
+      </p:ext>
+    </p:extLst>
+  </p:cSld>
+  <p:clrMapOvr>
+    <a:masterClrMapping/>
+  </p:clrMapOvr>
+  <p:timing>
+    <p:tnLst>
+      <p:par>
+        <p:cTn id="1" dur="indefinite" restart="never" nodeType="tmRoot"/>
+      </p:par>
+    </p:tnLst>
+  </p:timing>
+</p:sld>
+</file>
+
 <file path=ppt/slides/slide29.xml><?xml version="1.0" encoding="utf-8"?>
 <p:sld xmlns:a="http://schemas.openxmlformats.org/drawingml/2006/main" xmlns:r="http://schemas.openxmlformats.org/officeDocument/2006/relationships" xmlns:p="http://schemas.openxmlformats.org/presentationml/2006/main">
   <p:cSld>
@@ -41587,7 +41637,7 @@
           <a:p>
             <a:r>
               <a:rPr lang="en-US" dirty="0" smtClean="0"/>
-              <a:t>conclusion</a:t>
+              <a:t>References</a:t>
             </a:r>
             <a:endParaRPr lang="en-US" dirty="0"/>
           </a:p>
@@ -41605,17 +41655,180 @@
         </p:nvSpPr>
         <p:spPr/>
         <p:txBody>
-          <a:bodyPr/>
+          <a:bodyPr>
+            <a:normAutofit fontScale="85000" lnSpcReduction="20000"/>
+          </a:bodyPr>
           <a:lstStyle/>
           <a:p>
-            <a:endParaRPr lang="en-US"/>
+            <a:r>
+              <a:rPr lang="en-US" dirty="0"/>
+              <a:t> [1] </a:t>
+            </a:r>
+            <a:r>
+              <a:rPr lang="en-US" i="1" dirty="0"/>
+              <a:t>Lab 9 – Control Unit.</a:t>
+            </a:r>
+            <a:r>
+              <a:rPr lang="en-US" dirty="0"/>
+              <a:t> (2017). Retrieved 18 October, 2017, from </a:t>
+            </a:r>
+            <a:r>
+              <a:rPr lang="en-US" u="sng" dirty="0">
+                <a:hlinkClick r:id="rId2"/>
+              </a:rPr>
+              <a:t>https://canvas.unl.edu/courses/19800/files/folder/Lab/Week%209?preview=1207084</a:t>
+            </a:r>
+            <a:endParaRPr lang="en-US" dirty="0"/>
+          </a:p>
+          <a:p>
+            <a:r>
+              <a:rPr lang="en-US" dirty="0"/>
+              <a:t>[2] </a:t>
+            </a:r>
+            <a:r>
+              <a:rPr lang="en-US" i="1" dirty="0"/>
+              <a:t>CSCE 230 Project Overview</a:t>
+            </a:r>
+            <a:r>
+              <a:rPr lang="en-US" dirty="0"/>
+              <a:t>. (2017). Retrieved 25 October, 2017, from </a:t>
+            </a:r>
+            <a:r>
+              <a:rPr lang="en-US" u="sng" dirty="0">
+                <a:hlinkClick r:id="rId3"/>
+              </a:rPr>
+              <a:t>https://canvas.unl.edu/courses/19800/files/folder/Project/Overview%20and%20Helpful%20docs?preview=1285596</a:t>
+            </a:r>
+            <a:r>
+              <a:rPr lang="en-US" dirty="0"/>
+              <a:t> </a:t>
+            </a:r>
+          </a:p>
+          <a:p>
+            <a:r>
+              <a:rPr lang="en-US" dirty="0"/>
+              <a:t>[3] </a:t>
+            </a:r>
+            <a:r>
+              <a:rPr lang="en-US" i="1" dirty="0"/>
+              <a:t>CSCE 230 Project Part II </a:t>
+            </a:r>
+            <a:r>
+              <a:rPr lang="en-US" i="1" dirty="0" err="1"/>
+              <a:t>Datapath</a:t>
+            </a:r>
+            <a:r>
+              <a:rPr lang="en-US" i="1" dirty="0"/>
+              <a:t> implementation</a:t>
+            </a:r>
+            <a:r>
+              <a:rPr lang="en-US" dirty="0"/>
+              <a:t>. (2017). Retrieved October 25, 2017, from 	</a:t>
+            </a:r>
+            <a:r>
+              <a:rPr lang="en-US" u="sng" dirty="0">
+                <a:hlinkClick r:id="rId4"/>
+              </a:rPr>
+              <a:t>https://canvas.unl.edu/courses/19800/files/folder/Project/Part%202?preview=1245925</a:t>
+            </a:r>
+            <a:r>
+              <a:rPr lang="en-US" dirty="0"/>
+              <a:t> </a:t>
+            </a:r>
+          </a:p>
+          <a:p>
+            <a:r>
+              <a:rPr lang="en-US" dirty="0"/>
+              <a:t>[4] </a:t>
+            </a:r>
+            <a:r>
+              <a:rPr lang="en-US" i="1" dirty="0"/>
+              <a:t>CSCE 230 Project Part III Memory and instruction implementation</a:t>
+            </a:r>
+            <a:r>
+              <a:rPr lang="en-US" dirty="0"/>
+              <a:t>. (2017). Retrieved November 5, 2017, from </a:t>
+            </a:r>
+            <a:r>
+              <a:rPr lang="en-US" u="sng" dirty="0">
+                <a:hlinkClick r:id="rId5"/>
+              </a:rPr>
+              <a:t>https://canvas.unl.edu/courses/19800/files/folder/Project/Part%203?preview=1285586</a:t>
+            </a:r>
+            <a:endParaRPr lang="en-US" dirty="0"/>
+          </a:p>
+          <a:p>
+            <a:r>
+              <a:rPr lang="en-US" u="sng" dirty="0"/>
+              <a:t>[5] </a:t>
+            </a:r>
+            <a:r>
+              <a:rPr lang="en-US" i="1" dirty="0"/>
+              <a:t>CSCE 230 Project Part IV Adding I/O and ARM-like Conditional Execution</a:t>
+            </a:r>
+            <a:r>
+              <a:rPr lang="en-US" dirty="0"/>
+              <a:t>. (2017). Retrieved November 15, 2017, from </a:t>
+            </a:r>
+            <a:r>
+              <a:rPr lang="en-US" u="sng" dirty="0">
+                <a:hlinkClick r:id="rId6"/>
+              </a:rPr>
+              <a:t>https://canvas.unl.edu/courses/19800/files/folder/Project/Part%204?preview=1353550</a:t>
+            </a:r>
+            <a:endParaRPr lang="en-US" dirty="0"/>
+          </a:p>
+          <a:p>
+            <a:r>
+              <a:rPr lang="en-US" u="sng" dirty="0"/>
+              <a:t>[6] </a:t>
+            </a:r>
+            <a:r>
+              <a:rPr lang="en-US" i="1" dirty="0"/>
+              <a:t>CSCE 230 Project Part V Extending I/O and adding J-type instructions</a:t>
+            </a:r>
+            <a:r>
+              <a:rPr lang="en-US" dirty="0"/>
+              <a:t>. (2017). Retrieved November 26, 2017, from </a:t>
+            </a:r>
+            <a:r>
+              <a:rPr lang="en-US" u="sng" dirty="0">
+                <a:hlinkClick r:id="rId6"/>
+              </a:rPr>
+              <a:t>https://canvas.unl.edu/courses/19800/files/folder/Project/Part%204?preview=1353550</a:t>
+            </a:r>
+            <a:endParaRPr lang="en-US" dirty="0"/>
+          </a:p>
+          <a:p>
+            <a:r>
+              <a:rPr lang="en-US" u="sng" dirty="0"/>
+              <a:t>[7] </a:t>
+            </a:r>
+            <a:r>
+              <a:rPr lang="en-US" i="1" dirty="0"/>
+              <a:t>CSCE 230 Project Part VI Final Project, Written Report, Oral Presentation and Demonstration</a:t>
+            </a:r>
+            <a:r>
+              <a:rPr lang="en-US" dirty="0"/>
+              <a:t>. (2017). Retrieved November 26, 2017, from </a:t>
+            </a:r>
+            <a:r>
+              <a:rPr lang="en-US" u="sng" dirty="0">
+                <a:hlinkClick r:id="rId7"/>
+              </a:rPr>
+              <a:t>https://canvas.unl.edu/courses/19800/files/folder/Project/Part%205%20%26%206?preview=1397677</a:t>
+            </a:r>
+            <a:endParaRPr lang="en-US" dirty="0"/>
+          </a:p>
+          <a:p>
+            <a:endParaRPr lang="en-US" dirty="0"/>
           </a:p>
         </p:txBody>
       </p:sp>
     </p:spTree>
     <p:extLst>
       <p:ext uri="{BB962C8B-B14F-4D97-AF65-F5344CB8AC3E}">
-        <p14:creationId xmlns:p14="http://schemas.microsoft.com/office/powerpoint/2010/main" val="910797233"/>
+        <p14:creationId xmlns:p14="http://schemas.microsoft.com/office/powerpoint/2010/main" val="3944512006"/>
       </p:ext>
     </p:extLst>
   </p:cSld>
@@ -41744,248 +41957,6 @@
             <p:ph type="title"/>
           </p:nvPr>
         </p:nvSpPr>
-        <p:spPr/>
-        <p:txBody>
-          <a:bodyPr/>
-          <a:lstStyle/>
-          <a:p>
-            <a:r>
-              <a:rPr lang="en-US" dirty="0" smtClean="0"/>
-              <a:t>References</a:t>
-            </a:r>
-            <a:endParaRPr lang="en-US" dirty="0"/>
-          </a:p>
-        </p:txBody>
-      </p:sp>
-      <p:sp>
-        <p:nvSpPr>
-          <p:cNvPr id="3" name="Content Placeholder 2"/>
-          <p:cNvSpPr>
-            <a:spLocks noGrp="1"/>
-          </p:cNvSpPr>
-          <p:nvPr>
-            <p:ph idx="1"/>
-          </p:nvPr>
-        </p:nvSpPr>
-        <p:spPr/>
-        <p:txBody>
-          <a:bodyPr>
-            <a:normAutofit fontScale="85000" lnSpcReduction="20000"/>
-          </a:bodyPr>
-          <a:lstStyle/>
-          <a:p>
-            <a:r>
-              <a:rPr lang="en-US" dirty="0"/>
-              <a:t> [1] </a:t>
-            </a:r>
-            <a:r>
-              <a:rPr lang="en-US" i="1" dirty="0"/>
-              <a:t>Lab 9 – Control Unit.</a:t>
-            </a:r>
-            <a:r>
-              <a:rPr lang="en-US" dirty="0"/>
-              <a:t> (2017). Retrieved 18 October, 2017, from </a:t>
-            </a:r>
-            <a:r>
-              <a:rPr lang="en-US" u="sng" dirty="0">
-                <a:hlinkClick r:id="rId2"/>
-              </a:rPr>
-              <a:t>https://canvas.unl.edu/courses/19800/files/folder/Lab/Week%209?preview=1207084</a:t>
-            </a:r>
-            <a:endParaRPr lang="en-US" dirty="0"/>
-          </a:p>
-          <a:p>
-            <a:r>
-              <a:rPr lang="en-US" dirty="0"/>
-              <a:t>[2] </a:t>
-            </a:r>
-            <a:r>
-              <a:rPr lang="en-US" i="1" dirty="0"/>
-              <a:t>CSCE 230 Project Overview</a:t>
-            </a:r>
-            <a:r>
-              <a:rPr lang="en-US" dirty="0"/>
-              <a:t>. (2017). Retrieved 25 October, 2017, from </a:t>
-            </a:r>
-            <a:r>
-              <a:rPr lang="en-US" u="sng" dirty="0">
-                <a:hlinkClick r:id="rId3"/>
-              </a:rPr>
-              <a:t>https://canvas.unl.edu/courses/19800/files/folder/Project/Overview%20and%20Helpful%20docs?preview=1285596</a:t>
-            </a:r>
-            <a:r>
-              <a:rPr lang="en-US" dirty="0"/>
-              <a:t> </a:t>
-            </a:r>
-          </a:p>
-          <a:p>
-            <a:r>
-              <a:rPr lang="en-US" dirty="0"/>
-              <a:t>[3] </a:t>
-            </a:r>
-            <a:r>
-              <a:rPr lang="en-US" i="1" dirty="0"/>
-              <a:t>CSCE 230 Project Part II </a:t>
-            </a:r>
-            <a:r>
-              <a:rPr lang="en-US" i="1" dirty="0" err="1"/>
-              <a:t>Datapath</a:t>
-            </a:r>
-            <a:r>
-              <a:rPr lang="en-US" i="1" dirty="0"/>
-              <a:t> implementation</a:t>
-            </a:r>
-            <a:r>
-              <a:rPr lang="en-US" dirty="0"/>
-              <a:t>. (2017). Retrieved October 25, 2017, from 	</a:t>
-            </a:r>
-            <a:r>
-              <a:rPr lang="en-US" u="sng" dirty="0">
-                <a:hlinkClick r:id="rId4"/>
-              </a:rPr>
-              <a:t>https://canvas.unl.edu/courses/19800/files/folder/Project/Part%202?preview=1245925</a:t>
-            </a:r>
-            <a:r>
-              <a:rPr lang="en-US" dirty="0"/>
-              <a:t> </a:t>
-            </a:r>
-          </a:p>
-          <a:p>
-            <a:r>
-              <a:rPr lang="en-US" dirty="0"/>
-              <a:t>[4] </a:t>
-            </a:r>
-            <a:r>
-              <a:rPr lang="en-US" i="1" dirty="0"/>
-              <a:t>CSCE 230 Project Part III Memory and instruction implementation</a:t>
-            </a:r>
-            <a:r>
-              <a:rPr lang="en-US" dirty="0"/>
-              <a:t>. (2017). Retrieved November 5, 2017, from </a:t>
-            </a:r>
-            <a:r>
-              <a:rPr lang="en-US" u="sng" dirty="0">
-                <a:hlinkClick r:id="rId5"/>
-              </a:rPr>
-              <a:t>https://canvas.unl.edu/courses/19800/files/folder/Project/Part%203?preview=1285586</a:t>
-            </a:r>
-            <a:endParaRPr lang="en-US" dirty="0"/>
-          </a:p>
-          <a:p>
-            <a:r>
-              <a:rPr lang="en-US" u="sng" dirty="0"/>
-              <a:t>[5] </a:t>
-            </a:r>
-            <a:r>
-              <a:rPr lang="en-US" i="1" dirty="0"/>
-              <a:t>CSCE 230 Project Part IV Adding I/O and ARM-like Conditional Execution</a:t>
-            </a:r>
-            <a:r>
-              <a:rPr lang="en-US" dirty="0"/>
-              <a:t>. (2017). Retrieved November 15, 2017, from </a:t>
-            </a:r>
-            <a:r>
-              <a:rPr lang="en-US" u="sng" dirty="0">
-                <a:hlinkClick r:id="rId6"/>
-              </a:rPr>
-              <a:t>https://canvas.unl.edu/courses/19800/files/folder/Project/Part%204?preview=1353550</a:t>
-            </a:r>
-            <a:endParaRPr lang="en-US" dirty="0"/>
-          </a:p>
-          <a:p>
-            <a:r>
-              <a:rPr lang="en-US" u="sng" dirty="0"/>
-              <a:t>[6] </a:t>
-            </a:r>
-            <a:r>
-              <a:rPr lang="en-US" i="1" dirty="0"/>
-              <a:t>CSCE 230 Project Part V Extending I/O and adding J-type instructions</a:t>
-            </a:r>
-            <a:r>
-              <a:rPr lang="en-US" dirty="0"/>
-              <a:t>. (2017). Retrieved November 26, 2017, from </a:t>
-            </a:r>
-            <a:r>
-              <a:rPr lang="en-US" u="sng" dirty="0">
-                <a:hlinkClick r:id="rId6"/>
-              </a:rPr>
-              <a:t>https://canvas.unl.edu/courses/19800/files/folder/Project/Part%204?preview=1353550</a:t>
-            </a:r>
-            <a:endParaRPr lang="en-US" dirty="0"/>
-          </a:p>
-          <a:p>
-            <a:r>
-              <a:rPr lang="en-US" u="sng" dirty="0"/>
-              <a:t>[7] </a:t>
-            </a:r>
-            <a:r>
-              <a:rPr lang="en-US" i="1" dirty="0"/>
-              <a:t>CSCE 230 Project Part VI Final Project, Written Report, Oral Presentation and Demonstration</a:t>
-            </a:r>
-            <a:r>
-              <a:rPr lang="en-US" dirty="0"/>
-              <a:t>. (2017). Retrieved November 26, 2017, from </a:t>
-            </a:r>
-            <a:r>
-              <a:rPr lang="en-US" u="sng" dirty="0">
-                <a:hlinkClick r:id="rId7"/>
-              </a:rPr>
-              <a:t>https://canvas.unl.edu/courses/19800/files/folder/Project/Part%205%20%26%206?preview=1397677</a:t>
-            </a:r>
-            <a:endParaRPr lang="en-US" dirty="0"/>
-          </a:p>
-          <a:p>
-            <a:endParaRPr lang="en-US" dirty="0"/>
-          </a:p>
-        </p:txBody>
-      </p:sp>
-    </p:spTree>
-    <p:extLst>
-      <p:ext uri="{BB962C8B-B14F-4D97-AF65-F5344CB8AC3E}">
-        <p14:creationId xmlns:p14="http://schemas.microsoft.com/office/powerpoint/2010/main" val="3944512006"/>
-      </p:ext>
-    </p:extLst>
-  </p:cSld>
-  <p:clrMapOvr>
-    <a:masterClrMapping/>
-  </p:clrMapOvr>
-  <p:timing>
-    <p:tnLst>
-      <p:par>
-        <p:cTn id="1" dur="indefinite" restart="never" nodeType="tmRoot"/>
-      </p:par>
-    </p:tnLst>
-  </p:timing>
-</p:sld>
-</file>
-
-<file path=ppt/slides/slide31.xml><?xml version="1.0" encoding="utf-8"?>
-<p:sld xmlns:a="http://schemas.openxmlformats.org/drawingml/2006/main" xmlns:r="http://schemas.openxmlformats.org/officeDocument/2006/relationships" xmlns:p="http://schemas.openxmlformats.org/presentationml/2006/main">
-  <p:cSld>
-    <p:spTree>
-      <p:nvGrpSpPr>
-        <p:cNvPr id="1" name=""/>
-        <p:cNvGrpSpPr/>
-        <p:nvPr/>
-      </p:nvGrpSpPr>
-      <p:grpSpPr>
-        <a:xfrm>
-          <a:off x="0" y="0"/>
-          <a:ext cx="0" cy="0"/>
-          <a:chOff x="0" y="0"/>
-          <a:chExt cx="0" cy="0"/>
-        </a:xfrm>
-      </p:grpSpPr>
-      <p:sp>
-        <p:nvSpPr>
-          <p:cNvPr id="2" name="Title 1"/>
-          <p:cNvSpPr>
-            <a:spLocks noGrp="1"/>
-          </p:cNvSpPr>
-          <p:nvPr>
-            <p:ph type="title"/>
-          </p:nvPr>
-        </p:nvSpPr>
         <p:spPr>
           <a:xfrm>
             <a:off x="1" y="1"/>
@@ -42209,7 +42180,7 @@
 </p:sld>
 </file>
 
-<file path=ppt/slides/slide32.xml><?xml version="1.0" encoding="utf-8"?>
+<file path=ppt/slides/slide31.xml><?xml version="1.0" encoding="utf-8"?>
 <p:sld xmlns:a="http://schemas.openxmlformats.org/drawingml/2006/main" xmlns:r="http://schemas.openxmlformats.org/officeDocument/2006/relationships" xmlns:p="http://schemas.openxmlformats.org/presentationml/2006/main">
   <p:cSld>
     <p:spTree>
@@ -42316,7 +42287,7 @@
 </p:sld>
 </file>
 
-<file path=ppt/slides/slide33.xml><?xml version="1.0" encoding="utf-8"?>
+<file path=ppt/slides/slide32.xml><?xml version="1.0" encoding="utf-8"?>
 <p:sld xmlns:a="http://schemas.openxmlformats.org/drawingml/2006/main" xmlns:r="http://schemas.openxmlformats.org/officeDocument/2006/relationships" xmlns:p="http://schemas.openxmlformats.org/presentationml/2006/main">
   <p:cSld>
     <p:spTree>
@@ -42516,11 +42487,7 @@
           <a:p>
             <a:r>
               <a:rPr lang="en-US" sz="3600" dirty="0" smtClean="0"/>
-              <a:t>Create a Register </a:t>
-            </a:r>
-            <a:r>
-              <a:rPr lang="en-US" sz="3600" dirty="0" smtClean="0"/>
-              <a:t>File</a:t>
+              <a:t>Create a Register File</a:t>
             </a:r>
           </a:p>
           <a:p>
@@ -42533,15 +42500,7 @@
           <a:p>
             <a:r>
               <a:rPr lang="en-US" sz="3600" dirty="0" smtClean="0"/>
-              <a:t>Create </a:t>
-            </a:r>
-            <a:r>
-              <a:rPr lang="en-US" sz="3600" dirty="0" smtClean="0"/>
-              <a:t>an </a:t>
-            </a:r>
-            <a:r>
-              <a:rPr lang="en-US" sz="3600" dirty="0" smtClean="0"/>
-              <a:t>ALU</a:t>
+              <a:t>Create an ALU</a:t>
             </a:r>
           </a:p>
           <a:p>
@@ -42550,7 +42509,6 @@
               <a:rPr lang="en-US" sz="2800" dirty="0" smtClean="0"/>
               <a:t>16 bit</a:t>
             </a:r>
-            <a:endParaRPr lang="en-US" sz="2800" dirty="0" smtClean="0"/>
           </a:p>
           <a:p>
             <a:r>
@@ -42623,11 +42581,7 @@
           <a:p>
             <a:r>
               <a:rPr lang="en-US" sz="4400" dirty="0" smtClean="0"/>
-              <a:t>Phase 1: what </a:t>
-            </a:r>
-            <a:r>
-              <a:rPr lang="en-US" sz="4400" dirty="0" smtClean="0"/>
-              <a:t>We actually did</a:t>
+              <a:t>Phase 1: what We actually did</a:t>
             </a:r>
             <a:endParaRPr lang="en-US" sz="4400" dirty="0"/>
           </a:p>
@@ -42652,11 +42606,7 @@
           <a:p>
             <a:r>
               <a:rPr lang="en-US" sz="3600" dirty="0" smtClean="0"/>
-              <a:t>Create a Register </a:t>
-            </a:r>
-            <a:r>
-              <a:rPr lang="en-US" sz="3600" dirty="0" smtClean="0"/>
-              <a:t>File</a:t>
+              <a:t>Create a Register File</a:t>
             </a:r>
           </a:p>
           <a:p>
@@ -42665,16 +42615,11 @@
               <a:rPr lang="en-US" sz="2800" dirty="0" smtClean="0"/>
               <a:t>This was completed in Lab 7.</a:t>
             </a:r>
-            <a:endParaRPr lang="en-US" sz="2800" dirty="0" smtClean="0"/>
           </a:p>
           <a:p>
             <a:r>
               <a:rPr lang="en-US" sz="3600" dirty="0" smtClean="0"/>
-              <a:t>Create an </a:t>
-            </a:r>
-            <a:r>
-              <a:rPr lang="en-US" sz="3600" dirty="0" smtClean="0"/>
-              <a:t>ALU</a:t>
+              <a:t>Create an ALU</a:t>
             </a:r>
           </a:p>
           <a:p>
@@ -42683,16 +42628,11 @@
               <a:rPr lang="en-US" sz="2800" dirty="0" smtClean="0"/>
               <a:t>This was completed in Lab 6.</a:t>
             </a:r>
-            <a:endParaRPr lang="en-US" sz="2800" dirty="0" smtClean="0"/>
           </a:p>
           <a:p>
             <a:r>
               <a:rPr lang="en-US" sz="3600" dirty="0" smtClean="0"/>
-              <a:t>Start Building a Control </a:t>
-            </a:r>
-            <a:r>
-              <a:rPr lang="en-US" sz="3600" dirty="0" smtClean="0"/>
-              <a:t>Unit</a:t>
+              <a:t>Start Building a Control Unit</a:t>
             </a:r>
           </a:p>
           <a:p>
@@ -42786,11 +42726,7 @@
           <a:p>
             <a:r>
               <a:rPr lang="en-US" sz="2800" dirty="0" smtClean="0"/>
-              <a:t>We used Molly’s ALU and Nate’s Register File in th</a:t>
-            </a:r>
-            <a:r>
-              <a:rPr lang="en-US" sz="2800" dirty="0" smtClean="0"/>
-              <a:t>e Project.</a:t>
+              <a:t>We used Molly’s ALU and Nate’s Register File in the Project.</a:t>
             </a:r>
           </a:p>
           <a:p>
@@ -43496,15 +43432,7 @@
           <a:p>
             <a:r>
               <a:rPr lang="en-US" sz="2800" dirty="0" smtClean="0"/>
-              <a:t>Starter code for </a:t>
-            </a:r>
-            <a:r>
-              <a:rPr lang="en-US" sz="2800" dirty="0" smtClean="0"/>
-              <a:t>the </a:t>
-            </a:r>
-            <a:r>
-              <a:rPr lang="en-US" sz="2800" dirty="0" smtClean="0"/>
-              <a:t>Control Unit was provided in Canvas.</a:t>
+              <a:t>Starter code for the Control Unit was provided in Canvas.</a:t>
             </a:r>
           </a:p>
           <a:p>
@@ -44062,4 +43990,265 @@
     </a:ext>
   </a:extLst>
 </a:theme>
+</file>
+
+<file path=ppt/theme/theme3.xml><?xml version="1.0" encoding="utf-8"?>
+<a:theme xmlns:a="http://schemas.openxmlformats.org/drawingml/2006/main" name="Office Theme">
+  <a:themeElements>
+    <a:clrScheme name="Office">
+      <a:dk1>
+        <a:sysClr val="windowText" lastClr="000000"/>
+      </a:dk1>
+      <a:lt1>
+        <a:sysClr val="window" lastClr="FFFFFF"/>
+      </a:lt1>
+      <a:dk2>
+        <a:srgbClr val="44546A"/>
+      </a:dk2>
+      <a:lt2>
+        <a:srgbClr val="E7E6E6"/>
+      </a:lt2>
+      <a:accent1>
+        <a:srgbClr val="5B9BD5"/>
+      </a:accent1>
+      <a:accent2>
+        <a:srgbClr val="ED7D31"/>
+      </a:accent2>
+      <a:accent3>
+        <a:srgbClr val="A5A5A5"/>
+      </a:accent3>
+      <a:accent4>
+        <a:srgbClr val="FFC000"/>
+      </a:accent4>
+      <a:accent5>
+        <a:srgbClr val="4472C4"/>
+      </a:accent5>
+      <a:accent6>
+        <a:srgbClr val="70AD47"/>
+      </a:accent6>
+      <a:hlink>
+        <a:srgbClr val="0563C1"/>
+      </a:hlink>
+      <a:folHlink>
+        <a:srgbClr val="954F72"/>
+      </a:folHlink>
+    </a:clrScheme>
+    <a:fontScheme name="Office">
+      <a:majorFont>
+        <a:latin typeface="Calibri Light" panose="020F0302020204030204"/>
+        <a:ea typeface=""/>
+        <a:cs typeface=""/>
+        <a:font script="Jpan" typeface="游ゴシック Light"/>
+        <a:font script="Hang" typeface="맑은 고딕"/>
+        <a:font script="Hans" typeface="等线 Light"/>
+        <a:font script="Hant" typeface="新細明體"/>
+        <a:font script="Arab" typeface="Times New Roman"/>
+        <a:font script="Hebr" typeface="Times New Roman"/>
+        <a:font script="Thai" typeface="Angsana New"/>
+        <a:font script="Ethi" typeface="Nyala"/>
+        <a:font script="Beng" typeface="Vrinda"/>
+        <a:font script="Gujr" typeface="Shruti"/>
+        <a:font script="Khmr" typeface="MoolBoran"/>
+        <a:font script="Knda" typeface="Tunga"/>
+        <a:font script="Guru" typeface="Raavi"/>
+        <a:font script="Cans" typeface="Euphemia"/>
+        <a:font script="Cher" typeface="Plantagenet Cherokee"/>
+        <a:font script="Yiii" typeface="Microsoft Yi Baiti"/>
+        <a:font script="Tibt" typeface="Microsoft Himalaya"/>
+        <a:font script="Thaa" typeface="MV Boli"/>
+        <a:font script="Deva" typeface="Mangal"/>
+        <a:font script="Telu" typeface="Gautami"/>
+        <a:font script="Taml" typeface="Latha"/>
+        <a:font script="Syrc" typeface="Estrangelo Edessa"/>
+        <a:font script="Orya" typeface="Kalinga"/>
+        <a:font script="Mlym" typeface="Kartika"/>
+        <a:font script="Laoo" typeface="DokChampa"/>
+        <a:font script="Sinh" typeface="Iskoola Pota"/>
+        <a:font script="Mong" typeface="Mongolian Baiti"/>
+        <a:font script="Viet" typeface="Times New Roman"/>
+        <a:font script="Uigh" typeface="Microsoft Uighur"/>
+        <a:font script="Geor" typeface="Sylfaen"/>
+      </a:majorFont>
+      <a:minorFont>
+        <a:latin typeface="Calibri" panose="020F0502020204030204"/>
+        <a:ea typeface=""/>
+        <a:cs typeface=""/>
+        <a:font script="Jpan" typeface="游ゴシック"/>
+        <a:font script="Hang" typeface="맑은 고딕"/>
+        <a:font script="Hans" typeface="等线"/>
+        <a:font script="Hant" typeface="新細明體"/>
+        <a:font script="Arab" typeface="Arial"/>
+        <a:font script="Hebr" typeface="Arial"/>
+        <a:font script="Thai" typeface="Cordia New"/>
+        <a:font script="Ethi" typeface="Nyala"/>
+        <a:font script="Beng" typeface="Vrinda"/>
+        <a:font script="Gujr" typeface="Shruti"/>
+        <a:font script="Khmr" typeface="DaunPenh"/>
+        <a:font script="Knda" typeface="Tunga"/>
+        <a:font script="Guru" typeface="Raavi"/>
+        <a:font script="Cans" typeface="Euphemia"/>
+        <a:font script="Cher" typeface="Plantagenet Cherokee"/>
+        <a:font script="Yiii" typeface="Microsoft Yi Baiti"/>
+        <a:font script="Tibt" typeface="Microsoft Himalaya"/>
+        <a:font script="Thaa" typeface="MV Boli"/>
+        <a:font script="Deva" typeface="Mangal"/>
+        <a:font script="Telu" typeface="Gautami"/>
+        <a:font script="Taml" typeface="Latha"/>
+        <a:font script="Syrc" typeface="Estrangelo Edessa"/>
+        <a:font script="Orya" typeface="Kalinga"/>
+        <a:font script="Mlym" typeface="Kartika"/>
+        <a:font script="Laoo" typeface="DokChampa"/>
+        <a:font script="Sinh" typeface="Iskoola Pota"/>
+        <a:font script="Mong" typeface="Mongolian Baiti"/>
+        <a:font script="Viet" typeface="Arial"/>
+        <a:font script="Uigh" typeface="Microsoft Uighur"/>
+        <a:font script="Geor" typeface="Sylfaen"/>
+      </a:minorFont>
+    </a:fontScheme>
+    <a:fmtScheme name="Office">
+      <a:fillStyleLst>
+        <a:solidFill>
+          <a:schemeClr val="phClr"/>
+        </a:solidFill>
+        <a:gradFill rotWithShape="1">
+          <a:gsLst>
+            <a:gs pos="0">
+              <a:schemeClr val="phClr">
+                <a:lumMod val="110000"/>
+                <a:satMod val="105000"/>
+                <a:tint val="67000"/>
+              </a:schemeClr>
+            </a:gs>
+            <a:gs pos="50000">
+              <a:schemeClr val="phClr">
+                <a:lumMod val="105000"/>
+                <a:satMod val="103000"/>
+                <a:tint val="73000"/>
+              </a:schemeClr>
+            </a:gs>
+            <a:gs pos="100000">
+              <a:schemeClr val="phClr">
+                <a:lumMod val="105000"/>
+                <a:satMod val="109000"/>
+                <a:tint val="81000"/>
+              </a:schemeClr>
+            </a:gs>
+          </a:gsLst>
+          <a:lin ang="5400000" scaled="0"/>
+        </a:gradFill>
+        <a:gradFill rotWithShape="1">
+          <a:gsLst>
+            <a:gs pos="0">
+              <a:schemeClr val="phClr">
+                <a:satMod val="103000"/>
+                <a:lumMod val="102000"/>
+                <a:tint val="94000"/>
+              </a:schemeClr>
+            </a:gs>
+            <a:gs pos="50000">
+              <a:schemeClr val="phClr">
+                <a:satMod val="110000"/>
+                <a:lumMod val="100000"/>
+                <a:shade val="100000"/>
+              </a:schemeClr>
+            </a:gs>
+            <a:gs pos="100000">
+              <a:schemeClr val="phClr">
+                <a:lumMod val="99000"/>
+                <a:satMod val="120000"/>
+                <a:shade val="78000"/>
+              </a:schemeClr>
+            </a:gs>
+          </a:gsLst>
+          <a:lin ang="5400000" scaled="0"/>
+        </a:gradFill>
+      </a:fillStyleLst>
+      <a:lnStyleLst>
+        <a:ln w="6350" cap="flat" cmpd="sng" algn="ctr">
+          <a:solidFill>
+            <a:schemeClr val="phClr"/>
+          </a:solidFill>
+          <a:prstDash val="solid"/>
+          <a:miter lim="800000"/>
+        </a:ln>
+        <a:ln w="12700" cap="flat" cmpd="sng" algn="ctr">
+          <a:solidFill>
+            <a:schemeClr val="phClr"/>
+          </a:solidFill>
+          <a:prstDash val="solid"/>
+          <a:miter lim="800000"/>
+        </a:ln>
+        <a:ln w="19050" cap="flat" cmpd="sng" algn="ctr">
+          <a:solidFill>
+            <a:schemeClr val="phClr"/>
+          </a:solidFill>
+          <a:prstDash val="solid"/>
+          <a:miter lim="800000"/>
+        </a:ln>
+      </a:lnStyleLst>
+      <a:effectStyleLst>
+        <a:effectStyle>
+          <a:effectLst/>
+        </a:effectStyle>
+        <a:effectStyle>
+          <a:effectLst/>
+        </a:effectStyle>
+        <a:effectStyle>
+          <a:effectLst>
+            <a:outerShdw blurRad="57150" dist="19050" dir="5400000" algn="ctr" rotWithShape="0">
+              <a:srgbClr val="000000">
+                <a:alpha val="63000"/>
+              </a:srgbClr>
+            </a:outerShdw>
+          </a:effectLst>
+        </a:effectStyle>
+      </a:effectStyleLst>
+      <a:bgFillStyleLst>
+        <a:solidFill>
+          <a:schemeClr val="phClr"/>
+        </a:solidFill>
+        <a:solidFill>
+          <a:schemeClr val="phClr">
+            <a:tint val="95000"/>
+            <a:satMod val="170000"/>
+          </a:schemeClr>
+        </a:solidFill>
+        <a:gradFill rotWithShape="1">
+          <a:gsLst>
+            <a:gs pos="0">
+              <a:schemeClr val="phClr">
+                <a:tint val="93000"/>
+                <a:satMod val="150000"/>
+                <a:shade val="98000"/>
+                <a:lumMod val="102000"/>
+              </a:schemeClr>
+            </a:gs>
+            <a:gs pos="50000">
+              <a:schemeClr val="phClr">
+                <a:tint val="98000"/>
+                <a:satMod val="130000"/>
+                <a:shade val="90000"/>
+                <a:lumMod val="103000"/>
+              </a:schemeClr>
+            </a:gs>
+            <a:gs pos="100000">
+              <a:schemeClr val="phClr">
+                <a:shade val="63000"/>
+                <a:satMod val="120000"/>
+              </a:schemeClr>
+            </a:gs>
+          </a:gsLst>
+          <a:lin ang="5400000" scaled="0"/>
+        </a:gradFill>
+      </a:bgFillStyleLst>
+    </a:fmtScheme>
+  </a:themeElements>
+  <a:objectDefaults/>
+  <a:extraClrSchemeLst/>
+  <a:extLst>
+    <a:ext uri="{05A4C25C-085E-4340-85A3-A5531E510DB2}">
+      <thm15:themeFamily xmlns:thm15="http://schemas.microsoft.com/office/thememl/2012/main" name="Office Theme" id="{62F939B6-93AF-4DB8-9C6B-D6C7DFDC589F}" vid="{4A3C46E8-61CC-4603-A589-7422A47A8E4A}"/>
+    </a:ext>
+  </a:extLst>
+</a:theme>
 </file>
--- a/Part6/The Adventurous Project of building a processor.pptx
+++ b/Part6/The Adventurous Project of building a processor.pptx
@@ -8614,7 +8614,15 @@
         <a:p>
           <a:r>
             <a:rPr lang="en-US" sz="2400" dirty="0" smtClean="0"/>
-            <a:t>Our project was split into six phases, each of which was vital to the success of the overall project.</a:t>
+            <a:t>Our project was split into </a:t>
+          </a:r>
+          <a:r>
+            <a:rPr lang="en-US" sz="2400" dirty="0" smtClean="0"/>
+            <a:t>7 </a:t>
+          </a:r>
+          <a:r>
+            <a:rPr lang="en-US" sz="2400" dirty="0" smtClean="0"/>
+            <a:t>phases, each of which was vital to the success of the overall project.</a:t>
           </a:r>
           <a:endParaRPr lang="en-US" sz="2400" dirty="0"/>
         </a:p>
@@ -9159,23 +9167,23 @@
     </dgm:pt>
   </dgm:ptLst>
   <dgm:cxnLst>
+    <dgm:cxn modelId="{0FA209AC-4AD3-4EA8-8862-47D0E7B332F2}" type="presOf" srcId="{60AC162E-7709-4543-9382-0AB390A2202F}" destId="{B3EE5CF6-D6CF-427E-880B-0F02D3CB2444}" srcOrd="0" destOrd="0" presId="urn:microsoft.com/office/officeart/2008/layout/LinedList"/>
+    <dgm:cxn modelId="{A587061A-C5D8-4761-AE38-3478C4982DA8}" type="presOf" srcId="{77164FD3-9F49-4EA9-98E6-C7BC2137B4B1}" destId="{96B51C0D-7E42-434A-8339-F812C4AC2E96}" srcOrd="0" destOrd="0" presId="urn:microsoft.com/office/officeart/2008/layout/LinedList"/>
+    <dgm:cxn modelId="{D2B56790-3A47-474F-AE02-0F4DDD56BD23}" type="presOf" srcId="{C062E97C-F934-44BB-8579-F9B554401582}" destId="{93D5975A-9A0B-451C-9D37-306340208A2F}" srcOrd="0" destOrd="0" presId="urn:microsoft.com/office/officeart/2008/layout/LinedList"/>
+    <dgm:cxn modelId="{B15CA486-5498-4B3D-9F3C-138DCBCC9310}" srcId="{44A1DE08-FB63-4329-90BF-7823D175BC1E}" destId="{E721CFF6-F5DA-4C84-96E8-E6869F5D9A72}" srcOrd="0" destOrd="0" parTransId="{7A70569B-3BB2-4904-A000-6CCD152103E8}" sibTransId="{46164CA9-E624-42F9-BAA5-0D1B4B6D2EC5}"/>
+    <dgm:cxn modelId="{CA759E7F-66AE-465E-A846-6B2C8881A255}" srcId="{E721CFF6-F5DA-4C84-96E8-E6869F5D9A72}" destId="{C062E97C-F934-44BB-8579-F9B554401582}" srcOrd="5" destOrd="0" parTransId="{64E54EA2-0CBD-40C7-A761-17CAEEC26F18}" sibTransId="{AB9D5C7A-1FB6-4AFD-B4E5-5DA8E20A5E21}"/>
+    <dgm:cxn modelId="{C439BEF7-4A42-4BAC-9635-FAA8D7BA8BFC}" type="presOf" srcId="{E721CFF6-F5DA-4C84-96E8-E6869F5D9A72}" destId="{3BEF68D0-D17D-46BC-86E8-FB68A8C93665}" srcOrd="0" destOrd="0" presId="urn:microsoft.com/office/officeart/2008/layout/LinedList"/>
     <dgm:cxn modelId="{6E8A2461-093A-438B-B752-EB4F414855A9}" srcId="{E721CFF6-F5DA-4C84-96E8-E6869F5D9A72}" destId="{2763F3B8-D354-4513-A2A5-1ACC91F2D733}" srcOrd="3" destOrd="0" parTransId="{B3350334-656E-4F4E-B301-603334E19C52}" sibTransId="{66B70017-53FF-40EC-9C94-E10D7F063EEF}"/>
+    <dgm:cxn modelId="{FC67AADC-7294-4BBA-9E63-7449683EB2CE}" srcId="{E721CFF6-F5DA-4C84-96E8-E6869F5D9A72}" destId="{828B2E6E-F803-4A64-BF50-2E9FDB4E1DEA}" srcOrd="4" destOrd="0" parTransId="{61E92328-2C35-4F83-9936-DEA603CF1478}" sibTransId="{15D6D97E-DA23-4A74-A520-4BC0DAB41982}"/>
+    <dgm:cxn modelId="{5852A184-8F49-4767-927C-4CAB75CD7887}" srcId="{E721CFF6-F5DA-4C84-96E8-E6869F5D9A72}" destId="{60AC162E-7709-4543-9382-0AB390A2202F}" srcOrd="6" destOrd="0" parTransId="{CA85B955-01DA-44B2-86CE-39DDD3502ADE}" sibTransId="{998CD6A2-8BC1-4FCF-AA79-DDCCA6244029}"/>
+    <dgm:cxn modelId="{49BB62EA-B427-4A8F-8583-0854F3481C94}" type="presOf" srcId="{828B2E6E-F803-4A64-BF50-2E9FDB4E1DEA}" destId="{B8BF9229-CCB5-4368-9706-7091C57C676F}" srcOrd="0" destOrd="0" presId="urn:microsoft.com/office/officeart/2008/layout/LinedList"/>
+    <dgm:cxn modelId="{D412BAB7-AD78-4C7F-8F7D-2830E9157EFB}" type="presOf" srcId="{93C4C77B-D590-4C38-9342-DB9089CDF074}" destId="{DEAD70E7-FE25-49F0-BA74-B1A786880FAD}" srcOrd="0" destOrd="0" presId="urn:microsoft.com/office/officeart/2008/layout/LinedList"/>
+    <dgm:cxn modelId="{DB5A4F5B-46BE-41EC-9B54-909565D2202C}" type="presOf" srcId="{2763F3B8-D354-4513-A2A5-1ACC91F2D733}" destId="{4D8A79E5-E948-4FBA-96D5-1C6CC280B61E}" srcOrd="0" destOrd="0" presId="urn:microsoft.com/office/officeart/2008/layout/LinedList"/>
+    <dgm:cxn modelId="{501D4334-311B-453D-A0D7-914E5D1BB4BB}" srcId="{E721CFF6-F5DA-4C84-96E8-E6869F5D9A72}" destId="{77164FD3-9F49-4EA9-98E6-C7BC2137B4B1}" srcOrd="1" destOrd="0" parTransId="{32C7AC37-8CFC-4402-B165-67874806FED0}" sibTransId="{7EB477EE-FE4E-409D-A902-F5CD0AA979EA}"/>
     <dgm:cxn modelId="{BC9C0B93-D0D0-49EE-A5E6-1494291AB6AE}" srcId="{E721CFF6-F5DA-4C84-96E8-E6869F5D9A72}" destId="{93C4C77B-D590-4C38-9342-DB9089CDF074}" srcOrd="0" destOrd="0" parTransId="{87F3107C-78CE-4266-B957-A03DD37ED2EC}" sibTransId="{22B8F299-92FD-4E99-9C1D-6B04907D01DE}"/>
-    <dgm:cxn modelId="{49BB62EA-B427-4A8F-8583-0854F3481C94}" type="presOf" srcId="{828B2E6E-F803-4A64-BF50-2E9FDB4E1DEA}" destId="{B8BF9229-CCB5-4368-9706-7091C57C676F}" srcOrd="0" destOrd="0" presId="urn:microsoft.com/office/officeart/2008/layout/LinedList"/>
     <dgm:cxn modelId="{219D1123-AEF5-426A-A0DF-A53424716E1F}" srcId="{E721CFF6-F5DA-4C84-96E8-E6869F5D9A72}" destId="{988E2471-8E50-4FD9-B835-B8F5F91943AB}" srcOrd="2" destOrd="0" parTransId="{96D9BF4A-A2F7-4139-A6A2-6E4557567322}" sibTransId="{EA4CD0F0-9E69-4C56-8C80-7C0168764228}"/>
-    <dgm:cxn modelId="{501D4334-311B-453D-A0D7-914E5D1BB4BB}" srcId="{E721CFF6-F5DA-4C84-96E8-E6869F5D9A72}" destId="{77164FD3-9F49-4EA9-98E6-C7BC2137B4B1}" srcOrd="1" destOrd="0" parTransId="{32C7AC37-8CFC-4402-B165-67874806FED0}" sibTransId="{7EB477EE-FE4E-409D-A902-F5CD0AA979EA}"/>
     <dgm:cxn modelId="{24C9731C-5E79-4395-A6D2-F25F44C66CD3}" type="presOf" srcId="{988E2471-8E50-4FD9-B835-B8F5F91943AB}" destId="{6D944198-004B-493E-AB32-D606E61829B8}" srcOrd="0" destOrd="0" presId="urn:microsoft.com/office/officeart/2008/layout/LinedList"/>
-    <dgm:cxn modelId="{B15CA486-5498-4B3D-9F3C-138DCBCC9310}" srcId="{44A1DE08-FB63-4329-90BF-7823D175BC1E}" destId="{E721CFF6-F5DA-4C84-96E8-E6869F5D9A72}" srcOrd="0" destOrd="0" parTransId="{7A70569B-3BB2-4904-A000-6CCD152103E8}" sibTransId="{46164CA9-E624-42F9-BAA5-0D1B4B6D2EC5}"/>
-    <dgm:cxn modelId="{A587061A-C5D8-4761-AE38-3478C4982DA8}" type="presOf" srcId="{77164FD3-9F49-4EA9-98E6-C7BC2137B4B1}" destId="{96B51C0D-7E42-434A-8339-F812C4AC2E96}" srcOrd="0" destOrd="0" presId="urn:microsoft.com/office/officeart/2008/layout/LinedList"/>
-    <dgm:cxn modelId="{CA759E7F-66AE-465E-A846-6B2C8881A255}" srcId="{E721CFF6-F5DA-4C84-96E8-E6869F5D9A72}" destId="{C062E97C-F934-44BB-8579-F9B554401582}" srcOrd="5" destOrd="0" parTransId="{64E54EA2-0CBD-40C7-A761-17CAEEC26F18}" sibTransId="{AB9D5C7A-1FB6-4AFD-B4E5-5DA8E20A5E21}"/>
-    <dgm:cxn modelId="{D2B56790-3A47-474F-AE02-0F4DDD56BD23}" type="presOf" srcId="{C062E97C-F934-44BB-8579-F9B554401582}" destId="{93D5975A-9A0B-451C-9D37-306340208A2F}" srcOrd="0" destOrd="0" presId="urn:microsoft.com/office/officeart/2008/layout/LinedList"/>
-    <dgm:cxn modelId="{5852A184-8F49-4767-927C-4CAB75CD7887}" srcId="{E721CFF6-F5DA-4C84-96E8-E6869F5D9A72}" destId="{60AC162E-7709-4543-9382-0AB390A2202F}" srcOrd="6" destOrd="0" parTransId="{CA85B955-01DA-44B2-86CE-39DDD3502ADE}" sibTransId="{998CD6A2-8BC1-4FCF-AA79-DDCCA6244029}"/>
     <dgm:cxn modelId="{4DB52697-A2A7-4158-97E6-89131A77B49D}" type="presOf" srcId="{44A1DE08-FB63-4329-90BF-7823D175BC1E}" destId="{ABB419EF-DA8B-4BFA-BF1E-925B1321E7E2}" srcOrd="0" destOrd="0" presId="urn:microsoft.com/office/officeart/2008/layout/LinedList"/>
-    <dgm:cxn modelId="{C439BEF7-4A42-4BAC-9635-FAA8D7BA8BFC}" type="presOf" srcId="{E721CFF6-F5DA-4C84-96E8-E6869F5D9A72}" destId="{3BEF68D0-D17D-46BC-86E8-FB68A8C93665}" srcOrd="0" destOrd="0" presId="urn:microsoft.com/office/officeart/2008/layout/LinedList"/>
-    <dgm:cxn modelId="{DB5A4F5B-46BE-41EC-9B54-909565D2202C}" type="presOf" srcId="{2763F3B8-D354-4513-A2A5-1ACC91F2D733}" destId="{4D8A79E5-E948-4FBA-96D5-1C6CC280B61E}" srcOrd="0" destOrd="0" presId="urn:microsoft.com/office/officeart/2008/layout/LinedList"/>
-    <dgm:cxn modelId="{FC67AADC-7294-4BBA-9E63-7449683EB2CE}" srcId="{E721CFF6-F5DA-4C84-96E8-E6869F5D9A72}" destId="{828B2E6E-F803-4A64-BF50-2E9FDB4E1DEA}" srcOrd="4" destOrd="0" parTransId="{61E92328-2C35-4F83-9936-DEA603CF1478}" sibTransId="{15D6D97E-DA23-4A74-A520-4BC0DAB41982}"/>
-    <dgm:cxn modelId="{D412BAB7-AD78-4C7F-8F7D-2830E9157EFB}" type="presOf" srcId="{93C4C77B-D590-4C38-9342-DB9089CDF074}" destId="{DEAD70E7-FE25-49F0-BA74-B1A786880FAD}" srcOrd="0" destOrd="0" presId="urn:microsoft.com/office/officeart/2008/layout/LinedList"/>
-    <dgm:cxn modelId="{0FA209AC-4AD3-4EA8-8862-47D0E7B332F2}" type="presOf" srcId="{60AC162E-7709-4543-9382-0AB390A2202F}" destId="{B3EE5CF6-D6CF-427E-880B-0F02D3CB2444}" srcOrd="0" destOrd="0" presId="urn:microsoft.com/office/officeart/2008/layout/LinedList"/>
     <dgm:cxn modelId="{D929D9D5-6237-4B6D-9DC4-3B869F5D1635}" type="presParOf" srcId="{ABB419EF-DA8B-4BFA-BF1E-925B1321E7E2}" destId="{91F1FE8E-ADD1-4885-AC53-0C6F73C097C6}" srcOrd="0" destOrd="0" presId="urn:microsoft.com/office/officeart/2008/layout/LinedList"/>
     <dgm:cxn modelId="{5943A963-23FC-4A15-8AB4-CC33C8819691}" type="presParOf" srcId="{ABB419EF-DA8B-4BFA-BF1E-925B1321E7E2}" destId="{A4C882E0-C26E-4151-B697-F29CA6638CF9}" srcOrd="1" destOrd="0" presId="urn:microsoft.com/office/officeart/2008/layout/LinedList"/>
     <dgm:cxn modelId="{97D5B4DE-FF89-41AB-8A49-BD5D8FE864AF}" type="presParOf" srcId="{A4C882E0-C26E-4151-B697-F29CA6638CF9}" destId="{3BEF68D0-D17D-46BC-86E8-FB68A8C93665}" srcOrd="0" destOrd="0" presId="urn:microsoft.com/office/officeart/2008/layout/LinedList"/>
@@ -10656,23 +10664,23 @@
     </dgm:pt>
   </dgm:ptLst>
   <dgm:cxnLst>
+    <dgm:cxn modelId="{0FA209AC-4AD3-4EA8-8862-47D0E7B332F2}" type="presOf" srcId="{60AC162E-7709-4543-9382-0AB390A2202F}" destId="{B3EE5CF6-D6CF-427E-880B-0F02D3CB2444}" srcOrd="0" destOrd="0" presId="urn:microsoft.com/office/officeart/2008/layout/LinedList"/>
+    <dgm:cxn modelId="{A587061A-C5D8-4761-AE38-3478C4982DA8}" type="presOf" srcId="{77164FD3-9F49-4EA9-98E6-C7BC2137B4B1}" destId="{96B51C0D-7E42-434A-8339-F812C4AC2E96}" srcOrd="0" destOrd="0" presId="urn:microsoft.com/office/officeart/2008/layout/LinedList"/>
+    <dgm:cxn modelId="{D2B56790-3A47-474F-AE02-0F4DDD56BD23}" type="presOf" srcId="{C062E97C-F934-44BB-8579-F9B554401582}" destId="{93D5975A-9A0B-451C-9D37-306340208A2F}" srcOrd="0" destOrd="0" presId="urn:microsoft.com/office/officeart/2008/layout/LinedList"/>
+    <dgm:cxn modelId="{B15CA486-5498-4B3D-9F3C-138DCBCC9310}" srcId="{44A1DE08-FB63-4329-90BF-7823D175BC1E}" destId="{E721CFF6-F5DA-4C84-96E8-E6869F5D9A72}" srcOrd="0" destOrd="0" parTransId="{7A70569B-3BB2-4904-A000-6CCD152103E8}" sibTransId="{46164CA9-E624-42F9-BAA5-0D1B4B6D2EC5}"/>
+    <dgm:cxn modelId="{CA759E7F-66AE-465E-A846-6B2C8881A255}" srcId="{E721CFF6-F5DA-4C84-96E8-E6869F5D9A72}" destId="{C062E97C-F934-44BB-8579-F9B554401582}" srcOrd="5" destOrd="0" parTransId="{64E54EA2-0CBD-40C7-A761-17CAEEC26F18}" sibTransId="{AB9D5C7A-1FB6-4AFD-B4E5-5DA8E20A5E21}"/>
+    <dgm:cxn modelId="{C439BEF7-4A42-4BAC-9635-FAA8D7BA8BFC}" type="presOf" srcId="{E721CFF6-F5DA-4C84-96E8-E6869F5D9A72}" destId="{3BEF68D0-D17D-46BC-86E8-FB68A8C93665}" srcOrd="0" destOrd="0" presId="urn:microsoft.com/office/officeart/2008/layout/LinedList"/>
     <dgm:cxn modelId="{6E8A2461-093A-438B-B752-EB4F414855A9}" srcId="{E721CFF6-F5DA-4C84-96E8-E6869F5D9A72}" destId="{2763F3B8-D354-4513-A2A5-1ACC91F2D733}" srcOrd="3" destOrd="0" parTransId="{B3350334-656E-4F4E-B301-603334E19C52}" sibTransId="{66B70017-53FF-40EC-9C94-E10D7F063EEF}"/>
+    <dgm:cxn modelId="{FC67AADC-7294-4BBA-9E63-7449683EB2CE}" srcId="{E721CFF6-F5DA-4C84-96E8-E6869F5D9A72}" destId="{828B2E6E-F803-4A64-BF50-2E9FDB4E1DEA}" srcOrd="4" destOrd="0" parTransId="{61E92328-2C35-4F83-9936-DEA603CF1478}" sibTransId="{15D6D97E-DA23-4A74-A520-4BC0DAB41982}"/>
+    <dgm:cxn modelId="{5852A184-8F49-4767-927C-4CAB75CD7887}" srcId="{E721CFF6-F5DA-4C84-96E8-E6869F5D9A72}" destId="{60AC162E-7709-4543-9382-0AB390A2202F}" srcOrd="6" destOrd="0" parTransId="{CA85B955-01DA-44B2-86CE-39DDD3502ADE}" sibTransId="{998CD6A2-8BC1-4FCF-AA79-DDCCA6244029}"/>
+    <dgm:cxn modelId="{49BB62EA-B427-4A8F-8583-0854F3481C94}" type="presOf" srcId="{828B2E6E-F803-4A64-BF50-2E9FDB4E1DEA}" destId="{B8BF9229-CCB5-4368-9706-7091C57C676F}" srcOrd="0" destOrd="0" presId="urn:microsoft.com/office/officeart/2008/layout/LinedList"/>
+    <dgm:cxn modelId="{D412BAB7-AD78-4C7F-8F7D-2830E9157EFB}" type="presOf" srcId="{93C4C77B-D590-4C38-9342-DB9089CDF074}" destId="{DEAD70E7-FE25-49F0-BA74-B1A786880FAD}" srcOrd="0" destOrd="0" presId="urn:microsoft.com/office/officeart/2008/layout/LinedList"/>
+    <dgm:cxn modelId="{DB5A4F5B-46BE-41EC-9B54-909565D2202C}" type="presOf" srcId="{2763F3B8-D354-4513-A2A5-1ACC91F2D733}" destId="{4D8A79E5-E948-4FBA-96D5-1C6CC280B61E}" srcOrd="0" destOrd="0" presId="urn:microsoft.com/office/officeart/2008/layout/LinedList"/>
+    <dgm:cxn modelId="{501D4334-311B-453D-A0D7-914E5D1BB4BB}" srcId="{E721CFF6-F5DA-4C84-96E8-E6869F5D9A72}" destId="{77164FD3-9F49-4EA9-98E6-C7BC2137B4B1}" srcOrd="1" destOrd="0" parTransId="{32C7AC37-8CFC-4402-B165-67874806FED0}" sibTransId="{7EB477EE-FE4E-409D-A902-F5CD0AA979EA}"/>
     <dgm:cxn modelId="{BC9C0B93-D0D0-49EE-A5E6-1494291AB6AE}" srcId="{E721CFF6-F5DA-4C84-96E8-E6869F5D9A72}" destId="{93C4C77B-D590-4C38-9342-DB9089CDF074}" srcOrd="0" destOrd="0" parTransId="{87F3107C-78CE-4266-B957-A03DD37ED2EC}" sibTransId="{22B8F299-92FD-4E99-9C1D-6B04907D01DE}"/>
-    <dgm:cxn modelId="{49BB62EA-B427-4A8F-8583-0854F3481C94}" type="presOf" srcId="{828B2E6E-F803-4A64-BF50-2E9FDB4E1DEA}" destId="{B8BF9229-CCB5-4368-9706-7091C57C676F}" srcOrd="0" destOrd="0" presId="urn:microsoft.com/office/officeart/2008/layout/LinedList"/>
     <dgm:cxn modelId="{219D1123-AEF5-426A-A0DF-A53424716E1F}" srcId="{E721CFF6-F5DA-4C84-96E8-E6869F5D9A72}" destId="{988E2471-8E50-4FD9-B835-B8F5F91943AB}" srcOrd="2" destOrd="0" parTransId="{96D9BF4A-A2F7-4139-A6A2-6E4557567322}" sibTransId="{EA4CD0F0-9E69-4C56-8C80-7C0168764228}"/>
-    <dgm:cxn modelId="{501D4334-311B-453D-A0D7-914E5D1BB4BB}" srcId="{E721CFF6-F5DA-4C84-96E8-E6869F5D9A72}" destId="{77164FD3-9F49-4EA9-98E6-C7BC2137B4B1}" srcOrd="1" destOrd="0" parTransId="{32C7AC37-8CFC-4402-B165-67874806FED0}" sibTransId="{7EB477EE-FE4E-409D-A902-F5CD0AA979EA}"/>
     <dgm:cxn modelId="{24C9731C-5E79-4395-A6D2-F25F44C66CD3}" type="presOf" srcId="{988E2471-8E50-4FD9-B835-B8F5F91943AB}" destId="{6D944198-004B-493E-AB32-D606E61829B8}" srcOrd="0" destOrd="0" presId="urn:microsoft.com/office/officeart/2008/layout/LinedList"/>
-    <dgm:cxn modelId="{B15CA486-5498-4B3D-9F3C-138DCBCC9310}" srcId="{44A1DE08-FB63-4329-90BF-7823D175BC1E}" destId="{E721CFF6-F5DA-4C84-96E8-E6869F5D9A72}" srcOrd="0" destOrd="0" parTransId="{7A70569B-3BB2-4904-A000-6CCD152103E8}" sibTransId="{46164CA9-E624-42F9-BAA5-0D1B4B6D2EC5}"/>
-    <dgm:cxn modelId="{A587061A-C5D8-4761-AE38-3478C4982DA8}" type="presOf" srcId="{77164FD3-9F49-4EA9-98E6-C7BC2137B4B1}" destId="{96B51C0D-7E42-434A-8339-F812C4AC2E96}" srcOrd="0" destOrd="0" presId="urn:microsoft.com/office/officeart/2008/layout/LinedList"/>
-    <dgm:cxn modelId="{CA759E7F-66AE-465E-A846-6B2C8881A255}" srcId="{E721CFF6-F5DA-4C84-96E8-E6869F5D9A72}" destId="{C062E97C-F934-44BB-8579-F9B554401582}" srcOrd="5" destOrd="0" parTransId="{64E54EA2-0CBD-40C7-A761-17CAEEC26F18}" sibTransId="{AB9D5C7A-1FB6-4AFD-B4E5-5DA8E20A5E21}"/>
-    <dgm:cxn modelId="{D2B56790-3A47-474F-AE02-0F4DDD56BD23}" type="presOf" srcId="{C062E97C-F934-44BB-8579-F9B554401582}" destId="{93D5975A-9A0B-451C-9D37-306340208A2F}" srcOrd="0" destOrd="0" presId="urn:microsoft.com/office/officeart/2008/layout/LinedList"/>
-    <dgm:cxn modelId="{5852A184-8F49-4767-927C-4CAB75CD7887}" srcId="{E721CFF6-F5DA-4C84-96E8-E6869F5D9A72}" destId="{60AC162E-7709-4543-9382-0AB390A2202F}" srcOrd="6" destOrd="0" parTransId="{CA85B955-01DA-44B2-86CE-39DDD3502ADE}" sibTransId="{998CD6A2-8BC1-4FCF-AA79-DDCCA6244029}"/>
     <dgm:cxn modelId="{4DB52697-A2A7-4158-97E6-89131A77B49D}" type="presOf" srcId="{44A1DE08-FB63-4329-90BF-7823D175BC1E}" destId="{ABB419EF-DA8B-4BFA-BF1E-925B1321E7E2}" srcOrd="0" destOrd="0" presId="urn:microsoft.com/office/officeart/2008/layout/LinedList"/>
-    <dgm:cxn modelId="{C439BEF7-4A42-4BAC-9635-FAA8D7BA8BFC}" type="presOf" srcId="{E721CFF6-F5DA-4C84-96E8-E6869F5D9A72}" destId="{3BEF68D0-D17D-46BC-86E8-FB68A8C93665}" srcOrd="0" destOrd="0" presId="urn:microsoft.com/office/officeart/2008/layout/LinedList"/>
-    <dgm:cxn modelId="{DB5A4F5B-46BE-41EC-9B54-909565D2202C}" type="presOf" srcId="{2763F3B8-D354-4513-A2A5-1ACC91F2D733}" destId="{4D8A79E5-E948-4FBA-96D5-1C6CC280B61E}" srcOrd="0" destOrd="0" presId="urn:microsoft.com/office/officeart/2008/layout/LinedList"/>
-    <dgm:cxn modelId="{FC67AADC-7294-4BBA-9E63-7449683EB2CE}" srcId="{E721CFF6-F5DA-4C84-96E8-E6869F5D9A72}" destId="{828B2E6E-F803-4A64-BF50-2E9FDB4E1DEA}" srcOrd="4" destOrd="0" parTransId="{61E92328-2C35-4F83-9936-DEA603CF1478}" sibTransId="{15D6D97E-DA23-4A74-A520-4BC0DAB41982}"/>
-    <dgm:cxn modelId="{D412BAB7-AD78-4C7F-8F7D-2830E9157EFB}" type="presOf" srcId="{93C4C77B-D590-4C38-9342-DB9089CDF074}" destId="{DEAD70E7-FE25-49F0-BA74-B1A786880FAD}" srcOrd="0" destOrd="0" presId="urn:microsoft.com/office/officeart/2008/layout/LinedList"/>
-    <dgm:cxn modelId="{0FA209AC-4AD3-4EA8-8862-47D0E7B332F2}" type="presOf" srcId="{60AC162E-7709-4543-9382-0AB390A2202F}" destId="{B3EE5CF6-D6CF-427E-880B-0F02D3CB2444}" srcOrd="0" destOrd="0" presId="urn:microsoft.com/office/officeart/2008/layout/LinedList"/>
     <dgm:cxn modelId="{D929D9D5-6237-4B6D-9DC4-3B869F5D1635}" type="presParOf" srcId="{ABB419EF-DA8B-4BFA-BF1E-925B1321E7E2}" destId="{91F1FE8E-ADD1-4885-AC53-0C6F73C097C6}" srcOrd="0" destOrd="0" presId="urn:microsoft.com/office/officeart/2008/layout/LinedList"/>
     <dgm:cxn modelId="{5943A963-23FC-4A15-8AB4-CC33C8819691}" type="presParOf" srcId="{ABB419EF-DA8B-4BFA-BF1E-925B1321E7E2}" destId="{A4C882E0-C26E-4151-B697-F29CA6638CF9}" srcOrd="1" destOrd="0" presId="urn:microsoft.com/office/officeart/2008/layout/LinedList"/>
     <dgm:cxn modelId="{97D5B4DE-FF89-41AB-8A49-BD5D8FE864AF}" type="presParOf" srcId="{A4C882E0-C26E-4151-B697-F29CA6638CF9}" destId="{3BEF68D0-D17D-46BC-86E8-FB68A8C93665}" srcOrd="0" destOrd="0" presId="urn:microsoft.com/office/officeart/2008/layout/LinedList"/>
@@ -10859,8 +10867,8 @@
   </dgm:ptLst>
   <dgm:cxnLst>
     <dgm:cxn modelId="{D5E6A23C-4752-41C0-A83E-148402C8BC50}" type="presOf" srcId="{B6455B76-E0DD-4BAF-BDA3-FB611347CC63}" destId="{61819070-F512-4EB2-8F2E-8BB741B32587}" srcOrd="0" destOrd="0" presId="urn:microsoft.com/office/officeart/2005/8/layout/rings+Icon"/>
+    <dgm:cxn modelId="{BFE35E1F-D3A6-4804-9DED-125921CE69EA}" srcId="{D26D24B2-FC21-4986-8EDA-E31E90C55BCE}" destId="{B6455B76-E0DD-4BAF-BDA3-FB611347CC63}" srcOrd="0" destOrd="0" parTransId="{82317D8D-8631-4644-87A3-BA2317D0B6C1}" sibTransId="{58B254BD-6453-43BB-BF99-0C0821E5238A}"/>
     <dgm:cxn modelId="{8239A150-437B-4051-BB72-36F3370DC4B9}" type="presOf" srcId="{FF42DC42-475C-4E00-BB12-DD74C5F8A8D4}" destId="{49C38DEF-36A4-4556-8895-C41FD8591CC5}" srcOrd="0" destOrd="0" presId="urn:microsoft.com/office/officeart/2005/8/layout/rings+Icon"/>
-    <dgm:cxn modelId="{BFE35E1F-D3A6-4804-9DED-125921CE69EA}" srcId="{D26D24B2-FC21-4986-8EDA-E31E90C55BCE}" destId="{B6455B76-E0DD-4BAF-BDA3-FB611347CC63}" srcOrd="0" destOrd="0" parTransId="{82317D8D-8631-4644-87A3-BA2317D0B6C1}" sibTransId="{58B254BD-6453-43BB-BF99-0C0821E5238A}"/>
     <dgm:cxn modelId="{0703DBE5-798A-4700-802F-AF7278CD901D}" srcId="{D26D24B2-FC21-4986-8EDA-E31E90C55BCE}" destId="{FF42DC42-475C-4E00-BB12-DD74C5F8A8D4}" srcOrd="1" destOrd="0" parTransId="{A0596A03-8492-478F-8274-9A73CF624DBB}" sibTransId="{3AAD493B-655C-4EA5-A16B-B901A272C165}"/>
     <dgm:cxn modelId="{0F51CA71-B68B-402E-9E15-DD00B307A0DC}" type="presOf" srcId="{D26D24B2-FC21-4986-8EDA-E31E90C55BCE}" destId="{74220686-5A8B-4542-A94E-CACD1D31A7C1}" srcOrd="0" destOrd="0" presId="urn:microsoft.com/office/officeart/2005/8/layout/rings+Icon"/>
     <dgm:cxn modelId="{7C32F820-58C0-4D7D-8BD7-9BDEC6643365}" type="presParOf" srcId="{74220686-5A8B-4542-A94E-CACD1D31A7C1}" destId="{61819070-F512-4EB2-8F2E-8BB741B32587}" srcOrd="0" destOrd="0" presId="urn:microsoft.com/office/officeart/2005/8/layout/rings+Icon"/>
@@ -12043,7 +12051,15 @@
           </a:pPr>
           <a:r>
             <a:rPr lang="en-US" sz="2400" kern="1200" dirty="0" smtClean="0"/>
-            <a:t>Our project was split into six phases, each of which was vital to the success of the overall project.</a:t>
+            <a:t>Our project was split into </a:t>
+          </a:r>
+          <a:r>
+            <a:rPr lang="en-US" sz="2400" kern="1200" dirty="0" smtClean="0"/>
+            <a:t>7 </a:t>
+          </a:r>
+          <a:r>
+            <a:rPr lang="en-US" sz="2400" kern="1200" dirty="0" smtClean="0"/>
+            <a:t>phases, each of which was vital to the success of the overall project.</a:t>
           </a:r>
           <a:endParaRPr lang="en-US" sz="2400" kern="1200" dirty="0"/>
         </a:p>
@@ -31929,7 +31945,6 @@
               <a:rPr lang="en-US" dirty="0"/>
               <a:t>The main purpose of Phase IV was to add basic I/O and ARM-like execution [2].</a:t>
             </a:r>
-            <a:endParaRPr lang="en-US" dirty="0"/>
           </a:p>
         </p:txBody>
       </p:sp>
@@ -39265,7 +39280,11 @@
             </a:r>
             <a:r>
               <a:rPr lang="en-US" dirty="0" smtClean="0"/>
-              <a:t>4: </a:t>
+              <a:t>3 &amp; 4</a:t>
+            </a:r>
+            <a:r>
+              <a:rPr lang="en-US" dirty="0" smtClean="0"/>
+              <a:t>: </a:t>
             </a:r>
             <a:r>
               <a:rPr lang="en-US" dirty="0"/>
@@ -41895,7 +41914,7 @@
             <p:ph idx="1"/>
             <p:extLst>
               <p:ext uri="{D42A27DB-BD31-4B8C-83A1-F6EECF244321}">
-                <p14:modId xmlns:p14="http://schemas.microsoft.com/office/powerpoint/2010/main" val="433308297"/>
+                <p14:modId xmlns:p14="http://schemas.microsoft.com/office/powerpoint/2010/main" val="3050684922"/>
               </p:ext>
             </p:extLst>
           </p:nvPr>
